--- a/ClassDiagram.pptx
+++ b/ClassDiagram.pptx
@@ -23,6 +23,9 @@
     <p:sldId id="271" r:id="rId17"/>
     <p:sldId id="272" r:id="rId18"/>
     <p:sldId id="273" r:id="rId19"/>
+    <p:sldId id="274" r:id="rId20"/>
+    <p:sldId id="275" r:id="rId21"/>
+    <p:sldId id="276" r:id="rId22"/>
   </p:sldIdLst>
   <p:sldSz cx="12192000" cy="6858000"/>
   <p:notesSz cx="6858000" cy="9144000"/>
@@ -17887,6 +17890,2050 @@
 </p:sld>
 </file>
 
+<file path=ppt/slides/slide19.xml><?xml version="1.0" encoding="utf-8"?>
+<p:sld xmlns:a="http://schemas.openxmlformats.org/drawingml/2006/main" xmlns:r="http://schemas.openxmlformats.org/officeDocument/2006/relationships" xmlns:p="http://schemas.openxmlformats.org/presentationml/2006/main">
+  <p:cSld>
+    <p:spTree>
+      <p:nvGrpSpPr>
+        <p:cNvPr id="1" name=""/>
+        <p:cNvGrpSpPr/>
+        <p:nvPr/>
+      </p:nvGrpSpPr>
+      <p:grpSpPr>
+        <a:xfrm>
+          <a:off x="0" y="0"/>
+          <a:ext cx="0" cy="0"/>
+          <a:chOff x="0" y="0"/>
+          <a:chExt cx="0" cy="0"/>
+        </a:xfrm>
+      </p:grpSpPr>
+      <p:sp>
+        <p:nvSpPr>
+          <p:cNvPr id="4" name="직사각형 3">
+            <a:extLst>
+              <a:ext uri="{FF2B5EF4-FFF2-40B4-BE49-F238E27FC236}">
+                <a16:creationId xmlns:a16="http://schemas.microsoft.com/office/drawing/2014/main" id="{F954BBEA-7028-1B43-871A-F28FC3EC4616}"/>
+              </a:ext>
+            </a:extLst>
+          </p:cNvPr>
+          <p:cNvSpPr/>
+          <p:nvPr/>
+        </p:nvSpPr>
+        <p:spPr>
+          <a:xfrm>
+            <a:off x="1308615" y="2925581"/>
+            <a:ext cx="1633928" cy="679882"/>
+          </a:xfrm>
+          <a:prstGeom prst="rect">
+            <a:avLst/>
+          </a:prstGeom>
+          <a:noFill/>
+          <a:ln w="12700">
+            <a:solidFill>
+              <a:schemeClr val="tx1"/>
+            </a:solidFill>
+          </a:ln>
+        </p:spPr>
+        <p:style>
+          <a:lnRef idx="2">
+            <a:schemeClr val="accent1">
+              <a:shade val="50000"/>
+            </a:schemeClr>
+          </a:lnRef>
+          <a:fillRef idx="1">
+            <a:schemeClr val="accent1"/>
+          </a:fillRef>
+          <a:effectRef idx="0">
+            <a:schemeClr val="accent1"/>
+          </a:effectRef>
+          <a:fontRef idx="minor">
+            <a:schemeClr val="lt1"/>
+          </a:fontRef>
+        </p:style>
+        <p:txBody>
+          <a:bodyPr rtlCol="0" anchor="ctr"/>
+          <a:lstStyle/>
+          <a:p>
+            <a:pPr algn="ctr"/>
+            <a:r>
+              <a:rPr lang="ko-Kore-KR" sz="1600" dirty="0">
+                <a:solidFill>
+                  <a:schemeClr val="tx1"/>
+                </a:solidFill>
+                <a:latin typeface="D2Coding" panose="020B0609020101020101" pitchFamily="49" charset="-127"/>
+                <a:ea typeface="D2Coding" panose="020B0609020101020101" pitchFamily="49" charset="-127"/>
+              </a:rPr>
+              <a:t>App</a:t>
+            </a:r>
+          </a:p>
+        </p:txBody>
+      </p:sp>
+      <p:sp>
+        <p:nvSpPr>
+          <p:cNvPr id="5" name="TextBox 4">
+            <a:extLst>
+              <a:ext uri="{FF2B5EF4-FFF2-40B4-BE49-F238E27FC236}">
+                <a16:creationId xmlns:a16="http://schemas.microsoft.com/office/drawing/2014/main" id="{8C6B9D41-3D15-6247-84C1-FE25EF4EFC3A}"/>
+              </a:ext>
+            </a:extLst>
+          </p:cNvPr>
+          <p:cNvSpPr txBox="1"/>
+          <p:nvPr/>
+        </p:nvSpPr>
+        <p:spPr>
+          <a:xfrm>
+            <a:off x="344773" y="389745"/>
+            <a:ext cx="1723549" cy="461665"/>
+          </a:xfrm>
+          <a:prstGeom prst="rect">
+            <a:avLst/>
+          </a:prstGeom>
+          <a:noFill/>
+        </p:spPr>
+        <p:txBody>
+          <a:bodyPr wrap="none" rtlCol="0">
+            <a:spAutoFit/>
+          </a:bodyPr>
+          <a:lstStyle/>
+          <a:p>
+            <a:r>
+              <a:rPr lang="ko-KR" altLang="en-US" sz="2400" dirty="0">
+                <a:latin typeface="D2Coding" panose="020B0609020101020101" pitchFamily="49" charset="-127"/>
+                <a:ea typeface="D2Coding" panose="020B0609020101020101" pitchFamily="49" charset="-127"/>
+              </a:rPr>
+              <a:t>단계</a:t>
+            </a:r>
+            <a:r>
+              <a:rPr lang="en-US" altLang="ko-KR" sz="2400" dirty="0">
+                <a:latin typeface="D2Coding" panose="020B0609020101020101" pitchFamily="49" charset="-127"/>
+                <a:ea typeface="D2Coding" panose="020B0609020101020101" pitchFamily="49" charset="-127"/>
+              </a:rPr>
+              <a:t>:</a:t>
+            </a:r>
+            <a:r>
+              <a:rPr lang="ko-KR" altLang="en-US" sz="2400" dirty="0">
+                <a:latin typeface="D2Coding" panose="020B0609020101020101" pitchFamily="49" charset="-127"/>
+                <a:ea typeface="D2Coding" panose="020B0609020101020101" pitchFamily="49" charset="-127"/>
+              </a:rPr>
+              <a:t> </a:t>
+            </a:r>
+            <a:r>
+              <a:rPr lang="en-US" altLang="ko-KR" sz="2400" dirty="0">
+                <a:latin typeface="D2Coding" panose="020B0609020101020101" pitchFamily="49" charset="-127"/>
+                <a:ea typeface="D2Coding" panose="020B0609020101020101" pitchFamily="49" charset="-127"/>
+              </a:rPr>
+              <a:t>24_4</a:t>
+            </a:r>
+            <a:endParaRPr lang="ko-Kore-KR" sz="2400" dirty="0">
+              <a:latin typeface="D2Coding" panose="020B0609020101020101" pitchFamily="49" charset="-127"/>
+              <a:ea typeface="D2Coding" panose="020B0609020101020101" pitchFamily="49" charset="-127"/>
+            </a:endParaRPr>
+          </a:p>
+        </p:txBody>
+      </p:sp>
+      <p:sp>
+        <p:nvSpPr>
+          <p:cNvPr id="8" name="직사각형 7">
+            <a:extLst>
+              <a:ext uri="{FF2B5EF4-FFF2-40B4-BE49-F238E27FC236}">
+                <a16:creationId xmlns:a16="http://schemas.microsoft.com/office/drawing/2014/main" id="{99C79032-C93B-9C4F-A624-5E2631DB4E33}"/>
+              </a:ext>
+            </a:extLst>
+          </p:cNvPr>
+          <p:cNvSpPr/>
+          <p:nvPr/>
+        </p:nvSpPr>
+        <p:spPr>
+          <a:xfrm>
+            <a:off x="4380677" y="2047845"/>
+            <a:ext cx="1633928" cy="437148"/>
+          </a:xfrm>
+          <a:prstGeom prst="rect">
+            <a:avLst/>
+          </a:prstGeom>
+          <a:noFill/>
+          <a:ln w="12700">
+            <a:solidFill>
+              <a:schemeClr val="tx1"/>
+            </a:solidFill>
+          </a:ln>
+        </p:spPr>
+        <p:style>
+          <a:lnRef idx="2">
+            <a:schemeClr val="accent1">
+              <a:shade val="50000"/>
+            </a:schemeClr>
+          </a:lnRef>
+          <a:fillRef idx="1">
+            <a:schemeClr val="accent1"/>
+          </a:fillRef>
+          <a:effectRef idx="0">
+            <a:schemeClr val="accent1"/>
+          </a:effectRef>
+          <a:fontRef idx="minor">
+            <a:schemeClr val="lt1"/>
+          </a:fontRef>
+        </p:style>
+        <p:txBody>
+          <a:bodyPr rtlCol="0" anchor="ctr"/>
+          <a:lstStyle/>
+          <a:p>
+            <a:pPr algn="ctr"/>
+            <a:r>
+              <a:rPr lang="ko-Kore-KR" sz="1600" dirty="0">
+                <a:solidFill>
+                  <a:schemeClr val="tx1"/>
+                </a:solidFill>
+                <a:latin typeface="D2Coding" panose="020B0609020101020101" pitchFamily="49" charset="-127"/>
+                <a:ea typeface="D2Coding" panose="020B0609020101020101" pitchFamily="49" charset="-127"/>
+              </a:rPr>
+              <a:t>Lesson</a:t>
+            </a:r>
+          </a:p>
+        </p:txBody>
+      </p:sp>
+      <p:sp>
+        <p:nvSpPr>
+          <p:cNvPr id="9" name="직사각형 8">
+            <a:extLst>
+              <a:ext uri="{FF2B5EF4-FFF2-40B4-BE49-F238E27FC236}">
+                <a16:creationId xmlns:a16="http://schemas.microsoft.com/office/drawing/2014/main" id="{4FBB0D4F-0C2E-1947-B962-2F1D147FB61B}"/>
+              </a:ext>
+            </a:extLst>
+          </p:cNvPr>
+          <p:cNvSpPr/>
+          <p:nvPr/>
+        </p:nvSpPr>
+        <p:spPr>
+          <a:xfrm>
+            <a:off x="9144536" y="5085928"/>
+            <a:ext cx="1633928" cy="679882"/>
+          </a:xfrm>
+          <a:prstGeom prst="rect">
+            <a:avLst/>
+          </a:prstGeom>
+          <a:noFill/>
+          <a:ln w="12700">
+            <a:solidFill>
+              <a:schemeClr val="tx1"/>
+            </a:solidFill>
+          </a:ln>
+        </p:spPr>
+        <p:style>
+          <a:lnRef idx="2">
+            <a:schemeClr val="accent1">
+              <a:shade val="50000"/>
+            </a:schemeClr>
+          </a:lnRef>
+          <a:fillRef idx="1">
+            <a:schemeClr val="accent1"/>
+          </a:fillRef>
+          <a:effectRef idx="0">
+            <a:schemeClr val="accent1"/>
+          </a:effectRef>
+          <a:fontRef idx="minor">
+            <a:schemeClr val="lt1"/>
+          </a:fontRef>
+        </p:style>
+        <p:txBody>
+          <a:bodyPr rtlCol="0" anchor="ctr"/>
+          <a:lstStyle/>
+          <a:p>
+            <a:pPr algn="ctr"/>
+            <a:r>
+              <a:rPr lang="ko-Kore-KR" sz="1600" dirty="0">
+                <a:solidFill>
+                  <a:schemeClr val="tx1"/>
+                </a:solidFill>
+                <a:latin typeface="D2Coding" panose="020B0609020101020101" pitchFamily="49" charset="-127"/>
+                <a:ea typeface="D2Coding" panose="020B0609020101020101" pitchFamily="49" charset="-127"/>
+              </a:rPr>
+              <a:t>ArrayList</a:t>
+            </a:r>
+          </a:p>
+        </p:txBody>
+      </p:sp>
+      <p:cxnSp>
+        <p:nvCxnSpPr>
+          <p:cNvPr id="3" name="직선 화살표 연결선 2">
+            <a:extLst>
+              <a:ext uri="{FF2B5EF4-FFF2-40B4-BE49-F238E27FC236}">
+                <a16:creationId xmlns:a16="http://schemas.microsoft.com/office/drawing/2014/main" id="{5F5800FD-FD88-6B43-9449-E2F4E00BEC95}"/>
+              </a:ext>
+            </a:extLst>
+          </p:cNvPr>
+          <p:cNvCxnSpPr>
+            <a:cxnSpLocks/>
+            <a:stCxn id="4" idx="3"/>
+            <a:endCxn id="12" idx="1"/>
+          </p:cNvCxnSpPr>
+          <p:nvPr/>
+        </p:nvCxnSpPr>
+        <p:spPr>
+          <a:xfrm flipV="1">
+            <a:off x="2942543" y="1447342"/>
+            <a:ext cx="1002170" cy="1818180"/>
+          </a:xfrm>
+          <a:prstGeom prst="straightConnector1">
+            <a:avLst/>
+          </a:prstGeom>
+          <a:ln w="12700">
+            <a:solidFill>
+              <a:schemeClr val="tx1"/>
+            </a:solidFill>
+            <a:headEnd type="none" w="lg" len="lg"/>
+            <a:tailEnd type="arrow" w="lg" len="lg"/>
+          </a:ln>
+        </p:spPr>
+        <p:style>
+          <a:lnRef idx="1">
+            <a:schemeClr val="accent1"/>
+          </a:lnRef>
+          <a:fillRef idx="0">
+            <a:schemeClr val="accent1"/>
+          </a:fillRef>
+          <a:effectRef idx="0">
+            <a:schemeClr val="accent1"/>
+          </a:effectRef>
+          <a:fontRef idx="minor">
+            <a:schemeClr val="tx1"/>
+          </a:fontRef>
+        </p:style>
+      </p:cxnSp>
+      <p:cxnSp>
+        <p:nvCxnSpPr>
+          <p:cNvPr id="11" name="직선 화살표 연결선 10">
+            <a:extLst>
+              <a:ext uri="{FF2B5EF4-FFF2-40B4-BE49-F238E27FC236}">
+                <a16:creationId xmlns:a16="http://schemas.microsoft.com/office/drawing/2014/main" id="{BF5B527A-0543-A149-A80B-D8B34F60FDF0}"/>
+              </a:ext>
+            </a:extLst>
+          </p:cNvPr>
+          <p:cNvCxnSpPr>
+            <a:cxnSpLocks/>
+            <a:stCxn id="4" idx="3"/>
+            <a:endCxn id="17" idx="1"/>
+          </p:cNvCxnSpPr>
+          <p:nvPr/>
+        </p:nvCxnSpPr>
+        <p:spPr>
+          <a:xfrm flipV="1">
+            <a:off x="2942543" y="3265521"/>
+            <a:ext cx="1002170" cy="1"/>
+          </a:xfrm>
+          <a:prstGeom prst="straightConnector1">
+            <a:avLst/>
+          </a:prstGeom>
+          <a:ln w="12700">
+            <a:solidFill>
+              <a:schemeClr val="tx1"/>
+            </a:solidFill>
+            <a:headEnd type="none" w="lg" len="lg"/>
+            <a:tailEnd type="arrow" w="lg" len="lg"/>
+          </a:ln>
+        </p:spPr>
+        <p:style>
+          <a:lnRef idx="1">
+            <a:schemeClr val="accent1"/>
+          </a:lnRef>
+          <a:fillRef idx="0">
+            <a:schemeClr val="accent1"/>
+          </a:fillRef>
+          <a:effectRef idx="0">
+            <a:schemeClr val="accent1"/>
+          </a:effectRef>
+          <a:fontRef idx="minor">
+            <a:schemeClr val="tx1"/>
+          </a:fontRef>
+        </p:style>
+      </p:cxnSp>
+      <p:cxnSp>
+        <p:nvCxnSpPr>
+          <p:cNvPr id="14" name="직선 화살표 연결선 13">
+            <a:extLst>
+              <a:ext uri="{FF2B5EF4-FFF2-40B4-BE49-F238E27FC236}">
+                <a16:creationId xmlns:a16="http://schemas.microsoft.com/office/drawing/2014/main" id="{4157D463-3782-664C-9741-BEFBFBF977E9}"/>
+              </a:ext>
+            </a:extLst>
+          </p:cNvPr>
+          <p:cNvCxnSpPr>
+            <a:cxnSpLocks/>
+            <a:stCxn id="4" idx="3"/>
+            <a:endCxn id="18" idx="1"/>
+          </p:cNvCxnSpPr>
+          <p:nvPr/>
+        </p:nvCxnSpPr>
+        <p:spPr>
+          <a:xfrm>
+            <a:off x="2942543" y="3265522"/>
+            <a:ext cx="1002170" cy="1912266"/>
+          </a:xfrm>
+          <a:prstGeom prst="straightConnector1">
+            <a:avLst/>
+          </a:prstGeom>
+          <a:ln w="12700">
+            <a:solidFill>
+              <a:schemeClr val="tx1"/>
+            </a:solidFill>
+            <a:headEnd type="none" w="lg" len="lg"/>
+            <a:tailEnd type="arrow" w="lg" len="lg"/>
+          </a:ln>
+        </p:spPr>
+        <p:style>
+          <a:lnRef idx="1">
+            <a:schemeClr val="accent1"/>
+          </a:lnRef>
+          <a:fillRef idx="0">
+            <a:schemeClr val="accent1"/>
+          </a:fillRef>
+          <a:effectRef idx="0">
+            <a:schemeClr val="accent1"/>
+          </a:effectRef>
+          <a:fontRef idx="minor">
+            <a:schemeClr val="tx1"/>
+          </a:fontRef>
+        </p:style>
+      </p:cxnSp>
+      <p:sp>
+        <p:nvSpPr>
+          <p:cNvPr id="12" name="직사각형 11">
+            <a:extLst>
+              <a:ext uri="{FF2B5EF4-FFF2-40B4-BE49-F238E27FC236}">
+                <a16:creationId xmlns:a16="http://schemas.microsoft.com/office/drawing/2014/main" id="{23D52A46-0D66-E942-BF4E-9A8064A1B57A}"/>
+              </a:ext>
+            </a:extLst>
+          </p:cNvPr>
+          <p:cNvSpPr/>
+          <p:nvPr/>
+        </p:nvSpPr>
+        <p:spPr>
+          <a:xfrm>
+            <a:off x="3944713" y="1107401"/>
+            <a:ext cx="2505857" cy="679882"/>
+          </a:xfrm>
+          <a:prstGeom prst="rect">
+            <a:avLst/>
+          </a:prstGeom>
+          <a:noFill/>
+          <a:ln w="12700">
+            <a:solidFill>
+              <a:schemeClr val="tx1"/>
+            </a:solidFill>
+          </a:ln>
+        </p:spPr>
+        <p:style>
+          <a:lnRef idx="2">
+            <a:schemeClr val="accent1">
+              <a:shade val="50000"/>
+            </a:schemeClr>
+          </a:lnRef>
+          <a:fillRef idx="1">
+            <a:schemeClr val="accent1"/>
+          </a:fillRef>
+          <a:effectRef idx="0">
+            <a:schemeClr val="accent1"/>
+          </a:effectRef>
+          <a:fontRef idx="minor">
+            <a:schemeClr val="lt1"/>
+          </a:fontRef>
+        </p:style>
+        <p:txBody>
+          <a:bodyPr rtlCol="0" anchor="ctr"/>
+          <a:lstStyle/>
+          <a:p>
+            <a:pPr algn="ctr"/>
+            <a:r>
+              <a:rPr lang="ko-Kore-KR" sz="1600" dirty="0">
+                <a:solidFill>
+                  <a:schemeClr val="tx1"/>
+                </a:solidFill>
+                <a:latin typeface="D2Coding" panose="020B0609020101020101" pitchFamily="49" charset="-127"/>
+                <a:ea typeface="D2Coding" panose="020B0609020101020101" pitchFamily="49" charset="-127"/>
+              </a:rPr>
+              <a:t>LessonHandler</a:t>
+            </a:r>
+          </a:p>
+        </p:txBody>
+      </p:sp>
+      <p:sp>
+        <p:nvSpPr>
+          <p:cNvPr id="17" name="직사각형 16">
+            <a:extLst>
+              <a:ext uri="{FF2B5EF4-FFF2-40B4-BE49-F238E27FC236}">
+                <a16:creationId xmlns:a16="http://schemas.microsoft.com/office/drawing/2014/main" id="{0C53B31F-29B2-C648-BEBC-067D6553D81F}"/>
+              </a:ext>
+            </a:extLst>
+          </p:cNvPr>
+          <p:cNvSpPr/>
+          <p:nvPr/>
+        </p:nvSpPr>
+        <p:spPr>
+          <a:xfrm>
+            <a:off x="3944713" y="2925580"/>
+            <a:ext cx="2505857" cy="679882"/>
+          </a:xfrm>
+          <a:prstGeom prst="rect">
+            <a:avLst/>
+          </a:prstGeom>
+          <a:noFill/>
+          <a:ln w="12700">
+            <a:solidFill>
+              <a:schemeClr val="tx1"/>
+            </a:solidFill>
+          </a:ln>
+        </p:spPr>
+        <p:style>
+          <a:lnRef idx="2">
+            <a:schemeClr val="accent1">
+              <a:shade val="50000"/>
+            </a:schemeClr>
+          </a:lnRef>
+          <a:fillRef idx="1">
+            <a:schemeClr val="accent1"/>
+          </a:fillRef>
+          <a:effectRef idx="0">
+            <a:schemeClr val="accent1"/>
+          </a:effectRef>
+          <a:fontRef idx="minor">
+            <a:schemeClr val="lt1"/>
+          </a:fontRef>
+        </p:style>
+        <p:txBody>
+          <a:bodyPr rtlCol="0" anchor="ctr"/>
+          <a:lstStyle/>
+          <a:p>
+            <a:pPr algn="ctr"/>
+            <a:r>
+              <a:rPr lang="ko-Kore-KR" sz="1600" dirty="0">
+                <a:solidFill>
+                  <a:schemeClr val="tx1"/>
+                </a:solidFill>
+                <a:latin typeface="D2Coding" panose="020B0609020101020101" pitchFamily="49" charset="-127"/>
+                <a:ea typeface="D2Coding" panose="020B0609020101020101" pitchFamily="49" charset="-127"/>
+              </a:rPr>
+              <a:t>MemberHandler</a:t>
+            </a:r>
+          </a:p>
+        </p:txBody>
+      </p:sp>
+      <p:sp>
+        <p:nvSpPr>
+          <p:cNvPr id="18" name="직사각형 17">
+            <a:extLst>
+              <a:ext uri="{FF2B5EF4-FFF2-40B4-BE49-F238E27FC236}">
+                <a16:creationId xmlns:a16="http://schemas.microsoft.com/office/drawing/2014/main" id="{1709C51D-A54C-EC49-A6C3-AB72BBA4082B}"/>
+              </a:ext>
+            </a:extLst>
+          </p:cNvPr>
+          <p:cNvSpPr/>
+          <p:nvPr/>
+        </p:nvSpPr>
+        <p:spPr>
+          <a:xfrm>
+            <a:off x="3944713" y="4837847"/>
+            <a:ext cx="2505857" cy="679882"/>
+          </a:xfrm>
+          <a:prstGeom prst="rect">
+            <a:avLst/>
+          </a:prstGeom>
+          <a:noFill/>
+          <a:ln w="12700">
+            <a:solidFill>
+              <a:schemeClr val="tx1"/>
+            </a:solidFill>
+          </a:ln>
+        </p:spPr>
+        <p:style>
+          <a:lnRef idx="2">
+            <a:schemeClr val="accent1">
+              <a:shade val="50000"/>
+            </a:schemeClr>
+          </a:lnRef>
+          <a:fillRef idx="1">
+            <a:schemeClr val="accent1"/>
+          </a:fillRef>
+          <a:effectRef idx="0">
+            <a:schemeClr val="accent1"/>
+          </a:effectRef>
+          <a:fontRef idx="minor">
+            <a:schemeClr val="lt1"/>
+          </a:fontRef>
+        </p:style>
+        <p:txBody>
+          <a:bodyPr rtlCol="0" anchor="ctr"/>
+          <a:lstStyle/>
+          <a:p>
+            <a:pPr algn="ctr"/>
+            <a:r>
+              <a:rPr lang="ko-Kore-KR" sz="1600" dirty="0">
+                <a:solidFill>
+                  <a:schemeClr val="tx1"/>
+                </a:solidFill>
+                <a:latin typeface="D2Coding" panose="020B0609020101020101" pitchFamily="49" charset="-127"/>
+                <a:ea typeface="D2Coding" panose="020B0609020101020101" pitchFamily="49" charset="-127"/>
+              </a:rPr>
+              <a:t>BoardHandler</a:t>
+            </a:r>
+          </a:p>
+        </p:txBody>
+      </p:sp>
+      <p:cxnSp>
+        <p:nvCxnSpPr>
+          <p:cNvPr id="27" name="직선 화살표 연결선 26">
+            <a:extLst>
+              <a:ext uri="{FF2B5EF4-FFF2-40B4-BE49-F238E27FC236}">
+                <a16:creationId xmlns:a16="http://schemas.microsoft.com/office/drawing/2014/main" id="{AEA8BB6C-F905-204E-A793-7EAAAB238E5B}"/>
+              </a:ext>
+            </a:extLst>
+          </p:cNvPr>
+          <p:cNvCxnSpPr>
+            <a:cxnSpLocks/>
+            <a:stCxn id="12" idx="2"/>
+            <a:endCxn id="8" idx="0"/>
+          </p:cNvCxnSpPr>
+          <p:nvPr/>
+        </p:nvCxnSpPr>
+        <p:spPr>
+          <a:xfrm flipH="1">
+            <a:off x="5197641" y="1787283"/>
+            <a:ext cx="1" cy="260562"/>
+          </a:xfrm>
+          <a:prstGeom prst="straightConnector1">
+            <a:avLst/>
+          </a:prstGeom>
+          <a:ln w="12700">
+            <a:solidFill>
+              <a:schemeClr val="tx1"/>
+            </a:solidFill>
+            <a:headEnd type="none" w="lg" len="lg"/>
+            <a:tailEnd type="arrow" w="lg" len="lg"/>
+          </a:ln>
+        </p:spPr>
+        <p:style>
+          <a:lnRef idx="1">
+            <a:schemeClr val="accent1"/>
+          </a:lnRef>
+          <a:fillRef idx="0">
+            <a:schemeClr val="accent1"/>
+          </a:fillRef>
+          <a:effectRef idx="0">
+            <a:schemeClr val="accent1"/>
+          </a:effectRef>
+          <a:fontRef idx="minor">
+            <a:schemeClr val="tx1"/>
+          </a:fontRef>
+        </p:style>
+      </p:cxnSp>
+      <p:cxnSp>
+        <p:nvCxnSpPr>
+          <p:cNvPr id="28" name="직선 화살표 연결선 27">
+            <a:extLst>
+              <a:ext uri="{FF2B5EF4-FFF2-40B4-BE49-F238E27FC236}">
+                <a16:creationId xmlns:a16="http://schemas.microsoft.com/office/drawing/2014/main" id="{4A5BCC15-A189-974C-ACA7-990D2582828B}"/>
+              </a:ext>
+            </a:extLst>
+          </p:cNvPr>
+          <p:cNvCxnSpPr>
+            <a:cxnSpLocks/>
+            <a:stCxn id="17" idx="3"/>
+            <a:endCxn id="20" idx="1"/>
+          </p:cNvCxnSpPr>
+          <p:nvPr/>
+        </p:nvCxnSpPr>
+        <p:spPr>
+          <a:xfrm>
+            <a:off x="6450570" y="3265521"/>
+            <a:ext cx="934224" cy="0"/>
+          </a:xfrm>
+          <a:prstGeom prst="straightConnector1">
+            <a:avLst/>
+          </a:prstGeom>
+          <a:ln w="12700">
+            <a:solidFill>
+              <a:schemeClr val="tx1"/>
+            </a:solidFill>
+            <a:headEnd type="none" w="lg" len="lg"/>
+            <a:tailEnd type="arrow" w="lg" len="lg"/>
+          </a:ln>
+        </p:spPr>
+        <p:style>
+          <a:lnRef idx="1">
+            <a:schemeClr val="accent1"/>
+          </a:lnRef>
+          <a:fillRef idx="0">
+            <a:schemeClr val="accent1"/>
+          </a:fillRef>
+          <a:effectRef idx="0">
+            <a:schemeClr val="accent1"/>
+          </a:effectRef>
+          <a:fontRef idx="minor">
+            <a:schemeClr val="tx1"/>
+          </a:fontRef>
+        </p:style>
+      </p:cxnSp>
+      <p:cxnSp>
+        <p:nvCxnSpPr>
+          <p:cNvPr id="29" name="직선 화살표 연결선 28">
+            <a:extLst>
+              <a:ext uri="{FF2B5EF4-FFF2-40B4-BE49-F238E27FC236}">
+                <a16:creationId xmlns:a16="http://schemas.microsoft.com/office/drawing/2014/main" id="{C03A3F24-5EAB-9C4E-BB7F-18CD26FA8A5A}"/>
+              </a:ext>
+            </a:extLst>
+          </p:cNvPr>
+          <p:cNvCxnSpPr>
+            <a:cxnSpLocks/>
+            <a:stCxn id="18" idx="3"/>
+            <a:endCxn id="20" idx="1"/>
+          </p:cNvCxnSpPr>
+          <p:nvPr/>
+        </p:nvCxnSpPr>
+        <p:spPr>
+          <a:xfrm flipV="1">
+            <a:off x="6450570" y="3265521"/>
+            <a:ext cx="934224" cy="1912267"/>
+          </a:xfrm>
+          <a:prstGeom prst="straightConnector1">
+            <a:avLst/>
+          </a:prstGeom>
+          <a:ln w="12700">
+            <a:solidFill>
+              <a:schemeClr val="tx1"/>
+            </a:solidFill>
+            <a:headEnd type="none" w="lg" len="lg"/>
+            <a:tailEnd type="arrow" w="lg" len="lg"/>
+          </a:ln>
+        </p:spPr>
+        <p:style>
+          <a:lnRef idx="1">
+            <a:schemeClr val="accent1"/>
+          </a:lnRef>
+          <a:fillRef idx="0">
+            <a:schemeClr val="accent1"/>
+          </a:fillRef>
+          <a:effectRef idx="0">
+            <a:schemeClr val="accent1"/>
+          </a:effectRef>
+          <a:fontRef idx="minor">
+            <a:schemeClr val="tx1"/>
+          </a:fontRef>
+        </p:style>
+      </p:cxnSp>
+      <p:sp>
+        <p:nvSpPr>
+          <p:cNvPr id="40" name="직사각형 39">
+            <a:extLst>
+              <a:ext uri="{FF2B5EF4-FFF2-40B4-BE49-F238E27FC236}">
+                <a16:creationId xmlns:a16="http://schemas.microsoft.com/office/drawing/2014/main" id="{BC66F44A-1380-464C-9B73-6A7E40289FB3}"/>
+              </a:ext>
+            </a:extLst>
+          </p:cNvPr>
+          <p:cNvSpPr/>
+          <p:nvPr/>
+        </p:nvSpPr>
+        <p:spPr>
+          <a:xfrm>
+            <a:off x="4380677" y="3869328"/>
+            <a:ext cx="1633928" cy="437148"/>
+          </a:xfrm>
+          <a:prstGeom prst="rect">
+            <a:avLst/>
+          </a:prstGeom>
+          <a:noFill/>
+          <a:ln w="12700">
+            <a:solidFill>
+              <a:schemeClr val="tx1"/>
+            </a:solidFill>
+          </a:ln>
+        </p:spPr>
+        <p:style>
+          <a:lnRef idx="2">
+            <a:schemeClr val="accent1">
+              <a:shade val="50000"/>
+            </a:schemeClr>
+          </a:lnRef>
+          <a:fillRef idx="1">
+            <a:schemeClr val="accent1"/>
+          </a:fillRef>
+          <a:effectRef idx="0">
+            <a:schemeClr val="accent1"/>
+          </a:effectRef>
+          <a:fontRef idx="minor">
+            <a:schemeClr val="lt1"/>
+          </a:fontRef>
+        </p:style>
+        <p:txBody>
+          <a:bodyPr rtlCol="0" anchor="ctr"/>
+          <a:lstStyle/>
+          <a:p>
+            <a:pPr algn="ctr"/>
+            <a:r>
+              <a:rPr lang="ko-Kore-KR" sz="1600" dirty="0">
+                <a:solidFill>
+                  <a:schemeClr val="tx1"/>
+                </a:solidFill>
+                <a:latin typeface="D2Coding" panose="020B0609020101020101" pitchFamily="49" charset="-127"/>
+                <a:ea typeface="D2Coding" panose="020B0609020101020101" pitchFamily="49" charset="-127"/>
+              </a:rPr>
+              <a:t>Member</a:t>
+            </a:r>
+          </a:p>
+        </p:txBody>
+      </p:sp>
+      <p:sp>
+        <p:nvSpPr>
+          <p:cNvPr id="47" name="직사각형 46">
+            <a:extLst>
+              <a:ext uri="{FF2B5EF4-FFF2-40B4-BE49-F238E27FC236}">
+                <a16:creationId xmlns:a16="http://schemas.microsoft.com/office/drawing/2014/main" id="{AD37DA71-38F7-AF41-820F-9F66239E7EF0}"/>
+              </a:ext>
+            </a:extLst>
+          </p:cNvPr>
+          <p:cNvSpPr/>
+          <p:nvPr/>
+        </p:nvSpPr>
+        <p:spPr>
+          <a:xfrm>
+            <a:off x="4380677" y="5776656"/>
+            <a:ext cx="1633928" cy="384825"/>
+          </a:xfrm>
+          <a:prstGeom prst="rect">
+            <a:avLst/>
+          </a:prstGeom>
+          <a:noFill/>
+          <a:ln w="12700">
+            <a:solidFill>
+              <a:schemeClr val="tx1"/>
+            </a:solidFill>
+          </a:ln>
+        </p:spPr>
+        <p:style>
+          <a:lnRef idx="2">
+            <a:schemeClr val="accent1">
+              <a:shade val="50000"/>
+            </a:schemeClr>
+          </a:lnRef>
+          <a:fillRef idx="1">
+            <a:schemeClr val="accent1"/>
+          </a:fillRef>
+          <a:effectRef idx="0">
+            <a:schemeClr val="accent1"/>
+          </a:effectRef>
+          <a:fontRef idx="minor">
+            <a:schemeClr val="lt1"/>
+          </a:fontRef>
+        </p:style>
+        <p:txBody>
+          <a:bodyPr rtlCol="0" anchor="ctr"/>
+          <a:lstStyle/>
+          <a:p>
+            <a:pPr algn="ctr"/>
+            <a:r>
+              <a:rPr lang="ko-Kore-KR" sz="1600" dirty="0">
+                <a:solidFill>
+                  <a:schemeClr val="tx1"/>
+                </a:solidFill>
+                <a:latin typeface="D2Coding" panose="020B0609020101020101" pitchFamily="49" charset="-127"/>
+                <a:ea typeface="D2Coding" panose="020B0609020101020101" pitchFamily="49" charset="-127"/>
+              </a:rPr>
+              <a:t>Board</a:t>
+            </a:r>
+          </a:p>
+        </p:txBody>
+      </p:sp>
+      <p:cxnSp>
+        <p:nvCxnSpPr>
+          <p:cNvPr id="55" name="직선 화살표 연결선 54">
+            <a:extLst>
+              <a:ext uri="{FF2B5EF4-FFF2-40B4-BE49-F238E27FC236}">
+                <a16:creationId xmlns:a16="http://schemas.microsoft.com/office/drawing/2014/main" id="{C3D34C31-B4B4-4148-BAF1-78C5F503BA5E}"/>
+              </a:ext>
+            </a:extLst>
+          </p:cNvPr>
+          <p:cNvCxnSpPr>
+            <a:cxnSpLocks/>
+            <a:stCxn id="17" idx="2"/>
+            <a:endCxn id="40" idx="0"/>
+          </p:cNvCxnSpPr>
+          <p:nvPr/>
+        </p:nvCxnSpPr>
+        <p:spPr>
+          <a:xfrm flipH="1">
+            <a:off x="5197641" y="3605462"/>
+            <a:ext cx="1" cy="263866"/>
+          </a:xfrm>
+          <a:prstGeom prst="straightConnector1">
+            <a:avLst/>
+          </a:prstGeom>
+          <a:ln w="12700">
+            <a:solidFill>
+              <a:schemeClr val="tx1"/>
+            </a:solidFill>
+            <a:headEnd type="none" w="lg" len="lg"/>
+            <a:tailEnd type="arrow" w="lg" len="lg"/>
+          </a:ln>
+        </p:spPr>
+        <p:style>
+          <a:lnRef idx="1">
+            <a:schemeClr val="accent1"/>
+          </a:lnRef>
+          <a:fillRef idx="0">
+            <a:schemeClr val="accent1"/>
+          </a:fillRef>
+          <a:effectRef idx="0">
+            <a:schemeClr val="accent1"/>
+          </a:effectRef>
+          <a:fontRef idx="minor">
+            <a:schemeClr val="tx1"/>
+          </a:fontRef>
+        </p:style>
+      </p:cxnSp>
+      <p:cxnSp>
+        <p:nvCxnSpPr>
+          <p:cNvPr id="59" name="직선 화살표 연결선 58">
+            <a:extLst>
+              <a:ext uri="{FF2B5EF4-FFF2-40B4-BE49-F238E27FC236}">
+                <a16:creationId xmlns:a16="http://schemas.microsoft.com/office/drawing/2014/main" id="{941F0224-43B9-1E4C-91BA-F4A14EFD150D}"/>
+              </a:ext>
+            </a:extLst>
+          </p:cNvPr>
+          <p:cNvCxnSpPr>
+            <a:cxnSpLocks/>
+            <a:stCxn id="18" idx="2"/>
+            <a:endCxn id="47" idx="0"/>
+          </p:cNvCxnSpPr>
+          <p:nvPr/>
+        </p:nvCxnSpPr>
+        <p:spPr>
+          <a:xfrm flipH="1">
+            <a:off x="5197641" y="5517729"/>
+            <a:ext cx="1" cy="258927"/>
+          </a:xfrm>
+          <a:prstGeom prst="straightConnector1">
+            <a:avLst/>
+          </a:prstGeom>
+          <a:ln w="12700">
+            <a:solidFill>
+              <a:schemeClr val="tx1"/>
+            </a:solidFill>
+            <a:headEnd type="none" w="lg" len="lg"/>
+            <a:tailEnd type="arrow" w="lg" len="lg"/>
+          </a:ln>
+        </p:spPr>
+        <p:style>
+          <a:lnRef idx="1">
+            <a:schemeClr val="accent1"/>
+          </a:lnRef>
+          <a:fillRef idx="0">
+            <a:schemeClr val="accent1"/>
+          </a:fillRef>
+          <a:effectRef idx="0">
+            <a:schemeClr val="accent1"/>
+          </a:effectRef>
+          <a:fontRef idx="minor">
+            <a:schemeClr val="tx1"/>
+          </a:fontRef>
+        </p:style>
+      </p:cxnSp>
+      <p:cxnSp>
+        <p:nvCxnSpPr>
+          <p:cNvPr id="54" name="직선 화살표 연결선 53">
+            <a:extLst>
+              <a:ext uri="{FF2B5EF4-FFF2-40B4-BE49-F238E27FC236}">
+                <a16:creationId xmlns:a16="http://schemas.microsoft.com/office/drawing/2014/main" id="{8F504CBD-7E6F-2B4D-9ED2-9901F292BEFD}"/>
+              </a:ext>
+            </a:extLst>
+          </p:cNvPr>
+          <p:cNvCxnSpPr>
+            <a:cxnSpLocks/>
+            <a:stCxn id="12" idx="3"/>
+            <a:endCxn id="20" idx="1"/>
+          </p:cNvCxnSpPr>
+          <p:nvPr/>
+        </p:nvCxnSpPr>
+        <p:spPr>
+          <a:xfrm>
+            <a:off x="6450570" y="1447342"/>
+            <a:ext cx="934224" cy="1818179"/>
+          </a:xfrm>
+          <a:prstGeom prst="straightConnector1">
+            <a:avLst/>
+          </a:prstGeom>
+          <a:ln w="12700">
+            <a:solidFill>
+              <a:schemeClr val="tx1"/>
+            </a:solidFill>
+            <a:headEnd type="none" w="lg" len="lg"/>
+            <a:tailEnd type="arrow" w="lg" len="lg"/>
+          </a:ln>
+        </p:spPr>
+        <p:style>
+          <a:lnRef idx="1">
+            <a:schemeClr val="accent1"/>
+          </a:lnRef>
+          <a:fillRef idx="0">
+            <a:schemeClr val="accent1"/>
+          </a:fillRef>
+          <a:effectRef idx="0">
+            <a:schemeClr val="accent1"/>
+          </a:effectRef>
+          <a:fontRef idx="minor">
+            <a:schemeClr val="tx1"/>
+          </a:fontRef>
+        </p:style>
+      </p:cxnSp>
+      <p:sp>
+        <p:nvSpPr>
+          <p:cNvPr id="21" name="직사각형 20">
+            <a:extLst>
+              <a:ext uri="{FF2B5EF4-FFF2-40B4-BE49-F238E27FC236}">
+                <a16:creationId xmlns:a16="http://schemas.microsoft.com/office/drawing/2014/main" id="{C93F62BE-8457-244C-ACC4-17665D03DEF6}"/>
+              </a:ext>
+            </a:extLst>
+          </p:cNvPr>
+          <p:cNvSpPr/>
+          <p:nvPr/>
+        </p:nvSpPr>
+        <p:spPr>
+          <a:xfrm>
+            <a:off x="871538" y="4152507"/>
+            <a:ext cx="2065711" cy="1025282"/>
+          </a:xfrm>
+          <a:prstGeom prst="rect">
+            <a:avLst/>
+          </a:prstGeom>
+          <a:noFill/>
+          <a:ln w="12700">
+            <a:solidFill>
+              <a:schemeClr val="tx1"/>
+            </a:solidFill>
+          </a:ln>
+        </p:spPr>
+        <p:style>
+          <a:lnRef idx="2">
+            <a:schemeClr val="accent1">
+              <a:shade val="50000"/>
+            </a:schemeClr>
+          </a:lnRef>
+          <a:fillRef idx="1">
+            <a:schemeClr val="accent1"/>
+          </a:fillRef>
+          <a:effectRef idx="0">
+            <a:schemeClr val="accent1"/>
+          </a:effectRef>
+          <a:fontRef idx="minor">
+            <a:schemeClr val="lt1"/>
+          </a:fontRef>
+        </p:style>
+        <p:txBody>
+          <a:bodyPr rtlCol="0" anchor="t" anchorCtr="0"/>
+          <a:lstStyle/>
+          <a:p>
+            <a:pPr algn="ctr"/>
+            <a:r>
+              <a:rPr lang="ko-Kore-KR" sz="1600" dirty="0">
+                <a:solidFill>
+                  <a:schemeClr val="tx1"/>
+                </a:solidFill>
+                <a:latin typeface="D2Coding" panose="020B0609020101020101" pitchFamily="49" charset="-127"/>
+                <a:ea typeface="D2Coding" panose="020B0609020101020101" pitchFamily="49" charset="-127"/>
+              </a:rPr>
+              <a:t>Stack</a:t>
+            </a:r>
+          </a:p>
+        </p:txBody>
+      </p:sp>
+      <p:cxnSp>
+        <p:nvCxnSpPr>
+          <p:cNvPr id="22" name="직선 화살표 연결선 21">
+            <a:extLst>
+              <a:ext uri="{FF2B5EF4-FFF2-40B4-BE49-F238E27FC236}">
+                <a16:creationId xmlns:a16="http://schemas.microsoft.com/office/drawing/2014/main" id="{A1E249DC-4CC9-384F-BCE1-D0EB892FC917}"/>
+              </a:ext>
+            </a:extLst>
+          </p:cNvPr>
+          <p:cNvCxnSpPr>
+            <a:cxnSpLocks/>
+            <a:stCxn id="4" idx="2"/>
+            <a:endCxn id="21" idx="0"/>
+          </p:cNvCxnSpPr>
+          <p:nvPr/>
+        </p:nvCxnSpPr>
+        <p:spPr>
+          <a:xfrm flipH="1">
+            <a:off x="1904394" y="3605463"/>
+            <a:ext cx="221185" cy="547044"/>
+          </a:xfrm>
+          <a:prstGeom prst="straightConnector1">
+            <a:avLst/>
+          </a:prstGeom>
+          <a:ln w="12700">
+            <a:solidFill>
+              <a:schemeClr val="tx1"/>
+            </a:solidFill>
+            <a:headEnd type="none" w="lg" len="lg"/>
+            <a:tailEnd type="arrow" w="lg" len="lg"/>
+          </a:ln>
+        </p:spPr>
+        <p:style>
+          <a:lnRef idx="1">
+            <a:schemeClr val="accent1"/>
+          </a:lnRef>
+          <a:fillRef idx="0">
+            <a:schemeClr val="accent1"/>
+          </a:fillRef>
+          <a:effectRef idx="0">
+            <a:schemeClr val="accent1"/>
+          </a:effectRef>
+          <a:fontRef idx="minor">
+            <a:schemeClr val="tx1"/>
+          </a:fontRef>
+        </p:style>
+      </p:cxnSp>
+      <p:sp>
+        <p:nvSpPr>
+          <p:cNvPr id="23" name="직사각형 22">
+            <a:extLst>
+              <a:ext uri="{FF2B5EF4-FFF2-40B4-BE49-F238E27FC236}">
+                <a16:creationId xmlns:a16="http://schemas.microsoft.com/office/drawing/2014/main" id="{316CFA86-AC38-7642-8D67-F3BBE755098E}"/>
+              </a:ext>
+            </a:extLst>
+          </p:cNvPr>
+          <p:cNvSpPr/>
+          <p:nvPr/>
+        </p:nvSpPr>
+        <p:spPr>
+          <a:xfrm>
+            <a:off x="871538" y="1353255"/>
+            <a:ext cx="2065711" cy="1025281"/>
+          </a:xfrm>
+          <a:prstGeom prst="rect">
+            <a:avLst/>
+          </a:prstGeom>
+          <a:noFill/>
+          <a:ln w="12700">
+            <a:solidFill>
+              <a:schemeClr val="tx1"/>
+            </a:solidFill>
+          </a:ln>
+        </p:spPr>
+        <p:style>
+          <a:lnRef idx="2">
+            <a:schemeClr val="accent1">
+              <a:shade val="50000"/>
+            </a:schemeClr>
+          </a:lnRef>
+          <a:fillRef idx="1">
+            <a:schemeClr val="accent1"/>
+          </a:fillRef>
+          <a:effectRef idx="0">
+            <a:schemeClr val="accent1"/>
+          </a:effectRef>
+          <a:fontRef idx="minor">
+            <a:schemeClr val="lt1"/>
+          </a:fontRef>
+        </p:style>
+        <p:txBody>
+          <a:bodyPr rtlCol="0" anchor="t" anchorCtr="0"/>
+          <a:lstStyle/>
+          <a:p>
+            <a:pPr algn="ctr"/>
+            <a:r>
+              <a:rPr lang="ko-Kore-KR" sz="1600" dirty="0">
+                <a:solidFill>
+                  <a:schemeClr val="tx1"/>
+                </a:solidFill>
+                <a:latin typeface="D2Coding" panose="020B0609020101020101" pitchFamily="49" charset="-127"/>
+                <a:ea typeface="D2Coding" panose="020B0609020101020101" pitchFamily="49" charset="-127"/>
+              </a:rPr>
+              <a:t>Queue</a:t>
+            </a:r>
+          </a:p>
+        </p:txBody>
+      </p:sp>
+      <p:cxnSp>
+        <p:nvCxnSpPr>
+          <p:cNvPr id="25" name="직선 화살표 연결선 24">
+            <a:extLst>
+              <a:ext uri="{FF2B5EF4-FFF2-40B4-BE49-F238E27FC236}">
+                <a16:creationId xmlns:a16="http://schemas.microsoft.com/office/drawing/2014/main" id="{02672205-1D0B-6D4A-96B5-E1A314BB740C}"/>
+              </a:ext>
+            </a:extLst>
+          </p:cNvPr>
+          <p:cNvCxnSpPr>
+            <a:cxnSpLocks/>
+            <a:stCxn id="4" idx="0"/>
+            <a:endCxn id="23" idx="2"/>
+          </p:cNvCxnSpPr>
+          <p:nvPr/>
+        </p:nvCxnSpPr>
+        <p:spPr>
+          <a:xfrm flipH="1" flipV="1">
+            <a:off x="1904394" y="2378536"/>
+            <a:ext cx="221185" cy="547045"/>
+          </a:xfrm>
+          <a:prstGeom prst="straightConnector1">
+            <a:avLst/>
+          </a:prstGeom>
+          <a:ln w="12700">
+            <a:solidFill>
+              <a:schemeClr val="tx1"/>
+            </a:solidFill>
+            <a:headEnd type="none" w="lg" len="lg"/>
+            <a:tailEnd type="arrow" w="lg" len="lg"/>
+          </a:ln>
+        </p:spPr>
+        <p:style>
+          <a:lnRef idx="1">
+            <a:schemeClr val="accent1"/>
+          </a:lnRef>
+          <a:fillRef idx="0">
+            <a:schemeClr val="accent1"/>
+          </a:fillRef>
+          <a:effectRef idx="0">
+            <a:schemeClr val="accent1"/>
+          </a:effectRef>
+          <a:fontRef idx="minor">
+            <a:schemeClr val="tx1"/>
+          </a:fontRef>
+        </p:style>
+      </p:cxnSp>
+      <p:sp>
+        <p:nvSpPr>
+          <p:cNvPr id="31" name="직사각형 30">
+            <a:extLst>
+              <a:ext uri="{FF2B5EF4-FFF2-40B4-BE49-F238E27FC236}">
+                <a16:creationId xmlns:a16="http://schemas.microsoft.com/office/drawing/2014/main" id="{0491666E-7E1C-3945-9354-F805FABC083C}"/>
+              </a:ext>
+            </a:extLst>
+          </p:cNvPr>
+          <p:cNvSpPr/>
+          <p:nvPr/>
+        </p:nvSpPr>
+        <p:spPr>
+          <a:xfrm>
+            <a:off x="9144536" y="4141560"/>
+            <a:ext cx="1633928" cy="679882"/>
+          </a:xfrm>
+          <a:prstGeom prst="rect">
+            <a:avLst/>
+          </a:prstGeom>
+          <a:noFill/>
+          <a:ln w="12700">
+            <a:solidFill>
+              <a:schemeClr val="tx1"/>
+            </a:solidFill>
+          </a:ln>
+        </p:spPr>
+        <p:style>
+          <a:lnRef idx="2">
+            <a:schemeClr val="accent1">
+              <a:shade val="50000"/>
+            </a:schemeClr>
+          </a:lnRef>
+          <a:fillRef idx="1">
+            <a:schemeClr val="accent1"/>
+          </a:fillRef>
+          <a:effectRef idx="0">
+            <a:schemeClr val="accent1"/>
+          </a:effectRef>
+          <a:fontRef idx="minor">
+            <a:schemeClr val="lt1"/>
+          </a:fontRef>
+        </p:style>
+        <p:txBody>
+          <a:bodyPr rtlCol="0" anchor="ctr"/>
+          <a:lstStyle/>
+          <a:p>
+            <a:pPr algn="ctr"/>
+            <a:r>
+              <a:rPr lang="ko-Kore-KR" sz="1600" dirty="0">
+                <a:solidFill>
+                  <a:schemeClr val="tx1"/>
+                </a:solidFill>
+                <a:latin typeface="D2Coding" panose="020B0609020101020101" pitchFamily="49" charset="-127"/>
+                <a:ea typeface="D2Coding" panose="020B0609020101020101" pitchFamily="49" charset="-127"/>
+              </a:rPr>
+              <a:t>LinkedList</a:t>
+            </a:r>
+          </a:p>
+        </p:txBody>
+      </p:sp>
+      <p:cxnSp>
+        <p:nvCxnSpPr>
+          <p:cNvPr id="19" name="꺾인 연결선[E] 18">
+            <a:extLst>
+              <a:ext uri="{FF2B5EF4-FFF2-40B4-BE49-F238E27FC236}">
+                <a16:creationId xmlns:a16="http://schemas.microsoft.com/office/drawing/2014/main" id="{03AF7ECA-882B-AF42-B286-85B6FFD34A99}"/>
+              </a:ext>
+            </a:extLst>
+          </p:cNvPr>
+          <p:cNvCxnSpPr>
+            <a:cxnSpLocks/>
+            <a:stCxn id="31" idx="3"/>
+            <a:endCxn id="30" idx="3"/>
+          </p:cNvCxnSpPr>
+          <p:nvPr/>
+        </p:nvCxnSpPr>
+        <p:spPr>
+          <a:xfrm flipV="1">
+            <a:off x="10778464" y="3265521"/>
+            <a:ext cx="410787" cy="1215980"/>
+          </a:xfrm>
+          <a:prstGeom prst="bentConnector3">
+            <a:avLst>
+              <a:gd name="adj1" fmla="val 155649"/>
+            </a:avLst>
+          </a:prstGeom>
+          <a:ln w="12700">
+            <a:solidFill>
+              <a:schemeClr val="tx1"/>
+            </a:solidFill>
+            <a:tailEnd type="triangle" w="lg" len="lg"/>
+          </a:ln>
+        </p:spPr>
+        <p:style>
+          <a:lnRef idx="1">
+            <a:schemeClr val="accent1"/>
+          </a:lnRef>
+          <a:fillRef idx="0">
+            <a:schemeClr val="accent1"/>
+          </a:fillRef>
+          <a:effectRef idx="0">
+            <a:schemeClr val="accent1"/>
+          </a:effectRef>
+          <a:fontRef idx="minor">
+            <a:schemeClr val="tx1"/>
+          </a:fontRef>
+        </p:style>
+      </p:cxnSp>
+      <p:cxnSp>
+        <p:nvCxnSpPr>
+          <p:cNvPr id="34" name="꺾인 연결선[E] 33">
+            <a:extLst>
+              <a:ext uri="{FF2B5EF4-FFF2-40B4-BE49-F238E27FC236}">
+                <a16:creationId xmlns:a16="http://schemas.microsoft.com/office/drawing/2014/main" id="{FB6F7386-36B9-F548-810E-C19DC37BA6B8}"/>
+              </a:ext>
+            </a:extLst>
+          </p:cNvPr>
+          <p:cNvCxnSpPr>
+            <a:cxnSpLocks/>
+            <a:stCxn id="9" idx="3"/>
+            <a:endCxn id="30" idx="3"/>
+          </p:cNvCxnSpPr>
+          <p:nvPr/>
+        </p:nvCxnSpPr>
+        <p:spPr>
+          <a:xfrm flipV="1">
+            <a:off x="10778464" y="3265521"/>
+            <a:ext cx="410787" cy="2160348"/>
+          </a:xfrm>
+          <a:prstGeom prst="bentConnector3">
+            <a:avLst>
+              <a:gd name="adj1" fmla="val 155649"/>
+            </a:avLst>
+          </a:prstGeom>
+          <a:ln w="12700">
+            <a:solidFill>
+              <a:schemeClr val="tx1"/>
+            </a:solidFill>
+            <a:tailEnd type="triangle" w="lg" len="lg"/>
+          </a:ln>
+        </p:spPr>
+        <p:style>
+          <a:lnRef idx="1">
+            <a:schemeClr val="accent1"/>
+          </a:lnRef>
+          <a:fillRef idx="0">
+            <a:schemeClr val="accent1"/>
+          </a:fillRef>
+          <a:effectRef idx="0">
+            <a:schemeClr val="accent1"/>
+          </a:effectRef>
+          <a:fontRef idx="minor">
+            <a:schemeClr val="tx1"/>
+          </a:fontRef>
+        </p:style>
+      </p:cxnSp>
+      <p:sp>
+        <p:nvSpPr>
+          <p:cNvPr id="30" name="직사각형 29">
+            <a:extLst>
+              <a:ext uri="{FF2B5EF4-FFF2-40B4-BE49-F238E27FC236}">
+                <a16:creationId xmlns:a16="http://schemas.microsoft.com/office/drawing/2014/main" id="{FE49F342-33AF-8245-86E4-5D21C404FC22}"/>
+              </a:ext>
+            </a:extLst>
+          </p:cNvPr>
+          <p:cNvSpPr/>
+          <p:nvPr/>
+        </p:nvSpPr>
+        <p:spPr>
+          <a:xfrm>
+            <a:off x="9109203" y="2653968"/>
+            <a:ext cx="2080048" cy="1223106"/>
+          </a:xfrm>
+          <a:prstGeom prst="rect">
+            <a:avLst/>
+          </a:prstGeom>
+          <a:noFill/>
+          <a:ln w="12700">
+            <a:solidFill>
+              <a:schemeClr val="tx1"/>
+            </a:solidFill>
+          </a:ln>
+        </p:spPr>
+        <p:style>
+          <a:lnRef idx="2">
+            <a:schemeClr val="accent1">
+              <a:shade val="50000"/>
+            </a:schemeClr>
+          </a:lnRef>
+          <a:fillRef idx="1">
+            <a:schemeClr val="accent1"/>
+          </a:fillRef>
+          <a:effectRef idx="0">
+            <a:schemeClr val="accent1"/>
+          </a:effectRef>
+          <a:fontRef idx="minor">
+            <a:schemeClr val="lt1"/>
+          </a:fontRef>
+        </p:style>
+        <p:txBody>
+          <a:bodyPr rtlCol="0" anchor="t" anchorCtr="0"/>
+          <a:lstStyle/>
+          <a:p>
+            <a:pPr algn="ctr"/>
+            <a:r>
+              <a:rPr lang="ko-Kore-KR" sz="1200" dirty="0">
+                <a:solidFill>
+                  <a:schemeClr val="tx1"/>
+                </a:solidFill>
+                <a:latin typeface="D2Coding" panose="020B0609020101020101" pitchFamily="49" charset="-127"/>
+                <a:ea typeface="D2Coding" panose="020B0609020101020101" pitchFamily="49" charset="-127"/>
+              </a:rPr>
+              <a:t>&lt;&lt;abstract&gt;&gt;</a:t>
+            </a:r>
+          </a:p>
+          <a:p>
+            <a:pPr algn="ctr"/>
+            <a:r>
+              <a:rPr lang="ko-Kore-KR" sz="1600" dirty="0">
+                <a:solidFill>
+                  <a:schemeClr val="tx1"/>
+                </a:solidFill>
+                <a:latin typeface="D2Coding" panose="020B0609020101020101" pitchFamily="49" charset="-127"/>
+                <a:ea typeface="D2Coding" panose="020B0609020101020101" pitchFamily="49" charset="-127"/>
+              </a:rPr>
+              <a:t>AbstractList</a:t>
+            </a:r>
+          </a:p>
+        </p:txBody>
+      </p:sp>
+      <p:grpSp>
+        <p:nvGrpSpPr>
+          <p:cNvPr id="2" name="그룹 1">
+            <a:extLst>
+              <a:ext uri="{FF2B5EF4-FFF2-40B4-BE49-F238E27FC236}">
+                <a16:creationId xmlns:a16="http://schemas.microsoft.com/office/drawing/2014/main" id="{E1EA6C84-1A92-014C-A4BC-5A2858C48EC4}"/>
+              </a:ext>
+            </a:extLst>
+          </p:cNvPr>
+          <p:cNvGrpSpPr/>
+          <p:nvPr/>
+        </p:nvGrpSpPr>
+        <p:grpSpPr>
+          <a:xfrm>
+            <a:off x="7373805" y="2925186"/>
+            <a:ext cx="1184940" cy="680276"/>
+            <a:chOff x="7373805" y="2925186"/>
+            <a:chExt cx="1184940" cy="680276"/>
+          </a:xfrm>
+        </p:grpSpPr>
+        <p:sp>
+          <p:nvSpPr>
+            <p:cNvPr id="20" name="직사각형 19">
+              <a:extLst>
+                <a:ext uri="{FF2B5EF4-FFF2-40B4-BE49-F238E27FC236}">
+                  <a16:creationId xmlns:a16="http://schemas.microsoft.com/office/drawing/2014/main" id="{BD10BC95-09D9-F34B-9741-4EBB004D197D}"/>
+                </a:ext>
+              </a:extLst>
+            </p:cNvPr>
+            <p:cNvSpPr/>
+            <p:nvPr/>
+          </p:nvSpPr>
+          <p:spPr>
+            <a:xfrm>
+              <a:off x="7384794" y="2925580"/>
+              <a:ext cx="1149606" cy="679882"/>
+            </a:xfrm>
+            <a:prstGeom prst="rect">
+              <a:avLst/>
+            </a:prstGeom>
+            <a:noFill/>
+            <a:ln w="12700">
+              <a:solidFill>
+                <a:schemeClr val="tx1"/>
+              </a:solidFill>
+            </a:ln>
+          </p:spPr>
+          <p:style>
+            <a:lnRef idx="2">
+              <a:schemeClr val="accent1">
+                <a:shade val="50000"/>
+              </a:schemeClr>
+            </a:lnRef>
+            <a:fillRef idx="1">
+              <a:schemeClr val="accent1"/>
+            </a:fillRef>
+            <a:effectRef idx="0">
+              <a:schemeClr val="accent1"/>
+            </a:effectRef>
+            <a:fontRef idx="minor">
+              <a:schemeClr val="lt1"/>
+            </a:fontRef>
+          </p:style>
+          <p:txBody>
+            <a:bodyPr rtlCol="0" anchor="ctr"/>
+            <a:lstStyle/>
+            <a:p>
+              <a:pPr algn="ctr"/>
+              <a:r>
+                <a:rPr lang="ko-Kore-KR" sz="1600" dirty="0">
+                  <a:solidFill>
+                    <a:schemeClr val="tx1"/>
+                  </a:solidFill>
+                  <a:latin typeface="D2Coding" panose="020B0609020101020101" pitchFamily="49" charset="-127"/>
+                  <a:ea typeface="D2Coding" panose="020B0609020101020101" pitchFamily="49" charset="-127"/>
+                </a:rPr>
+                <a:t>List</a:t>
+              </a:r>
+            </a:p>
+          </p:txBody>
+        </p:sp>
+        <p:sp>
+          <p:nvSpPr>
+            <p:cNvPr id="35" name="TextBox 34">
+              <a:extLst>
+                <a:ext uri="{FF2B5EF4-FFF2-40B4-BE49-F238E27FC236}">
+                  <a16:creationId xmlns:a16="http://schemas.microsoft.com/office/drawing/2014/main" id="{B6A3C4DF-7C5D-C049-96A1-952A3742ACCA}"/>
+                </a:ext>
+              </a:extLst>
+            </p:cNvPr>
+            <p:cNvSpPr txBox="1"/>
+            <p:nvPr/>
+          </p:nvSpPr>
+          <p:spPr>
+            <a:xfrm>
+              <a:off x="7373805" y="2925186"/>
+              <a:ext cx="1184940" cy="276999"/>
+            </a:xfrm>
+            <a:prstGeom prst="rect">
+              <a:avLst/>
+            </a:prstGeom>
+            <a:noFill/>
+            <a:ln w="12700">
+              <a:noFill/>
+            </a:ln>
+          </p:spPr>
+          <p:txBody>
+            <a:bodyPr wrap="none" rtlCol="0">
+              <a:spAutoFit/>
+            </a:bodyPr>
+            <a:lstStyle/>
+            <a:p>
+              <a:r>
+                <a:rPr lang="ko-Kore-KR" sz="1200" dirty="0">
+                  <a:latin typeface="D2Coding" panose="020B0609020101020101" pitchFamily="49" charset="-127"/>
+                  <a:ea typeface="D2Coding" panose="020B0609020101020101" pitchFamily="49" charset="-127"/>
+                </a:rPr>
+                <a:t>&lt;&lt;interface&gt;&gt;</a:t>
+              </a:r>
+            </a:p>
+          </p:txBody>
+        </p:sp>
+      </p:grpSp>
+      <p:cxnSp>
+        <p:nvCxnSpPr>
+          <p:cNvPr id="36" name="직선 화살표 연결선 35">
+            <a:extLst>
+              <a:ext uri="{FF2B5EF4-FFF2-40B4-BE49-F238E27FC236}">
+                <a16:creationId xmlns:a16="http://schemas.microsoft.com/office/drawing/2014/main" id="{E98EBE17-2413-2E40-AF1C-AD7847D25878}"/>
+              </a:ext>
+            </a:extLst>
+          </p:cNvPr>
+          <p:cNvCxnSpPr>
+            <a:cxnSpLocks/>
+            <a:stCxn id="30" idx="1"/>
+            <a:endCxn id="20" idx="3"/>
+          </p:cNvCxnSpPr>
+          <p:nvPr/>
+        </p:nvCxnSpPr>
+        <p:spPr>
+          <a:xfrm flipH="1">
+            <a:off x="8534400" y="3265521"/>
+            <a:ext cx="574803" cy="0"/>
+          </a:xfrm>
+          <a:prstGeom prst="straightConnector1">
+            <a:avLst/>
+          </a:prstGeom>
+          <a:ln w="12700">
+            <a:solidFill>
+              <a:schemeClr val="tx1"/>
+            </a:solidFill>
+            <a:prstDash val="sysDot"/>
+            <a:headEnd type="none" w="med" len="med"/>
+            <a:tailEnd type="triangle" w="lg" len="lg"/>
+          </a:ln>
+        </p:spPr>
+        <p:style>
+          <a:lnRef idx="1">
+            <a:schemeClr val="accent1"/>
+          </a:lnRef>
+          <a:fillRef idx="0">
+            <a:schemeClr val="accent1"/>
+          </a:fillRef>
+          <a:effectRef idx="0">
+            <a:schemeClr val="accent1"/>
+          </a:effectRef>
+          <a:fontRef idx="minor">
+            <a:schemeClr val="tx1"/>
+          </a:fontRef>
+        </p:style>
+      </p:cxnSp>
+      <p:grpSp>
+        <p:nvGrpSpPr>
+          <p:cNvPr id="33" name="그룹 32">
+            <a:extLst>
+              <a:ext uri="{FF2B5EF4-FFF2-40B4-BE49-F238E27FC236}">
+                <a16:creationId xmlns:a16="http://schemas.microsoft.com/office/drawing/2014/main" id="{B4A3C381-43C5-F14F-A140-C17782D6A634}"/>
+              </a:ext>
+            </a:extLst>
+          </p:cNvPr>
+          <p:cNvGrpSpPr/>
+          <p:nvPr/>
+        </p:nvGrpSpPr>
+        <p:grpSpPr>
+          <a:xfrm>
+            <a:off x="7373805" y="1447145"/>
+            <a:ext cx="1184940" cy="680276"/>
+            <a:chOff x="7373805" y="2925186"/>
+            <a:chExt cx="1184940" cy="680276"/>
+          </a:xfrm>
+        </p:grpSpPr>
+        <p:sp>
+          <p:nvSpPr>
+            <p:cNvPr id="37" name="직사각형 36">
+              <a:extLst>
+                <a:ext uri="{FF2B5EF4-FFF2-40B4-BE49-F238E27FC236}">
+                  <a16:creationId xmlns:a16="http://schemas.microsoft.com/office/drawing/2014/main" id="{70823330-B321-494A-A935-1559453A9EFD}"/>
+                </a:ext>
+              </a:extLst>
+            </p:cNvPr>
+            <p:cNvSpPr/>
+            <p:nvPr/>
+          </p:nvSpPr>
+          <p:spPr>
+            <a:xfrm>
+              <a:off x="7384794" y="2925580"/>
+              <a:ext cx="1149606" cy="679882"/>
+            </a:xfrm>
+            <a:prstGeom prst="rect">
+              <a:avLst/>
+            </a:prstGeom>
+            <a:noFill/>
+            <a:ln w="12700">
+              <a:solidFill>
+                <a:schemeClr val="tx1"/>
+              </a:solidFill>
+            </a:ln>
+          </p:spPr>
+          <p:style>
+            <a:lnRef idx="2">
+              <a:schemeClr val="accent1">
+                <a:shade val="50000"/>
+              </a:schemeClr>
+            </a:lnRef>
+            <a:fillRef idx="1">
+              <a:schemeClr val="accent1"/>
+            </a:fillRef>
+            <a:effectRef idx="0">
+              <a:schemeClr val="accent1"/>
+            </a:effectRef>
+            <a:fontRef idx="minor">
+              <a:schemeClr val="lt1"/>
+            </a:fontRef>
+          </p:style>
+          <p:txBody>
+            <a:bodyPr rtlCol="0" anchor="ctr"/>
+            <a:lstStyle/>
+            <a:p>
+              <a:pPr algn="ctr"/>
+              <a:r>
+                <a:rPr lang="ko-Kore-KR" sz="1600" dirty="0">
+                  <a:solidFill>
+                    <a:schemeClr val="tx1"/>
+                  </a:solidFill>
+                  <a:latin typeface="D2Coding" panose="020B0609020101020101" pitchFamily="49" charset="-127"/>
+                  <a:ea typeface="D2Coding" panose="020B0609020101020101" pitchFamily="49" charset="-127"/>
+                </a:rPr>
+                <a:t>Iterator</a:t>
+              </a:r>
+            </a:p>
+          </p:txBody>
+        </p:sp>
+        <p:sp>
+          <p:nvSpPr>
+            <p:cNvPr id="38" name="TextBox 37">
+              <a:extLst>
+                <a:ext uri="{FF2B5EF4-FFF2-40B4-BE49-F238E27FC236}">
+                  <a16:creationId xmlns:a16="http://schemas.microsoft.com/office/drawing/2014/main" id="{AC23A6C4-50D8-2447-917B-93E235EA69BB}"/>
+                </a:ext>
+              </a:extLst>
+            </p:cNvPr>
+            <p:cNvSpPr txBox="1"/>
+            <p:nvPr/>
+          </p:nvSpPr>
+          <p:spPr>
+            <a:xfrm>
+              <a:off x="7373805" y="2925186"/>
+              <a:ext cx="1184940" cy="276999"/>
+            </a:xfrm>
+            <a:prstGeom prst="rect">
+              <a:avLst/>
+            </a:prstGeom>
+            <a:noFill/>
+            <a:ln w="12700">
+              <a:noFill/>
+            </a:ln>
+          </p:spPr>
+          <p:txBody>
+            <a:bodyPr wrap="none" rtlCol="0">
+              <a:spAutoFit/>
+            </a:bodyPr>
+            <a:lstStyle/>
+            <a:p>
+              <a:r>
+                <a:rPr lang="ko-Kore-KR" sz="1200" dirty="0">
+                  <a:latin typeface="D2Coding" panose="020B0609020101020101" pitchFamily="49" charset="-127"/>
+                  <a:ea typeface="D2Coding" panose="020B0609020101020101" pitchFamily="49" charset="-127"/>
+                </a:rPr>
+                <a:t>&lt;&lt;interface&gt;&gt;</a:t>
+              </a:r>
+            </a:p>
+          </p:txBody>
+        </p:sp>
+      </p:grpSp>
+      <p:cxnSp>
+        <p:nvCxnSpPr>
+          <p:cNvPr id="39" name="직선 화살표 연결선 38">
+            <a:extLst>
+              <a:ext uri="{FF2B5EF4-FFF2-40B4-BE49-F238E27FC236}">
+                <a16:creationId xmlns:a16="http://schemas.microsoft.com/office/drawing/2014/main" id="{E8A45E67-6ACE-0A44-ACB9-85FA3B1AA2A6}"/>
+              </a:ext>
+            </a:extLst>
+          </p:cNvPr>
+          <p:cNvCxnSpPr>
+            <a:cxnSpLocks/>
+            <a:stCxn id="35" idx="0"/>
+            <a:endCxn id="37" idx="2"/>
+          </p:cNvCxnSpPr>
+          <p:nvPr/>
+        </p:nvCxnSpPr>
+        <p:spPr>
+          <a:xfrm flipH="1" flipV="1">
+            <a:off x="7959597" y="2127421"/>
+            <a:ext cx="6678" cy="797765"/>
+          </a:xfrm>
+          <a:prstGeom prst="straightConnector1">
+            <a:avLst/>
+          </a:prstGeom>
+          <a:ln w="12700">
+            <a:solidFill>
+              <a:schemeClr val="tx1"/>
+            </a:solidFill>
+            <a:headEnd type="none" w="lg" len="lg"/>
+            <a:tailEnd type="arrow" w="lg" len="lg"/>
+          </a:ln>
+        </p:spPr>
+        <p:style>
+          <a:lnRef idx="1">
+            <a:schemeClr val="accent1"/>
+          </a:lnRef>
+          <a:fillRef idx="0">
+            <a:schemeClr val="accent1"/>
+          </a:fillRef>
+          <a:effectRef idx="0">
+            <a:schemeClr val="accent1"/>
+          </a:effectRef>
+          <a:fontRef idx="minor">
+            <a:schemeClr val="tx1"/>
+          </a:fontRef>
+        </p:style>
+      </p:cxnSp>
+      <p:sp>
+        <p:nvSpPr>
+          <p:cNvPr id="43" name="직사각형 42">
+            <a:extLst>
+              <a:ext uri="{FF2B5EF4-FFF2-40B4-BE49-F238E27FC236}">
+                <a16:creationId xmlns:a16="http://schemas.microsoft.com/office/drawing/2014/main" id="{DF621EE1-092C-744B-9A00-495D66973EE9}"/>
+              </a:ext>
+            </a:extLst>
+          </p:cNvPr>
+          <p:cNvSpPr/>
+          <p:nvPr/>
+        </p:nvSpPr>
+        <p:spPr>
+          <a:xfrm>
+            <a:off x="1251362" y="1775183"/>
+            <a:ext cx="1633920" cy="526825"/>
+          </a:xfrm>
+          <a:prstGeom prst="rect">
+            <a:avLst/>
+          </a:prstGeom>
+          <a:noFill/>
+          <a:ln w="12700">
+            <a:solidFill>
+              <a:schemeClr val="tx1"/>
+            </a:solidFill>
+          </a:ln>
+        </p:spPr>
+        <p:style>
+          <a:lnRef idx="2">
+            <a:schemeClr val="accent1">
+              <a:shade val="50000"/>
+            </a:schemeClr>
+          </a:lnRef>
+          <a:fillRef idx="1">
+            <a:schemeClr val="accent1"/>
+          </a:fillRef>
+          <a:effectRef idx="0">
+            <a:schemeClr val="accent1"/>
+          </a:effectRef>
+          <a:fontRef idx="minor">
+            <a:schemeClr val="lt1"/>
+          </a:fontRef>
+        </p:style>
+        <p:txBody>
+          <a:bodyPr rtlCol="0" anchor="t" anchorCtr="0"/>
+          <a:lstStyle/>
+          <a:p>
+            <a:pPr algn="ctr"/>
+            <a:r>
+              <a:rPr lang="ko-Kore-KR" sz="1200" dirty="0">
+                <a:solidFill>
+                  <a:srgbClr val="FF0000"/>
+                </a:solidFill>
+                <a:latin typeface="D2Coding" panose="020B0609020101020101" pitchFamily="49" charset="-127"/>
+                <a:ea typeface="D2Coding" panose="020B0609020101020101" pitchFamily="49" charset="-127"/>
+              </a:rPr>
+              <a:t>&lt;&lt;</a:t>
+            </a:r>
+            <a:r>
+              <a:rPr lang="en-US" sz="1200" dirty="0">
+                <a:solidFill>
+                  <a:srgbClr val="FF0000"/>
+                </a:solidFill>
+                <a:latin typeface="D2Coding" panose="020B0609020101020101" pitchFamily="49" charset="-127"/>
+                <a:ea typeface="D2Coding" panose="020B0609020101020101" pitchFamily="49" charset="-127"/>
+              </a:rPr>
+              <a:t>local</a:t>
+            </a:r>
+            <a:r>
+              <a:rPr lang="ko-Kore-KR" sz="1200" dirty="0">
+                <a:solidFill>
+                  <a:srgbClr val="FF0000"/>
+                </a:solidFill>
+                <a:latin typeface="D2Coding" panose="020B0609020101020101" pitchFamily="49" charset="-127"/>
+                <a:ea typeface="D2Coding" panose="020B0609020101020101" pitchFamily="49" charset="-127"/>
+              </a:rPr>
+              <a:t>&gt;&gt;</a:t>
+            </a:r>
+          </a:p>
+          <a:p>
+            <a:pPr algn="ctr"/>
+            <a:r>
+              <a:rPr lang="ko-Kore-KR" sz="1600" dirty="0">
+                <a:solidFill>
+                  <a:schemeClr val="tx1"/>
+                </a:solidFill>
+                <a:latin typeface="D2Coding" panose="020B0609020101020101" pitchFamily="49" charset="-127"/>
+                <a:ea typeface="D2Coding" panose="020B0609020101020101" pitchFamily="49" charset="-127"/>
+              </a:rPr>
+              <a:t>QueueIterator</a:t>
+            </a:r>
+          </a:p>
+        </p:txBody>
+      </p:sp>
+      <p:sp>
+        <p:nvSpPr>
+          <p:cNvPr id="103" name="직사각형 102">
+            <a:extLst>
+              <a:ext uri="{FF2B5EF4-FFF2-40B4-BE49-F238E27FC236}">
+                <a16:creationId xmlns:a16="http://schemas.microsoft.com/office/drawing/2014/main" id="{F252141C-7E1D-EF46-9CA9-650B97EF4909}"/>
+              </a:ext>
+            </a:extLst>
+          </p:cNvPr>
+          <p:cNvSpPr/>
+          <p:nvPr/>
+        </p:nvSpPr>
+        <p:spPr>
+          <a:xfrm>
+            <a:off x="1251362" y="4584528"/>
+            <a:ext cx="1633920" cy="510813"/>
+          </a:xfrm>
+          <a:prstGeom prst="rect">
+            <a:avLst/>
+          </a:prstGeom>
+          <a:noFill/>
+          <a:ln w="12700">
+            <a:solidFill>
+              <a:schemeClr val="tx1"/>
+            </a:solidFill>
+          </a:ln>
+        </p:spPr>
+        <p:style>
+          <a:lnRef idx="2">
+            <a:schemeClr val="accent1">
+              <a:shade val="50000"/>
+            </a:schemeClr>
+          </a:lnRef>
+          <a:fillRef idx="1">
+            <a:schemeClr val="accent1"/>
+          </a:fillRef>
+          <a:effectRef idx="0">
+            <a:schemeClr val="accent1"/>
+          </a:effectRef>
+          <a:fontRef idx="minor">
+            <a:schemeClr val="lt1"/>
+          </a:fontRef>
+        </p:style>
+        <p:txBody>
+          <a:bodyPr rtlCol="0" anchor="t" anchorCtr="0"/>
+          <a:lstStyle/>
+          <a:p>
+            <a:pPr algn="ctr"/>
+            <a:r>
+              <a:rPr lang="ko-Kore-KR" sz="1200" dirty="0">
+                <a:solidFill>
+                  <a:srgbClr val="FF0000"/>
+                </a:solidFill>
+                <a:latin typeface="D2Coding" panose="020B0609020101020101" pitchFamily="49" charset="-127"/>
+                <a:ea typeface="D2Coding" panose="020B0609020101020101" pitchFamily="49" charset="-127"/>
+              </a:rPr>
+              <a:t>&lt;&lt;local&gt;&gt;</a:t>
+            </a:r>
+          </a:p>
+          <a:p>
+            <a:pPr algn="ctr"/>
+            <a:r>
+              <a:rPr lang="ko-Kore-KR" sz="1600" dirty="0">
+                <a:solidFill>
+                  <a:schemeClr val="tx1"/>
+                </a:solidFill>
+                <a:latin typeface="D2Coding" panose="020B0609020101020101" pitchFamily="49" charset="-127"/>
+                <a:ea typeface="D2Coding" panose="020B0609020101020101" pitchFamily="49" charset="-127"/>
+              </a:rPr>
+              <a:t>StackIterator</a:t>
+            </a:r>
+          </a:p>
+        </p:txBody>
+      </p:sp>
+      <p:sp>
+        <p:nvSpPr>
+          <p:cNvPr id="108" name="직사각형 107">
+            <a:extLst>
+              <a:ext uri="{FF2B5EF4-FFF2-40B4-BE49-F238E27FC236}">
+                <a16:creationId xmlns:a16="http://schemas.microsoft.com/office/drawing/2014/main" id="{1C7B0939-624E-C648-BFD5-0347919CE942}"/>
+              </a:ext>
+            </a:extLst>
+          </p:cNvPr>
+          <p:cNvSpPr/>
+          <p:nvPr/>
+        </p:nvSpPr>
+        <p:spPr>
+          <a:xfrm>
+            <a:off x="9457550" y="3261739"/>
+            <a:ext cx="1633920" cy="515712"/>
+          </a:xfrm>
+          <a:prstGeom prst="rect">
+            <a:avLst/>
+          </a:prstGeom>
+          <a:noFill/>
+          <a:ln w="12700">
+            <a:solidFill>
+              <a:schemeClr val="tx1"/>
+            </a:solidFill>
+          </a:ln>
+        </p:spPr>
+        <p:style>
+          <a:lnRef idx="2">
+            <a:schemeClr val="accent1">
+              <a:shade val="50000"/>
+            </a:schemeClr>
+          </a:lnRef>
+          <a:fillRef idx="1">
+            <a:schemeClr val="accent1"/>
+          </a:fillRef>
+          <a:effectRef idx="0">
+            <a:schemeClr val="accent1"/>
+          </a:effectRef>
+          <a:fontRef idx="minor">
+            <a:schemeClr val="lt1"/>
+          </a:fontRef>
+        </p:style>
+        <p:txBody>
+          <a:bodyPr rtlCol="0" anchor="t" anchorCtr="0"/>
+          <a:lstStyle/>
+          <a:p>
+            <a:pPr algn="ctr"/>
+            <a:r>
+              <a:rPr lang="ko-Kore-KR" sz="1200" dirty="0">
+                <a:solidFill>
+                  <a:srgbClr val="FF0000"/>
+                </a:solidFill>
+                <a:latin typeface="D2Coding" panose="020B0609020101020101" pitchFamily="49" charset="-127"/>
+                <a:ea typeface="D2Coding" panose="020B0609020101020101" pitchFamily="49" charset="-127"/>
+              </a:rPr>
+              <a:t>&lt;&lt;local&gt;&gt;</a:t>
+            </a:r>
+          </a:p>
+          <a:p>
+            <a:pPr algn="ctr"/>
+            <a:r>
+              <a:rPr lang="en-US" sz="1600" dirty="0">
+                <a:solidFill>
+                  <a:schemeClr val="tx1"/>
+                </a:solidFill>
+                <a:latin typeface="D2Coding" panose="020B0609020101020101" pitchFamily="49" charset="-127"/>
+                <a:ea typeface="D2Coding" panose="020B0609020101020101" pitchFamily="49" charset="-127"/>
+              </a:rPr>
+              <a:t>List</a:t>
+            </a:r>
+            <a:r>
+              <a:rPr lang="ko-Kore-KR" sz="1600" dirty="0">
+                <a:solidFill>
+                  <a:schemeClr val="tx1"/>
+                </a:solidFill>
+                <a:latin typeface="D2Coding" panose="020B0609020101020101" pitchFamily="49" charset="-127"/>
+                <a:ea typeface="D2Coding" panose="020B0609020101020101" pitchFamily="49" charset="-127"/>
+              </a:rPr>
+              <a:t>Iterator</a:t>
+            </a:r>
+          </a:p>
+        </p:txBody>
+      </p:sp>
+    </p:spTree>
+    <p:extLst>
+      <p:ext uri="{BB962C8B-B14F-4D97-AF65-F5344CB8AC3E}">
+        <p14:creationId xmlns:p14="http://schemas.microsoft.com/office/powerpoint/2010/main" val="792572630"/>
+      </p:ext>
+    </p:extLst>
+  </p:cSld>
+  <p:clrMapOvr>
+    <a:masterClrMapping/>
+  </p:clrMapOvr>
+</p:sld>
+</file>
+
 <file path=ppt/slides/slide2.xml><?xml version="1.0" encoding="utf-8"?>
 <p:sld xmlns:a="http://schemas.openxmlformats.org/drawingml/2006/main" xmlns:r="http://schemas.openxmlformats.org/officeDocument/2006/relationships" xmlns:p="http://schemas.openxmlformats.org/presentationml/2006/main">
   <p:cSld>
@@ -18477,6 +20524,3292 @@
     <p:extLst>
       <p:ext uri="{BB962C8B-B14F-4D97-AF65-F5344CB8AC3E}">
         <p14:creationId xmlns:p14="http://schemas.microsoft.com/office/powerpoint/2010/main" val="243962767"/>
+      </p:ext>
+    </p:extLst>
+  </p:cSld>
+  <p:clrMapOvr>
+    <a:masterClrMapping/>
+  </p:clrMapOvr>
+</p:sld>
+</file>
+
+<file path=ppt/slides/slide20.xml><?xml version="1.0" encoding="utf-8"?>
+<p:sld xmlns:a="http://schemas.openxmlformats.org/drawingml/2006/main" xmlns:r="http://schemas.openxmlformats.org/officeDocument/2006/relationships" xmlns:p="http://schemas.openxmlformats.org/presentationml/2006/main">
+  <p:cSld>
+    <p:spTree>
+      <p:nvGrpSpPr>
+        <p:cNvPr id="1" name=""/>
+        <p:cNvGrpSpPr/>
+        <p:nvPr/>
+      </p:nvGrpSpPr>
+      <p:grpSpPr>
+        <a:xfrm>
+          <a:off x="0" y="0"/>
+          <a:ext cx="0" cy="0"/>
+          <a:chOff x="0" y="0"/>
+          <a:chExt cx="0" cy="0"/>
+        </a:xfrm>
+      </p:grpSpPr>
+      <p:sp>
+        <p:nvSpPr>
+          <p:cNvPr id="4" name="직사각형 3">
+            <a:extLst>
+              <a:ext uri="{FF2B5EF4-FFF2-40B4-BE49-F238E27FC236}">
+                <a16:creationId xmlns:a16="http://schemas.microsoft.com/office/drawing/2014/main" id="{F954BBEA-7028-1B43-871A-F28FC3EC4616}"/>
+              </a:ext>
+            </a:extLst>
+          </p:cNvPr>
+          <p:cNvSpPr/>
+          <p:nvPr/>
+        </p:nvSpPr>
+        <p:spPr>
+          <a:xfrm>
+            <a:off x="1308615" y="2925581"/>
+            <a:ext cx="1633928" cy="679882"/>
+          </a:xfrm>
+          <a:prstGeom prst="rect">
+            <a:avLst/>
+          </a:prstGeom>
+          <a:noFill/>
+          <a:ln w="12700">
+            <a:solidFill>
+              <a:schemeClr val="tx1"/>
+            </a:solidFill>
+          </a:ln>
+        </p:spPr>
+        <p:style>
+          <a:lnRef idx="2">
+            <a:schemeClr val="accent1">
+              <a:shade val="50000"/>
+            </a:schemeClr>
+          </a:lnRef>
+          <a:fillRef idx="1">
+            <a:schemeClr val="accent1"/>
+          </a:fillRef>
+          <a:effectRef idx="0">
+            <a:schemeClr val="accent1"/>
+          </a:effectRef>
+          <a:fontRef idx="minor">
+            <a:schemeClr val="lt1"/>
+          </a:fontRef>
+        </p:style>
+        <p:txBody>
+          <a:bodyPr rtlCol="0" anchor="ctr"/>
+          <a:lstStyle/>
+          <a:p>
+            <a:pPr algn="ctr"/>
+            <a:r>
+              <a:rPr lang="ko-Kore-KR" sz="1600" dirty="0">
+                <a:solidFill>
+                  <a:schemeClr val="tx1"/>
+                </a:solidFill>
+                <a:latin typeface="D2Coding" panose="020B0609020101020101" pitchFamily="49" charset="-127"/>
+                <a:ea typeface="D2Coding" panose="020B0609020101020101" pitchFamily="49" charset="-127"/>
+              </a:rPr>
+              <a:t>App</a:t>
+            </a:r>
+          </a:p>
+        </p:txBody>
+      </p:sp>
+      <p:sp>
+        <p:nvSpPr>
+          <p:cNvPr id="5" name="TextBox 4">
+            <a:extLst>
+              <a:ext uri="{FF2B5EF4-FFF2-40B4-BE49-F238E27FC236}">
+                <a16:creationId xmlns:a16="http://schemas.microsoft.com/office/drawing/2014/main" id="{8C6B9D41-3D15-6247-84C1-FE25EF4EFC3A}"/>
+              </a:ext>
+            </a:extLst>
+          </p:cNvPr>
+          <p:cNvSpPr txBox="1"/>
+          <p:nvPr/>
+        </p:nvSpPr>
+        <p:spPr>
+          <a:xfrm>
+            <a:off x="344773" y="389745"/>
+            <a:ext cx="1723549" cy="461665"/>
+          </a:xfrm>
+          <a:prstGeom prst="rect">
+            <a:avLst/>
+          </a:prstGeom>
+          <a:noFill/>
+        </p:spPr>
+        <p:txBody>
+          <a:bodyPr wrap="none" rtlCol="0">
+            <a:spAutoFit/>
+          </a:bodyPr>
+          <a:lstStyle/>
+          <a:p>
+            <a:r>
+              <a:rPr lang="ko-KR" altLang="en-US" sz="2400" dirty="0">
+                <a:latin typeface="D2Coding" panose="020B0609020101020101" pitchFamily="49" charset="-127"/>
+                <a:ea typeface="D2Coding" panose="020B0609020101020101" pitchFamily="49" charset="-127"/>
+              </a:rPr>
+              <a:t>단계</a:t>
+            </a:r>
+            <a:r>
+              <a:rPr lang="en-US" altLang="ko-KR" sz="2400" dirty="0">
+                <a:latin typeface="D2Coding" panose="020B0609020101020101" pitchFamily="49" charset="-127"/>
+                <a:ea typeface="D2Coding" panose="020B0609020101020101" pitchFamily="49" charset="-127"/>
+              </a:rPr>
+              <a:t>:</a:t>
+            </a:r>
+            <a:r>
+              <a:rPr lang="ko-KR" altLang="en-US" sz="2400" dirty="0">
+                <a:latin typeface="D2Coding" panose="020B0609020101020101" pitchFamily="49" charset="-127"/>
+                <a:ea typeface="D2Coding" panose="020B0609020101020101" pitchFamily="49" charset="-127"/>
+              </a:rPr>
+              <a:t> </a:t>
+            </a:r>
+            <a:r>
+              <a:rPr lang="en-US" altLang="ko-KR" sz="2400" dirty="0">
+                <a:latin typeface="D2Coding" panose="020B0609020101020101" pitchFamily="49" charset="-127"/>
+                <a:ea typeface="D2Coding" panose="020B0609020101020101" pitchFamily="49" charset="-127"/>
+              </a:rPr>
+              <a:t>24_5</a:t>
+            </a:r>
+            <a:endParaRPr lang="ko-Kore-KR" sz="2400" dirty="0">
+              <a:latin typeface="D2Coding" panose="020B0609020101020101" pitchFamily="49" charset="-127"/>
+              <a:ea typeface="D2Coding" panose="020B0609020101020101" pitchFamily="49" charset="-127"/>
+            </a:endParaRPr>
+          </a:p>
+        </p:txBody>
+      </p:sp>
+      <p:sp>
+        <p:nvSpPr>
+          <p:cNvPr id="8" name="직사각형 7">
+            <a:extLst>
+              <a:ext uri="{FF2B5EF4-FFF2-40B4-BE49-F238E27FC236}">
+                <a16:creationId xmlns:a16="http://schemas.microsoft.com/office/drawing/2014/main" id="{99C79032-C93B-9C4F-A624-5E2631DB4E33}"/>
+              </a:ext>
+            </a:extLst>
+          </p:cNvPr>
+          <p:cNvSpPr/>
+          <p:nvPr/>
+        </p:nvSpPr>
+        <p:spPr>
+          <a:xfrm>
+            <a:off x="4380677" y="2047845"/>
+            <a:ext cx="1633928" cy="437148"/>
+          </a:xfrm>
+          <a:prstGeom prst="rect">
+            <a:avLst/>
+          </a:prstGeom>
+          <a:noFill/>
+          <a:ln w="12700">
+            <a:solidFill>
+              <a:schemeClr val="tx1"/>
+            </a:solidFill>
+          </a:ln>
+        </p:spPr>
+        <p:style>
+          <a:lnRef idx="2">
+            <a:schemeClr val="accent1">
+              <a:shade val="50000"/>
+            </a:schemeClr>
+          </a:lnRef>
+          <a:fillRef idx="1">
+            <a:schemeClr val="accent1"/>
+          </a:fillRef>
+          <a:effectRef idx="0">
+            <a:schemeClr val="accent1"/>
+          </a:effectRef>
+          <a:fontRef idx="minor">
+            <a:schemeClr val="lt1"/>
+          </a:fontRef>
+        </p:style>
+        <p:txBody>
+          <a:bodyPr rtlCol="0" anchor="ctr"/>
+          <a:lstStyle/>
+          <a:p>
+            <a:pPr algn="ctr"/>
+            <a:r>
+              <a:rPr lang="ko-Kore-KR" sz="1600" dirty="0">
+                <a:solidFill>
+                  <a:schemeClr val="tx1"/>
+                </a:solidFill>
+                <a:latin typeface="D2Coding" panose="020B0609020101020101" pitchFamily="49" charset="-127"/>
+                <a:ea typeface="D2Coding" panose="020B0609020101020101" pitchFamily="49" charset="-127"/>
+              </a:rPr>
+              <a:t>Lesson</a:t>
+            </a:r>
+          </a:p>
+        </p:txBody>
+      </p:sp>
+      <p:sp>
+        <p:nvSpPr>
+          <p:cNvPr id="9" name="직사각형 8">
+            <a:extLst>
+              <a:ext uri="{FF2B5EF4-FFF2-40B4-BE49-F238E27FC236}">
+                <a16:creationId xmlns:a16="http://schemas.microsoft.com/office/drawing/2014/main" id="{4FBB0D4F-0C2E-1947-B962-2F1D147FB61B}"/>
+              </a:ext>
+            </a:extLst>
+          </p:cNvPr>
+          <p:cNvSpPr/>
+          <p:nvPr/>
+        </p:nvSpPr>
+        <p:spPr>
+          <a:xfrm>
+            <a:off x="9144536" y="5085928"/>
+            <a:ext cx="1633928" cy="679882"/>
+          </a:xfrm>
+          <a:prstGeom prst="rect">
+            <a:avLst/>
+          </a:prstGeom>
+          <a:noFill/>
+          <a:ln w="12700">
+            <a:solidFill>
+              <a:schemeClr val="tx1"/>
+            </a:solidFill>
+          </a:ln>
+        </p:spPr>
+        <p:style>
+          <a:lnRef idx="2">
+            <a:schemeClr val="accent1">
+              <a:shade val="50000"/>
+            </a:schemeClr>
+          </a:lnRef>
+          <a:fillRef idx="1">
+            <a:schemeClr val="accent1"/>
+          </a:fillRef>
+          <a:effectRef idx="0">
+            <a:schemeClr val="accent1"/>
+          </a:effectRef>
+          <a:fontRef idx="minor">
+            <a:schemeClr val="lt1"/>
+          </a:fontRef>
+        </p:style>
+        <p:txBody>
+          <a:bodyPr rtlCol="0" anchor="ctr"/>
+          <a:lstStyle/>
+          <a:p>
+            <a:pPr algn="ctr"/>
+            <a:r>
+              <a:rPr lang="ko-Kore-KR" sz="1600" dirty="0">
+                <a:solidFill>
+                  <a:schemeClr val="tx1"/>
+                </a:solidFill>
+                <a:latin typeface="D2Coding" panose="020B0609020101020101" pitchFamily="49" charset="-127"/>
+                <a:ea typeface="D2Coding" panose="020B0609020101020101" pitchFamily="49" charset="-127"/>
+              </a:rPr>
+              <a:t>ArrayList</a:t>
+            </a:r>
+          </a:p>
+        </p:txBody>
+      </p:sp>
+      <p:cxnSp>
+        <p:nvCxnSpPr>
+          <p:cNvPr id="3" name="직선 화살표 연결선 2">
+            <a:extLst>
+              <a:ext uri="{FF2B5EF4-FFF2-40B4-BE49-F238E27FC236}">
+                <a16:creationId xmlns:a16="http://schemas.microsoft.com/office/drawing/2014/main" id="{5F5800FD-FD88-6B43-9449-E2F4E00BEC95}"/>
+              </a:ext>
+            </a:extLst>
+          </p:cNvPr>
+          <p:cNvCxnSpPr>
+            <a:cxnSpLocks/>
+            <a:stCxn id="4" idx="3"/>
+            <a:endCxn id="12" idx="1"/>
+          </p:cNvCxnSpPr>
+          <p:nvPr/>
+        </p:nvCxnSpPr>
+        <p:spPr>
+          <a:xfrm flipV="1">
+            <a:off x="2942543" y="1447342"/>
+            <a:ext cx="1002170" cy="1818180"/>
+          </a:xfrm>
+          <a:prstGeom prst="straightConnector1">
+            <a:avLst/>
+          </a:prstGeom>
+          <a:ln w="12700">
+            <a:solidFill>
+              <a:schemeClr val="tx1"/>
+            </a:solidFill>
+            <a:headEnd type="none" w="lg" len="lg"/>
+            <a:tailEnd type="arrow" w="lg" len="lg"/>
+          </a:ln>
+        </p:spPr>
+        <p:style>
+          <a:lnRef idx="1">
+            <a:schemeClr val="accent1"/>
+          </a:lnRef>
+          <a:fillRef idx="0">
+            <a:schemeClr val="accent1"/>
+          </a:fillRef>
+          <a:effectRef idx="0">
+            <a:schemeClr val="accent1"/>
+          </a:effectRef>
+          <a:fontRef idx="minor">
+            <a:schemeClr val="tx1"/>
+          </a:fontRef>
+        </p:style>
+      </p:cxnSp>
+      <p:cxnSp>
+        <p:nvCxnSpPr>
+          <p:cNvPr id="11" name="직선 화살표 연결선 10">
+            <a:extLst>
+              <a:ext uri="{FF2B5EF4-FFF2-40B4-BE49-F238E27FC236}">
+                <a16:creationId xmlns:a16="http://schemas.microsoft.com/office/drawing/2014/main" id="{BF5B527A-0543-A149-A80B-D8B34F60FDF0}"/>
+              </a:ext>
+            </a:extLst>
+          </p:cNvPr>
+          <p:cNvCxnSpPr>
+            <a:cxnSpLocks/>
+            <a:stCxn id="4" idx="3"/>
+            <a:endCxn id="17" idx="1"/>
+          </p:cNvCxnSpPr>
+          <p:nvPr/>
+        </p:nvCxnSpPr>
+        <p:spPr>
+          <a:xfrm flipV="1">
+            <a:off x="2942543" y="3265521"/>
+            <a:ext cx="1002170" cy="1"/>
+          </a:xfrm>
+          <a:prstGeom prst="straightConnector1">
+            <a:avLst/>
+          </a:prstGeom>
+          <a:ln w="12700">
+            <a:solidFill>
+              <a:schemeClr val="tx1"/>
+            </a:solidFill>
+            <a:headEnd type="none" w="lg" len="lg"/>
+            <a:tailEnd type="arrow" w="lg" len="lg"/>
+          </a:ln>
+        </p:spPr>
+        <p:style>
+          <a:lnRef idx="1">
+            <a:schemeClr val="accent1"/>
+          </a:lnRef>
+          <a:fillRef idx="0">
+            <a:schemeClr val="accent1"/>
+          </a:fillRef>
+          <a:effectRef idx="0">
+            <a:schemeClr val="accent1"/>
+          </a:effectRef>
+          <a:fontRef idx="minor">
+            <a:schemeClr val="tx1"/>
+          </a:fontRef>
+        </p:style>
+      </p:cxnSp>
+      <p:cxnSp>
+        <p:nvCxnSpPr>
+          <p:cNvPr id="14" name="직선 화살표 연결선 13">
+            <a:extLst>
+              <a:ext uri="{FF2B5EF4-FFF2-40B4-BE49-F238E27FC236}">
+                <a16:creationId xmlns:a16="http://schemas.microsoft.com/office/drawing/2014/main" id="{4157D463-3782-664C-9741-BEFBFBF977E9}"/>
+              </a:ext>
+            </a:extLst>
+          </p:cNvPr>
+          <p:cNvCxnSpPr>
+            <a:cxnSpLocks/>
+            <a:stCxn id="4" idx="3"/>
+            <a:endCxn id="18" idx="1"/>
+          </p:cNvCxnSpPr>
+          <p:nvPr/>
+        </p:nvCxnSpPr>
+        <p:spPr>
+          <a:xfrm>
+            <a:off x="2942543" y="3265522"/>
+            <a:ext cx="1002170" cy="1912266"/>
+          </a:xfrm>
+          <a:prstGeom prst="straightConnector1">
+            <a:avLst/>
+          </a:prstGeom>
+          <a:ln w="12700">
+            <a:solidFill>
+              <a:schemeClr val="tx1"/>
+            </a:solidFill>
+            <a:headEnd type="none" w="lg" len="lg"/>
+            <a:tailEnd type="arrow" w="lg" len="lg"/>
+          </a:ln>
+        </p:spPr>
+        <p:style>
+          <a:lnRef idx="1">
+            <a:schemeClr val="accent1"/>
+          </a:lnRef>
+          <a:fillRef idx="0">
+            <a:schemeClr val="accent1"/>
+          </a:fillRef>
+          <a:effectRef idx="0">
+            <a:schemeClr val="accent1"/>
+          </a:effectRef>
+          <a:fontRef idx="minor">
+            <a:schemeClr val="tx1"/>
+          </a:fontRef>
+        </p:style>
+      </p:cxnSp>
+      <p:sp>
+        <p:nvSpPr>
+          <p:cNvPr id="12" name="직사각형 11">
+            <a:extLst>
+              <a:ext uri="{FF2B5EF4-FFF2-40B4-BE49-F238E27FC236}">
+                <a16:creationId xmlns:a16="http://schemas.microsoft.com/office/drawing/2014/main" id="{23D52A46-0D66-E942-BF4E-9A8064A1B57A}"/>
+              </a:ext>
+            </a:extLst>
+          </p:cNvPr>
+          <p:cNvSpPr/>
+          <p:nvPr/>
+        </p:nvSpPr>
+        <p:spPr>
+          <a:xfrm>
+            <a:off x="3944713" y="1107401"/>
+            <a:ext cx="2505857" cy="679882"/>
+          </a:xfrm>
+          <a:prstGeom prst="rect">
+            <a:avLst/>
+          </a:prstGeom>
+          <a:noFill/>
+          <a:ln w="12700">
+            <a:solidFill>
+              <a:schemeClr val="tx1"/>
+            </a:solidFill>
+          </a:ln>
+        </p:spPr>
+        <p:style>
+          <a:lnRef idx="2">
+            <a:schemeClr val="accent1">
+              <a:shade val="50000"/>
+            </a:schemeClr>
+          </a:lnRef>
+          <a:fillRef idx="1">
+            <a:schemeClr val="accent1"/>
+          </a:fillRef>
+          <a:effectRef idx="0">
+            <a:schemeClr val="accent1"/>
+          </a:effectRef>
+          <a:fontRef idx="minor">
+            <a:schemeClr val="lt1"/>
+          </a:fontRef>
+        </p:style>
+        <p:txBody>
+          <a:bodyPr rtlCol="0" anchor="ctr"/>
+          <a:lstStyle/>
+          <a:p>
+            <a:pPr algn="ctr"/>
+            <a:r>
+              <a:rPr lang="ko-Kore-KR" sz="1600" dirty="0">
+                <a:solidFill>
+                  <a:schemeClr val="tx1"/>
+                </a:solidFill>
+                <a:latin typeface="D2Coding" panose="020B0609020101020101" pitchFamily="49" charset="-127"/>
+                <a:ea typeface="D2Coding" panose="020B0609020101020101" pitchFamily="49" charset="-127"/>
+              </a:rPr>
+              <a:t>LessonHandler</a:t>
+            </a:r>
+          </a:p>
+        </p:txBody>
+      </p:sp>
+      <p:sp>
+        <p:nvSpPr>
+          <p:cNvPr id="17" name="직사각형 16">
+            <a:extLst>
+              <a:ext uri="{FF2B5EF4-FFF2-40B4-BE49-F238E27FC236}">
+                <a16:creationId xmlns:a16="http://schemas.microsoft.com/office/drawing/2014/main" id="{0C53B31F-29B2-C648-BEBC-067D6553D81F}"/>
+              </a:ext>
+            </a:extLst>
+          </p:cNvPr>
+          <p:cNvSpPr/>
+          <p:nvPr/>
+        </p:nvSpPr>
+        <p:spPr>
+          <a:xfrm>
+            <a:off x="3944713" y="2925580"/>
+            <a:ext cx="2505857" cy="679882"/>
+          </a:xfrm>
+          <a:prstGeom prst="rect">
+            <a:avLst/>
+          </a:prstGeom>
+          <a:noFill/>
+          <a:ln w="12700">
+            <a:solidFill>
+              <a:schemeClr val="tx1"/>
+            </a:solidFill>
+          </a:ln>
+        </p:spPr>
+        <p:style>
+          <a:lnRef idx="2">
+            <a:schemeClr val="accent1">
+              <a:shade val="50000"/>
+            </a:schemeClr>
+          </a:lnRef>
+          <a:fillRef idx="1">
+            <a:schemeClr val="accent1"/>
+          </a:fillRef>
+          <a:effectRef idx="0">
+            <a:schemeClr val="accent1"/>
+          </a:effectRef>
+          <a:fontRef idx="minor">
+            <a:schemeClr val="lt1"/>
+          </a:fontRef>
+        </p:style>
+        <p:txBody>
+          <a:bodyPr rtlCol="0" anchor="ctr"/>
+          <a:lstStyle/>
+          <a:p>
+            <a:pPr algn="ctr"/>
+            <a:r>
+              <a:rPr lang="ko-Kore-KR" sz="1600" dirty="0">
+                <a:solidFill>
+                  <a:schemeClr val="tx1"/>
+                </a:solidFill>
+                <a:latin typeface="D2Coding" panose="020B0609020101020101" pitchFamily="49" charset="-127"/>
+                <a:ea typeface="D2Coding" panose="020B0609020101020101" pitchFamily="49" charset="-127"/>
+              </a:rPr>
+              <a:t>MemberHandler</a:t>
+            </a:r>
+          </a:p>
+        </p:txBody>
+      </p:sp>
+      <p:sp>
+        <p:nvSpPr>
+          <p:cNvPr id="18" name="직사각형 17">
+            <a:extLst>
+              <a:ext uri="{FF2B5EF4-FFF2-40B4-BE49-F238E27FC236}">
+                <a16:creationId xmlns:a16="http://schemas.microsoft.com/office/drawing/2014/main" id="{1709C51D-A54C-EC49-A6C3-AB72BBA4082B}"/>
+              </a:ext>
+            </a:extLst>
+          </p:cNvPr>
+          <p:cNvSpPr/>
+          <p:nvPr/>
+        </p:nvSpPr>
+        <p:spPr>
+          <a:xfrm>
+            <a:off x="3944713" y="4837847"/>
+            <a:ext cx="2505857" cy="679882"/>
+          </a:xfrm>
+          <a:prstGeom prst="rect">
+            <a:avLst/>
+          </a:prstGeom>
+          <a:noFill/>
+          <a:ln w="12700">
+            <a:solidFill>
+              <a:schemeClr val="tx1"/>
+            </a:solidFill>
+          </a:ln>
+        </p:spPr>
+        <p:style>
+          <a:lnRef idx="2">
+            <a:schemeClr val="accent1">
+              <a:shade val="50000"/>
+            </a:schemeClr>
+          </a:lnRef>
+          <a:fillRef idx="1">
+            <a:schemeClr val="accent1"/>
+          </a:fillRef>
+          <a:effectRef idx="0">
+            <a:schemeClr val="accent1"/>
+          </a:effectRef>
+          <a:fontRef idx="minor">
+            <a:schemeClr val="lt1"/>
+          </a:fontRef>
+        </p:style>
+        <p:txBody>
+          <a:bodyPr rtlCol="0" anchor="ctr"/>
+          <a:lstStyle/>
+          <a:p>
+            <a:pPr algn="ctr"/>
+            <a:r>
+              <a:rPr lang="ko-Kore-KR" sz="1600" dirty="0">
+                <a:solidFill>
+                  <a:schemeClr val="tx1"/>
+                </a:solidFill>
+                <a:latin typeface="D2Coding" panose="020B0609020101020101" pitchFamily="49" charset="-127"/>
+                <a:ea typeface="D2Coding" panose="020B0609020101020101" pitchFamily="49" charset="-127"/>
+              </a:rPr>
+              <a:t>BoardHandler</a:t>
+            </a:r>
+          </a:p>
+        </p:txBody>
+      </p:sp>
+      <p:cxnSp>
+        <p:nvCxnSpPr>
+          <p:cNvPr id="27" name="직선 화살표 연결선 26">
+            <a:extLst>
+              <a:ext uri="{FF2B5EF4-FFF2-40B4-BE49-F238E27FC236}">
+                <a16:creationId xmlns:a16="http://schemas.microsoft.com/office/drawing/2014/main" id="{AEA8BB6C-F905-204E-A793-7EAAAB238E5B}"/>
+              </a:ext>
+            </a:extLst>
+          </p:cNvPr>
+          <p:cNvCxnSpPr>
+            <a:cxnSpLocks/>
+            <a:stCxn id="12" idx="2"/>
+            <a:endCxn id="8" idx="0"/>
+          </p:cNvCxnSpPr>
+          <p:nvPr/>
+        </p:nvCxnSpPr>
+        <p:spPr>
+          <a:xfrm flipH="1">
+            <a:off x="5197641" y="1787283"/>
+            <a:ext cx="1" cy="260562"/>
+          </a:xfrm>
+          <a:prstGeom prst="straightConnector1">
+            <a:avLst/>
+          </a:prstGeom>
+          <a:ln w="12700">
+            <a:solidFill>
+              <a:schemeClr val="tx1"/>
+            </a:solidFill>
+            <a:headEnd type="none" w="lg" len="lg"/>
+            <a:tailEnd type="arrow" w="lg" len="lg"/>
+          </a:ln>
+        </p:spPr>
+        <p:style>
+          <a:lnRef idx="1">
+            <a:schemeClr val="accent1"/>
+          </a:lnRef>
+          <a:fillRef idx="0">
+            <a:schemeClr val="accent1"/>
+          </a:fillRef>
+          <a:effectRef idx="0">
+            <a:schemeClr val="accent1"/>
+          </a:effectRef>
+          <a:fontRef idx="minor">
+            <a:schemeClr val="tx1"/>
+          </a:fontRef>
+        </p:style>
+      </p:cxnSp>
+      <p:cxnSp>
+        <p:nvCxnSpPr>
+          <p:cNvPr id="28" name="직선 화살표 연결선 27">
+            <a:extLst>
+              <a:ext uri="{FF2B5EF4-FFF2-40B4-BE49-F238E27FC236}">
+                <a16:creationId xmlns:a16="http://schemas.microsoft.com/office/drawing/2014/main" id="{4A5BCC15-A189-974C-ACA7-990D2582828B}"/>
+              </a:ext>
+            </a:extLst>
+          </p:cNvPr>
+          <p:cNvCxnSpPr>
+            <a:cxnSpLocks/>
+            <a:stCxn id="17" idx="3"/>
+            <a:endCxn id="20" idx="1"/>
+          </p:cNvCxnSpPr>
+          <p:nvPr/>
+        </p:nvCxnSpPr>
+        <p:spPr>
+          <a:xfrm>
+            <a:off x="6450570" y="3265521"/>
+            <a:ext cx="934224" cy="0"/>
+          </a:xfrm>
+          <a:prstGeom prst="straightConnector1">
+            <a:avLst/>
+          </a:prstGeom>
+          <a:ln w="12700">
+            <a:solidFill>
+              <a:schemeClr val="tx1"/>
+            </a:solidFill>
+            <a:headEnd type="none" w="lg" len="lg"/>
+            <a:tailEnd type="arrow" w="lg" len="lg"/>
+          </a:ln>
+        </p:spPr>
+        <p:style>
+          <a:lnRef idx="1">
+            <a:schemeClr val="accent1"/>
+          </a:lnRef>
+          <a:fillRef idx="0">
+            <a:schemeClr val="accent1"/>
+          </a:fillRef>
+          <a:effectRef idx="0">
+            <a:schemeClr val="accent1"/>
+          </a:effectRef>
+          <a:fontRef idx="minor">
+            <a:schemeClr val="tx1"/>
+          </a:fontRef>
+        </p:style>
+      </p:cxnSp>
+      <p:cxnSp>
+        <p:nvCxnSpPr>
+          <p:cNvPr id="29" name="직선 화살표 연결선 28">
+            <a:extLst>
+              <a:ext uri="{FF2B5EF4-FFF2-40B4-BE49-F238E27FC236}">
+                <a16:creationId xmlns:a16="http://schemas.microsoft.com/office/drawing/2014/main" id="{C03A3F24-5EAB-9C4E-BB7F-18CD26FA8A5A}"/>
+              </a:ext>
+            </a:extLst>
+          </p:cNvPr>
+          <p:cNvCxnSpPr>
+            <a:cxnSpLocks/>
+            <a:stCxn id="18" idx="3"/>
+            <a:endCxn id="20" idx="1"/>
+          </p:cNvCxnSpPr>
+          <p:nvPr/>
+        </p:nvCxnSpPr>
+        <p:spPr>
+          <a:xfrm flipV="1">
+            <a:off x="6450570" y="3265521"/>
+            <a:ext cx="934224" cy="1912267"/>
+          </a:xfrm>
+          <a:prstGeom prst="straightConnector1">
+            <a:avLst/>
+          </a:prstGeom>
+          <a:ln w="12700">
+            <a:solidFill>
+              <a:schemeClr val="tx1"/>
+            </a:solidFill>
+            <a:headEnd type="none" w="lg" len="lg"/>
+            <a:tailEnd type="arrow" w="lg" len="lg"/>
+          </a:ln>
+        </p:spPr>
+        <p:style>
+          <a:lnRef idx="1">
+            <a:schemeClr val="accent1"/>
+          </a:lnRef>
+          <a:fillRef idx="0">
+            <a:schemeClr val="accent1"/>
+          </a:fillRef>
+          <a:effectRef idx="0">
+            <a:schemeClr val="accent1"/>
+          </a:effectRef>
+          <a:fontRef idx="minor">
+            <a:schemeClr val="tx1"/>
+          </a:fontRef>
+        </p:style>
+      </p:cxnSp>
+      <p:sp>
+        <p:nvSpPr>
+          <p:cNvPr id="40" name="직사각형 39">
+            <a:extLst>
+              <a:ext uri="{FF2B5EF4-FFF2-40B4-BE49-F238E27FC236}">
+                <a16:creationId xmlns:a16="http://schemas.microsoft.com/office/drawing/2014/main" id="{BC66F44A-1380-464C-9B73-6A7E40289FB3}"/>
+              </a:ext>
+            </a:extLst>
+          </p:cNvPr>
+          <p:cNvSpPr/>
+          <p:nvPr/>
+        </p:nvSpPr>
+        <p:spPr>
+          <a:xfrm>
+            <a:off x="4380677" y="3869328"/>
+            <a:ext cx="1633928" cy="437148"/>
+          </a:xfrm>
+          <a:prstGeom prst="rect">
+            <a:avLst/>
+          </a:prstGeom>
+          <a:noFill/>
+          <a:ln w="12700">
+            <a:solidFill>
+              <a:schemeClr val="tx1"/>
+            </a:solidFill>
+          </a:ln>
+        </p:spPr>
+        <p:style>
+          <a:lnRef idx="2">
+            <a:schemeClr val="accent1">
+              <a:shade val="50000"/>
+            </a:schemeClr>
+          </a:lnRef>
+          <a:fillRef idx="1">
+            <a:schemeClr val="accent1"/>
+          </a:fillRef>
+          <a:effectRef idx="0">
+            <a:schemeClr val="accent1"/>
+          </a:effectRef>
+          <a:fontRef idx="minor">
+            <a:schemeClr val="lt1"/>
+          </a:fontRef>
+        </p:style>
+        <p:txBody>
+          <a:bodyPr rtlCol="0" anchor="ctr"/>
+          <a:lstStyle/>
+          <a:p>
+            <a:pPr algn="ctr"/>
+            <a:r>
+              <a:rPr lang="ko-Kore-KR" sz="1600" dirty="0">
+                <a:solidFill>
+                  <a:schemeClr val="tx1"/>
+                </a:solidFill>
+                <a:latin typeface="D2Coding" panose="020B0609020101020101" pitchFamily="49" charset="-127"/>
+                <a:ea typeface="D2Coding" panose="020B0609020101020101" pitchFamily="49" charset="-127"/>
+              </a:rPr>
+              <a:t>Member</a:t>
+            </a:r>
+          </a:p>
+        </p:txBody>
+      </p:sp>
+      <p:sp>
+        <p:nvSpPr>
+          <p:cNvPr id="47" name="직사각형 46">
+            <a:extLst>
+              <a:ext uri="{FF2B5EF4-FFF2-40B4-BE49-F238E27FC236}">
+                <a16:creationId xmlns:a16="http://schemas.microsoft.com/office/drawing/2014/main" id="{AD37DA71-38F7-AF41-820F-9F66239E7EF0}"/>
+              </a:ext>
+            </a:extLst>
+          </p:cNvPr>
+          <p:cNvSpPr/>
+          <p:nvPr/>
+        </p:nvSpPr>
+        <p:spPr>
+          <a:xfrm>
+            <a:off x="4380677" y="5776656"/>
+            <a:ext cx="1633928" cy="384825"/>
+          </a:xfrm>
+          <a:prstGeom prst="rect">
+            <a:avLst/>
+          </a:prstGeom>
+          <a:noFill/>
+          <a:ln w="12700">
+            <a:solidFill>
+              <a:schemeClr val="tx1"/>
+            </a:solidFill>
+          </a:ln>
+        </p:spPr>
+        <p:style>
+          <a:lnRef idx="2">
+            <a:schemeClr val="accent1">
+              <a:shade val="50000"/>
+            </a:schemeClr>
+          </a:lnRef>
+          <a:fillRef idx="1">
+            <a:schemeClr val="accent1"/>
+          </a:fillRef>
+          <a:effectRef idx="0">
+            <a:schemeClr val="accent1"/>
+          </a:effectRef>
+          <a:fontRef idx="minor">
+            <a:schemeClr val="lt1"/>
+          </a:fontRef>
+        </p:style>
+        <p:txBody>
+          <a:bodyPr rtlCol="0" anchor="ctr"/>
+          <a:lstStyle/>
+          <a:p>
+            <a:pPr algn="ctr"/>
+            <a:r>
+              <a:rPr lang="ko-Kore-KR" sz="1600" dirty="0">
+                <a:solidFill>
+                  <a:schemeClr val="tx1"/>
+                </a:solidFill>
+                <a:latin typeface="D2Coding" panose="020B0609020101020101" pitchFamily="49" charset="-127"/>
+                <a:ea typeface="D2Coding" panose="020B0609020101020101" pitchFamily="49" charset="-127"/>
+              </a:rPr>
+              <a:t>Board</a:t>
+            </a:r>
+          </a:p>
+        </p:txBody>
+      </p:sp>
+      <p:cxnSp>
+        <p:nvCxnSpPr>
+          <p:cNvPr id="55" name="직선 화살표 연결선 54">
+            <a:extLst>
+              <a:ext uri="{FF2B5EF4-FFF2-40B4-BE49-F238E27FC236}">
+                <a16:creationId xmlns:a16="http://schemas.microsoft.com/office/drawing/2014/main" id="{C3D34C31-B4B4-4148-BAF1-78C5F503BA5E}"/>
+              </a:ext>
+            </a:extLst>
+          </p:cNvPr>
+          <p:cNvCxnSpPr>
+            <a:cxnSpLocks/>
+            <a:stCxn id="17" idx="2"/>
+            <a:endCxn id="40" idx="0"/>
+          </p:cNvCxnSpPr>
+          <p:nvPr/>
+        </p:nvCxnSpPr>
+        <p:spPr>
+          <a:xfrm flipH="1">
+            <a:off x="5197641" y="3605462"/>
+            <a:ext cx="1" cy="263866"/>
+          </a:xfrm>
+          <a:prstGeom prst="straightConnector1">
+            <a:avLst/>
+          </a:prstGeom>
+          <a:ln w="12700">
+            <a:solidFill>
+              <a:schemeClr val="tx1"/>
+            </a:solidFill>
+            <a:headEnd type="none" w="lg" len="lg"/>
+            <a:tailEnd type="arrow" w="lg" len="lg"/>
+          </a:ln>
+        </p:spPr>
+        <p:style>
+          <a:lnRef idx="1">
+            <a:schemeClr val="accent1"/>
+          </a:lnRef>
+          <a:fillRef idx="0">
+            <a:schemeClr val="accent1"/>
+          </a:fillRef>
+          <a:effectRef idx="0">
+            <a:schemeClr val="accent1"/>
+          </a:effectRef>
+          <a:fontRef idx="minor">
+            <a:schemeClr val="tx1"/>
+          </a:fontRef>
+        </p:style>
+      </p:cxnSp>
+      <p:cxnSp>
+        <p:nvCxnSpPr>
+          <p:cNvPr id="59" name="직선 화살표 연결선 58">
+            <a:extLst>
+              <a:ext uri="{FF2B5EF4-FFF2-40B4-BE49-F238E27FC236}">
+                <a16:creationId xmlns:a16="http://schemas.microsoft.com/office/drawing/2014/main" id="{941F0224-43B9-1E4C-91BA-F4A14EFD150D}"/>
+              </a:ext>
+            </a:extLst>
+          </p:cNvPr>
+          <p:cNvCxnSpPr>
+            <a:cxnSpLocks/>
+            <a:stCxn id="18" idx="2"/>
+            <a:endCxn id="47" idx="0"/>
+          </p:cNvCxnSpPr>
+          <p:nvPr/>
+        </p:nvCxnSpPr>
+        <p:spPr>
+          <a:xfrm flipH="1">
+            <a:off x="5197641" y="5517729"/>
+            <a:ext cx="1" cy="258927"/>
+          </a:xfrm>
+          <a:prstGeom prst="straightConnector1">
+            <a:avLst/>
+          </a:prstGeom>
+          <a:ln w="12700">
+            <a:solidFill>
+              <a:schemeClr val="tx1"/>
+            </a:solidFill>
+            <a:headEnd type="none" w="lg" len="lg"/>
+            <a:tailEnd type="arrow" w="lg" len="lg"/>
+          </a:ln>
+        </p:spPr>
+        <p:style>
+          <a:lnRef idx="1">
+            <a:schemeClr val="accent1"/>
+          </a:lnRef>
+          <a:fillRef idx="0">
+            <a:schemeClr val="accent1"/>
+          </a:fillRef>
+          <a:effectRef idx="0">
+            <a:schemeClr val="accent1"/>
+          </a:effectRef>
+          <a:fontRef idx="minor">
+            <a:schemeClr val="tx1"/>
+          </a:fontRef>
+        </p:style>
+      </p:cxnSp>
+      <p:cxnSp>
+        <p:nvCxnSpPr>
+          <p:cNvPr id="54" name="직선 화살표 연결선 53">
+            <a:extLst>
+              <a:ext uri="{FF2B5EF4-FFF2-40B4-BE49-F238E27FC236}">
+                <a16:creationId xmlns:a16="http://schemas.microsoft.com/office/drawing/2014/main" id="{8F504CBD-7E6F-2B4D-9ED2-9901F292BEFD}"/>
+              </a:ext>
+            </a:extLst>
+          </p:cNvPr>
+          <p:cNvCxnSpPr>
+            <a:cxnSpLocks/>
+            <a:stCxn id="12" idx="3"/>
+            <a:endCxn id="20" idx="1"/>
+          </p:cNvCxnSpPr>
+          <p:nvPr/>
+        </p:nvCxnSpPr>
+        <p:spPr>
+          <a:xfrm>
+            <a:off x="6450570" y="1447342"/>
+            <a:ext cx="934224" cy="1818179"/>
+          </a:xfrm>
+          <a:prstGeom prst="straightConnector1">
+            <a:avLst/>
+          </a:prstGeom>
+          <a:ln w="12700">
+            <a:solidFill>
+              <a:schemeClr val="tx1"/>
+            </a:solidFill>
+            <a:headEnd type="none" w="lg" len="lg"/>
+            <a:tailEnd type="arrow" w="lg" len="lg"/>
+          </a:ln>
+        </p:spPr>
+        <p:style>
+          <a:lnRef idx="1">
+            <a:schemeClr val="accent1"/>
+          </a:lnRef>
+          <a:fillRef idx="0">
+            <a:schemeClr val="accent1"/>
+          </a:fillRef>
+          <a:effectRef idx="0">
+            <a:schemeClr val="accent1"/>
+          </a:effectRef>
+          <a:fontRef idx="minor">
+            <a:schemeClr val="tx1"/>
+          </a:fontRef>
+        </p:style>
+      </p:cxnSp>
+      <p:sp>
+        <p:nvSpPr>
+          <p:cNvPr id="21" name="직사각형 20">
+            <a:extLst>
+              <a:ext uri="{FF2B5EF4-FFF2-40B4-BE49-F238E27FC236}">
+                <a16:creationId xmlns:a16="http://schemas.microsoft.com/office/drawing/2014/main" id="{C93F62BE-8457-244C-ACC4-17665D03DEF6}"/>
+              </a:ext>
+            </a:extLst>
+          </p:cNvPr>
+          <p:cNvSpPr/>
+          <p:nvPr/>
+        </p:nvSpPr>
+        <p:spPr>
+          <a:xfrm>
+            <a:off x="871538" y="4152507"/>
+            <a:ext cx="2065711" cy="1025282"/>
+          </a:xfrm>
+          <a:prstGeom prst="rect">
+            <a:avLst/>
+          </a:prstGeom>
+          <a:noFill/>
+          <a:ln w="12700">
+            <a:solidFill>
+              <a:schemeClr val="tx1"/>
+            </a:solidFill>
+          </a:ln>
+        </p:spPr>
+        <p:style>
+          <a:lnRef idx="2">
+            <a:schemeClr val="accent1">
+              <a:shade val="50000"/>
+            </a:schemeClr>
+          </a:lnRef>
+          <a:fillRef idx="1">
+            <a:schemeClr val="accent1"/>
+          </a:fillRef>
+          <a:effectRef idx="0">
+            <a:schemeClr val="accent1"/>
+          </a:effectRef>
+          <a:fontRef idx="minor">
+            <a:schemeClr val="lt1"/>
+          </a:fontRef>
+        </p:style>
+        <p:txBody>
+          <a:bodyPr rtlCol="0" anchor="t" anchorCtr="0"/>
+          <a:lstStyle/>
+          <a:p>
+            <a:pPr algn="ctr"/>
+            <a:r>
+              <a:rPr lang="ko-Kore-KR" sz="1600" dirty="0">
+                <a:solidFill>
+                  <a:schemeClr val="tx1"/>
+                </a:solidFill>
+                <a:latin typeface="D2Coding" panose="020B0609020101020101" pitchFamily="49" charset="-127"/>
+                <a:ea typeface="D2Coding" panose="020B0609020101020101" pitchFamily="49" charset="-127"/>
+              </a:rPr>
+              <a:t>Stack</a:t>
+            </a:r>
+          </a:p>
+        </p:txBody>
+      </p:sp>
+      <p:cxnSp>
+        <p:nvCxnSpPr>
+          <p:cNvPr id="22" name="직선 화살표 연결선 21">
+            <a:extLst>
+              <a:ext uri="{FF2B5EF4-FFF2-40B4-BE49-F238E27FC236}">
+                <a16:creationId xmlns:a16="http://schemas.microsoft.com/office/drawing/2014/main" id="{A1E249DC-4CC9-384F-BCE1-D0EB892FC917}"/>
+              </a:ext>
+            </a:extLst>
+          </p:cNvPr>
+          <p:cNvCxnSpPr>
+            <a:cxnSpLocks/>
+            <a:stCxn id="4" idx="2"/>
+            <a:endCxn id="21" idx="0"/>
+          </p:cNvCxnSpPr>
+          <p:nvPr/>
+        </p:nvCxnSpPr>
+        <p:spPr>
+          <a:xfrm flipH="1">
+            <a:off x="1904394" y="3605463"/>
+            <a:ext cx="221185" cy="547044"/>
+          </a:xfrm>
+          <a:prstGeom prst="straightConnector1">
+            <a:avLst/>
+          </a:prstGeom>
+          <a:ln w="12700">
+            <a:solidFill>
+              <a:schemeClr val="tx1"/>
+            </a:solidFill>
+            <a:headEnd type="none" w="lg" len="lg"/>
+            <a:tailEnd type="arrow" w="lg" len="lg"/>
+          </a:ln>
+        </p:spPr>
+        <p:style>
+          <a:lnRef idx="1">
+            <a:schemeClr val="accent1"/>
+          </a:lnRef>
+          <a:fillRef idx="0">
+            <a:schemeClr val="accent1"/>
+          </a:fillRef>
+          <a:effectRef idx="0">
+            <a:schemeClr val="accent1"/>
+          </a:effectRef>
+          <a:fontRef idx="minor">
+            <a:schemeClr val="tx1"/>
+          </a:fontRef>
+        </p:style>
+      </p:cxnSp>
+      <p:sp>
+        <p:nvSpPr>
+          <p:cNvPr id="23" name="직사각형 22">
+            <a:extLst>
+              <a:ext uri="{FF2B5EF4-FFF2-40B4-BE49-F238E27FC236}">
+                <a16:creationId xmlns:a16="http://schemas.microsoft.com/office/drawing/2014/main" id="{316CFA86-AC38-7642-8D67-F3BBE755098E}"/>
+              </a:ext>
+            </a:extLst>
+          </p:cNvPr>
+          <p:cNvSpPr/>
+          <p:nvPr/>
+        </p:nvSpPr>
+        <p:spPr>
+          <a:xfrm>
+            <a:off x="871538" y="1353255"/>
+            <a:ext cx="2065711" cy="1025281"/>
+          </a:xfrm>
+          <a:prstGeom prst="rect">
+            <a:avLst/>
+          </a:prstGeom>
+          <a:noFill/>
+          <a:ln w="12700">
+            <a:solidFill>
+              <a:schemeClr val="tx1"/>
+            </a:solidFill>
+          </a:ln>
+        </p:spPr>
+        <p:style>
+          <a:lnRef idx="2">
+            <a:schemeClr val="accent1">
+              <a:shade val="50000"/>
+            </a:schemeClr>
+          </a:lnRef>
+          <a:fillRef idx="1">
+            <a:schemeClr val="accent1"/>
+          </a:fillRef>
+          <a:effectRef idx="0">
+            <a:schemeClr val="accent1"/>
+          </a:effectRef>
+          <a:fontRef idx="minor">
+            <a:schemeClr val="lt1"/>
+          </a:fontRef>
+        </p:style>
+        <p:txBody>
+          <a:bodyPr rtlCol="0" anchor="t" anchorCtr="0"/>
+          <a:lstStyle/>
+          <a:p>
+            <a:pPr algn="ctr"/>
+            <a:r>
+              <a:rPr lang="ko-Kore-KR" sz="1600" dirty="0">
+                <a:solidFill>
+                  <a:schemeClr val="tx1"/>
+                </a:solidFill>
+                <a:latin typeface="D2Coding" panose="020B0609020101020101" pitchFamily="49" charset="-127"/>
+                <a:ea typeface="D2Coding" panose="020B0609020101020101" pitchFamily="49" charset="-127"/>
+              </a:rPr>
+              <a:t>Queue</a:t>
+            </a:r>
+          </a:p>
+        </p:txBody>
+      </p:sp>
+      <p:cxnSp>
+        <p:nvCxnSpPr>
+          <p:cNvPr id="25" name="직선 화살표 연결선 24">
+            <a:extLst>
+              <a:ext uri="{FF2B5EF4-FFF2-40B4-BE49-F238E27FC236}">
+                <a16:creationId xmlns:a16="http://schemas.microsoft.com/office/drawing/2014/main" id="{02672205-1D0B-6D4A-96B5-E1A314BB740C}"/>
+              </a:ext>
+            </a:extLst>
+          </p:cNvPr>
+          <p:cNvCxnSpPr>
+            <a:cxnSpLocks/>
+            <a:stCxn id="4" idx="0"/>
+            <a:endCxn id="23" idx="2"/>
+          </p:cNvCxnSpPr>
+          <p:nvPr/>
+        </p:nvCxnSpPr>
+        <p:spPr>
+          <a:xfrm flipH="1" flipV="1">
+            <a:off x="1904394" y="2378536"/>
+            <a:ext cx="221185" cy="547045"/>
+          </a:xfrm>
+          <a:prstGeom prst="straightConnector1">
+            <a:avLst/>
+          </a:prstGeom>
+          <a:ln w="12700">
+            <a:solidFill>
+              <a:schemeClr val="tx1"/>
+            </a:solidFill>
+            <a:headEnd type="none" w="lg" len="lg"/>
+            <a:tailEnd type="arrow" w="lg" len="lg"/>
+          </a:ln>
+        </p:spPr>
+        <p:style>
+          <a:lnRef idx="1">
+            <a:schemeClr val="accent1"/>
+          </a:lnRef>
+          <a:fillRef idx="0">
+            <a:schemeClr val="accent1"/>
+          </a:fillRef>
+          <a:effectRef idx="0">
+            <a:schemeClr val="accent1"/>
+          </a:effectRef>
+          <a:fontRef idx="minor">
+            <a:schemeClr val="tx1"/>
+          </a:fontRef>
+        </p:style>
+      </p:cxnSp>
+      <p:sp>
+        <p:nvSpPr>
+          <p:cNvPr id="31" name="직사각형 30">
+            <a:extLst>
+              <a:ext uri="{FF2B5EF4-FFF2-40B4-BE49-F238E27FC236}">
+                <a16:creationId xmlns:a16="http://schemas.microsoft.com/office/drawing/2014/main" id="{0491666E-7E1C-3945-9354-F805FABC083C}"/>
+              </a:ext>
+            </a:extLst>
+          </p:cNvPr>
+          <p:cNvSpPr/>
+          <p:nvPr/>
+        </p:nvSpPr>
+        <p:spPr>
+          <a:xfrm>
+            <a:off x="9144536" y="4141560"/>
+            <a:ext cx="1633928" cy="679882"/>
+          </a:xfrm>
+          <a:prstGeom prst="rect">
+            <a:avLst/>
+          </a:prstGeom>
+          <a:noFill/>
+          <a:ln w="12700">
+            <a:solidFill>
+              <a:schemeClr val="tx1"/>
+            </a:solidFill>
+          </a:ln>
+        </p:spPr>
+        <p:style>
+          <a:lnRef idx="2">
+            <a:schemeClr val="accent1">
+              <a:shade val="50000"/>
+            </a:schemeClr>
+          </a:lnRef>
+          <a:fillRef idx="1">
+            <a:schemeClr val="accent1"/>
+          </a:fillRef>
+          <a:effectRef idx="0">
+            <a:schemeClr val="accent1"/>
+          </a:effectRef>
+          <a:fontRef idx="minor">
+            <a:schemeClr val="lt1"/>
+          </a:fontRef>
+        </p:style>
+        <p:txBody>
+          <a:bodyPr rtlCol="0" anchor="ctr"/>
+          <a:lstStyle/>
+          <a:p>
+            <a:pPr algn="ctr"/>
+            <a:r>
+              <a:rPr lang="ko-Kore-KR" sz="1600" dirty="0">
+                <a:solidFill>
+                  <a:schemeClr val="tx1"/>
+                </a:solidFill>
+                <a:latin typeface="D2Coding" panose="020B0609020101020101" pitchFamily="49" charset="-127"/>
+                <a:ea typeface="D2Coding" panose="020B0609020101020101" pitchFamily="49" charset="-127"/>
+              </a:rPr>
+              <a:t>LinkedList</a:t>
+            </a:r>
+          </a:p>
+        </p:txBody>
+      </p:sp>
+      <p:cxnSp>
+        <p:nvCxnSpPr>
+          <p:cNvPr id="19" name="꺾인 연결선[E] 18">
+            <a:extLst>
+              <a:ext uri="{FF2B5EF4-FFF2-40B4-BE49-F238E27FC236}">
+                <a16:creationId xmlns:a16="http://schemas.microsoft.com/office/drawing/2014/main" id="{03AF7ECA-882B-AF42-B286-85B6FFD34A99}"/>
+              </a:ext>
+            </a:extLst>
+          </p:cNvPr>
+          <p:cNvCxnSpPr>
+            <a:cxnSpLocks/>
+            <a:stCxn id="31" idx="3"/>
+            <a:endCxn id="30" idx="3"/>
+          </p:cNvCxnSpPr>
+          <p:nvPr/>
+        </p:nvCxnSpPr>
+        <p:spPr>
+          <a:xfrm flipV="1">
+            <a:off x="10778464" y="3265521"/>
+            <a:ext cx="410787" cy="1215980"/>
+          </a:xfrm>
+          <a:prstGeom prst="bentConnector3">
+            <a:avLst>
+              <a:gd name="adj1" fmla="val 155649"/>
+            </a:avLst>
+          </a:prstGeom>
+          <a:ln w="12700">
+            <a:solidFill>
+              <a:schemeClr val="tx1"/>
+            </a:solidFill>
+            <a:tailEnd type="triangle" w="lg" len="lg"/>
+          </a:ln>
+        </p:spPr>
+        <p:style>
+          <a:lnRef idx="1">
+            <a:schemeClr val="accent1"/>
+          </a:lnRef>
+          <a:fillRef idx="0">
+            <a:schemeClr val="accent1"/>
+          </a:fillRef>
+          <a:effectRef idx="0">
+            <a:schemeClr val="accent1"/>
+          </a:effectRef>
+          <a:fontRef idx="minor">
+            <a:schemeClr val="tx1"/>
+          </a:fontRef>
+        </p:style>
+      </p:cxnSp>
+      <p:cxnSp>
+        <p:nvCxnSpPr>
+          <p:cNvPr id="34" name="꺾인 연결선[E] 33">
+            <a:extLst>
+              <a:ext uri="{FF2B5EF4-FFF2-40B4-BE49-F238E27FC236}">
+                <a16:creationId xmlns:a16="http://schemas.microsoft.com/office/drawing/2014/main" id="{FB6F7386-36B9-F548-810E-C19DC37BA6B8}"/>
+              </a:ext>
+            </a:extLst>
+          </p:cNvPr>
+          <p:cNvCxnSpPr>
+            <a:cxnSpLocks/>
+            <a:stCxn id="9" idx="3"/>
+            <a:endCxn id="30" idx="3"/>
+          </p:cNvCxnSpPr>
+          <p:nvPr/>
+        </p:nvCxnSpPr>
+        <p:spPr>
+          <a:xfrm flipV="1">
+            <a:off x="10778464" y="3265521"/>
+            <a:ext cx="410787" cy="2160348"/>
+          </a:xfrm>
+          <a:prstGeom prst="bentConnector3">
+            <a:avLst>
+              <a:gd name="adj1" fmla="val 155649"/>
+            </a:avLst>
+          </a:prstGeom>
+          <a:ln w="12700">
+            <a:solidFill>
+              <a:schemeClr val="tx1"/>
+            </a:solidFill>
+            <a:tailEnd type="triangle" w="lg" len="lg"/>
+          </a:ln>
+        </p:spPr>
+        <p:style>
+          <a:lnRef idx="1">
+            <a:schemeClr val="accent1"/>
+          </a:lnRef>
+          <a:fillRef idx="0">
+            <a:schemeClr val="accent1"/>
+          </a:fillRef>
+          <a:effectRef idx="0">
+            <a:schemeClr val="accent1"/>
+          </a:effectRef>
+          <a:fontRef idx="minor">
+            <a:schemeClr val="tx1"/>
+          </a:fontRef>
+        </p:style>
+      </p:cxnSp>
+      <p:sp>
+        <p:nvSpPr>
+          <p:cNvPr id="30" name="직사각형 29">
+            <a:extLst>
+              <a:ext uri="{FF2B5EF4-FFF2-40B4-BE49-F238E27FC236}">
+                <a16:creationId xmlns:a16="http://schemas.microsoft.com/office/drawing/2014/main" id="{FE49F342-33AF-8245-86E4-5D21C404FC22}"/>
+              </a:ext>
+            </a:extLst>
+          </p:cNvPr>
+          <p:cNvSpPr/>
+          <p:nvPr/>
+        </p:nvSpPr>
+        <p:spPr>
+          <a:xfrm>
+            <a:off x="9109203" y="2653968"/>
+            <a:ext cx="2080048" cy="1223106"/>
+          </a:xfrm>
+          <a:prstGeom prst="rect">
+            <a:avLst/>
+          </a:prstGeom>
+          <a:noFill/>
+          <a:ln w="12700">
+            <a:solidFill>
+              <a:schemeClr val="tx1"/>
+            </a:solidFill>
+          </a:ln>
+        </p:spPr>
+        <p:style>
+          <a:lnRef idx="2">
+            <a:schemeClr val="accent1">
+              <a:shade val="50000"/>
+            </a:schemeClr>
+          </a:lnRef>
+          <a:fillRef idx="1">
+            <a:schemeClr val="accent1"/>
+          </a:fillRef>
+          <a:effectRef idx="0">
+            <a:schemeClr val="accent1"/>
+          </a:effectRef>
+          <a:fontRef idx="minor">
+            <a:schemeClr val="lt1"/>
+          </a:fontRef>
+        </p:style>
+        <p:txBody>
+          <a:bodyPr rtlCol="0" anchor="t" anchorCtr="0"/>
+          <a:lstStyle/>
+          <a:p>
+            <a:pPr algn="ctr"/>
+            <a:r>
+              <a:rPr lang="ko-Kore-KR" sz="1200" dirty="0">
+                <a:solidFill>
+                  <a:schemeClr val="tx1"/>
+                </a:solidFill>
+                <a:latin typeface="D2Coding" panose="020B0609020101020101" pitchFamily="49" charset="-127"/>
+                <a:ea typeface="D2Coding" panose="020B0609020101020101" pitchFamily="49" charset="-127"/>
+              </a:rPr>
+              <a:t>&lt;&lt;abstract&gt;&gt;</a:t>
+            </a:r>
+          </a:p>
+          <a:p>
+            <a:pPr algn="ctr"/>
+            <a:r>
+              <a:rPr lang="ko-Kore-KR" sz="1600" dirty="0">
+                <a:solidFill>
+                  <a:schemeClr val="tx1"/>
+                </a:solidFill>
+                <a:latin typeface="D2Coding" panose="020B0609020101020101" pitchFamily="49" charset="-127"/>
+                <a:ea typeface="D2Coding" panose="020B0609020101020101" pitchFamily="49" charset="-127"/>
+              </a:rPr>
+              <a:t>AbstractList</a:t>
+            </a:r>
+          </a:p>
+        </p:txBody>
+      </p:sp>
+      <p:grpSp>
+        <p:nvGrpSpPr>
+          <p:cNvPr id="2" name="그룹 1">
+            <a:extLst>
+              <a:ext uri="{FF2B5EF4-FFF2-40B4-BE49-F238E27FC236}">
+                <a16:creationId xmlns:a16="http://schemas.microsoft.com/office/drawing/2014/main" id="{E1EA6C84-1A92-014C-A4BC-5A2858C48EC4}"/>
+              </a:ext>
+            </a:extLst>
+          </p:cNvPr>
+          <p:cNvGrpSpPr/>
+          <p:nvPr/>
+        </p:nvGrpSpPr>
+        <p:grpSpPr>
+          <a:xfrm>
+            <a:off x="7373805" y="2925186"/>
+            <a:ext cx="1184940" cy="680276"/>
+            <a:chOff x="7373805" y="2925186"/>
+            <a:chExt cx="1184940" cy="680276"/>
+          </a:xfrm>
+        </p:grpSpPr>
+        <p:sp>
+          <p:nvSpPr>
+            <p:cNvPr id="20" name="직사각형 19">
+              <a:extLst>
+                <a:ext uri="{FF2B5EF4-FFF2-40B4-BE49-F238E27FC236}">
+                  <a16:creationId xmlns:a16="http://schemas.microsoft.com/office/drawing/2014/main" id="{BD10BC95-09D9-F34B-9741-4EBB004D197D}"/>
+                </a:ext>
+              </a:extLst>
+            </p:cNvPr>
+            <p:cNvSpPr/>
+            <p:nvPr/>
+          </p:nvSpPr>
+          <p:spPr>
+            <a:xfrm>
+              <a:off x="7384794" y="2925580"/>
+              <a:ext cx="1149606" cy="679882"/>
+            </a:xfrm>
+            <a:prstGeom prst="rect">
+              <a:avLst/>
+            </a:prstGeom>
+            <a:noFill/>
+            <a:ln w="12700">
+              <a:solidFill>
+                <a:schemeClr val="tx1"/>
+              </a:solidFill>
+            </a:ln>
+          </p:spPr>
+          <p:style>
+            <a:lnRef idx="2">
+              <a:schemeClr val="accent1">
+                <a:shade val="50000"/>
+              </a:schemeClr>
+            </a:lnRef>
+            <a:fillRef idx="1">
+              <a:schemeClr val="accent1"/>
+            </a:fillRef>
+            <a:effectRef idx="0">
+              <a:schemeClr val="accent1"/>
+            </a:effectRef>
+            <a:fontRef idx="minor">
+              <a:schemeClr val="lt1"/>
+            </a:fontRef>
+          </p:style>
+          <p:txBody>
+            <a:bodyPr rtlCol="0" anchor="ctr"/>
+            <a:lstStyle/>
+            <a:p>
+              <a:pPr algn="ctr"/>
+              <a:r>
+                <a:rPr lang="ko-Kore-KR" sz="1600" dirty="0">
+                  <a:solidFill>
+                    <a:schemeClr val="tx1"/>
+                  </a:solidFill>
+                  <a:latin typeface="D2Coding" panose="020B0609020101020101" pitchFamily="49" charset="-127"/>
+                  <a:ea typeface="D2Coding" panose="020B0609020101020101" pitchFamily="49" charset="-127"/>
+                </a:rPr>
+                <a:t>List</a:t>
+              </a:r>
+            </a:p>
+          </p:txBody>
+        </p:sp>
+        <p:sp>
+          <p:nvSpPr>
+            <p:cNvPr id="35" name="TextBox 34">
+              <a:extLst>
+                <a:ext uri="{FF2B5EF4-FFF2-40B4-BE49-F238E27FC236}">
+                  <a16:creationId xmlns:a16="http://schemas.microsoft.com/office/drawing/2014/main" id="{B6A3C4DF-7C5D-C049-96A1-952A3742ACCA}"/>
+                </a:ext>
+              </a:extLst>
+            </p:cNvPr>
+            <p:cNvSpPr txBox="1"/>
+            <p:nvPr/>
+          </p:nvSpPr>
+          <p:spPr>
+            <a:xfrm>
+              <a:off x="7373805" y="2925186"/>
+              <a:ext cx="1184940" cy="276999"/>
+            </a:xfrm>
+            <a:prstGeom prst="rect">
+              <a:avLst/>
+            </a:prstGeom>
+            <a:noFill/>
+            <a:ln w="12700">
+              <a:noFill/>
+            </a:ln>
+          </p:spPr>
+          <p:txBody>
+            <a:bodyPr wrap="none" rtlCol="0">
+              <a:spAutoFit/>
+            </a:bodyPr>
+            <a:lstStyle/>
+            <a:p>
+              <a:r>
+                <a:rPr lang="ko-Kore-KR" sz="1200" dirty="0">
+                  <a:latin typeface="D2Coding" panose="020B0609020101020101" pitchFamily="49" charset="-127"/>
+                  <a:ea typeface="D2Coding" panose="020B0609020101020101" pitchFamily="49" charset="-127"/>
+                </a:rPr>
+                <a:t>&lt;&lt;interface&gt;&gt;</a:t>
+              </a:r>
+            </a:p>
+          </p:txBody>
+        </p:sp>
+      </p:grpSp>
+      <p:cxnSp>
+        <p:nvCxnSpPr>
+          <p:cNvPr id="36" name="직선 화살표 연결선 35">
+            <a:extLst>
+              <a:ext uri="{FF2B5EF4-FFF2-40B4-BE49-F238E27FC236}">
+                <a16:creationId xmlns:a16="http://schemas.microsoft.com/office/drawing/2014/main" id="{E98EBE17-2413-2E40-AF1C-AD7847D25878}"/>
+              </a:ext>
+            </a:extLst>
+          </p:cNvPr>
+          <p:cNvCxnSpPr>
+            <a:cxnSpLocks/>
+            <a:stCxn id="30" idx="1"/>
+            <a:endCxn id="20" idx="3"/>
+          </p:cNvCxnSpPr>
+          <p:nvPr/>
+        </p:nvCxnSpPr>
+        <p:spPr>
+          <a:xfrm flipH="1">
+            <a:off x="8534400" y="3265521"/>
+            <a:ext cx="574803" cy="0"/>
+          </a:xfrm>
+          <a:prstGeom prst="straightConnector1">
+            <a:avLst/>
+          </a:prstGeom>
+          <a:ln w="12700">
+            <a:solidFill>
+              <a:schemeClr val="tx1"/>
+            </a:solidFill>
+            <a:prstDash val="sysDot"/>
+            <a:headEnd type="none" w="med" len="med"/>
+            <a:tailEnd type="triangle" w="lg" len="lg"/>
+          </a:ln>
+        </p:spPr>
+        <p:style>
+          <a:lnRef idx="1">
+            <a:schemeClr val="accent1"/>
+          </a:lnRef>
+          <a:fillRef idx="0">
+            <a:schemeClr val="accent1"/>
+          </a:fillRef>
+          <a:effectRef idx="0">
+            <a:schemeClr val="accent1"/>
+          </a:effectRef>
+          <a:fontRef idx="minor">
+            <a:schemeClr val="tx1"/>
+          </a:fontRef>
+        </p:style>
+      </p:cxnSp>
+      <p:grpSp>
+        <p:nvGrpSpPr>
+          <p:cNvPr id="33" name="그룹 32">
+            <a:extLst>
+              <a:ext uri="{FF2B5EF4-FFF2-40B4-BE49-F238E27FC236}">
+                <a16:creationId xmlns:a16="http://schemas.microsoft.com/office/drawing/2014/main" id="{B4A3C381-43C5-F14F-A140-C17782D6A634}"/>
+              </a:ext>
+            </a:extLst>
+          </p:cNvPr>
+          <p:cNvGrpSpPr/>
+          <p:nvPr/>
+        </p:nvGrpSpPr>
+        <p:grpSpPr>
+          <a:xfrm>
+            <a:off x="7373805" y="1447145"/>
+            <a:ext cx="1184940" cy="680276"/>
+            <a:chOff x="7373805" y="2925186"/>
+            <a:chExt cx="1184940" cy="680276"/>
+          </a:xfrm>
+        </p:grpSpPr>
+        <p:sp>
+          <p:nvSpPr>
+            <p:cNvPr id="37" name="직사각형 36">
+              <a:extLst>
+                <a:ext uri="{FF2B5EF4-FFF2-40B4-BE49-F238E27FC236}">
+                  <a16:creationId xmlns:a16="http://schemas.microsoft.com/office/drawing/2014/main" id="{70823330-B321-494A-A935-1559453A9EFD}"/>
+                </a:ext>
+              </a:extLst>
+            </p:cNvPr>
+            <p:cNvSpPr/>
+            <p:nvPr/>
+          </p:nvSpPr>
+          <p:spPr>
+            <a:xfrm>
+              <a:off x="7384794" y="2925580"/>
+              <a:ext cx="1149606" cy="679882"/>
+            </a:xfrm>
+            <a:prstGeom prst="rect">
+              <a:avLst/>
+            </a:prstGeom>
+            <a:noFill/>
+            <a:ln w="12700">
+              <a:solidFill>
+                <a:schemeClr val="tx1"/>
+              </a:solidFill>
+            </a:ln>
+          </p:spPr>
+          <p:style>
+            <a:lnRef idx="2">
+              <a:schemeClr val="accent1">
+                <a:shade val="50000"/>
+              </a:schemeClr>
+            </a:lnRef>
+            <a:fillRef idx="1">
+              <a:schemeClr val="accent1"/>
+            </a:fillRef>
+            <a:effectRef idx="0">
+              <a:schemeClr val="accent1"/>
+            </a:effectRef>
+            <a:fontRef idx="minor">
+              <a:schemeClr val="lt1"/>
+            </a:fontRef>
+          </p:style>
+          <p:txBody>
+            <a:bodyPr rtlCol="0" anchor="ctr"/>
+            <a:lstStyle/>
+            <a:p>
+              <a:pPr algn="ctr"/>
+              <a:r>
+                <a:rPr lang="ko-Kore-KR" sz="1600" dirty="0">
+                  <a:solidFill>
+                    <a:schemeClr val="tx1"/>
+                  </a:solidFill>
+                  <a:latin typeface="D2Coding" panose="020B0609020101020101" pitchFamily="49" charset="-127"/>
+                  <a:ea typeface="D2Coding" panose="020B0609020101020101" pitchFamily="49" charset="-127"/>
+                </a:rPr>
+                <a:t>Iterator</a:t>
+              </a:r>
+            </a:p>
+          </p:txBody>
+        </p:sp>
+        <p:sp>
+          <p:nvSpPr>
+            <p:cNvPr id="38" name="TextBox 37">
+              <a:extLst>
+                <a:ext uri="{FF2B5EF4-FFF2-40B4-BE49-F238E27FC236}">
+                  <a16:creationId xmlns:a16="http://schemas.microsoft.com/office/drawing/2014/main" id="{AC23A6C4-50D8-2447-917B-93E235EA69BB}"/>
+                </a:ext>
+              </a:extLst>
+            </p:cNvPr>
+            <p:cNvSpPr txBox="1"/>
+            <p:nvPr/>
+          </p:nvSpPr>
+          <p:spPr>
+            <a:xfrm>
+              <a:off x="7373805" y="2925186"/>
+              <a:ext cx="1184940" cy="276999"/>
+            </a:xfrm>
+            <a:prstGeom prst="rect">
+              <a:avLst/>
+            </a:prstGeom>
+            <a:noFill/>
+            <a:ln w="12700">
+              <a:noFill/>
+            </a:ln>
+          </p:spPr>
+          <p:txBody>
+            <a:bodyPr wrap="none" rtlCol="0">
+              <a:spAutoFit/>
+            </a:bodyPr>
+            <a:lstStyle/>
+            <a:p>
+              <a:r>
+                <a:rPr lang="ko-Kore-KR" sz="1200" dirty="0">
+                  <a:latin typeface="D2Coding" panose="020B0609020101020101" pitchFamily="49" charset="-127"/>
+                  <a:ea typeface="D2Coding" panose="020B0609020101020101" pitchFamily="49" charset="-127"/>
+                </a:rPr>
+                <a:t>&lt;&lt;interface&gt;&gt;</a:t>
+              </a:r>
+            </a:p>
+          </p:txBody>
+        </p:sp>
+      </p:grpSp>
+      <p:cxnSp>
+        <p:nvCxnSpPr>
+          <p:cNvPr id="39" name="직선 화살표 연결선 38">
+            <a:extLst>
+              <a:ext uri="{FF2B5EF4-FFF2-40B4-BE49-F238E27FC236}">
+                <a16:creationId xmlns:a16="http://schemas.microsoft.com/office/drawing/2014/main" id="{E8A45E67-6ACE-0A44-ACB9-85FA3B1AA2A6}"/>
+              </a:ext>
+            </a:extLst>
+          </p:cNvPr>
+          <p:cNvCxnSpPr>
+            <a:cxnSpLocks/>
+            <a:stCxn id="35" idx="0"/>
+            <a:endCxn id="37" idx="2"/>
+          </p:cNvCxnSpPr>
+          <p:nvPr/>
+        </p:nvCxnSpPr>
+        <p:spPr>
+          <a:xfrm flipH="1" flipV="1">
+            <a:off x="7959597" y="2127421"/>
+            <a:ext cx="6678" cy="797765"/>
+          </a:xfrm>
+          <a:prstGeom prst="straightConnector1">
+            <a:avLst/>
+          </a:prstGeom>
+          <a:ln w="12700">
+            <a:solidFill>
+              <a:schemeClr val="tx1"/>
+            </a:solidFill>
+            <a:headEnd type="none" w="lg" len="lg"/>
+            <a:tailEnd type="arrow" w="lg" len="lg"/>
+          </a:ln>
+        </p:spPr>
+        <p:style>
+          <a:lnRef idx="1">
+            <a:schemeClr val="accent1"/>
+          </a:lnRef>
+          <a:fillRef idx="0">
+            <a:schemeClr val="accent1"/>
+          </a:fillRef>
+          <a:effectRef idx="0">
+            <a:schemeClr val="accent1"/>
+          </a:effectRef>
+          <a:fontRef idx="minor">
+            <a:schemeClr val="tx1"/>
+          </a:fontRef>
+        </p:style>
+      </p:cxnSp>
+      <p:sp>
+        <p:nvSpPr>
+          <p:cNvPr id="43" name="직사각형 42">
+            <a:extLst>
+              <a:ext uri="{FF2B5EF4-FFF2-40B4-BE49-F238E27FC236}">
+                <a16:creationId xmlns:a16="http://schemas.microsoft.com/office/drawing/2014/main" id="{DF621EE1-092C-744B-9A00-495D66973EE9}"/>
+              </a:ext>
+            </a:extLst>
+          </p:cNvPr>
+          <p:cNvSpPr/>
+          <p:nvPr/>
+        </p:nvSpPr>
+        <p:spPr>
+          <a:xfrm>
+            <a:off x="1251362" y="1775183"/>
+            <a:ext cx="1633920" cy="526825"/>
+          </a:xfrm>
+          <a:prstGeom prst="rect">
+            <a:avLst/>
+          </a:prstGeom>
+          <a:noFill/>
+          <a:ln w="12700">
+            <a:solidFill>
+              <a:schemeClr val="tx1"/>
+            </a:solidFill>
+          </a:ln>
+        </p:spPr>
+        <p:style>
+          <a:lnRef idx="2">
+            <a:schemeClr val="accent1">
+              <a:shade val="50000"/>
+            </a:schemeClr>
+          </a:lnRef>
+          <a:fillRef idx="1">
+            <a:schemeClr val="accent1"/>
+          </a:fillRef>
+          <a:effectRef idx="0">
+            <a:schemeClr val="accent1"/>
+          </a:effectRef>
+          <a:fontRef idx="minor">
+            <a:schemeClr val="lt1"/>
+          </a:fontRef>
+        </p:style>
+        <p:txBody>
+          <a:bodyPr rtlCol="0" anchor="t" anchorCtr="0"/>
+          <a:lstStyle/>
+          <a:p>
+            <a:pPr algn="ctr"/>
+            <a:r>
+              <a:rPr lang="ko-Kore-KR" sz="1200" dirty="0">
+                <a:solidFill>
+                  <a:srgbClr val="FF0000"/>
+                </a:solidFill>
+                <a:latin typeface="D2Coding" panose="020B0609020101020101" pitchFamily="49" charset="-127"/>
+                <a:ea typeface="D2Coding" panose="020B0609020101020101" pitchFamily="49" charset="-127"/>
+              </a:rPr>
+              <a:t>&lt;&lt;</a:t>
+            </a:r>
+            <a:r>
+              <a:rPr lang="en-US" sz="1200" dirty="0">
+                <a:solidFill>
+                  <a:srgbClr val="FF0000"/>
+                </a:solidFill>
+                <a:latin typeface="D2Coding" panose="020B0609020101020101" pitchFamily="49" charset="-127"/>
+                <a:ea typeface="D2Coding" panose="020B0609020101020101" pitchFamily="49" charset="-127"/>
+              </a:rPr>
+              <a:t>anonymous</a:t>
+            </a:r>
+            <a:r>
+              <a:rPr lang="ko-Kore-KR" sz="1200" dirty="0">
+                <a:solidFill>
+                  <a:srgbClr val="FF0000"/>
+                </a:solidFill>
+                <a:latin typeface="D2Coding" panose="020B0609020101020101" pitchFamily="49" charset="-127"/>
+                <a:ea typeface="D2Coding" panose="020B0609020101020101" pitchFamily="49" charset="-127"/>
+              </a:rPr>
+              <a:t>&gt;&gt;</a:t>
+            </a:r>
+          </a:p>
+          <a:p>
+            <a:pPr algn="ctr"/>
+            <a:r>
+              <a:rPr lang="ko-Kore-KR" sz="1600" dirty="0">
+                <a:solidFill>
+                  <a:schemeClr val="tx1"/>
+                </a:solidFill>
+                <a:latin typeface="D2Coding" panose="020B0609020101020101" pitchFamily="49" charset="-127"/>
+                <a:ea typeface="D2Coding" panose="020B0609020101020101" pitchFamily="49" charset="-127"/>
+              </a:rPr>
+              <a:t>Iterator</a:t>
+            </a:r>
+          </a:p>
+        </p:txBody>
+      </p:sp>
+      <p:sp>
+        <p:nvSpPr>
+          <p:cNvPr id="103" name="직사각형 102">
+            <a:extLst>
+              <a:ext uri="{FF2B5EF4-FFF2-40B4-BE49-F238E27FC236}">
+                <a16:creationId xmlns:a16="http://schemas.microsoft.com/office/drawing/2014/main" id="{F252141C-7E1D-EF46-9CA9-650B97EF4909}"/>
+              </a:ext>
+            </a:extLst>
+          </p:cNvPr>
+          <p:cNvSpPr/>
+          <p:nvPr/>
+        </p:nvSpPr>
+        <p:spPr>
+          <a:xfrm>
+            <a:off x="1251362" y="4584528"/>
+            <a:ext cx="1633920" cy="510813"/>
+          </a:xfrm>
+          <a:prstGeom prst="rect">
+            <a:avLst/>
+          </a:prstGeom>
+          <a:noFill/>
+          <a:ln w="12700">
+            <a:solidFill>
+              <a:schemeClr val="tx1"/>
+            </a:solidFill>
+          </a:ln>
+        </p:spPr>
+        <p:style>
+          <a:lnRef idx="2">
+            <a:schemeClr val="accent1">
+              <a:shade val="50000"/>
+            </a:schemeClr>
+          </a:lnRef>
+          <a:fillRef idx="1">
+            <a:schemeClr val="accent1"/>
+          </a:fillRef>
+          <a:effectRef idx="0">
+            <a:schemeClr val="accent1"/>
+          </a:effectRef>
+          <a:fontRef idx="minor">
+            <a:schemeClr val="lt1"/>
+          </a:fontRef>
+        </p:style>
+        <p:txBody>
+          <a:bodyPr rtlCol="0" anchor="t" anchorCtr="0"/>
+          <a:lstStyle/>
+          <a:p>
+            <a:pPr algn="ctr"/>
+            <a:r>
+              <a:rPr lang="ko-Kore-KR" sz="1200" dirty="0">
+                <a:solidFill>
+                  <a:srgbClr val="FF0000"/>
+                </a:solidFill>
+                <a:latin typeface="D2Coding" panose="020B0609020101020101" pitchFamily="49" charset="-127"/>
+                <a:ea typeface="D2Coding" panose="020B0609020101020101" pitchFamily="49" charset="-127"/>
+              </a:rPr>
+              <a:t>&lt;&lt;anonymous&gt;&gt;</a:t>
+            </a:r>
+          </a:p>
+          <a:p>
+            <a:pPr algn="ctr"/>
+            <a:r>
+              <a:rPr lang="ko-Kore-KR" sz="1600" dirty="0">
+                <a:solidFill>
+                  <a:schemeClr val="tx1"/>
+                </a:solidFill>
+                <a:latin typeface="D2Coding" panose="020B0609020101020101" pitchFamily="49" charset="-127"/>
+                <a:ea typeface="D2Coding" panose="020B0609020101020101" pitchFamily="49" charset="-127"/>
+              </a:rPr>
+              <a:t>Iterator</a:t>
+            </a:r>
+          </a:p>
+        </p:txBody>
+      </p:sp>
+      <p:sp>
+        <p:nvSpPr>
+          <p:cNvPr id="108" name="직사각형 107">
+            <a:extLst>
+              <a:ext uri="{FF2B5EF4-FFF2-40B4-BE49-F238E27FC236}">
+                <a16:creationId xmlns:a16="http://schemas.microsoft.com/office/drawing/2014/main" id="{1C7B0939-624E-C648-BFD5-0347919CE942}"/>
+              </a:ext>
+            </a:extLst>
+          </p:cNvPr>
+          <p:cNvSpPr/>
+          <p:nvPr/>
+        </p:nvSpPr>
+        <p:spPr>
+          <a:xfrm>
+            <a:off x="9457550" y="3261739"/>
+            <a:ext cx="1633920" cy="515712"/>
+          </a:xfrm>
+          <a:prstGeom prst="rect">
+            <a:avLst/>
+          </a:prstGeom>
+          <a:noFill/>
+          <a:ln w="12700">
+            <a:solidFill>
+              <a:schemeClr val="tx1"/>
+            </a:solidFill>
+          </a:ln>
+        </p:spPr>
+        <p:style>
+          <a:lnRef idx="2">
+            <a:schemeClr val="accent1">
+              <a:shade val="50000"/>
+            </a:schemeClr>
+          </a:lnRef>
+          <a:fillRef idx="1">
+            <a:schemeClr val="accent1"/>
+          </a:fillRef>
+          <a:effectRef idx="0">
+            <a:schemeClr val="accent1"/>
+          </a:effectRef>
+          <a:fontRef idx="minor">
+            <a:schemeClr val="lt1"/>
+          </a:fontRef>
+        </p:style>
+        <p:txBody>
+          <a:bodyPr rtlCol="0" anchor="t" anchorCtr="0"/>
+          <a:lstStyle/>
+          <a:p>
+            <a:pPr algn="ctr"/>
+            <a:r>
+              <a:rPr lang="ko-Kore-KR" sz="1200" dirty="0">
+                <a:solidFill>
+                  <a:srgbClr val="FF0000"/>
+                </a:solidFill>
+                <a:latin typeface="D2Coding" panose="020B0609020101020101" pitchFamily="49" charset="-127"/>
+                <a:ea typeface="D2Coding" panose="020B0609020101020101" pitchFamily="49" charset="-127"/>
+              </a:rPr>
+              <a:t>&lt;&lt;anonymous&gt;&gt;</a:t>
+            </a:r>
+          </a:p>
+          <a:p>
+            <a:pPr algn="ctr"/>
+            <a:r>
+              <a:rPr lang="ko-Kore-KR" sz="1600" dirty="0">
+                <a:solidFill>
+                  <a:schemeClr val="tx1"/>
+                </a:solidFill>
+                <a:latin typeface="D2Coding" panose="020B0609020101020101" pitchFamily="49" charset="-127"/>
+                <a:ea typeface="D2Coding" panose="020B0609020101020101" pitchFamily="49" charset="-127"/>
+              </a:rPr>
+              <a:t>Iterator</a:t>
+            </a:r>
+          </a:p>
+        </p:txBody>
+      </p:sp>
+    </p:spTree>
+    <p:extLst>
+      <p:ext uri="{BB962C8B-B14F-4D97-AF65-F5344CB8AC3E}">
+        <p14:creationId xmlns:p14="http://schemas.microsoft.com/office/powerpoint/2010/main" val="4065987700"/>
+      </p:ext>
+    </p:extLst>
+  </p:cSld>
+  <p:clrMapOvr>
+    <a:masterClrMapping/>
+  </p:clrMapOvr>
+</p:sld>
+</file>
+
+<file path=ppt/slides/slide21.xml><?xml version="1.0" encoding="utf-8"?>
+<p:sld xmlns:a="http://schemas.openxmlformats.org/drawingml/2006/main" xmlns:r="http://schemas.openxmlformats.org/officeDocument/2006/relationships" xmlns:p="http://schemas.openxmlformats.org/presentationml/2006/main">
+  <p:cSld>
+    <p:spTree>
+      <p:nvGrpSpPr>
+        <p:cNvPr id="1" name=""/>
+        <p:cNvGrpSpPr/>
+        <p:nvPr/>
+      </p:nvGrpSpPr>
+      <p:grpSpPr>
+        <a:xfrm>
+          <a:off x="0" y="0"/>
+          <a:ext cx="0" cy="0"/>
+          <a:chOff x="0" y="0"/>
+          <a:chExt cx="0" cy="0"/>
+        </a:xfrm>
+      </p:grpSpPr>
+      <p:sp>
+        <p:nvSpPr>
+          <p:cNvPr id="4" name="직사각형 3">
+            <a:extLst>
+              <a:ext uri="{FF2B5EF4-FFF2-40B4-BE49-F238E27FC236}">
+                <a16:creationId xmlns:a16="http://schemas.microsoft.com/office/drawing/2014/main" id="{F954BBEA-7028-1B43-871A-F28FC3EC4616}"/>
+              </a:ext>
+            </a:extLst>
+          </p:cNvPr>
+          <p:cNvSpPr/>
+          <p:nvPr/>
+        </p:nvSpPr>
+        <p:spPr>
+          <a:xfrm>
+            <a:off x="1308615" y="2925581"/>
+            <a:ext cx="1633928" cy="679882"/>
+          </a:xfrm>
+          <a:prstGeom prst="rect">
+            <a:avLst/>
+          </a:prstGeom>
+          <a:noFill/>
+          <a:ln w="12700">
+            <a:solidFill>
+              <a:schemeClr val="tx1"/>
+            </a:solidFill>
+          </a:ln>
+        </p:spPr>
+        <p:style>
+          <a:lnRef idx="2">
+            <a:schemeClr val="accent1">
+              <a:shade val="50000"/>
+            </a:schemeClr>
+          </a:lnRef>
+          <a:fillRef idx="1">
+            <a:schemeClr val="accent1"/>
+          </a:fillRef>
+          <a:effectRef idx="0">
+            <a:schemeClr val="accent1"/>
+          </a:effectRef>
+          <a:fontRef idx="minor">
+            <a:schemeClr val="lt1"/>
+          </a:fontRef>
+        </p:style>
+        <p:txBody>
+          <a:bodyPr rtlCol="0" anchor="ctr"/>
+          <a:lstStyle/>
+          <a:p>
+            <a:pPr algn="ctr"/>
+            <a:r>
+              <a:rPr lang="ko-Kore-KR" sz="1600" dirty="0">
+                <a:solidFill>
+                  <a:schemeClr val="tx1"/>
+                </a:solidFill>
+                <a:latin typeface="D2Coding" panose="020B0609020101020101" pitchFamily="49" charset="-127"/>
+                <a:ea typeface="D2Coding" panose="020B0609020101020101" pitchFamily="49" charset="-127"/>
+              </a:rPr>
+              <a:t>App</a:t>
+            </a:r>
+          </a:p>
+        </p:txBody>
+      </p:sp>
+      <p:sp>
+        <p:nvSpPr>
+          <p:cNvPr id="5" name="TextBox 4">
+            <a:extLst>
+              <a:ext uri="{FF2B5EF4-FFF2-40B4-BE49-F238E27FC236}">
+                <a16:creationId xmlns:a16="http://schemas.microsoft.com/office/drawing/2014/main" id="{8C6B9D41-3D15-6247-84C1-FE25EF4EFC3A}"/>
+              </a:ext>
+            </a:extLst>
+          </p:cNvPr>
+          <p:cNvSpPr txBox="1"/>
+          <p:nvPr/>
+        </p:nvSpPr>
+        <p:spPr>
+          <a:xfrm>
+            <a:off x="344773" y="389745"/>
+            <a:ext cx="1415772" cy="461665"/>
+          </a:xfrm>
+          <a:prstGeom prst="rect">
+            <a:avLst/>
+          </a:prstGeom>
+          <a:noFill/>
+        </p:spPr>
+        <p:txBody>
+          <a:bodyPr wrap="none" rtlCol="0">
+            <a:spAutoFit/>
+          </a:bodyPr>
+          <a:lstStyle/>
+          <a:p>
+            <a:r>
+              <a:rPr lang="ko-KR" altLang="en-US" sz="2400" dirty="0">
+                <a:latin typeface="D2Coding" panose="020B0609020101020101" pitchFamily="49" charset="-127"/>
+                <a:ea typeface="D2Coding" panose="020B0609020101020101" pitchFamily="49" charset="-127"/>
+              </a:rPr>
+              <a:t>단계</a:t>
+            </a:r>
+            <a:r>
+              <a:rPr lang="en-US" altLang="ko-KR" sz="2400" dirty="0">
+                <a:latin typeface="D2Coding" panose="020B0609020101020101" pitchFamily="49" charset="-127"/>
+                <a:ea typeface="D2Coding" panose="020B0609020101020101" pitchFamily="49" charset="-127"/>
+              </a:rPr>
+              <a:t>:</a:t>
+            </a:r>
+            <a:r>
+              <a:rPr lang="ko-KR" altLang="en-US" sz="2400" dirty="0">
+                <a:latin typeface="D2Coding" panose="020B0609020101020101" pitchFamily="49" charset="-127"/>
+                <a:ea typeface="D2Coding" panose="020B0609020101020101" pitchFamily="49" charset="-127"/>
+              </a:rPr>
+              <a:t> </a:t>
+            </a:r>
+            <a:r>
+              <a:rPr lang="en-US" altLang="ko-KR" sz="2400" dirty="0">
+                <a:latin typeface="D2Coding" panose="020B0609020101020101" pitchFamily="49" charset="-127"/>
+                <a:ea typeface="D2Coding" panose="020B0609020101020101" pitchFamily="49" charset="-127"/>
+              </a:rPr>
+              <a:t>25</a:t>
+            </a:r>
+            <a:endParaRPr lang="ko-Kore-KR" sz="2400" dirty="0">
+              <a:latin typeface="D2Coding" panose="020B0609020101020101" pitchFamily="49" charset="-127"/>
+              <a:ea typeface="D2Coding" panose="020B0609020101020101" pitchFamily="49" charset="-127"/>
+            </a:endParaRPr>
+          </a:p>
+        </p:txBody>
+      </p:sp>
+      <p:sp>
+        <p:nvSpPr>
+          <p:cNvPr id="8" name="직사각형 7">
+            <a:extLst>
+              <a:ext uri="{FF2B5EF4-FFF2-40B4-BE49-F238E27FC236}">
+                <a16:creationId xmlns:a16="http://schemas.microsoft.com/office/drawing/2014/main" id="{99C79032-C93B-9C4F-A624-5E2631DB4E33}"/>
+              </a:ext>
+            </a:extLst>
+          </p:cNvPr>
+          <p:cNvSpPr/>
+          <p:nvPr/>
+        </p:nvSpPr>
+        <p:spPr>
+          <a:xfrm>
+            <a:off x="4380677" y="2047845"/>
+            <a:ext cx="1633928" cy="437148"/>
+          </a:xfrm>
+          <a:prstGeom prst="rect">
+            <a:avLst/>
+          </a:prstGeom>
+          <a:noFill/>
+          <a:ln w="12700">
+            <a:solidFill>
+              <a:schemeClr val="tx1"/>
+            </a:solidFill>
+          </a:ln>
+        </p:spPr>
+        <p:style>
+          <a:lnRef idx="2">
+            <a:schemeClr val="accent1">
+              <a:shade val="50000"/>
+            </a:schemeClr>
+          </a:lnRef>
+          <a:fillRef idx="1">
+            <a:schemeClr val="accent1"/>
+          </a:fillRef>
+          <a:effectRef idx="0">
+            <a:schemeClr val="accent1"/>
+          </a:effectRef>
+          <a:fontRef idx="minor">
+            <a:schemeClr val="lt1"/>
+          </a:fontRef>
+        </p:style>
+        <p:txBody>
+          <a:bodyPr rtlCol="0" anchor="ctr"/>
+          <a:lstStyle/>
+          <a:p>
+            <a:pPr algn="ctr"/>
+            <a:r>
+              <a:rPr lang="ko-Kore-KR" sz="1600" dirty="0">
+                <a:solidFill>
+                  <a:schemeClr val="tx1"/>
+                </a:solidFill>
+                <a:latin typeface="D2Coding" panose="020B0609020101020101" pitchFamily="49" charset="-127"/>
+                <a:ea typeface="D2Coding" panose="020B0609020101020101" pitchFamily="49" charset="-127"/>
+              </a:rPr>
+              <a:t>Lesson</a:t>
+            </a:r>
+          </a:p>
+        </p:txBody>
+      </p:sp>
+      <p:cxnSp>
+        <p:nvCxnSpPr>
+          <p:cNvPr id="3" name="직선 화살표 연결선 2">
+            <a:extLst>
+              <a:ext uri="{FF2B5EF4-FFF2-40B4-BE49-F238E27FC236}">
+                <a16:creationId xmlns:a16="http://schemas.microsoft.com/office/drawing/2014/main" id="{5F5800FD-FD88-6B43-9449-E2F4E00BEC95}"/>
+              </a:ext>
+            </a:extLst>
+          </p:cNvPr>
+          <p:cNvCxnSpPr>
+            <a:cxnSpLocks/>
+            <a:stCxn id="4" idx="3"/>
+            <a:endCxn id="12" idx="1"/>
+          </p:cNvCxnSpPr>
+          <p:nvPr/>
+        </p:nvCxnSpPr>
+        <p:spPr>
+          <a:xfrm flipV="1">
+            <a:off x="2942543" y="1447342"/>
+            <a:ext cx="1002170" cy="1818180"/>
+          </a:xfrm>
+          <a:prstGeom prst="straightConnector1">
+            <a:avLst/>
+          </a:prstGeom>
+          <a:ln w="12700">
+            <a:solidFill>
+              <a:schemeClr val="tx1"/>
+            </a:solidFill>
+            <a:headEnd type="none" w="lg" len="lg"/>
+            <a:tailEnd type="arrow" w="lg" len="lg"/>
+          </a:ln>
+        </p:spPr>
+        <p:style>
+          <a:lnRef idx="1">
+            <a:schemeClr val="accent1"/>
+          </a:lnRef>
+          <a:fillRef idx="0">
+            <a:schemeClr val="accent1"/>
+          </a:fillRef>
+          <a:effectRef idx="0">
+            <a:schemeClr val="accent1"/>
+          </a:effectRef>
+          <a:fontRef idx="minor">
+            <a:schemeClr val="tx1"/>
+          </a:fontRef>
+        </p:style>
+      </p:cxnSp>
+      <p:cxnSp>
+        <p:nvCxnSpPr>
+          <p:cNvPr id="11" name="직선 화살표 연결선 10">
+            <a:extLst>
+              <a:ext uri="{FF2B5EF4-FFF2-40B4-BE49-F238E27FC236}">
+                <a16:creationId xmlns:a16="http://schemas.microsoft.com/office/drawing/2014/main" id="{BF5B527A-0543-A149-A80B-D8B34F60FDF0}"/>
+              </a:ext>
+            </a:extLst>
+          </p:cNvPr>
+          <p:cNvCxnSpPr>
+            <a:cxnSpLocks/>
+            <a:stCxn id="4" idx="3"/>
+            <a:endCxn id="17" idx="1"/>
+          </p:cNvCxnSpPr>
+          <p:nvPr/>
+        </p:nvCxnSpPr>
+        <p:spPr>
+          <a:xfrm flipV="1">
+            <a:off x="2942543" y="3265521"/>
+            <a:ext cx="1002170" cy="1"/>
+          </a:xfrm>
+          <a:prstGeom prst="straightConnector1">
+            <a:avLst/>
+          </a:prstGeom>
+          <a:ln w="12700">
+            <a:solidFill>
+              <a:schemeClr val="tx1"/>
+            </a:solidFill>
+            <a:headEnd type="none" w="lg" len="lg"/>
+            <a:tailEnd type="arrow" w="lg" len="lg"/>
+          </a:ln>
+        </p:spPr>
+        <p:style>
+          <a:lnRef idx="1">
+            <a:schemeClr val="accent1"/>
+          </a:lnRef>
+          <a:fillRef idx="0">
+            <a:schemeClr val="accent1"/>
+          </a:fillRef>
+          <a:effectRef idx="0">
+            <a:schemeClr val="accent1"/>
+          </a:effectRef>
+          <a:fontRef idx="minor">
+            <a:schemeClr val="tx1"/>
+          </a:fontRef>
+        </p:style>
+      </p:cxnSp>
+      <p:cxnSp>
+        <p:nvCxnSpPr>
+          <p:cNvPr id="14" name="직선 화살표 연결선 13">
+            <a:extLst>
+              <a:ext uri="{FF2B5EF4-FFF2-40B4-BE49-F238E27FC236}">
+                <a16:creationId xmlns:a16="http://schemas.microsoft.com/office/drawing/2014/main" id="{4157D463-3782-664C-9741-BEFBFBF977E9}"/>
+              </a:ext>
+            </a:extLst>
+          </p:cNvPr>
+          <p:cNvCxnSpPr>
+            <a:cxnSpLocks/>
+            <a:stCxn id="4" idx="3"/>
+            <a:endCxn id="18" idx="1"/>
+          </p:cNvCxnSpPr>
+          <p:nvPr/>
+        </p:nvCxnSpPr>
+        <p:spPr>
+          <a:xfrm>
+            <a:off x="2942543" y="3265522"/>
+            <a:ext cx="1002170" cy="1912266"/>
+          </a:xfrm>
+          <a:prstGeom prst="straightConnector1">
+            <a:avLst/>
+          </a:prstGeom>
+          <a:ln w="12700">
+            <a:solidFill>
+              <a:schemeClr val="tx1"/>
+            </a:solidFill>
+            <a:headEnd type="none" w="lg" len="lg"/>
+            <a:tailEnd type="arrow" w="lg" len="lg"/>
+          </a:ln>
+        </p:spPr>
+        <p:style>
+          <a:lnRef idx="1">
+            <a:schemeClr val="accent1"/>
+          </a:lnRef>
+          <a:fillRef idx="0">
+            <a:schemeClr val="accent1"/>
+          </a:fillRef>
+          <a:effectRef idx="0">
+            <a:schemeClr val="accent1"/>
+          </a:effectRef>
+          <a:fontRef idx="minor">
+            <a:schemeClr val="tx1"/>
+          </a:fontRef>
+        </p:style>
+      </p:cxnSp>
+      <p:sp>
+        <p:nvSpPr>
+          <p:cNvPr id="12" name="직사각형 11">
+            <a:extLst>
+              <a:ext uri="{FF2B5EF4-FFF2-40B4-BE49-F238E27FC236}">
+                <a16:creationId xmlns:a16="http://schemas.microsoft.com/office/drawing/2014/main" id="{23D52A46-0D66-E942-BF4E-9A8064A1B57A}"/>
+              </a:ext>
+            </a:extLst>
+          </p:cNvPr>
+          <p:cNvSpPr/>
+          <p:nvPr/>
+        </p:nvSpPr>
+        <p:spPr>
+          <a:xfrm>
+            <a:off x="3944713" y="1107401"/>
+            <a:ext cx="2505857" cy="679882"/>
+          </a:xfrm>
+          <a:prstGeom prst="rect">
+            <a:avLst/>
+          </a:prstGeom>
+          <a:noFill/>
+          <a:ln w="12700">
+            <a:solidFill>
+              <a:schemeClr val="tx1"/>
+            </a:solidFill>
+          </a:ln>
+        </p:spPr>
+        <p:style>
+          <a:lnRef idx="2">
+            <a:schemeClr val="accent1">
+              <a:shade val="50000"/>
+            </a:schemeClr>
+          </a:lnRef>
+          <a:fillRef idx="1">
+            <a:schemeClr val="accent1"/>
+          </a:fillRef>
+          <a:effectRef idx="0">
+            <a:schemeClr val="accent1"/>
+          </a:effectRef>
+          <a:fontRef idx="minor">
+            <a:schemeClr val="lt1"/>
+          </a:fontRef>
+        </p:style>
+        <p:txBody>
+          <a:bodyPr rtlCol="0" anchor="ctr"/>
+          <a:lstStyle/>
+          <a:p>
+            <a:pPr algn="ctr"/>
+            <a:r>
+              <a:rPr lang="ko-Kore-KR" sz="1600" dirty="0">
+                <a:solidFill>
+                  <a:schemeClr val="tx1"/>
+                </a:solidFill>
+                <a:latin typeface="D2Coding" panose="020B0609020101020101" pitchFamily="49" charset="-127"/>
+                <a:ea typeface="D2Coding" panose="020B0609020101020101" pitchFamily="49" charset="-127"/>
+              </a:rPr>
+              <a:t>LessonHandler</a:t>
+            </a:r>
+          </a:p>
+        </p:txBody>
+      </p:sp>
+      <p:sp>
+        <p:nvSpPr>
+          <p:cNvPr id="17" name="직사각형 16">
+            <a:extLst>
+              <a:ext uri="{FF2B5EF4-FFF2-40B4-BE49-F238E27FC236}">
+                <a16:creationId xmlns:a16="http://schemas.microsoft.com/office/drawing/2014/main" id="{0C53B31F-29B2-C648-BEBC-067D6553D81F}"/>
+              </a:ext>
+            </a:extLst>
+          </p:cNvPr>
+          <p:cNvSpPr/>
+          <p:nvPr/>
+        </p:nvSpPr>
+        <p:spPr>
+          <a:xfrm>
+            <a:off x="3944713" y="2925580"/>
+            <a:ext cx="2505857" cy="679882"/>
+          </a:xfrm>
+          <a:prstGeom prst="rect">
+            <a:avLst/>
+          </a:prstGeom>
+          <a:noFill/>
+          <a:ln w="12700">
+            <a:solidFill>
+              <a:schemeClr val="tx1"/>
+            </a:solidFill>
+          </a:ln>
+        </p:spPr>
+        <p:style>
+          <a:lnRef idx="2">
+            <a:schemeClr val="accent1">
+              <a:shade val="50000"/>
+            </a:schemeClr>
+          </a:lnRef>
+          <a:fillRef idx="1">
+            <a:schemeClr val="accent1"/>
+          </a:fillRef>
+          <a:effectRef idx="0">
+            <a:schemeClr val="accent1"/>
+          </a:effectRef>
+          <a:fontRef idx="minor">
+            <a:schemeClr val="lt1"/>
+          </a:fontRef>
+        </p:style>
+        <p:txBody>
+          <a:bodyPr rtlCol="0" anchor="ctr"/>
+          <a:lstStyle/>
+          <a:p>
+            <a:pPr algn="ctr"/>
+            <a:r>
+              <a:rPr lang="ko-Kore-KR" sz="1600" dirty="0">
+                <a:solidFill>
+                  <a:schemeClr val="tx1"/>
+                </a:solidFill>
+                <a:latin typeface="D2Coding" panose="020B0609020101020101" pitchFamily="49" charset="-127"/>
+                <a:ea typeface="D2Coding" panose="020B0609020101020101" pitchFamily="49" charset="-127"/>
+              </a:rPr>
+              <a:t>MemberHandler</a:t>
+            </a:r>
+          </a:p>
+        </p:txBody>
+      </p:sp>
+      <p:sp>
+        <p:nvSpPr>
+          <p:cNvPr id="18" name="직사각형 17">
+            <a:extLst>
+              <a:ext uri="{FF2B5EF4-FFF2-40B4-BE49-F238E27FC236}">
+                <a16:creationId xmlns:a16="http://schemas.microsoft.com/office/drawing/2014/main" id="{1709C51D-A54C-EC49-A6C3-AB72BBA4082B}"/>
+              </a:ext>
+            </a:extLst>
+          </p:cNvPr>
+          <p:cNvSpPr/>
+          <p:nvPr/>
+        </p:nvSpPr>
+        <p:spPr>
+          <a:xfrm>
+            <a:off x="3944713" y="4837847"/>
+            <a:ext cx="2505857" cy="679882"/>
+          </a:xfrm>
+          <a:prstGeom prst="rect">
+            <a:avLst/>
+          </a:prstGeom>
+          <a:noFill/>
+          <a:ln w="12700">
+            <a:solidFill>
+              <a:schemeClr val="tx1"/>
+            </a:solidFill>
+          </a:ln>
+        </p:spPr>
+        <p:style>
+          <a:lnRef idx="2">
+            <a:schemeClr val="accent1">
+              <a:shade val="50000"/>
+            </a:schemeClr>
+          </a:lnRef>
+          <a:fillRef idx="1">
+            <a:schemeClr val="accent1"/>
+          </a:fillRef>
+          <a:effectRef idx="0">
+            <a:schemeClr val="accent1"/>
+          </a:effectRef>
+          <a:fontRef idx="minor">
+            <a:schemeClr val="lt1"/>
+          </a:fontRef>
+        </p:style>
+        <p:txBody>
+          <a:bodyPr rtlCol="0" anchor="ctr"/>
+          <a:lstStyle/>
+          <a:p>
+            <a:pPr algn="ctr"/>
+            <a:r>
+              <a:rPr lang="ko-Kore-KR" sz="1600" dirty="0">
+                <a:solidFill>
+                  <a:schemeClr val="tx1"/>
+                </a:solidFill>
+                <a:latin typeface="D2Coding" panose="020B0609020101020101" pitchFamily="49" charset="-127"/>
+                <a:ea typeface="D2Coding" panose="020B0609020101020101" pitchFamily="49" charset="-127"/>
+              </a:rPr>
+              <a:t>BoardHandler</a:t>
+            </a:r>
+          </a:p>
+        </p:txBody>
+      </p:sp>
+      <p:cxnSp>
+        <p:nvCxnSpPr>
+          <p:cNvPr id="27" name="직선 화살표 연결선 26">
+            <a:extLst>
+              <a:ext uri="{FF2B5EF4-FFF2-40B4-BE49-F238E27FC236}">
+                <a16:creationId xmlns:a16="http://schemas.microsoft.com/office/drawing/2014/main" id="{AEA8BB6C-F905-204E-A793-7EAAAB238E5B}"/>
+              </a:ext>
+            </a:extLst>
+          </p:cNvPr>
+          <p:cNvCxnSpPr>
+            <a:cxnSpLocks/>
+            <a:stCxn id="12" idx="2"/>
+            <a:endCxn id="8" idx="0"/>
+          </p:cNvCxnSpPr>
+          <p:nvPr/>
+        </p:nvCxnSpPr>
+        <p:spPr>
+          <a:xfrm flipH="1">
+            <a:off x="5197641" y="1787283"/>
+            <a:ext cx="1" cy="260562"/>
+          </a:xfrm>
+          <a:prstGeom prst="straightConnector1">
+            <a:avLst/>
+          </a:prstGeom>
+          <a:ln w="12700">
+            <a:solidFill>
+              <a:schemeClr val="tx1"/>
+            </a:solidFill>
+            <a:headEnd type="none" w="lg" len="lg"/>
+            <a:tailEnd type="arrow" w="lg" len="lg"/>
+          </a:ln>
+        </p:spPr>
+        <p:style>
+          <a:lnRef idx="1">
+            <a:schemeClr val="accent1"/>
+          </a:lnRef>
+          <a:fillRef idx="0">
+            <a:schemeClr val="accent1"/>
+          </a:fillRef>
+          <a:effectRef idx="0">
+            <a:schemeClr val="accent1"/>
+          </a:effectRef>
+          <a:fontRef idx="minor">
+            <a:schemeClr val="tx1"/>
+          </a:fontRef>
+        </p:style>
+      </p:cxnSp>
+      <p:cxnSp>
+        <p:nvCxnSpPr>
+          <p:cNvPr id="28" name="직선 화살표 연결선 27">
+            <a:extLst>
+              <a:ext uri="{FF2B5EF4-FFF2-40B4-BE49-F238E27FC236}">
+                <a16:creationId xmlns:a16="http://schemas.microsoft.com/office/drawing/2014/main" id="{4A5BCC15-A189-974C-ACA7-990D2582828B}"/>
+              </a:ext>
+            </a:extLst>
+          </p:cNvPr>
+          <p:cNvCxnSpPr>
+            <a:cxnSpLocks/>
+            <a:stCxn id="17" idx="3"/>
+            <a:endCxn id="20" idx="1"/>
+          </p:cNvCxnSpPr>
+          <p:nvPr/>
+        </p:nvCxnSpPr>
+        <p:spPr>
+          <a:xfrm>
+            <a:off x="6450570" y="3265521"/>
+            <a:ext cx="934224" cy="0"/>
+          </a:xfrm>
+          <a:prstGeom prst="straightConnector1">
+            <a:avLst/>
+          </a:prstGeom>
+          <a:ln w="12700">
+            <a:solidFill>
+              <a:schemeClr val="tx1"/>
+            </a:solidFill>
+            <a:headEnd type="none" w="lg" len="lg"/>
+            <a:tailEnd type="arrow" w="lg" len="lg"/>
+          </a:ln>
+        </p:spPr>
+        <p:style>
+          <a:lnRef idx="1">
+            <a:schemeClr val="accent1"/>
+          </a:lnRef>
+          <a:fillRef idx="0">
+            <a:schemeClr val="accent1"/>
+          </a:fillRef>
+          <a:effectRef idx="0">
+            <a:schemeClr val="accent1"/>
+          </a:effectRef>
+          <a:fontRef idx="minor">
+            <a:schemeClr val="tx1"/>
+          </a:fontRef>
+        </p:style>
+      </p:cxnSp>
+      <p:cxnSp>
+        <p:nvCxnSpPr>
+          <p:cNvPr id="29" name="직선 화살표 연결선 28">
+            <a:extLst>
+              <a:ext uri="{FF2B5EF4-FFF2-40B4-BE49-F238E27FC236}">
+                <a16:creationId xmlns:a16="http://schemas.microsoft.com/office/drawing/2014/main" id="{C03A3F24-5EAB-9C4E-BB7F-18CD26FA8A5A}"/>
+              </a:ext>
+            </a:extLst>
+          </p:cNvPr>
+          <p:cNvCxnSpPr>
+            <a:cxnSpLocks/>
+            <a:stCxn id="18" idx="3"/>
+            <a:endCxn id="20" idx="1"/>
+          </p:cNvCxnSpPr>
+          <p:nvPr/>
+        </p:nvCxnSpPr>
+        <p:spPr>
+          <a:xfrm flipV="1">
+            <a:off x="6450570" y="3265521"/>
+            <a:ext cx="934224" cy="1912267"/>
+          </a:xfrm>
+          <a:prstGeom prst="straightConnector1">
+            <a:avLst/>
+          </a:prstGeom>
+          <a:ln w="12700">
+            <a:solidFill>
+              <a:schemeClr val="tx1"/>
+            </a:solidFill>
+            <a:headEnd type="none" w="lg" len="lg"/>
+            <a:tailEnd type="arrow" w="lg" len="lg"/>
+          </a:ln>
+        </p:spPr>
+        <p:style>
+          <a:lnRef idx="1">
+            <a:schemeClr val="accent1"/>
+          </a:lnRef>
+          <a:fillRef idx="0">
+            <a:schemeClr val="accent1"/>
+          </a:fillRef>
+          <a:effectRef idx="0">
+            <a:schemeClr val="accent1"/>
+          </a:effectRef>
+          <a:fontRef idx="minor">
+            <a:schemeClr val="tx1"/>
+          </a:fontRef>
+        </p:style>
+      </p:cxnSp>
+      <p:sp>
+        <p:nvSpPr>
+          <p:cNvPr id="40" name="직사각형 39">
+            <a:extLst>
+              <a:ext uri="{FF2B5EF4-FFF2-40B4-BE49-F238E27FC236}">
+                <a16:creationId xmlns:a16="http://schemas.microsoft.com/office/drawing/2014/main" id="{BC66F44A-1380-464C-9B73-6A7E40289FB3}"/>
+              </a:ext>
+            </a:extLst>
+          </p:cNvPr>
+          <p:cNvSpPr/>
+          <p:nvPr/>
+        </p:nvSpPr>
+        <p:spPr>
+          <a:xfrm>
+            <a:off x="4380677" y="3869328"/>
+            <a:ext cx="1633928" cy="437148"/>
+          </a:xfrm>
+          <a:prstGeom prst="rect">
+            <a:avLst/>
+          </a:prstGeom>
+          <a:noFill/>
+          <a:ln w="12700">
+            <a:solidFill>
+              <a:schemeClr val="tx1"/>
+            </a:solidFill>
+          </a:ln>
+        </p:spPr>
+        <p:style>
+          <a:lnRef idx="2">
+            <a:schemeClr val="accent1">
+              <a:shade val="50000"/>
+            </a:schemeClr>
+          </a:lnRef>
+          <a:fillRef idx="1">
+            <a:schemeClr val="accent1"/>
+          </a:fillRef>
+          <a:effectRef idx="0">
+            <a:schemeClr val="accent1"/>
+          </a:effectRef>
+          <a:fontRef idx="minor">
+            <a:schemeClr val="lt1"/>
+          </a:fontRef>
+        </p:style>
+        <p:txBody>
+          <a:bodyPr rtlCol="0" anchor="ctr"/>
+          <a:lstStyle/>
+          <a:p>
+            <a:pPr algn="ctr"/>
+            <a:r>
+              <a:rPr lang="ko-Kore-KR" sz="1600" dirty="0">
+                <a:solidFill>
+                  <a:schemeClr val="tx1"/>
+                </a:solidFill>
+                <a:latin typeface="D2Coding" panose="020B0609020101020101" pitchFamily="49" charset="-127"/>
+                <a:ea typeface="D2Coding" panose="020B0609020101020101" pitchFamily="49" charset="-127"/>
+              </a:rPr>
+              <a:t>Member</a:t>
+            </a:r>
+          </a:p>
+        </p:txBody>
+      </p:sp>
+      <p:sp>
+        <p:nvSpPr>
+          <p:cNvPr id="47" name="직사각형 46">
+            <a:extLst>
+              <a:ext uri="{FF2B5EF4-FFF2-40B4-BE49-F238E27FC236}">
+                <a16:creationId xmlns:a16="http://schemas.microsoft.com/office/drawing/2014/main" id="{AD37DA71-38F7-AF41-820F-9F66239E7EF0}"/>
+              </a:ext>
+            </a:extLst>
+          </p:cNvPr>
+          <p:cNvSpPr/>
+          <p:nvPr/>
+        </p:nvSpPr>
+        <p:spPr>
+          <a:xfrm>
+            <a:off x="4380677" y="5776656"/>
+            <a:ext cx="1633928" cy="384825"/>
+          </a:xfrm>
+          <a:prstGeom prst="rect">
+            <a:avLst/>
+          </a:prstGeom>
+          <a:noFill/>
+          <a:ln w="12700">
+            <a:solidFill>
+              <a:schemeClr val="tx1"/>
+            </a:solidFill>
+          </a:ln>
+        </p:spPr>
+        <p:style>
+          <a:lnRef idx="2">
+            <a:schemeClr val="accent1">
+              <a:shade val="50000"/>
+            </a:schemeClr>
+          </a:lnRef>
+          <a:fillRef idx="1">
+            <a:schemeClr val="accent1"/>
+          </a:fillRef>
+          <a:effectRef idx="0">
+            <a:schemeClr val="accent1"/>
+          </a:effectRef>
+          <a:fontRef idx="minor">
+            <a:schemeClr val="lt1"/>
+          </a:fontRef>
+        </p:style>
+        <p:txBody>
+          <a:bodyPr rtlCol="0" anchor="ctr"/>
+          <a:lstStyle/>
+          <a:p>
+            <a:pPr algn="ctr"/>
+            <a:r>
+              <a:rPr lang="ko-Kore-KR" sz="1600" dirty="0">
+                <a:solidFill>
+                  <a:schemeClr val="tx1"/>
+                </a:solidFill>
+                <a:latin typeface="D2Coding" panose="020B0609020101020101" pitchFamily="49" charset="-127"/>
+                <a:ea typeface="D2Coding" panose="020B0609020101020101" pitchFamily="49" charset="-127"/>
+              </a:rPr>
+              <a:t>Board</a:t>
+            </a:r>
+          </a:p>
+        </p:txBody>
+      </p:sp>
+      <p:cxnSp>
+        <p:nvCxnSpPr>
+          <p:cNvPr id="55" name="직선 화살표 연결선 54">
+            <a:extLst>
+              <a:ext uri="{FF2B5EF4-FFF2-40B4-BE49-F238E27FC236}">
+                <a16:creationId xmlns:a16="http://schemas.microsoft.com/office/drawing/2014/main" id="{C3D34C31-B4B4-4148-BAF1-78C5F503BA5E}"/>
+              </a:ext>
+            </a:extLst>
+          </p:cNvPr>
+          <p:cNvCxnSpPr>
+            <a:cxnSpLocks/>
+            <a:stCxn id="17" idx="2"/>
+            <a:endCxn id="40" idx="0"/>
+          </p:cNvCxnSpPr>
+          <p:nvPr/>
+        </p:nvCxnSpPr>
+        <p:spPr>
+          <a:xfrm flipH="1">
+            <a:off x="5197641" y="3605462"/>
+            <a:ext cx="1" cy="263866"/>
+          </a:xfrm>
+          <a:prstGeom prst="straightConnector1">
+            <a:avLst/>
+          </a:prstGeom>
+          <a:ln w="12700">
+            <a:solidFill>
+              <a:schemeClr val="tx1"/>
+            </a:solidFill>
+            <a:headEnd type="none" w="lg" len="lg"/>
+            <a:tailEnd type="arrow" w="lg" len="lg"/>
+          </a:ln>
+        </p:spPr>
+        <p:style>
+          <a:lnRef idx="1">
+            <a:schemeClr val="accent1"/>
+          </a:lnRef>
+          <a:fillRef idx="0">
+            <a:schemeClr val="accent1"/>
+          </a:fillRef>
+          <a:effectRef idx="0">
+            <a:schemeClr val="accent1"/>
+          </a:effectRef>
+          <a:fontRef idx="minor">
+            <a:schemeClr val="tx1"/>
+          </a:fontRef>
+        </p:style>
+      </p:cxnSp>
+      <p:cxnSp>
+        <p:nvCxnSpPr>
+          <p:cNvPr id="59" name="직선 화살표 연결선 58">
+            <a:extLst>
+              <a:ext uri="{FF2B5EF4-FFF2-40B4-BE49-F238E27FC236}">
+                <a16:creationId xmlns:a16="http://schemas.microsoft.com/office/drawing/2014/main" id="{941F0224-43B9-1E4C-91BA-F4A14EFD150D}"/>
+              </a:ext>
+            </a:extLst>
+          </p:cNvPr>
+          <p:cNvCxnSpPr>
+            <a:cxnSpLocks/>
+            <a:stCxn id="18" idx="2"/>
+            <a:endCxn id="47" idx="0"/>
+          </p:cNvCxnSpPr>
+          <p:nvPr/>
+        </p:nvCxnSpPr>
+        <p:spPr>
+          <a:xfrm flipH="1">
+            <a:off x="5197641" y="5517729"/>
+            <a:ext cx="1" cy="258927"/>
+          </a:xfrm>
+          <a:prstGeom prst="straightConnector1">
+            <a:avLst/>
+          </a:prstGeom>
+          <a:ln w="12700">
+            <a:solidFill>
+              <a:schemeClr val="tx1"/>
+            </a:solidFill>
+            <a:headEnd type="none" w="lg" len="lg"/>
+            <a:tailEnd type="arrow" w="lg" len="lg"/>
+          </a:ln>
+        </p:spPr>
+        <p:style>
+          <a:lnRef idx="1">
+            <a:schemeClr val="accent1"/>
+          </a:lnRef>
+          <a:fillRef idx="0">
+            <a:schemeClr val="accent1"/>
+          </a:fillRef>
+          <a:effectRef idx="0">
+            <a:schemeClr val="accent1"/>
+          </a:effectRef>
+          <a:fontRef idx="minor">
+            <a:schemeClr val="tx1"/>
+          </a:fontRef>
+        </p:style>
+      </p:cxnSp>
+      <p:cxnSp>
+        <p:nvCxnSpPr>
+          <p:cNvPr id="54" name="직선 화살표 연결선 53">
+            <a:extLst>
+              <a:ext uri="{FF2B5EF4-FFF2-40B4-BE49-F238E27FC236}">
+                <a16:creationId xmlns:a16="http://schemas.microsoft.com/office/drawing/2014/main" id="{8F504CBD-7E6F-2B4D-9ED2-9901F292BEFD}"/>
+              </a:ext>
+            </a:extLst>
+          </p:cNvPr>
+          <p:cNvCxnSpPr>
+            <a:cxnSpLocks/>
+            <a:stCxn id="12" idx="3"/>
+            <a:endCxn id="20" idx="1"/>
+          </p:cNvCxnSpPr>
+          <p:nvPr/>
+        </p:nvCxnSpPr>
+        <p:spPr>
+          <a:xfrm>
+            <a:off x="6450570" y="1447342"/>
+            <a:ext cx="934224" cy="1818179"/>
+          </a:xfrm>
+          <a:prstGeom prst="straightConnector1">
+            <a:avLst/>
+          </a:prstGeom>
+          <a:ln w="12700">
+            <a:solidFill>
+              <a:schemeClr val="tx1"/>
+            </a:solidFill>
+            <a:headEnd type="none" w="lg" len="lg"/>
+            <a:tailEnd type="arrow" w="lg" len="lg"/>
+          </a:ln>
+        </p:spPr>
+        <p:style>
+          <a:lnRef idx="1">
+            <a:schemeClr val="accent1"/>
+          </a:lnRef>
+          <a:fillRef idx="0">
+            <a:schemeClr val="accent1"/>
+          </a:fillRef>
+          <a:effectRef idx="0">
+            <a:schemeClr val="accent1"/>
+          </a:effectRef>
+          <a:fontRef idx="minor">
+            <a:schemeClr val="tx1"/>
+          </a:fontRef>
+        </p:style>
+      </p:cxnSp>
+      <p:grpSp>
+        <p:nvGrpSpPr>
+          <p:cNvPr id="2" name="그룹 1">
+            <a:extLst>
+              <a:ext uri="{FF2B5EF4-FFF2-40B4-BE49-F238E27FC236}">
+                <a16:creationId xmlns:a16="http://schemas.microsoft.com/office/drawing/2014/main" id="{E1EA6C84-1A92-014C-A4BC-5A2858C48EC4}"/>
+              </a:ext>
+            </a:extLst>
+          </p:cNvPr>
+          <p:cNvGrpSpPr/>
+          <p:nvPr/>
+        </p:nvGrpSpPr>
+        <p:grpSpPr>
+          <a:xfrm>
+            <a:off x="7373805" y="2925186"/>
+            <a:ext cx="1160595" cy="680276"/>
+            <a:chOff x="7373805" y="2925186"/>
+            <a:chExt cx="1160595" cy="680276"/>
+          </a:xfrm>
+        </p:grpSpPr>
+        <p:sp>
+          <p:nvSpPr>
+            <p:cNvPr id="20" name="직사각형 19">
+              <a:extLst>
+                <a:ext uri="{FF2B5EF4-FFF2-40B4-BE49-F238E27FC236}">
+                  <a16:creationId xmlns:a16="http://schemas.microsoft.com/office/drawing/2014/main" id="{BD10BC95-09D9-F34B-9741-4EBB004D197D}"/>
+                </a:ext>
+              </a:extLst>
+            </p:cNvPr>
+            <p:cNvSpPr/>
+            <p:nvPr/>
+          </p:nvSpPr>
+          <p:spPr>
+            <a:xfrm>
+              <a:off x="7384794" y="2925580"/>
+              <a:ext cx="1149606" cy="679882"/>
+            </a:xfrm>
+            <a:prstGeom prst="rect">
+              <a:avLst/>
+            </a:prstGeom>
+            <a:noFill/>
+            <a:ln w="12700">
+              <a:solidFill>
+                <a:schemeClr val="tx1"/>
+              </a:solidFill>
+            </a:ln>
+          </p:spPr>
+          <p:style>
+            <a:lnRef idx="2">
+              <a:schemeClr val="accent1">
+                <a:shade val="50000"/>
+              </a:schemeClr>
+            </a:lnRef>
+            <a:fillRef idx="1">
+              <a:schemeClr val="accent1"/>
+            </a:fillRef>
+            <a:effectRef idx="0">
+              <a:schemeClr val="accent1"/>
+            </a:effectRef>
+            <a:fontRef idx="minor">
+              <a:schemeClr val="lt1"/>
+            </a:fontRef>
+          </p:style>
+          <p:txBody>
+            <a:bodyPr rtlCol="0" anchor="ctr"/>
+            <a:lstStyle/>
+            <a:p>
+              <a:pPr algn="ctr"/>
+              <a:r>
+                <a:rPr lang="ko-Kore-KR" sz="1600" dirty="0">
+                  <a:solidFill>
+                    <a:srgbClr val="FF0000"/>
+                  </a:solidFill>
+                  <a:latin typeface="D2Coding" panose="020B0609020101020101" pitchFamily="49" charset="-127"/>
+                  <a:ea typeface="D2Coding" panose="020B0609020101020101" pitchFamily="49" charset="-127"/>
+                </a:rPr>
+                <a:t>List</a:t>
+              </a:r>
+            </a:p>
+          </p:txBody>
+        </p:sp>
+        <p:sp>
+          <p:nvSpPr>
+            <p:cNvPr id="35" name="TextBox 34">
+              <a:extLst>
+                <a:ext uri="{FF2B5EF4-FFF2-40B4-BE49-F238E27FC236}">
+                  <a16:creationId xmlns:a16="http://schemas.microsoft.com/office/drawing/2014/main" id="{B6A3C4DF-7C5D-C049-96A1-952A3742ACCA}"/>
+                </a:ext>
+              </a:extLst>
+            </p:cNvPr>
+            <p:cNvSpPr txBox="1"/>
+            <p:nvPr/>
+          </p:nvSpPr>
+          <p:spPr>
+            <a:xfrm>
+              <a:off x="7373805" y="2925186"/>
+              <a:ext cx="1160595" cy="276999"/>
+            </a:xfrm>
+            <a:prstGeom prst="rect">
+              <a:avLst/>
+            </a:prstGeom>
+            <a:noFill/>
+            <a:ln w="12700">
+              <a:noFill/>
+            </a:ln>
+          </p:spPr>
+          <p:txBody>
+            <a:bodyPr wrap="square" rtlCol="0">
+              <a:spAutoFit/>
+            </a:bodyPr>
+            <a:lstStyle/>
+            <a:p>
+              <a:pPr algn="ctr"/>
+              <a:r>
+                <a:rPr lang="en-US" sz="1200" dirty="0">
+                  <a:latin typeface="D2Coding" panose="020B0609020101020101" pitchFamily="49" charset="-127"/>
+                  <a:ea typeface="D2Coding" panose="020B0609020101020101" pitchFamily="49" charset="-127"/>
+                </a:rPr>
+                <a:t>j</a:t>
+              </a:r>
+              <a:r>
+                <a:rPr lang="ko-Kore-KR" sz="1200" dirty="0">
+                  <a:latin typeface="D2Coding" panose="020B0609020101020101" pitchFamily="49" charset="-127"/>
+                  <a:ea typeface="D2Coding" panose="020B0609020101020101" pitchFamily="49" charset="-127"/>
+                </a:rPr>
+                <a:t>ava.util</a:t>
+              </a:r>
+            </a:p>
+          </p:txBody>
+        </p:sp>
+      </p:grpSp>
+      <p:grpSp>
+        <p:nvGrpSpPr>
+          <p:cNvPr id="33" name="그룹 32">
+            <a:extLst>
+              <a:ext uri="{FF2B5EF4-FFF2-40B4-BE49-F238E27FC236}">
+                <a16:creationId xmlns:a16="http://schemas.microsoft.com/office/drawing/2014/main" id="{B4A3C381-43C5-F14F-A140-C17782D6A634}"/>
+              </a:ext>
+            </a:extLst>
+          </p:cNvPr>
+          <p:cNvGrpSpPr/>
+          <p:nvPr/>
+        </p:nvGrpSpPr>
+        <p:grpSpPr>
+          <a:xfrm>
+            <a:off x="7373805" y="1447145"/>
+            <a:ext cx="1160595" cy="680276"/>
+            <a:chOff x="7373805" y="2925186"/>
+            <a:chExt cx="1160595" cy="680276"/>
+          </a:xfrm>
+        </p:grpSpPr>
+        <p:sp>
+          <p:nvSpPr>
+            <p:cNvPr id="37" name="직사각형 36">
+              <a:extLst>
+                <a:ext uri="{FF2B5EF4-FFF2-40B4-BE49-F238E27FC236}">
+                  <a16:creationId xmlns:a16="http://schemas.microsoft.com/office/drawing/2014/main" id="{70823330-B321-494A-A935-1559453A9EFD}"/>
+                </a:ext>
+              </a:extLst>
+            </p:cNvPr>
+            <p:cNvSpPr/>
+            <p:nvPr/>
+          </p:nvSpPr>
+          <p:spPr>
+            <a:xfrm>
+              <a:off x="7384794" y="2925580"/>
+              <a:ext cx="1149606" cy="679882"/>
+            </a:xfrm>
+            <a:prstGeom prst="rect">
+              <a:avLst/>
+            </a:prstGeom>
+            <a:noFill/>
+            <a:ln w="12700">
+              <a:solidFill>
+                <a:schemeClr val="tx1"/>
+              </a:solidFill>
+            </a:ln>
+          </p:spPr>
+          <p:style>
+            <a:lnRef idx="2">
+              <a:schemeClr val="accent1">
+                <a:shade val="50000"/>
+              </a:schemeClr>
+            </a:lnRef>
+            <a:fillRef idx="1">
+              <a:schemeClr val="accent1"/>
+            </a:fillRef>
+            <a:effectRef idx="0">
+              <a:schemeClr val="accent1"/>
+            </a:effectRef>
+            <a:fontRef idx="minor">
+              <a:schemeClr val="lt1"/>
+            </a:fontRef>
+          </p:style>
+          <p:txBody>
+            <a:bodyPr rtlCol="0" anchor="ctr"/>
+            <a:lstStyle/>
+            <a:p>
+              <a:pPr algn="ctr"/>
+              <a:r>
+                <a:rPr lang="ko-Kore-KR" sz="1600" dirty="0">
+                  <a:solidFill>
+                    <a:srgbClr val="FF0000"/>
+                  </a:solidFill>
+                  <a:latin typeface="D2Coding" panose="020B0609020101020101" pitchFamily="49" charset="-127"/>
+                  <a:ea typeface="D2Coding" panose="020B0609020101020101" pitchFamily="49" charset="-127"/>
+                </a:rPr>
+                <a:t>Iterator</a:t>
+              </a:r>
+            </a:p>
+          </p:txBody>
+        </p:sp>
+        <p:sp>
+          <p:nvSpPr>
+            <p:cNvPr id="38" name="TextBox 37">
+              <a:extLst>
+                <a:ext uri="{FF2B5EF4-FFF2-40B4-BE49-F238E27FC236}">
+                  <a16:creationId xmlns:a16="http://schemas.microsoft.com/office/drawing/2014/main" id="{AC23A6C4-50D8-2447-917B-93E235EA69BB}"/>
+                </a:ext>
+              </a:extLst>
+            </p:cNvPr>
+            <p:cNvSpPr txBox="1"/>
+            <p:nvPr/>
+          </p:nvSpPr>
+          <p:spPr>
+            <a:xfrm>
+              <a:off x="7373805" y="2925186"/>
+              <a:ext cx="1160595" cy="276999"/>
+            </a:xfrm>
+            <a:prstGeom prst="rect">
+              <a:avLst/>
+            </a:prstGeom>
+            <a:noFill/>
+            <a:ln w="12700">
+              <a:noFill/>
+            </a:ln>
+          </p:spPr>
+          <p:txBody>
+            <a:bodyPr wrap="square" rtlCol="0">
+              <a:spAutoFit/>
+            </a:bodyPr>
+            <a:lstStyle/>
+            <a:p>
+              <a:pPr algn="ctr"/>
+              <a:r>
+                <a:rPr lang="en-US" sz="1200" dirty="0">
+                  <a:latin typeface="D2Coding" panose="020B0609020101020101" pitchFamily="49" charset="-127"/>
+                  <a:ea typeface="D2Coding" panose="020B0609020101020101" pitchFamily="49" charset="-127"/>
+                </a:rPr>
+                <a:t>j</a:t>
+              </a:r>
+              <a:r>
+                <a:rPr lang="ko-Kore-KR" sz="1200" dirty="0">
+                  <a:latin typeface="D2Coding" panose="020B0609020101020101" pitchFamily="49" charset="-127"/>
+                  <a:ea typeface="D2Coding" panose="020B0609020101020101" pitchFamily="49" charset="-127"/>
+                </a:rPr>
+                <a:t>ava.util</a:t>
+              </a:r>
+            </a:p>
+          </p:txBody>
+        </p:sp>
+      </p:grpSp>
+      <p:cxnSp>
+        <p:nvCxnSpPr>
+          <p:cNvPr id="39" name="직선 화살표 연결선 38">
+            <a:extLst>
+              <a:ext uri="{FF2B5EF4-FFF2-40B4-BE49-F238E27FC236}">
+                <a16:creationId xmlns:a16="http://schemas.microsoft.com/office/drawing/2014/main" id="{E8A45E67-6ACE-0A44-ACB9-85FA3B1AA2A6}"/>
+              </a:ext>
+            </a:extLst>
+          </p:cNvPr>
+          <p:cNvCxnSpPr>
+            <a:cxnSpLocks/>
+            <a:stCxn id="35" idx="0"/>
+            <a:endCxn id="37" idx="2"/>
+          </p:cNvCxnSpPr>
+          <p:nvPr/>
+        </p:nvCxnSpPr>
+        <p:spPr>
+          <a:xfrm flipV="1">
+            <a:off x="7954103" y="2127421"/>
+            <a:ext cx="5494" cy="797765"/>
+          </a:xfrm>
+          <a:prstGeom prst="straightConnector1">
+            <a:avLst/>
+          </a:prstGeom>
+          <a:ln w="12700">
+            <a:solidFill>
+              <a:schemeClr val="tx1"/>
+            </a:solidFill>
+            <a:headEnd type="none" w="lg" len="lg"/>
+            <a:tailEnd type="arrow" w="lg" len="lg"/>
+          </a:ln>
+        </p:spPr>
+        <p:style>
+          <a:lnRef idx="1">
+            <a:schemeClr val="accent1"/>
+          </a:lnRef>
+          <a:fillRef idx="0">
+            <a:schemeClr val="accent1"/>
+          </a:fillRef>
+          <a:effectRef idx="0">
+            <a:schemeClr val="accent1"/>
+          </a:effectRef>
+          <a:fontRef idx="minor">
+            <a:schemeClr val="tx1"/>
+          </a:fontRef>
+        </p:style>
+      </p:cxnSp>
+    </p:spTree>
+    <p:extLst>
+      <p:ext uri="{BB962C8B-B14F-4D97-AF65-F5344CB8AC3E}">
+        <p14:creationId xmlns:p14="http://schemas.microsoft.com/office/powerpoint/2010/main" val="4098359746"/>
       </p:ext>
     </p:extLst>
   </p:cSld>

--- a/ClassDiagram.pptx
+++ b/ClassDiagram.pptx
@@ -26,6 +26,7 @@
     <p:sldId id="274" r:id="rId20"/>
     <p:sldId id="275" r:id="rId21"/>
     <p:sldId id="276" r:id="rId22"/>
+    <p:sldId id="277" r:id="rId23"/>
   </p:sldIdLst>
   <p:sldSz cx="12192000" cy="6858000"/>
   <p:notesSz cx="6858000" cy="9144000"/>
@@ -281,7 +282,7 @@
           <a:p>
             <a:fld id="{A0655B3F-BFCA-5241-8475-9978727BD7EA}" type="datetimeFigureOut">
               <a:rPr lang="ko-Kore-KR" smtClean="0"/>
-              <a:t>2020. 1. 16.</a:t>
+              <a:t>2020. 1. 21.</a:t>
             </a:fld>
             <a:endParaRPr lang="ko-Kore-KR"/>
           </a:p>
@@ -481,7 +482,7 @@
           <a:p>
             <a:fld id="{A0655B3F-BFCA-5241-8475-9978727BD7EA}" type="datetimeFigureOut">
               <a:rPr lang="ko-Kore-KR" smtClean="0"/>
-              <a:t>2020. 1. 16.</a:t>
+              <a:t>2020. 1. 21.</a:t>
             </a:fld>
             <a:endParaRPr lang="ko-Kore-KR"/>
           </a:p>
@@ -691,7 +692,7 @@
           <a:p>
             <a:fld id="{A0655B3F-BFCA-5241-8475-9978727BD7EA}" type="datetimeFigureOut">
               <a:rPr lang="ko-Kore-KR" smtClean="0"/>
-              <a:t>2020. 1. 16.</a:t>
+              <a:t>2020. 1. 21.</a:t>
             </a:fld>
             <a:endParaRPr lang="ko-Kore-KR"/>
           </a:p>
@@ -891,7 +892,7 @@
           <a:p>
             <a:fld id="{A0655B3F-BFCA-5241-8475-9978727BD7EA}" type="datetimeFigureOut">
               <a:rPr lang="ko-Kore-KR" smtClean="0"/>
-              <a:t>2020. 1. 16.</a:t>
+              <a:t>2020. 1. 21.</a:t>
             </a:fld>
             <a:endParaRPr lang="ko-Kore-KR"/>
           </a:p>
@@ -1167,7 +1168,7 @@
           <a:p>
             <a:fld id="{A0655B3F-BFCA-5241-8475-9978727BD7EA}" type="datetimeFigureOut">
               <a:rPr lang="ko-Kore-KR" smtClean="0"/>
-              <a:t>2020. 1. 16.</a:t>
+              <a:t>2020. 1. 21.</a:t>
             </a:fld>
             <a:endParaRPr lang="ko-Kore-KR"/>
           </a:p>
@@ -1435,7 +1436,7 @@
           <a:p>
             <a:fld id="{A0655B3F-BFCA-5241-8475-9978727BD7EA}" type="datetimeFigureOut">
               <a:rPr lang="ko-Kore-KR" smtClean="0"/>
-              <a:t>2020. 1. 16.</a:t>
+              <a:t>2020. 1. 21.</a:t>
             </a:fld>
             <a:endParaRPr lang="ko-Kore-KR"/>
           </a:p>
@@ -1850,7 +1851,7 @@
           <a:p>
             <a:fld id="{A0655B3F-BFCA-5241-8475-9978727BD7EA}" type="datetimeFigureOut">
               <a:rPr lang="ko-Kore-KR" smtClean="0"/>
-              <a:t>2020. 1. 16.</a:t>
+              <a:t>2020. 1. 21.</a:t>
             </a:fld>
             <a:endParaRPr lang="ko-Kore-KR"/>
           </a:p>
@@ -1992,7 +1993,7 @@
           <a:p>
             <a:fld id="{A0655B3F-BFCA-5241-8475-9978727BD7EA}" type="datetimeFigureOut">
               <a:rPr lang="ko-Kore-KR" smtClean="0"/>
-              <a:t>2020. 1. 16.</a:t>
+              <a:t>2020. 1. 21.</a:t>
             </a:fld>
             <a:endParaRPr lang="ko-Kore-KR"/>
           </a:p>
@@ -2105,7 +2106,7 @@
           <a:p>
             <a:fld id="{A0655B3F-BFCA-5241-8475-9978727BD7EA}" type="datetimeFigureOut">
               <a:rPr lang="ko-Kore-KR" smtClean="0"/>
-              <a:t>2020. 1. 16.</a:t>
+              <a:t>2020. 1. 21.</a:t>
             </a:fld>
             <a:endParaRPr lang="ko-Kore-KR"/>
           </a:p>
@@ -2418,7 +2419,7 @@
           <a:p>
             <a:fld id="{A0655B3F-BFCA-5241-8475-9978727BD7EA}" type="datetimeFigureOut">
               <a:rPr lang="ko-Kore-KR" smtClean="0"/>
-              <a:t>2020. 1. 16.</a:t>
+              <a:t>2020. 1. 21.</a:t>
             </a:fld>
             <a:endParaRPr lang="ko-Kore-KR"/>
           </a:p>
@@ -2707,7 +2708,7 @@
           <a:p>
             <a:fld id="{A0655B3F-BFCA-5241-8475-9978727BD7EA}" type="datetimeFigureOut">
               <a:rPr lang="ko-Kore-KR" smtClean="0"/>
-              <a:t>2020. 1. 16.</a:t>
+              <a:t>2020. 1. 21.</a:t>
             </a:fld>
             <a:endParaRPr lang="ko-Kore-KR"/>
           </a:p>
@@ -2950,7 +2951,7 @@
           <a:p>
             <a:fld id="{A0655B3F-BFCA-5241-8475-9978727BD7EA}" type="datetimeFigureOut">
               <a:rPr lang="ko-Kore-KR" smtClean="0"/>
-              <a:t>2020. 1. 16.</a:t>
+              <a:t>2020. 1. 21.</a:t>
             </a:fld>
             <a:endParaRPr lang="ko-Kore-KR"/>
           </a:p>
@@ -23819,6 +23820,1615 @@
 </p:sld>
 </file>
 
+<file path=ppt/slides/slide22.xml><?xml version="1.0" encoding="utf-8"?>
+<p:sld xmlns:a="http://schemas.openxmlformats.org/drawingml/2006/main" xmlns:r="http://schemas.openxmlformats.org/officeDocument/2006/relationships" xmlns:p="http://schemas.openxmlformats.org/presentationml/2006/main">
+  <p:cSld>
+    <p:spTree>
+      <p:nvGrpSpPr>
+        <p:cNvPr id="1" name=""/>
+        <p:cNvGrpSpPr/>
+        <p:nvPr/>
+      </p:nvGrpSpPr>
+      <p:grpSpPr>
+        <a:xfrm>
+          <a:off x="0" y="0"/>
+          <a:ext cx="0" cy="0"/>
+          <a:chOff x="0" y="0"/>
+          <a:chExt cx="0" cy="0"/>
+        </a:xfrm>
+      </p:grpSpPr>
+      <p:sp>
+        <p:nvSpPr>
+          <p:cNvPr id="4" name="직사각형 3">
+            <a:extLst>
+              <a:ext uri="{FF2B5EF4-FFF2-40B4-BE49-F238E27FC236}">
+                <a16:creationId xmlns:a16="http://schemas.microsoft.com/office/drawing/2014/main" id="{F954BBEA-7028-1B43-871A-F28FC3EC4616}"/>
+              </a:ext>
+            </a:extLst>
+          </p:cNvPr>
+          <p:cNvSpPr/>
+          <p:nvPr/>
+        </p:nvSpPr>
+        <p:spPr>
+          <a:xfrm>
+            <a:off x="1308615" y="2925581"/>
+            <a:ext cx="1633928" cy="679882"/>
+          </a:xfrm>
+          <a:prstGeom prst="rect">
+            <a:avLst/>
+          </a:prstGeom>
+          <a:noFill/>
+          <a:ln w="12700">
+            <a:solidFill>
+              <a:schemeClr val="tx1"/>
+            </a:solidFill>
+          </a:ln>
+        </p:spPr>
+        <p:style>
+          <a:lnRef idx="2">
+            <a:schemeClr val="accent1">
+              <a:shade val="50000"/>
+            </a:schemeClr>
+          </a:lnRef>
+          <a:fillRef idx="1">
+            <a:schemeClr val="accent1"/>
+          </a:fillRef>
+          <a:effectRef idx="0">
+            <a:schemeClr val="accent1"/>
+          </a:effectRef>
+          <a:fontRef idx="minor">
+            <a:schemeClr val="lt1"/>
+          </a:fontRef>
+        </p:style>
+        <p:txBody>
+          <a:bodyPr rtlCol="0" anchor="ctr"/>
+          <a:lstStyle/>
+          <a:p>
+            <a:pPr algn="ctr"/>
+            <a:r>
+              <a:rPr lang="ko-Kore-KR" sz="1600" dirty="0">
+                <a:solidFill>
+                  <a:schemeClr val="tx1"/>
+                </a:solidFill>
+                <a:latin typeface="D2Coding" panose="020B0609020101020101" pitchFamily="49" charset="-127"/>
+                <a:ea typeface="D2Coding" panose="020B0609020101020101" pitchFamily="49" charset="-127"/>
+              </a:rPr>
+              <a:t>App</a:t>
+            </a:r>
+          </a:p>
+        </p:txBody>
+      </p:sp>
+      <p:sp>
+        <p:nvSpPr>
+          <p:cNvPr id="5" name="TextBox 4">
+            <a:extLst>
+              <a:ext uri="{FF2B5EF4-FFF2-40B4-BE49-F238E27FC236}">
+                <a16:creationId xmlns:a16="http://schemas.microsoft.com/office/drawing/2014/main" id="{8C6B9D41-3D15-6247-84C1-FE25EF4EFC3A}"/>
+              </a:ext>
+            </a:extLst>
+          </p:cNvPr>
+          <p:cNvSpPr txBox="1"/>
+          <p:nvPr/>
+        </p:nvSpPr>
+        <p:spPr>
+          <a:xfrm>
+            <a:off x="344773" y="389745"/>
+            <a:ext cx="1415772" cy="461665"/>
+          </a:xfrm>
+          <a:prstGeom prst="rect">
+            <a:avLst/>
+          </a:prstGeom>
+          <a:noFill/>
+        </p:spPr>
+        <p:txBody>
+          <a:bodyPr wrap="none" rtlCol="0">
+            <a:spAutoFit/>
+          </a:bodyPr>
+          <a:lstStyle/>
+          <a:p>
+            <a:r>
+              <a:rPr lang="ko-KR" altLang="en-US" sz="2400" dirty="0">
+                <a:latin typeface="D2Coding" panose="020B0609020101020101" pitchFamily="49" charset="-127"/>
+                <a:ea typeface="D2Coding" panose="020B0609020101020101" pitchFamily="49" charset="-127"/>
+              </a:rPr>
+              <a:t>단계</a:t>
+            </a:r>
+            <a:r>
+              <a:rPr lang="en-US" altLang="ko-KR" sz="2400" dirty="0">
+                <a:latin typeface="D2Coding" panose="020B0609020101020101" pitchFamily="49" charset="-127"/>
+                <a:ea typeface="D2Coding" panose="020B0609020101020101" pitchFamily="49" charset="-127"/>
+              </a:rPr>
+              <a:t>:</a:t>
+            </a:r>
+            <a:r>
+              <a:rPr lang="ko-KR" altLang="en-US" sz="2400" dirty="0">
+                <a:latin typeface="D2Coding" panose="020B0609020101020101" pitchFamily="49" charset="-127"/>
+                <a:ea typeface="D2Coding" panose="020B0609020101020101" pitchFamily="49" charset="-127"/>
+              </a:rPr>
+              <a:t> </a:t>
+            </a:r>
+            <a:r>
+              <a:rPr lang="en-US" altLang="ko-KR" sz="2400" dirty="0">
+                <a:latin typeface="D2Coding" panose="020B0609020101020101" pitchFamily="49" charset="-127"/>
+                <a:ea typeface="D2Coding" panose="020B0609020101020101" pitchFamily="49" charset="-127"/>
+              </a:rPr>
+              <a:t>26</a:t>
+            </a:r>
+            <a:endParaRPr lang="ko-Kore-KR" sz="2400" dirty="0">
+              <a:latin typeface="D2Coding" panose="020B0609020101020101" pitchFamily="49" charset="-127"/>
+              <a:ea typeface="D2Coding" panose="020B0609020101020101" pitchFamily="49" charset="-127"/>
+            </a:endParaRPr>
+          </a:p>
+        </p:txBody>
+      </p:sp>
+      <p:cxnSp>
+        <p:nvCxnSpPr>
+          <p:cNvPr id="11" name="직선 화살표 연결선 10">
+            <a:extLst>
+              <a:ext uri="{FF2B5EF4-FFF2-40B4-BE49-F238E27FC236}">
+                <a16:creationId xmlns:a16="http://schemas.microsoft.com/office/drawing/2014/main" id="{BF5B527A-0543-A149-A80B-D8B34F60FDF0}"/>
+              </a:ext>
+            </a:extLst>
+          </p:cNvPr>
+          <p:cNvCxnSpPr>
+            <a:cxnSpLocks/>
+            <a:stCxn id="4" idx="3"/>
+            <a:endCxn id="45" idx="1"/>
+          </p:cNvCxnSpPr>
+          <p:nvPr/>
+        </p:nvCxnSpPr>
+        <p:spPr>
+          <a:xfrm flipV="1">
+            <a:off x="2942543" y="3262359"/>
+            <a:ext cx="647600" cy="3163"/>
+          </a:xfrm>
+          <a:prstGeom prst="straightConnector1">
+            <a:avLst/>
+          </a:prstGeom>
+          <a:ln w="12700">
+            <a:solidFill>
+              <a:schemeClr val="tx1"/>
+            </a:solidFill>
+            <a:headEnd type="none" w="lg" len="lg"/>
+            <a:tailEnd type="arrow" w="lg" len="lg"/>
+          </a:ln>
+        </p:spPr>
+        <p:style>
+          <a:lnRef idx="1">
+            <a:schemeClr val="accent1"/>
+          </a:lnRef>
+          <a:fillRef idx="0">
+            <a:schemeClr val="accent1"/>
+          </a:fillRef>
+          <a:effectRef idx="0">
+            <a:schemeClr val="accent1"/>
+          </a:effectRef>
+          <a:fontRef idx="minor">
+            <a:schemeClr val="tx1"/>
+          </a:fontRef>
+        </p:style>
+      </p:cxnSp>
+      <p:sp>
+        <p:nvSpPr>
+          <p:cNvPr id="40" name="직사각형 39">
+            <a:extLst>
+              <a:ext uri="{FF2B5EF4-FFF2-40B4-BE49-F238E27FC236}">
+                <a16:creationId xmlns:a16="http://schemas.microsoft.com/office/drawing/2014/main" id="{BC66F44A-1380-464C-9B73-6A7E40289FB3}"/>
+              </a:ext>
+            </a:extLst>
+          </p:cNvPr>
+          <p:cNvSpPr/>
+          <p:nvPr/>
+        </p:nvSpPr>
+        <p:spPr>
+          <a:xfrm>
+            <a:off x="10455458" y="5087192"/>
+            <a:ext cx="1633928" cy="437148"/>
+          </a:xfrm>
+          <a:prstGeom prst="rect">
+            <a:avLst/>
+          </a:prstGeom>
+          <a:noFill/>
+          <a:ln w="12700">
+            <a:solidFill>
+              <a:schemeClr val="tx1"/>
+            </a:solidFill>
+          </a:ln>
+        </p:spPr>
+        <p:style>
+          <a:lnRef idx="2">
+            <a:schemeClr val="accent1">
+              <a:shade val="50000"/>
+            </a:schemeClr>
+          </a:lnRef>
+          <a:fillRef idx="1">
+            <a:schemeClr val="accent1"/>
+          </a:fillRef>
+          <a:effectRef idx="0">
+            <a:schemeClr val="accent1"/>
+          </a:effectRef>
+          <a:fontRef idx="minor">
+            <a:schemeClr val="lt1"/>
+          </a:fontRef>
+        </p:style>
+        <p:txBody>
+          <a:bodyPr rtlCol="0" anchor="ctr"/>
+          <a:lstStyle/>
+          <a:p>
+            <a:pPr algn="ctr"/>
+            <a:r>
+              <a:rPr lang="ko-Kore-KR" sz="1600" dirty="0">
+                <a:solidFill>
+                  <a:schemeClr val="tx1"/>
+                </a:solidFill>
+                <a:latin typeface="D2Coding" panose="020B0609020101020101" pitchFamily="49" charset="-127"/>
+                <a:ea typeface="D2Coding" panose="020B0609020101020101" pitchFamily="49" charset="-127"/>
+              </a:rPr>
+              <a:t>Member</a:t>
+            </a:r>
+          </a:p>
+        </p:txBody>
+      </p:sp>
+      <p:grpSp>
+        <p:nvGrpSpPr>
+          <p:cNvPr id="2" name="그룹 1">
+            <a:extLst>
+              <a:ext uri="{FF2B5EF4-FFF2-40B4-BE49-F238E27FC236}">
+                <a16:creationId xmlns:a16="http://schemas.microsoft.com/office/drawing/2014/main" id="{E1EA6C84-1A92-014C-A4BC-5A2858C48EC4}"/>
+              </a:ext>
+            </a:extLst>
+          </p:cNvPr>
+          <p:cNvGrpSpPr/>
+          <p:nvPr/>
+        </p:nvGrpSpPr>
+        <p:grpSpPr>
+          <a:xfrm>
+            <a:off x="10686630" y="2912614"/>
+            <a:ext cx="1160595" cy="680276"/>
+            <a:chOff x="7373805" y="2925186"/>
+            <a:chExt cx="1160595" cy="680276"/>
+          </a:xfrm>
+        </p:grpSpPr>
+        <p:sp>
+          <p:nvSpPr>
+            <p:cNvPr id="20" name="직사각형 19">
+              <a:extLst>
+                <a:ext uri="{FF2B5EF4-FFF2-40B4-BE49-F238E27FC236}">
+                  <a16:creationId xmlns:a16="http://schemas.microsoft.com/office/drawing/2014/main" id="{BD10BC95-09D9-F34B-9741-4EBB004D197D}"/>
+                </a:ext>
+              </a:extLst>
+            </p:cNvPr>
+            <p:cNvSpPr/>
+            <p:nvPr/>
+          </p:nvSpPr>
+          <p:spPr>
+            <a:xfrm>
+              <a:off x="7384794" y="2925580"/>
+              <a:ext cx="1149606" cy="679882"/>
+            </a:xfrm>
+            <a:prstGeom prst="rect">
+              <a:avLst/>
+            </a:prstGeom>
+            <a:noFill/>
+            <a:ln w="12700">
+              <a:solidFill>
+                <a:schemeClr val="tx1"/>
+              </a:solidFill>
+            </a:ln>
+          </p:spPr>
+          <p:style>
+            <a:lnRef idx="2">
+              <a:schemeClr val="accent1">
+                <a:shade val="50000"/>
+              </a:schemeClr>
+            </a:lnRef>
+            <a:fillRef idx="1">
+              <a:schemeClr val="accent1"/>
+            </a:fillRef>
+            <a:effectRef idx="0">
+              <a:schemeClr val="accent1"/>
+            </a:effectRef>
+            <a:fontRef idx="minor">
+              <a:schemeClr val="lt1"/>
+            </a:fontRef>
+          </p:style>
+          <p:txBody>
+            <a:bodyPr rtlCol="0" anchor="ctr"/>
+            <a:lstStyle/>
+            <a:p>
+              <a:pPr algn="ctr"/>
+              <a:r>
+                <a:rPr lang="ko-Kore-KR" sz="1600" dirty="0">
+                  <a:solidFill>
+                    <a:srgbClr val="FF0000"/>
+                  </a:solidFill>
+                  <a:latin typeface="D2Coding" panose="020B0609020101020101" pitchFamily="49" charset="-127"/>
+                  <a:ea typeface="D2Coding" panose="020B0609020101020101" pitchFamily="49" charset="-127"/>
+                </a:rPr>
+                <a:t>List</a:t>
+              </a:r>
+            </a:p>
+          </p:txBody>
+        </p:sp>
+        <p:sp>
+          <p:nvSpPr>
+            <p:cNvPr id="35" name="TextBox 34">
+              <a:extLst>
+                <a:ext uri="{FF2B5EF4-FFF2-40B4-BE49-F238E27FC236}">
+                  <a16:creationId xmlns:a16="http://schemas.microsoft.com/office/drawing/2014/main" id="{B6A3C4DF-7C5D-C049-96A1-952A3742ACCA}"/>
+                </a:ext>
+              </a:extLst>
+            </p:cNvPr>
+            <p:cNvSpPr txBox="1"/>
+            <p:nvPr/>
+          </p:nvSpPr>
+          <p:spPr>
+            <a:xfrm>
+              <a:off x="7373805" y="2925186"/>
+              <a:ext cx="1160595" cy="276999"/>
+            </a:xfrm>
+            <a:prstGeom prst="rect">
+              <a:avLst/>
+            </a:prstGeom>
+            <a:noFill/>
+            <a:ln w="12700">
+              <a:noFill/>
+            </a:ln>
+          </p:spPr>
+          <p:txBody>
+            <a:bodyPr wrap="square" rtlCol="0">
+              <a:spAutoFit/>
+            </a:bodyPr>
+            <a:lstStyle/>
+            <a:p>
+              <a:pPr algn="ctr"/>
+              <a:r>
+                <a:rPr lang="en-US" sz="1200" dirty="0">
+                  <a:latin typeface="D2Coding" panose="020B0609020101020101" pitchFamily="49" charset="-127"/>
+                  <a:ea typeface="D2Coding" panose="020B0609020101020101" pitchFamily="49" charset="-127"/>
+                </a:rPr>
+                <a:t>j</a:t>
+              </a:r>
+              <a:r>
+                <a:rPr lang="ko-Kore-KR" sz="1200" dirty="0">
+                  <a:latin typeface="D2Coding" panose="020B0609020101020101" pitchFamily="49" charset="-127"/>
+                  <a:ea typeface="D2Coding" panose="020B0609020101020101" pitchFamily="49" charset="-127"/>
+                </a:rPr>
+                <a:t>ava.util</a:t>
+              </a:r>
+            </a:p>
+          </p:txBody>
+        </p:sp>
+      </p:grpSp>
+      <p:grpSp>
+        <p:nvGrpSpPr>
+          <p:cNvPr id="33" name="그룹 32">
+            <a:extLst>
+              <a:ext uri="{FF2B5EF4-FFF2-40B4-BE49-F238E27FC236}">
+                <a16:creationId xmlns:a16="http://schemas.microsoft.com/office/drawing/2014/main" id="{B4A3C381-43C5-F14F-A140-C17782D6A634}"/>
+              </a:ext>
+            </a:extLst>
+          </p:cNvPr>
+          <p:cNvGrpSpPr/>
+          <p:nvPr/>
+        </p:nvGrpSpPr>
+        <p:grpSpPr>
+          <a:xfrm>
+            <a:off x="10686631" y="1447539"/>
+            <a:ext cx="1160595" cy="680276"/>
+            <a:chOff x="7373805" y="2925186"/>
+            <a:chExt cx="1160595" cy="680276"/>
+          </a:xfrm>
+        </p:grpSpPr>
+        <p:sp>
+          <p:nvSpPr>
+            <p:cNvPr id="37" name="직사각형 36">
+              <a:extLst>
+                <a:ext uri="{FF2B5EF4-FFF2-40B4-BE49-F238E27FC236}">
+                  <a16:creationId xmlns:a16="http://schemas.microsoft.com/office/drawing/2014/main" id="{70823330-B321-494A-A935-1559453A9EFD}"/>
+                </a:ext>
+              </a:extLst>
+            </p:cNvPr>
+            <p:cNvSpPr/>
+            <p:nvPr/>
+          </p:nvSpPr>
+          <p:spPr>
+            <a:xfrm>
+              <a:off x="7384794" y="2925580"/>
+              <a:ext cx="1149606" cy="679882"/>
+            </a:xfrm>
+            <a:prstGeom prst="rect">
+              <a:avLst/>
+            </a:prstGeom>
+            <a:noFill/>
+            <a:ln w="12700">
+              <a:solidFill>
+                <a:schemeClr val="tx1"/>
+              </a:solidFill>
+            </a:ln>
+          </p:spPr>
+          <p:style>
+            <a:lnRef idx="2">
+              <a:schemeClr val="accent1">
+                <a:shade val="50000"/>
+              </a:schemeClr>
+            </a:lnRef>
+            <a:fillRef idx="1">
+              <a:schemeClr val="accent1"/>
+            </a:fillRef>
+            <a:effectRef idx="0">
+              <a:schemeClr val="accent1"/>
+            </a:effectRef>
+            <a:fontRef idx="minor">
+              <a:schemeClr val="lt1"/>
+            </a:fontRef>
+          </p:style>
+          <p:txBody>
+            <a:bodyPr rtlCol="0" anchor="ctr"/>
+            <a:lstStyle/>
+            <a:p>
+              <a:pPr algn="ctr"/>
+              <a:r>
+                <a:rPr lang="ko-Kore-KR" sz="1600" dirty="0">
+                  <a:solidFill>
+                    <a:srgbClr val="FF0000"/>
+                  </a:solidFill>
+                  <a:latin typeface="D2Coding" panose="020B0609020101020101" pitchFamily="49" charset="-127"/>
+                  <a:ea typeface="D2Coding" panose="020B0609020101020101" pitchFamily="49" charset="-127"/>
+                </a:rPr>
+                <a:t>Iterator</a:t>
+              </a:r>
+            </a:p>
+          </p:txBody>
+        </p:sp>
+        <p:sp>
+          <p:nvSpPr>
+            <p:cNvPr id="38" name="TextBox 37">
+              <a:extLst>
+                <a:ext uri="{FF2B5EF4-FFF2-40B4-BE49-F238E27FC236}">
+                  <a16:creationId xmlns:a16="http://schemas.microsoft.com/office/drawing/2014/main" id="{AC23A6C4-50D8-2447-917B-93E235EA69BB}"/>
+                </a:ext>
+              </a:extLst>
+            </p:cNvPr>
+            <p:cNvSpPr txBox="1"/>
+            <p:nvPr/>
+          </p:nvSpPr>
+          <p:spPr>
+            <a:xfrm>
+              <a:off x="7373805" y="2925186"/>
+              <a:ext cx="1160595" cy="276999"/>
+            </a:xfrm>
+            <a:prstGeom prst="rect">
+              <a:avLst/>
+            </a:prstGeom>
+            <a:noFill/>
+            <a:ln w="12700">
+              <a:noFill/>
+            </a:ln>
+          </p:spPr>
+          <p:txBody>
+            <a:bodyPr wrap="square" rtlCol="0">
+              <a:spAutoFit/>
+            </a:bodyPr>
+            <a:lstStyle/>
+            <a:p>
+              <a:pPr algn="ctr"/>
+              <a:r>
+                <a:rPr lang="en-US" sz="1200" dirty="0">
+                  <a:latin typeface="D2Coding" panose="020B0609020101020101" pitchFamily="49" charset="-127"/>
+                  <a:ea typeface="D2Coding" panose="020B0609020101020101" pitchFamily="49" charset="-127"/>
+                </a:rPr>
+                <a:t>j</a:t>
+              </a:r>
+              <a:r>
+                <a:rPr lang="ko-Kore-KR" sz="1200" dirty="0">
+                  <a:latin typeface="D2Coding" panose="020B0609020101020101" pitchFamily="49" charset="-127"/>
+                  <a:ea typeface="D2Coding" panose="020B0609020101020101" pitchFamily="49" charset="-127"/>
+                </a:rPr>
+                <a:t>ava.util</a:t>
+              </a:r>
+            </a:p>
+          </p:txBody>
+        </p:sp>
+      </p:grpSp>
+      <p:cxnSp>
+        <p:nvCxnSpPr>
+          <p:cNvPr id="39" name="직선 화살표 연결선 38">
+            <a:extLst>
+              <a:ext uri="{FF2B5EF4-FFF2-40B4-BE49-F238E27FC236}">
+                <a16:creationId xmlns:a16="http://schemas.microsoft.com/office/drawing/2014/main" id="{E8A45E67-6ACE-0A44-ACB9-85FA3B1AA2A6}"/>
+              </a:ext>
+            </a:extLst>
+          </p:cNvPr>
+          <p:cNvCxnSpPr>
+            <a:cxnSpLocks/>
+            <a:stCxn id="35" idx="0"/>
+            <a:endCxn id="37" idx="2"/>
+          </p:cNvCxnSpPr>
+          <p:nvPr/>
+        </p:nvCxnSpPr>
+        <p:spPr>
+          <a:xfrm flipV="1">
+            <a:off x="11266928" y="2127815"/>
+            <a:ext cx="5495" cy="784799"/>
+          </a:xfrm>
+          <a:prstGeom prst="straightConnector1">
+            <a:avLst/>
+          </a:prstGeom>
+          <a:ln w="12700">
+            <a:solidFill>
+              <a:schemeClr val="tx1"/>
+            </a:solidFill>
+            <a:headEnd type="none" w="lg" len="lg"/>
+            <a:tailEnd type="arrow" w="lg" len="lg"/>
+          </a:ln>
+        </p:spPr>
+        <p:style>
+          <a:lnRef idx="1">
+            <a:schemeClr val="accent1"/>
+          </a:lnRef>
+          <a:fillRef idx="0">
+            <a:schemeClr val="accent1"/>
+          </a:fillRef>
+          <a:effectRef idx="0">
+            <a:schemeClr val="accent1"/>
+          </a:effectRef>
+          <a:fontRef idx="minor">
+            <a:schemeClr val="tx1"/>
+          </a:fontRef>
+        </p:style>
+      </p:cxnSp>
+      <p:sp>
+        <p:nvSpPr>
+          <p:cNvPr id="30" name="직사각형 29">
+            <a:extLst>
+              <a:ext uri="{FF2B5EF4-FFF2-40B4-BE49-F238E27FC236}">
+                <a16:creationId xmlns:a16="http://schemas.microsoft.com/office/drawing/2014/main" id="{32C7E6F2-9CA5-B149-8E98-EEC238E4B484}"/>
+              </a:ext>
+            </a:extLst>
+          </p:cNvPr>
+          <p:cNvSpPr/>
+          <p:nvPr/>
+        </p:nvSpPr>
+        <p:spPr>
+          <a:xfrm>
+            <a:off x="7217995" y="1059646"/>
+            <a:ext cx="2505857" cy="679882"/>
+          </a:xfrm>
+          <a:prstGeom prst="rect">
+            <a:avLst/>
+          </a:prstGeom>
+          <a:noFill/>
+          <a:ln w="12700">
+            <a:solidFill>
+              <a:schemeClr val="tx1"/>
+            </a:solidFill>
+          </a:ln>
+        </p:spPr>
+        <p:style>
+          <a:lnRef idx="2">
+            <a:schemeClr val="accent1">
+              <a:shade val="50000"/>
+            </a:schemeClr>
+          </a:lnRef>
+          <a:fillRef idx="1">
+            <a:schemeClr val="accent1"/>
+          </a:fillRef>
+          <a:effectRef idx="0">
+            <a:schemeClr val="accent1"/>
+          </a:effectRef>
+          <a:fontRef idx="minor">
+            <a:schemeClr val="lt1"/>
+          </a:fontRef>
+        </p:style>
+        <p:txBody>
+          <a:bodyPr rtlCol="0" anchor="ctr"/>
+          <a:lstStyle/>
+          <a:p>
+            <a:pPr algn="ctr"/>
+            <a:r>
+              <a:rPr lang="ko-Kore-KR" sz="1400" dirty="0">
+                <a:solidFill>
+                  <a:srgbClr val="FF0000"/>
+                </a:solidFill>
+                <a:latin typeface="D2Coding" panose="020B0609020101020101" pitchFamily="49" charset="-127"/>
+                <a:ea typeface="D2Coding" panose="020B0609020101020101" pitchFamily="49" charset="-127"/>
+              </a:rPr>
+              <a:t>&lt;&lt;/member/add&gt;&gt;</a:t>
+            </a:r>
+          </a:p>
+          <a:p>
+            <a:pPr algn="ctr"/>
+            <a:r>
+              <a:rPr lang="ko-Kore-KR" sz="1600" dirty="0">
+                <a:solidFill>
+                  <a:schemeClr val="tx1"/>
+                </a:solidFill>
+                <a:latin typeface="D2Coding" panose="020B0609020101020101" pitchFamily="49" charset="-127"/>
+                <a:ea typeface="D2Coding" panose="020B0609020101020101" pitchFamily="49" charset="-127"/>
+              </a:rPr>
+              <a:t>Member</a:t>
+            </a:r>
+            <a:r>
+              <a:rPr lang="en-US" sz="1600" dirty="0" err="1">
+                <a:solidFill>
+                  <a:schemeClr val="tx1"/>
+                </a:solidFill>
+                <a:latin typeface="D2Coding" panose="020B0609020101020101" pitchFamily="49" charset="-127"/>
+                <a:ea typeface="D2Coding" panose="020B0609020101020101" pitchFamily="49" charset="-127"/>
+              </a:rPr>
+              <a:t>AddCommand</a:t>
+            </a:r>
+            <a:endParaRPr lang="ko-Kore-KR" sz="1600" dirty="0">
+              <a:solidFill>
+                <a:schemeClr val="tx1"/>
+              </a:solidFill>
+              <a:latin typeface="D2Coding" panose="020B0609020101020101" pitchFamily="49" charset="-127"/>
+              <a:ea typeface="D2Coding" panose="020B0609020101020101" pitchFamily="49" charset="-127"/>
+            </a:endParaRPr>
+          </a:p>
+        </p:txBody>
+      </p:sp>
+      <p:sp>
+        <p:nvSpPr>
+          <p:cNvPr id="31" name="직사각형 30">
+            <a:extLst>
+              <a:ext uri="{FF2B5EF4-FFF2-40B4-BE49-F238E27FC236}">
+                <a16:creationId xmlns:a16="http://schemas.microsoft.com/office/drawing/2014/main" id="{805F9996-7DCB-0747-A74A-19F84F0777C7}"/>
+              </a:ext>
+            </a:extLst>
+          </p:cNvPr>
+          <p:cNvSpPr/>
+          <p:nvPr/>
+        </p:nvSpPr>
+        <p:spPr>
+          <a:xfrm>
+            <a:off x="7217995" y="1986399"/>
+            <a:ext cx="2505857" cy="679882"/>
+          </a:xfrm>
+          <a:prstGeom prst="rect">
+            <a:avLst/>
+          </a:prstGeom>
+          <a:noFill/>
+          <a:ln w="12700">
+            <a:solidFill>
+              <a:schemeClr val="tx1"/>
+            </a:solidFill>
+          </a:ln>
+        </p:spPr>
+        <p:style>
+          <a:lnRef idx="2">
+            <a:schemeClr val="accent1">
+              <a:shade val="50000"/>
+            </a:schemeClr>
+          </a:lnRef>
+          <a:fillRef idx="1">
+            <a:schemeClr val="accent1"/>
+          </a:fillRef>
+          <a:effectRef idx="0">
+            <a:schemeClr val="accent1"/>
+          </a:effectRef>
+          <a:fontRef idx="minor">
+            <a:schemeClr val="lt1"/>
+          </a:fontRef>
+        </p:style>
+        <p:txBody>
+          <a:bodyPr rtlCol="0" anchor="ctr"/>
+          <a:lstStyle/>
+          <a:p>
+            <a:pPr algn="ctr"/>
+            <a:r>
+              <a:rPr lang="ko-Kore-KR" sz="1400" dirty="0">
+                <a:solidFill>
+                  <a:srgbClr val="FF0000"/>
+                </a:solidFill>
+                <a:latin typeface="D2Coding" panose="020B0609020101020101" pitchFamily="49" charset="-127"/>
+                <a:ea typeface="D2Coding" panose="020B0609020101020101" pitchFamily="49" charset="-127"/>
+              </a:rPr>
+              <a:t>&lt;&lt;/member/list&gt;&gt;</a:t>
+            </a:r>
+            <a:endParaRPr lang="ko-Kore-KR" sz="1400" dirty="0">
+              <a:solidFill>
+                <a:schemeClr val="tx1"/>
+              </a:solidFill>
+              <a:latin typeface="D2Coding" panose="020B0609020101020101" pitchFamily="49" charset="-127"/>
+              <a:ea typeface="D2Coding" panose="020B0609020101020101" pitchFamily="49" charset="-127"/>
+            </a:endParaRPr>
+          </a:p>
+          <a:p>
+            <a:pPr algn="ctr"/>
+            <a:r>
+              <a:rPr lang="ko-Kore-KR" sz="1600" dirty="0">
+                <a:solidFill>
+                  <a:schemeClr val="tx1"/>
+                </a:solidFill>
+                <a:latin typeface="D2Coding" panose="020B0609020101020101" pitchFamily="49" charset="-127"/>
+                <a:ea typeface="D2Coding" panose="020B0609020101020101" pitchFamily="49" charset="-127"/>
+              </a:rPr>
+              <a:t>Member</a:t>
+            </a:r>
+            <a:r>
+              <a:rPr lang="en-US" sz="1600" dirty="0" err="1">
+                <a:solidFill>
+                  <a:schemeClr val="tx1"/>
+                </a:solidFill>
+                <a:latin typeface="D2Coding" panose="020B0609020101020101" pitchFamily="49" charset="-127"/>
+                <a:ea typeface="D2Coding" panose="020B0609020101020101" pitchFamily="49" charset="-127"/>
+              </a:rPr>
+              <a:t>ListCommand</a:t>
+            </a:r>
+            <a:endParaRPr lang="ko-Kore-KR" sz="1600" dirty="0">
+              <a:solidFill>
+                <a:schemeClr val="tx1"/>
+              </a:solidFill>
+              <a:latin typeface="D2Coding" panose="020B0609020101020101" pitchFamily="49" charset="-127"/>
+              <a:ea typeface="D2Coding" panose="020B0609020101020101" pitchFamily="49" charset="-127"/>
+            </a:endParaRPr>
+          </a:p>
+        </p:txBody>
+      </p:sp>
+      <p:sp>
+        <p:nvSpPr>
+          <p:cNvPr id="32" name="직사각형 31">
+            <a:extLst>
+              <a:ext uri="{FF2B5EF4-FFF2-40B4-BE49-F238E27FC236}">
+                <a16:creationId xmlns:a16="http://schemas.microsoft.com/office/drawing/2014/main" id="{B354C786-CAE2-7741-8432-7929966C5568}"/>
+              </a:ext>
+            </a:extLst>
+          </p:cNvPr>
+          <p:cNvSpPr/>
+          <p:nvPr/>
+        </p:nvSpPr>
+        <p:spPr>
+          <a:xfrm>
+            <a:off x="7217995" y="2913008"/>
+            <a:ext cx="2505857" cy="679882"/>
+          </a:xfrm>
+          <a:prstGeom prst="rect">
+            <a:avLst/>
+          </a:prstGeom>
+          <a:noFill/>
+          <a:ln w="12700">
+            <a:solidFill>
+              <a:schemeClr val="tx1"/>
+            </a:solidFill>
+          </a:ln>
+        </p:spPr>
+        <p:style>
+          <a:lnRef idx="2">
+            <a:schemeClr val="accent1">
+              <a:shade val="50000"/>
+            </a:schemeClr>
+          </a:lnRef>
+          <a:fillRef idx="1">
+            <a:schemeClr val="accent1"/>
+          </a:fillRef>
+          <a:effectRef idx="0">
+            <a:schemeClr val="accent1"/>
+          </a:effectRef>
+          <a:fontRef idx="minor">
+            <a:schemeClr val="lt1"/>
+          </a:fontRef>
+        </p:style>
+        <p:txBody>
+          <a:bodyPr rtlCol="0" anchor="ctr"/>
+          <a:lstStyle/>
+          <a:p>
+            <a:pPr algn="ctr"/>
+            <a:r>
+              <a:rPr lang="ko-Kore-KR" sz="1400" dirty="0">
+                <a:solidFill>
+                  <a:srgbClr val="FF0000"/>
+                </a:solidFill>
+                <a:latin typeface="D2Coding" panose="020B0609020101020101" pitchFamily="49" charset="-127"/>
+                <a:ea typeface="D2Coding" panose="020B0609020101020101" pitchFamily="49" charset="-127"/>
+              </a:rPr>
+              <a:t>&lt;&lt;/member/detail&gt;&gt;</a:t>
+            </a:r>
+            <a:endParaRPr lang="ko-Kore-KR" sz="1400" dirty="0">
+              <a:solidFill>
+                <a:schemeClr val="tx1"/>
+              </a:solidFill>
+              <a:latin typeface="D2Coding" panose="020B0609020101020101" pitchFamily="49" charset="-127"/>
+              <a:ea typeface="D2Coding" panose="020B0609020101020101" pitchFamily="49" charset="-127"/>
+            </a:endParaRPr>
+          </a:p>
+          <a:p>
+            <a:pPr algn="ctr"/>
+            <a:r>
+              <a:rPr lang="ko-Kore-KR" sz="1600" dirty="0">
+                <a:solidFill>
+                  <a:schemeClr val="tx1"/>
+                </a:solidFill>
+                <a:latin typeface="D2Coding" panose="020B0609020101020101" pitchFamily="49" charset="-127"/>
+                <a:ea typeface="D2Coding" panose="020B0609020101020101" pitchFamily="49" charset="-127"/>
+              </a:rPr>
+              <a:t>Member</a:t>
+            </a:r>
+            <a:r>
+              <a:rPr lang="en-US" sz="1600" dirty="0" err="1">
+                <a:solidFill>
+                  <a:schemeClr val="tx1"/>
+                </a:solidFill>
+                <a:latin typeface="D2Coding" panose="020B0609020101020101" pitchFamily="49" charset="-127"/>
+                <a:ea typeface="D2Coding" panose="020B0609020101020101" pitchFamily="49" charset="-127"/>
+              </a:rPr>
+              <a:t>DetailCommand</a:t>
+            </a:r>
+            <a:endParaRPr lang="ko-Kore-KR" sz="1600" dirty="0">
+              <a:solidFill>
+                <a:schemeClr val="tx1"/>
+              </a:solidFill>
+              <a:latin typeface="D2Coding" panose="020B0609020101020101" pitchFamily="49" charset="-127"/>
+              <a:ea typeface="D2Coding" panose="020B0609020101020101" pitchFamily="49" charset="-127"/>
+            </a:endParaRPr>
+          </a:p>
+        </p:txBody>
+      </p:sp>
+      <p:sp>
+        <p:nvSpPr>
+          <p:cNvPr id="34" name="직사각형 33">
+            <a:extLst>
+              <a:ext uri="{FF2B5EF4-FFF2-40B4-BE49-F238E27FC236}">
+                <a16:creationId xmlns:a16="http://schemas.microsoft.com/office/drawing/2014/main" id="{FED05302-503E-3446-A6A7-EB0248480438}"/>
+              </a:ext>
+            </a:extLst>
+          </p:cNvPr>
+          <p:cNvSpPr/>
+          <p:nvPr/>
+        </p:nvSpPr>
+        <p:spPr>
+          <a:xfrm>
+            <a:off x="7217995" y="3839617"/>
+            <a:ext cx="2505857" cy="679882"/>
+          </a:xfrm>
+          <a:prstGeom prst="rect">
+            <a:avLst/>
+          </a:prstGeom>
+          <a:noFill/>
+          <a:ln w="12700">
+            <a:solidFill>
+              <a:schemeClr val="tx1"/>
+            </a:solidFill>
+          </a:ln>
+        </p:spPr>
+        <p:style>
+          <a:lnRef idx="2">
+            <a:schemeClr val="accent1">
+              <a:shade val="50000"/>
+            </a:schemeClr>
+          </a:lnRef>
+          <a:fillRef idx="1">
+            <a:schemeClr val="accent1"/>
+          </a:fillRef>
+          <a:effectRef idx="0">
+            <a:schemeClr val="accent1"/>
+          </a:effectRef>
+          <a:fontRef idx="minor">
+            <a:schemeClr val="lt1"/>
+          </a:fontRef>
+        </p:style>
+        <p:txBody>
+          <a:bodyPr rtlCol="0" anchor="ctr"/>
+          <a:lstStyle/>
+          <a:p>
+            <a:pPr algn="ctr"/>
+            <a:r>
+              <a:rPr lang="ko-Kore-KR" sz="1400" dirty="0">
+                <a:solidFill>
+                  <a:srgbClr val="FF0000"/>
+                </a:solidFill>
+                <a:latin typeface="D2Coding" panose="020B0609020101020101" pitchFamily="49" charset="-127"/>
+                <a:ea typeface="D2Coding" panose="020B0609020101020101" pitchFamily="49" charset="-127"/>
+              </a:rPr>
+              <a:t>&lt;&lt;/member/update&gt;&gt;</a:t>
+            </a:r>
+            <a:endParaRPr lang="ko-Kore-KR" sz="1400" dirty="0">
+              <a:solidFill>
+                <a:schemeClr val="tx1"/>
+              </a:solidFill>
+              <a:latin typeface="D2Coding" panose="020B0609020101020101" pitchFamily="49" charset="-127"/>
+              <a:ea typeface="D2Coding" panose="020B0609020101020101" pitchFamily="49" charset="-127"/>
+            </a:endParaRPr>
+          </a:p>
+          <a:p>
+            <a:pPr algn="ctr"/>
+            <a:r>
+              <a:rPr lang="ko-Kore-KR" sz="1600" dirty="0">
+                <a:solidFill>
+                  <a:schemeClr val="tx1"/>
+                </a:solidFill>
+                <a:latin typeface="D2Coding" panose="020B0609020101020101" pitchFamily="49" charset="-127"/>
+                <a:ea typeface="D2Coding" panose="020B0609020101020101" pitchFamily="49" charset="-127"/>
+              </a:rPr>
+              <a:t>Member</a:t>
+            </a:r>
+            <a:r>
+              <a:rPr lang="en-US" sz="1600" dirty="0" err="1">
+                <a:solidFill>
+                  <a:schemeClr val="tx1"/>
+                </a:solidFill>
+                <a:latin typeface="D2Coding" panose="020B0609020101020101" pitchFamily="49" charset="-127"/>
+                <a:ea typeface="D2Coding" panose="020B0609020101020101" pitchFamily="49" charset="-127"/>
+              </a:rPr>
+              <a:t>UpdateCommand</a:t>
+            </a:r>
+            <a:endParaRPr lang="ko-Kore-KR" sz="1600" dirty="0">
+              <a:solidFill>
+                <a:schemeClr val="tx1"/>
+              </a:solidFill>
+              <a:latin typeface="D2Coding" panose="020B0609020101020101" pitchFamily="49" charset="-127"/>
+              <a:ea typeface="D2Coding" panose="020B0609020101020101" pitchFamily="49" charset="-127"/>
+            </a:endParaRPr>
+          </a:p>
+        </p:txBody>
+      </p:sp>
+      <p:sp>
+        <p:nvSpPr>
+          <p:cNvPr id="36" name="직사각형 35">
+            <a:extLst>
+              <a:ext uri="{FF2B5EF4-FFF2-40B4-BE49-F238E27FC236}">
+                <a16:creationId xmlns:a16="http://schemas.microsoft.com/office/drawing/2014/main" id="{CBB49ADD-34E1-E345-97ED-D024C445456C}"/>
+              </a:ext>
+            </a:extLst>
+          </p:cNvPr>
+          <p:cNvSpPr/>
+          <p:nvPr/>
+        </p:nvSpPr>
+        <p:spPr>
+          <a:xfrm>
+            <a:off x="7217995" y="4766226"/>
+            <a:ext cx="2505857" cy="679882"/>
+          </a:xfrm>
+          <a:prstGeom prst="rect">
+            <a:avLst/>
+          </a:prstGeom>
+          <a:noFill/>
+          <a:ln w="12700">
+            <a:solidFill>
+              <a:schemeClr val="tx1"/>
+            </a:solidFill>
+          </a:ln>
+        </p:spPr>
+        <p:style>
+          <a:lnRef idx="2">
+            <a:schemeClr val="accent1">
+              <a:shade val="50000"/>
+            </a:schemeClr>
+          </a:lnRef>
+          <a:fillRef idx="1">
+            <a:schemeClr val="accent1"/>
+          </a:fillRef>
+          <a:effectRef idx="0">
+            <a:schemeClr val="accent1"/>
+          </a:effectRef>
+          <a:fontRef idx="minor">
+            <a:schemeClr val="lt1"/>
+          </a:fontRef>
+        </p:style>
+        <p:txBody>
+          <a:bodyPr rtlCol="0" anchor="ctr"/>
+          <a:lstStyle/>
+          <a:p>
+            <a:pPr algn="ctr"/>
+            <a:r>
+              <a:rPr lang="ko-Kore-KR" sz="1400" dirty="0">
+                <a:solidFill>
+                  <a:srgbClr val="FF0000"/>
+                </a:solidFill>
+                <a:latin typeface="D2Coding" panose="020B0609020101020101" pitchFamily="49" charset="-127"/>
+                <a:ea typeface="D2Coding" panose="020B0609020101020101" pitchFamily="49" charset="-127"/>
+              </a:rPr>
+              <a:t>&lt;&lt;/member/delete&gt;&gt;</a:t>
+            </a:r>
+            <a:endParaRPr lang="ko-Kore-KR" sz="1400" dirty="0">
+              <a:solidFill>
+                <a:schemeClr val="tx1"/>
+              </a:solidFill>
+              <a:latin typeface="D2Coding" panose="020B0609020101020101" pitchFamily="49" charset="-127"/>
+              <a:ea typeface="D2Coding" panose="020B0609020101020101" pitchFamily="49" charset="-127"/>
+            </a:endParaRPr>
+          </a:p>
+          <a:p>
+            <a:pPr algn="ctr"/>
+            <a:r>
+              <a:rPr lang="ko-Kore-KR" sz="1600" dirty="0">
+                <a:solidFill>
+                  <a:schemeClr val="tx1"/>
+                </a:solidFill>
+                <a:latin typeface="D2Coding" panose="020B0609020101020101" pitchFamily="49" charset="-127"/>
+                <a:ea typeface="D2Coding" panose="020B0609020101020101" pitchFamily="49" charset="-127"/>
+              </a:rPr>
+              <a:t>Member</a:t>
+            </a:r>
+            <a:r>
+              <a:rPr lang="en-US" sz="1600" dirty="0" err="1">
+                <a:solidFill>
+                  <a:schemeClr val="tx1"/>
+                </a:solidFill>
+                <a:latin typeface="D2Coding" panose="020B0609020101020101" pitchFamily="49" charset="-127"/>
+                <a:ea typeface="D2Coding" panose="020B0609020101020101" pitchFamily="49" charset="-127"/>
+              </a:rPr>
+              <a:t>DeleteCommand</a:t>
+            </a:r>
+            <a:endParaRPr lang="ko-Kore-KR" sz="1600" dirty="0">
+              <a:solidFill>
+                <a:schemeClr val="tx1"/>
+              </a:solidFill>
+              <a:latin typeface="D2Coding" panose="020B0609020101020101" pitchFamily="49" charset="-127"/>
+              <a:ea typeface="D2Coding" panose="020B0609020101020101" pitchFamily="49" charset="-127"/>
+            </a:endParaRPr>
+          </a:p>
+        </p:txBody>
+      </p:sp>
+      <p:sp>
+        <p:nvSpPr>
+          <p:cNvPr id="45" name="직사각형 44">
+            <a:extLst>
+              <a:ext uri="{FF2B5EF4-FFF2-40B4-BE49-F238E27FC236}">
+                <a16:creationId xmlns:a16="http://schemas.microsoft.com/office/drawing/2014/main" id="{28107A20-226E-AD4D-A18F-578279F0B51B}"/>
+              </a:ext>
+            </a:extLst>
+          </p:cNvPr>
+          <p:cNvSpPr/>
+          <p:nvPr/>
+        </p:nvSpPr>
+        <p:spPr>
+          <a:xfrm>
+            <a:off x="3590143" y="2922418"/>
+            <a:ext cx="2505857" cy="679882"/>
+          </a:xfrm>
+          <a:prstGeom prst="rect">
+            <a:avLst/>
+          </a:prstGeom>
+          <a:noFill/>
+          <a:ln w="12700">
+            <a:solidFill>
+              <a:schemeClr val="tx1"/>
+            </a:solidFill>
+          </a:ln>
+        </p:spPr>
+        <p:style>
+          <a:lnRef idx="2">
+            <a:schemeClr val="accent1">
+              <a:shade val="50000"/>
+            </a:schemeClr>
+          </a:lnRef>
+          <a:fillRef idx="1">
+            <a:schemeClr val="accent1"/>
+          </a:fillRef>
+          <a:effectRef idx="0">
+            <a:schemeClr val="accent1"/>
+          </a:effectRef>
+          <a:fontRef idx="minor">
+            <a:schemeClr val="lt1"/>
+          </a:fontRef>
+        </p:style>
+        <p:txBody>
+          <a:bodyPr rtlCol="0" anchor="ctr"/>
+          <a:lstStyle/>
+          <a:p>
+            <a:pPr algn="ctr"/>
+            <a:r>
+              <a:rPr lang="ko-Kore-KR" sz="1200" dirty="0">
+                <a:solidFill>
+                  <a:schemeClr val="tx1"/>
+                </a:solidFill>
+                <a:latin typeface="D2Coding" panose="020B0609020101020101" pitchFamily="49" charset="-127"/>
+                <a:ea typeface="D2Coding" panose="020B0609020101020101" pitchFamily="49" charset="-127"/>
+              </a:rPr>
+              <a:t>&lt;&lt;interface&gt;&gt;</a:t>
+            </a:r>
+          </a:p>
+          <a:p>
+            <a:pPr algn="ctr"/>
+            <a:r>
+              <a:rPr lang="ko-Kore-KR" sz="1600" dirty="0">
+                <a:solidFill>
+                  <a:schemeClr val="tx1"/>
+                </a:solidFill>
+                <a:latin typeface="D2Coding" panose="020B0609020101020101" pitchFamily="49" charset="-127"/>
+                <a:ea typeface="D2Coding" panose="020B0609020101020101" pitchFamily="49" charset="-127"/>
+              </a:rPr>
+              <a:t>Command</a:t>
+            </a:r>
+          </a:p>
+        </p:txBody>
+      </p:sp>
+      <p:cxnSp>
+        <p:nvCxnSpPr>
+          <p:cNvPr id="26" name="꺾인 연결선[E] 25">
+            <a:extLst>
+              <a:ext uri="{FF2B5EF4-FFF2-40B4-BE49-F238E27FC236}">
+                <a16:creationId xmlns:a16="http://schemas.microsoft.com/office/drawing/2014/main" id="{17E5F67B-E787-9448-AE00-61B506151F52}"/>
+              </a:ext>
+            </a:extLst>
+          </p:cNvPr>
+          <p:cNvCxnSpPr>
+            <a:stCxn id="45" idx="3"/>
+            <a:endCxn id="30" idx="1"/>
+          </p:cNvCxnSpPr>
+          <p:nvPr/>
+        </p:nvCxnSpPr>
+        <p:spPr>
+          <a:xfrm flipV="1">
+            <a:off x="6096000" y="1399587"/>
+            <a:ext cx="1121995" cy="1862772"/>
+          </a:xfrm>
+          <a:prstGeom prst="bentConnector3">
+            <a:avLst/>
+          </a:prstGeom>
+          <a:ln w="12700">
+            <a:solidFill>
+              <a:schemeClr val="tx1"/>
+            </a:solidFill>
+            <a:prstDash val="sysDash"/>
+            <a:headEnd type="triangle" w="lg" len="lg"/>
+            <a:tailEnd type="none"/>
+          </a:ln>
+        </p:spPr>
+        <p:style>
+          <a:lnRef idx="1">
+            <a:schemeClr val="accent1"/>
+          </a:lnRef>
+          <a:fillRef idx="0">
+            <a:schemeClr val="accent1"/>
+          </a:fillRef>
+          <a:effectRef idx="0">
+            <a:schemeClr val="accent1"/>
+          </a:effectRef>
+          <a:fontRef idx="minor">
+            <a:schemeClr val="tx1"/>
+          </a:fontRef>
+        </p:style>
+      </p:cxnSp>
+      <p:cxnSp>
+        <p:nvCxnSpPr>
+          <p:cNvPr id="51" name="꺾인 연결선[E] 50">
+            <a:extLst>
+              <a:ext uri="{FF2B5EF4-FFF2-40B4-BE49-F238E27FC236}">
+                <a16:creationId xmlns:a16="http://schemas.microsoft.com/office/drawing/2014/main" id="{4F9C7641-95BF-C542-ACA8-41AD49405B90}"/>
+              </a:ext>
+            </a:extLst>
+          </p:cNvPr>
+          <p:cNvCxnSpPr>
+            <a:cxnSpLocks/>
+            <a:stCxn id="45" idx="3"/>
+            <a:endCxn id="31" idx="1"/>
+          </p:cNvCxnSpPr>
+          <p:nvPr/>
+        </p:nvCxnSpPr>
+        <p:spPr>
+          <a:xfrm flipV="1">
+            <a:off x="6096000" y="2326340"/>
+            <a:ext cx="1121995" cy="936019"/>
+          </a:xfrm>
+          <a:prstGeom prst="bentConnector3">
+            <a:avLst>
+              <a:gd name="adj1" fmla="val 50000"/>
+            </a:avLst>
+          </a:prstGeom>
+          <a:ln w="12700">
+            <a:solidFill>
+              <a:schemeClr val="tx1"/>
+            </a:solidFill>
+            <a:prstDash val="sysDash"/>
+            <a:headEnd type="triangle" w="lg" len="lg"/>
+            <a:tailEnd type="none"/>
+          </a:ln>
+        </p:spPr>
+        <p:style>
+          <a:lnRef idx="1">
+            <a:schemeClr val="accent1"/>
+          </a:lnRef>
+          <a:fillRef idx="0">
+            <a:schemeClr val="accent1"/>
+          </a:fillRef>
+          <a:effectRef idx="0">
+            <a:schemeClr val="accent1"/>
+          </a:effectRef>
+          <a:fontRef idx="minor">
+            <a:schemeClr val="tx1"/>
+          </a:fontRef>
+        </p:style>
+      </p:cxnSp>
+      <p:cxnSp>
+        <p:nvCxnSpPr>
+          <p:cNvPr id="56" name="꺾인 연결선[E] 55">
+            <a:extLst>
+              <a:ext uri="{FF2B5EF4-FFF2-40B4-BE49-F238E27FC236}">
+                <a16:creationId xmlns:a16="http://schemas.microsoft.com/office/drawing/2014/main" id="{D28EC8A1-ECC5-F54B-83E5-EADFB8929A9B}"/>
+              </a:ext>
+            </a:extLst>
+          </p:cNvPr>
+          <p:cNvCxnSpPr>
+            <a:cxnSpLocks/>
+            <a:stCxn id="45" idx="3"/>
+            <a:endCxn id="32" idx="1"/>
+          </p:cNvCxnSpPr>
+          <p:nvPr/>
+        </p:nvCxnSpPr>
+        <p:spPr>
+          <a:xfrm flipV="1">
+            <a:off x="6096000" y="3252949"/>
+            <a:ext cx="1121995" cy="9410"/>
+          </a:xfrm>
+          <a:prstGeom prst="bentConnector3">
+            <a:avLst>
+              <a:gd name="adj1" fmla="val 50000"/>
+            </a:avLst>
+          </a:prstGeom>
+          <a:ln w="12700">
+            <a:solidFill>
+              <a:schemeClr val="tx1"/>
+            </a:solidFill>
+            <a:prstDash val="sysDash"/>
+            <a:headEnd type="triangle" w="lg" len="lg"/>
+            <a:tailEnd type="none"/>
+          </a:ln>
+        </p:spPr>
+        <p:style>
+          <a:lnRef idx="1">
+            <a:schemeClr val="accent1"/>
+          </a:lnRef>
+          <a:fillRef idx="0">
+            <a:schemeClr val="accent1"/>
+          </a:fillRef>
+          <a:effectRef idx="0">
+            <a:schemeClr val="accent1"/>
+          </a:effectRef>
+          <a:fontRef idx="minor">
+            <a:schemeClr val="tx1"/>
+          </a:fontRef>
+        </p:style>
+      </p:cxnSp>
+      <p:cxnSp>
+        <p:nvCxnSpPr>
+          <p:cNvPr id="57" name="꺾인 연결선[E] 56">
+            <a:extLst>
+              <a:ext uri="{FF2B5EF4-FFF2-40B4-BE49-F238E27FC236}">
+                <a16:creationId xmlns:a16="http://schemas.microsoft.com/office/drawing/2014/main" id="{F9120F55-1909-0347-BB10-B2108F13D146}"/>
+              </a:ext>
+            </a:extLst>
+          </p:cNvPr>
+          <p:cNvCxnSpPr>
+            <a:cxnSpLocks/>
+            <a:stCxn id="45" idx="3"/>
+            <a:endCxn id="34" idx="1"/>
+          </p:cNvCxnSpPr>
+          <p:nvPr/>
+        </p:nvCxnSpPr>
+        <p:spPr>
+          <a:xfrm>
+            <a:off x="6096000" y="3262359"/>
+            <a:ext cx="1121995" cy="917199"/>
+          </a:xfrm>
+          <a:prstGeom prst="bentConnector3">
+            <a:avLst>
+              <a:gd name="adj1" fmla="val 50000"/>
+            </a:avLst>
+          </a:prstGeom>
+          <a:ln w="12700">
+            <a:solidFill>
+              <a:schemeClr val="tx1"/>
+            </a:solidFill>
+            <a:prstDash val="sysDash"/>
+            <a:headEnd type="triangle" w="lg" len="lg"/>
+            <a:tailEnd type="none"/>
+          </a:ln>
+        </p:spPr>
+        <p:style>
+          <a:lnRef idx="1">
+            <a:schemeClr val="accent1"/>
+          </a:lnRef>
+          <a:fillRef idx="0">
+            <a:schemeClr val="accent1"/>
+          </a:fillRef>
+          <a:effectRef idx="0">
+            <a:schemeClr val="accent1"/>
+          </a:effectRef>
+          <a:fontRef idx="minor">
+            <a:schemeClr val="tx1"/>
+          </a:fontRef>
+        </p:style>
+      </p:cxnSp>
+      <p:cxnSp>
+        <p:nvCxnSpPr>
+          <p:cNvPr id="60" name="꺾인 연결선[E] 59">
+            <a:extLst>
+              <a:ext uri="{FF2B5EF4-FFF2-40B4-BE49-F238E27FC236}">
+                <a16:creationId xmlns:a16="http://schemas.microsoft.com/office/drawing/2014/main" id="{DFDBF4E0-C2E3-8F4F-AC04-B35600087502}"/>
+              </a:ext>
+            </a:extLst>
+          </p:cNvPr>
+          <p:cNvCxnSpPr>
+            <a:cxnSpLocks/>
+            <a:stCxn id="45" idx="3"/>
+            <a:endCxn id="36" idx="1"/>
+          </p:cNvCxnSpPr>
+          <p:nvPr/>
+        </p:nvCxnSpPr>
+        <p:spPr>
+          <a:xfrm>
+            <a:off x="6096000" y="3262359"/>
+            <a:ext cx="1121995" cy="1843808"/>
+          </a:xfrm>
+          <a:prstGeom prst="bentConnector3">
+            <a:avLst>
+              <a:gd name="adj1" fmla="val 50000"/>
+            </a:avLst>
+          </a:prstGeom>
+          <a:ln w="12700">
+            <a:solidFill>
+              <a:schemeClr val="tx1"/>
+            </a:solidFill>
+            <a:prstDash val="sysDash"/>
+            <a:headEnd type="triangle" w="lg" len="lg"/>
+            <a:tailEnd type="none"/>
+          </a:ln>
+        </p:spPr>
+        <p:style>
+          <a:lnRef idx="1">
+            <a:schemeClr val="accent1"/>
+          </a:lnRef>
+          <a:fillRef idx="0">
+            <a:schemeClr val="accent1"/>
+          </a:fillRef>
+          <a:effectRef idx="0">
+            <a:schemeClr val="accent1"/>
+          </a:effectRef>
+          <a:fontRef idx="minor">
+            <a:schemeClr val="tx1"/>
+          </a:fontRef>
+        </p:style>
+      </p:cxnSp>
+      <p:cxnSp>
+        <p:nvCxnSpPr>
+          <p:cNvPr id="63" name="직선 화살표 연결선 62">
+            <a:extLst>
+              <a:ext uri="{FF2B5EF4-FFF2-40B4-BE49-F238E27FC236}">
+                <a16:creationId xmlns:a16="http://schemas.microsoft.com/office/drawing/2014/main" id="{D6D4FDB7-8249-1E4D-AB23-2837B627605D}"/>
+              </a:ext>
+            </a:extLst>
+          </p:cNvPr>
+          <p:cNvCxnSpPr>
+            <a:cxnSpLocks/>
+            <a:stCxn id="30" idx="3"/>
+          </p:cNvCxnSpPr>
+          <p:nvPr/>
+        </p:nvCxnSpPr>
+        <p:spPr>
+          <a:xfrm>
+            <a:off x="9723852" y="1399587"/>
+            <a:ext cx="962779" cy="1862772"/>
+          </a:xfrm>
+          <a:prstGeom prst="straightConnector1">
+            <a:avLst/>
+          </a:prstGeom>
+          <a:ln w="12700">
+            <a:solidFill>
+              <a:schemeClr val="tx1"/>
+            </a:solidFill>
+            <a:headEnd type="none" w="lg" len="lg"/>
+            <a:tailEnd type="arrow" w="lg" len="lg"/>
+          </a:ln>
+        </p:spPr>
+        <p:style>
+          <a:lnRef idx="1">
+            <a:schemeClr val="accent1"/>
+          </a:lnRef>
+          <a:fillRef idx="0">
+            <a:schemeClr val="accent1"/>
+          </a:fillRef>
+          <a:effectRef idx="0">
+            <a:schemeClr val="accent1"/>
+          </a:effectRef>
+          <a:fontRef idx="minor">
+            <a:schemeClr val="tx1"/>
+          </a:fontRef>
+        </p:style>
+      </p:cxnSp>
+      <p:cxnSp>
+        <p:nvCxnSpPr>
+          <p:cNvPr id="66" name="직선 화살표 연결선 65">
+            <a:extLst>
+              <a:ext uri="{FF2B5EF4-FFF2-40B4-BE49-F238E27FC236}">
+                <a16:creationId xmlns:a16="http://schemas.microsoft.com/office/drawing/2014/main" id="{BA5E2C29-3A2D-1048-907E-0A25221F956F}"/>
+              </a:ext>
+            </a:extLst>
+          </p:cNvPr>
+          <p:cNvCxnSpPr>
+            <a:cxnSpLocks/>
+            <a:stCxn id="31" idx="3"/>
+            <a:endCxn id="20" idx="1"/>
+          </p:cNvCxnSpPr>
+          <p:nvPr/>
+        </p:nvCxnSpPr>
+        <p:spPr>
+          <a:xfrm>
+            <a:off x="9723852" y="2326340"/>
+            <a:ext cx="973767" cy="926609"/>
+          </a:xfrm>
+          <a:prstGeom prst="straightConnector1">
+            <a:avLst/>
+          </a:prstGeom>
+          <a:ln w="12700">
+            <a:solidFill>
+              <a:schemeClr val="tx1"/>
+            </a:solidFill>
+            <a:headEnd type="none" w="lg" len="lg"/>
+            <a:tailEnd type="arrow" w="lg" len="lg"/>
+          </a:ln>
+        </p:spPr>
+        <p:style>
+          <a:lnRef idx="1">
+            <a:schemeClr val="accent1"/>
+          </a:lnRef>
+          <a:fillRef idx="0">
+            <a:schemeClr val="accent1"/>
+          </a:fillRef>
+          <a:effectRef idx="0">
+            <a:schemeClr val="accent1"/>
+          </a:effectRef>
+          <a:fontRef idx="minor">
+            <a:schemeClr val="tx1"/>
+          </a:fontRef>
+        </p:style>
+      </p:cxnSp>
+      <p:cxnSp>
+        <p:nvCxnSpPr>
+          <p:cNvPr id="69" name="직선 화살표 연결선 68">
+            <a:extLst>
+              <a:ext uri="{FF2B5EF4-FFF2-40B4-BE49-F238E27FC236}">
+                <a16:creationId xmlns:a16="http://schemas.microsoft.com/office/drawing/2014/main" id="{32EEE308-818C-0440-A30E-B10664B6DBF3}"/>
+              </a:ext>
+            </a:extLst>
+          </p:cNvPr>
+          <p:cNvCxnSpPr>
+            <a:cxnSpLocks/>
+            <a:stCxn id="32" idx="3"/>
+            <a:endCxn id="20" idx="1"/>
+          </p:cNvCxnSpPr>
+          <p:nvPr/>
+        </p:nvCxnSpPr>
+        <p:spPr>
+          <a:xfrm>
+            <a:off x="9723852" y="3252949"/>
+            <a:ext cx="973767" cy="0"/>
+          </a:xfrm>
+          <a:prstGeom prst="straightConnector1">
+            <a:avLst/>
+          </a:prstGeom>
+          <a:ln w="12700">
+            <a:solidFill>
+              <a:schemeClr val="tx1"/>
+            </a:solidFill>
+            <a:headEnd type="none" w="lg" len="lg"/>
+            <a:tailEnd type="arrow" w="lg" len="lg"/>
+          </a:ln>
+        </p:spPr>
+        <p:style>
+          <a:lnRef idx="1">
+            <a:schemeClr val="accent1"/>
+          </a:lnRef>
+          <a:fillRef idx="0">
+            <a:schemeClr val="accent1"/>
+          </a:fillRef>
+          <a:effectRef idx="0">
+            <a:schemeClr val="accent1"/>
+          </a:effectRef>
+          <a:fontRef idx="minor">
+            <a:schemeClr val="tx1"/>
+          </a:fontRef>
+        </p:style>
+      </p:cxnSp>
+      <p:cxnSp>
+        <p:nvCxnSpPr>
+          <p:cNvPr id="72" name="직선 화살표 연결선 71">
+            <a:extLst>
+              <a:ext uri="{FF2B5EF4-FFF2-40B4-BE49-F238E27FC236}">
+                <a16:creationId xmlns:a16="http://schemas.microsoft.com/office/drawing/2014/main" id="{E9FFE200-8F5F-404E-A63D-0A399C39D149}"/>
+              </a:ext>
+            </a:extLst>
+          </p:cNvPr>
+          <p:cNvCxnSpPr>
+            <a:cxnSpLocks/>
+            <a:stCxn id="34" idx="3"/>
+            <a:endCxn id="20" idx="1"/>
+          </p:cNvCxnSpPr>
+          <p:nvPr/>
+        </p:nvCxnSpPr>
+        <p:spPr>
+          <a:xfrm flipV="1">
+            <a:off x="9723852" y="3252949"/>
+            <a:ext cx="973767" cy="926609"/>
+          </a:xfrm>
+          <a:prstGeom prst="straightConnector1">
+            <a:avLst/>
+          </a:prstGeom>
+          <a:ln w="12700">
+            <a:solidFill>
+              <a:schemeClr val="tx1"/>
+            </a:solidFill>
+            <a:headEnd type="none" w="lg" len="lg"/>
+            <a:tailEnd type="arrow" w="lg" len="lg"/>
+          </a:ln>
+        </p:spPr>
+        <p:style>
+          <a:lnRef idx="1">
+            <a:schemeClr val="accent1"/>
+          </a:lnRef>
+          <a:fillRef idx="0">
+            <a:schemeClr val="accent1"/>
+          </a:fillRef>
+          <a:effectRef idx="0">
+            <a:schemeClr val="accent1"/>
+          </a:effectRef>
+          <a:fontRef idx="minor">
+            <a:schemeClr val="tx1"/>
+          </a:fontRef>
+        </p:style>
+      </p:cxnSp>
+      <p:cxnSp>
+        <p:nvCxnSpPr>
+          <p:cNvPr id="75" name="직선 화살표 연결선 74">
+            <a:extLst>
+              <a:ext uri="{FF2B5EF4-FFF2-40B4-BE49-F238E27FC236}">
+                <a16:creationId xmlns:a16="http://schemas.microsoft.com/office/drawing/2014/main" id="{8738FA21-687C-CE41-8A88-93E8D8758AF7}"/>
+              </a:ext>
+            </a:extLst>
+          </p:cNvPr>
+          <p:cNvCxnSpPr>
+            <a:cxnSpLocks/>
+            <a:stCxn id="36" idx="3"/>
+            <a:endCxn id="20" idx="1"/>
+          </p:cNvCxnSpPr>
+          <p:nvPr/>
+        </p:nvCxnSpPr>
+        <p:spPr>
+          <a:xfrm flipV="1">
+            <a:off x="9723852" y="3252949"/>
+            <a:ext cx="973767" cy="1853218"/>
+          </a:xfrm>
+          <a:prstGeom prst="straightConnector1">
+            <a:avLst/>
+          </a:prstGeom>
+          <a:ln w="12700">
+            <a:solidFill>
+              <a:schemeClr val="tx1"/>
+            </a:solidFill>
+            <a:headEnd type="none" w="lg" len="lg"/>
+            <a:tailEnd type="arrow" w="lg" len="lg"/>
+          </a:ln>
+        </p:spPr>
+        <p:style>
+          <a:lnRef idx="1">
+            <a:schemeClr val="accent1"/>
+          </a:lnRef>
+          <a:fillRef idx="0">
+            <a:schemeClr val="accent1"/>
+          </a:fillRef>
+          <a:effectRef idx="0">
+            <a:schemeClr val="accent1"/>
+          </a:effectRef>
+          <a:fontRef idx="minor">
+            <a:schemeClr val="tx1"/>
+          </a:fontRef>
+        </p:style>
+      </p:cxnSp>
+    </p:spTree>
+    <p:extLst>
+      <p:ext uri="{BB962C8B-B14F-4D97-AF65-F5344CB8AC3E}">
+        <p14:creationId xmlns:p14="http://schemas.microsoft.com/office/powerpoint/2010/main" val="251095173"/>
+      </p:ext>
+    </p:extLst>
+  </p:cSld>
+  <p:clrMapOvr>
+    <a:masterClrMapping/>
+  </p:clrMapOvr>
+</p:sld>
+</file>
+
 <file path=ppt/slides/slide3.xml><?xml version="1.0" encoding="utf-8"?>
 <p:sld xmlns:a="http://schemas.openxmlformats.org/drawingml/2006/main" xmlns:r="http://schemas.openxmlformats.org/officeDocument/2006/relationships" xmlns:p="http://schemas.openxmlformats.org/presentationml/2006/main">
   <p:cSld>

--- a/ClassDiagram.pptx
+++ b/ClassDiagram.pptx
@@ -23888,7 +23888,7 @@
             <a:r>
               <a:rPr lang="ko-Kore-KR" sz="1600" dirty="0">
                 <a:solidFill>
-                  <a:schemeClr val="tx1"/>
+                  <a:srgbClr val="FF0000"/>
                 </a:solidFill>
                 <a:latin typeface="D2Coding" panose="020B0609020101020101" pitchFamily="49" charset="-127"/>
                 <a:ea typeface="D2Coding" panose="020B0609020101020101" pitchFamily="49" charset="-127"/>
@@ -24140,7 +24140,7 @@
               <a:r>
                 <a:rPr lang="ko-Kore-KR" sz="1600" dirty="0">
                   <a:solidFill>
-                    <a:srgbClr val="FF0000"/>
+                    <a:schemeClr val="tx1"/>
                   </a:solidFill>
                   <a:latin typeface="D2Coding" panose="020B0609020101020101" pitchFamily="49" charset="-127"/>
                   <a:ea typeface="D2Coding" panose="020B0609020101020101" pitchFamily="49" charset="-127"/>
@@ -24271,7 +24271,7 @@
               <a:r>
                 <a:rPr lang="ko-Kore-KR" sz="1600" dirty="0">
                   <a:solidFill>
-                    <a:srgbClr val="FF0000"/>
+                    <a:schemeClr val="tx1"/>
                   </a:solidFill>
                   <a:latin typeface="D2Coding" panose="020B0609020101020101" pitchFamily="49" charset="-127"/>
                   <a:ea typeface="D2Coding" panose="020B0609020101020101" pitchFamily="49" charset="-127"/>
@@ -24429,30 +24429,30 @@
             <a:r>
               <a:rPr lang="ko-Kore-KR" sz="1400" dirty="0">
                 <a:solidFill>
+                  <a:schemeClr val="tx1"/>
+                </a:solidFill>
+                <a:latin typeface="D2Coding" panose="020B0609020101020101" pitchFamily="49" charset="-127"/>
+                <a:ea typeface="D2Coding" panose="020B0609020101020101" pitchFamily="49" charset="-127"/>
+              </a:rPr>
+              <a:t>&lt;&lt;/member/add&gt;&gt;</a:t>
+            </a:r>
+          </a:p>
+          <a:p>
+            <a:pPr algn="ctr"/>
+            <a:r>
+              <a:rPr lang="ko-Kore-KR" sz="1600" dirty="0">
+                <a:solidFill>
                   <a:srgbClr val="FF0000"/>
                 </a:solidFill>
                 <a:latin typeface="D2Coding" panose="020B0609020101020101" pitchFamily="49" charset="-127"/>
                 <a:ea typeface="D2Coding" panose="020B0609020101020101" pitchFamily="49" charset="-127"/>
               </a:rPr>
-              <a:t>&lt;&lt;/member/add&gt;&gt;</a:t>
-            </a:r>
-          </a:p>
-          <a:p>
-            <a:pPr algn="ctr"/>
-            <a:r>
-              <a:rPr lang="ko-Kore-KR" sz="1600" dirty="0">
-                <a:solidFill>
-                  <a:schemeClr val="tx1"/>
-                </a:solidFill>
-                <a:latin typeface="D2Coding" panose="020B0609020101020101" pitchFamily="49" charset="-127"/>
-                <a:ea typeface="D2Coding" panose="020B0609020101020101" pitchFamily="49" charset="-127"/>
-              </a:rPr>
               <a:t>Member</a:t>
             </a:r>
             <a:r>
               <a:rPr lang="en-US" sz="1600" dirty="0" err="1">
                 <a:solidFill>
-                  <a:schemeClr val="tx1"/>
+                  <a:srgbClr val="FF0000"/>
                 </a:solidFill>
                 <a:latin typeface="D2Coding" panose="020B0609020101020101" pitchFamily="49" charset="-127"/>
                 <a:ea typeface="D2Coding" panose="020B0609020101020101" pitchFamily="49" charset="-127"/>
@@ -24461,7 +24461,7 @@
             </a:r>
             <a:endParaRPr lang="ko-Kore-KR" sz="1600" dirty="0">
               <a:solidFill>
-                <a:schemeClr val="tx1"/>
+                <a:srgbClr val="FF0000"/>
               </a:solidFill>
               <a:latin typeface="D2Coding" panose="020B0609020101020101" pitchFamily="49" charset="-127"/>
               <a:ea typeface="D2Coding" panose="020B0609020101020101" pitchFamily="49" charset="-127"/>
@@ -24520,37 +24520,30 @@
             <a:r>
               <a:rPr lang="ko-Kore-KR" sz="1400" dirty="0">
                 <a:solidFill>
+                  <a:schemeClr val="tx1"/>
+                </a:solidFill>
+                <a:latin typeface="D2Coding" panose="020B0609020101020101" pitchFamily="49" charset="-127"/>
+                <a:ea typeface="D2Coding" panose="020B0609020101020101" pitchFamily="49" charset="-127"/>
+              </a:rPr>
+              <a:t>&lt;&lt;/member/list&gt;&gt;</a:t>
+            </a:r>
+          </a:p>
+          <a:p>
+            <a:pPr algn="ctr"/>
+            <a:r>
+              <a:rPr lang="ko-Kore-KR" sz="1600" dirty="0">
+                <a:solidFill>
                   <a:srgbClr val="FF0000"/>
                 </a:solidFill>
                 <a:latin typeface="D2Coding" panose="020B0609020101020101" pitchFamily="49" charset="-127"/>
                 <a:ea typeface="D2Coding" panose="020B0609020101020101" pitchFamily="49" charset="-127"/>
               </a:rPr>
-              <a:t>&lt;&lt;/member/list&gt;&gt;</a:t>
-            </a:r>
-            <a:endParaRPr lang="ko-Kore-KR" sz="1400" dirty="0">
-              <a:solidFill>
-                <a:schemeClr val="tx1"/>
-              </a:solidFill>
-              <a:latin typeface="D2Coding" panose="020B0609020101020101" pitchFamily="49" charset="-127"/>
-              <a:ea typeface="D2Coding" panose="020B0609020101020101" pitchFamily="49" charset="-127"/>
-            </a:endParaRPr>
-          </a:p>
-          <a:p>
-            <a:pPr algn="ctr"/>
-            <a:r>
-              <a:rPr lang="ko-Kore-KR" sz="1600" dirty="0">
-                <a:solidFill>
-                  <a:schemeClr val="tx1"/>
-                </a:solidFill>
-                <a:latin typeface="D2Coding" panose="020B0609020101020101" pitchFamily="49" charset="-127"/>
-                <a:ea typeface="D2Coding" panose="020B0609020101020101" pitchFamily="49" charset="-127"/>
-              </a:rPr>
               <a:t>Member</a:t>
             </a:r>
             <a:r>
               <a:rPr lang="en-US" sz="1600" dirty="0" err="1">
                 <a:solidFill>
-                  <a:schemeClr val="tx1"/>
+                  <a:srgbClr val="FF0000"/>
                 </a:solidFill>
                 <a:latin typeface="D2Coding" panose="020B0609020101020101" pitchFamily="49" charset="-127"/>
                 <a:ea typeface="D2Coding" panose="020B0609020101020101" pitchFamily="49" charset="-127"/>
@@ -24559,7 +24552,7 @@
             </a:r>
             <a:endParaRPr lang="ko-Kore-KR" sz="1600" dirty="0">
               <a:solidFill>
-                <a:schemeClr val="tx1"/>
+                <a:srgbClr val="FF0000"/>
               </a:solidFill>
               <a:latin typeface="D2Coding" panose="020B0609020101020101" pitchFamily="49" charset="-127"/>
               <a:ea typeface="D2Coding" panose="020B0609020101020101" pitchFamily="49" charset="-127"/>
@@ -24618,37 +24611,30 @@
             <a:r>
               <a:rPr lang="ko-Kore-KR" sz="1400" dirty="0">
                 <a:solidFill>
+                  <a:schemeClr val="tx1"/>
+                </a:solidFill>
+                <a:latin typeface="D2Coding" panose="020B0609020101020101" pitchFamily="49" charset="-127"/>
+                <a:ea typeface="D2Coding" panose="020B0609020101020101" pitchFamily="49" charset="-127"/>
+              </a:rPr>
+              <a:t>&lt;&lt;/member/detail&gt;&gt;</a:t>
+            </a:r>
+          </a:p>
+          <a:p>
+            <a:pPr algn="ctr"/>
+            <a:r>
+              <a:rPr lang="ko-Kore-KR" sz="1600" dirty="0">
+                <a:solidFill>
                   <a:srgbClr val="FF0000"/>
                 </a:solidFill>
                 <a:latin typeface="D2Coding" panose="020B0609020101020101" pitchFamily="49" charset="-127"/>
                 <a:ea typeface="D2Coding" panose="020B0609020101020101" pitchFamily="49" charset="-127"/>
               </a:rPr>
-              <a:t>&lt;&lt;/member/detail&gt;&gt;</a:t>
-            </a:r>
-            <a:endParaRPr lang="ko-Kore-KR" sz="1400" dirty="0">
-              <a:solidFill>
-                <a:schemeClr val="tx1"/>
-              </a:solidFill>
-              <a:latin typeface="D2Coding" panose="020B0609020101020101" pitchFamily="49" charset="-127"/>
-              <a:ea typeface="D2Coding" panose="020B0609020101020101" pitchFamily="49" charset="-127"/>
-            </a:endParaRPr>
-          </a:p>
-          <a:p>
-            <a:pPr algn="ctr"/>
-            <a:r>
-              <a:rPr lang="ko-Kore-KR" sz="1600" dirty="0">
-                <a:solidFill>
-                  <a:schemeClr val="tx1"/>
-                </a:solidFill>
-                <a:latin typeface="D2Coding" panose="020B0609020101020101" pitchFamily="49" charset="-127"/>
-                <a:ea typeface="D2Coding" panose="020B0609020101020101" pitchFamily="49" charset="-127"/>
-              </a:rPr>
               <a:t>Member</a:t>
             </a:r>
             <a:r>
               <a:rPr lang="en-US" sz="1600" dirty="0" err="1">
                 <a:solidFill>
-                  <a:schemeClr val="tx1"/>
+                  <a:srgbClr val="FF0000"/>
                 </a:solidFill>
                 <a:latin typeface="D2Coding" panose="020B0609020101020101" pitchFamily="49" charset="-127"/>
                 <a:ea typeface="D2Coding" panose="020B0609020101020101" pitchFamily="49" charset="-127"/>
@@ -24657,7 +24643,7 @@
             </a:r>
             <a:endParaRPr lang="ko-Kore-KR" sz="1600" dirty="0">
               <a:solidFill>
-                <a:schemeClr val="tx1"/>
+                <a:srgbClr val="FF0000"/>
               </a:solidFill>
               <a:latin typeface="D2Coding" panose="020B0609020101020101" pitchFamily="49" charset="-127"/>
               <a:ea typeface="D2Coding" panose="020B0609020101020101" pitchFamily="49" charset="-127"/>
@@ -24716,37 +24702,30 @@
             <a:r>
               <a:rPr lang="ko-Kore-KR" sz="1400" dirty="0">
                 <a:solidFill>
+                  <a:schemeClr val="tx1"/>
+                </a:solidFill>
+                <a:latin typeface="D2Coding" panose="020B0609020101020101" pitchFamily="49" charset="-127"/>
+                <a:ea typeface="D2Coding" panose="020B0609020101020101" pitchFamily="49" charset="-127"/>
+              </a:rPr>
+              <a:t>&lt;&lt;/member/update&gt;&gt;</a:t>
+            </a:r>
+          </a:p>
+          <a:p>
+            <a:pPr algn="ctr"/>
+            <a:r>
+              <a:rPr lang="ko-Kore-KR" sz="1600" dirty="0">
+                <a:solidFill>
                   <a:srgbClr val="FF0000"/>
                 </a:solidFill>
                 <a:latin typeface="D2Coding" panose="020B0609020101020101" pitchFamily="49" charset="-127"/>
                 <a:ea typeface="D2Coding" panose="020B0609020101020101" pitchFamily="49" charset="-127"/>
               </a:rPr>
-              <a:t>&lt;&lt;/member/update&gt;&gt;</a:t>
-            </a:r>
-            <a:endParaRPr lang="ko-Kore-KR" sz="1400" dirty="0">
-              <a:solidFill>
-                <a:schemeClr val="tx1"/>
-              </a:solidFill>
-              <a:latin typeface="D2Coding" panose="020B0609020101020101" pitchFamily="49" charset="-127"/>
-              <a:ea typeface="D2Coding" panose="020B0609020101020101" pitchFamily="49" charset="-127"/>
-            </a:endParaRPr>
-          </a:p>
-          <a:p>
-            <a:pPr algn="ctr"/>
-            <a:r>
-              <a:rPr lang="ko-Kore-KR" sz="1600" dirty="0">
-                <a:solidFill>
-                  <a:schemeClr val="tx1"/>
-                </a:solidFill>
-                <a:latin typeface="D2Coding" panose="020B0609020101020101" pitchFamily="49" charset="-127"/>
-                <a:ea typeface="D2Coding" panose="020B0609020101020101" pitchFamily="49" charset="-127"/>
-              </a:rPr>
               <a:t>Member</a:t>
             </a:r>
             <a:r>
               <a:rPr lang="en-US" sz="1600" dirty="0" err="1">
                 <a:solidFill>
-                  <a:schemeClr val="tx1"/>
+                  <a:srgbClr val="FF0000"/>
                 </a:solidFill>
                 <a:latin typeface="D2Coding" panose="020B0609020101020101" pitchFamily="49" charset="-127"/>
                 <a:ea typeface="D2Coding" panose="020B0609020101020101" pitchFamily="49" charset="-127"/>
@@ -24755,7 +24734,7 @@
             </a:r>
             <a:endParaRPr lang="ko-Kore-KR" sz="1600" dirty="0">
               <a:solidFill>
-                <a:schemeClr val="tx1"/>
+                <a:srgbClr val="FF0000"/>
               </a:solidFill>
               <a:latin typeface="D2Coding" panose="020B0609020101020101" pitchFamily="49" charset="-127"/>
               <a:ea typeface="D2Coding" panose="020B0609020101020101" pitchFamily="49" charset="-127"/>
@@ -24814,37 +24793,30 @@
             <a:r>
               <a:rPr lang="ko-Kore-KR" sz="1400" dirty="0">
                 <a:solidFill>
+                  <a:schemeClr val="tx1"/>
+                </a:solidFill>
+                <a:latin typeface="D2Coding" panose="020B0609020101020101" pitchFamily="49" charset="-127"/>
+                <a:ea typeface="D2Coding" panose="020B0609020101020101" pitchFamily="49" charset="-127"/>
+              </a:rPr>
+              <a:t>&lt;&lt;/member/delete&gt;&gt;</a:t>
+            </a:r>
+          </a:p>
+          <a:p>
+            <a:pPr algn="ctr"/>
+            <a:r>
+              <a:rPr lang="ko-Kore-KR" sz="1600" dirty="0">
+                <a:solidFill>
                   <a:srgbClr val="FF0000"/>
                 </a:solidFill>
                 <a:latin typeface="D2Coding" panose="020B0609020101020101" pitchFamily="49" charset="-127"/>
                 <a:ea typeface="D2Coding" panose="020B0609020101020101" pitchFamily="49" charset="-127"/>
               </a:rPr>
-              <a:t>&lt;&lt;/member/delete&gt;&gt;</a:t>
-            </a:r>
-            <a:endParaRPr lang="ko-Kore-KR" sz="1400" dirty="0">
-              <a:solidFill>
-                <a:schemeClr val="tx1"/>
-              </a:solidFill>
-              <a:latin typeface="D2Coding" panose="020B0609020101020101" pitchFamily="49" charset="-127"/>
-              <a:ea typeface="D2Coding" panose="020B0609020101020101" pitchFamily="49" charset="-127"/>
-            </a:endParaRPr>
-          </a:p>
-          <a:p>
-            <a:pPr algn="ctr"/>
-            <a:r>
-              <a:rPr lang="ko-Kore-KR" sz="1600" dirty="0">
-                <a:solidFill>
-                  <a:schemeClr val="tx1"/>
-                </a:solidFill>
-                <a:latin typeface="D2Coding" panose="020B0609020101020101" pitchFamily="49" charset="-127"/>
-                <a:ea typeface="D2Coding" panose="020B0609020101020101" pitchFamily="49" charset="-127"/>
-              </a:rPr>
               <a:t>Member</a:t>
             </a:r>
             <a:r>
               <a:rPr lang="en-US" sz="1600" dirty="0" err="1">
                 <a:solidFill>
-                  <a:schemeClr val="tx1"/>
+                  <a:srgbClr val="FF0000"/>
                 </a:solidFill>
                 <a:latin typeface="D2Coding" panose="020B0609020101020101" pitchFamily="49" charset="-127"/>
                 <a:ea typeface="D2Coding" panose="020B0609020101020101" pitchFamily="49" charset="-127"/>
@@ -24853,7 +24825,7 @@
             </a:r>
             <a:endParaRPr lang="ko-Kore-KR" sz="1600" dirty="0">
               <a:solidFill>
-                <a:schemeClr val="tx1"/>
+                <a:srgbClr val="FF0000"/>
               </a:solidFill>
               <a:latin typeface="D2Coding" panose="020B0609020101020101" pitchFamily="49" charset="-127"/>
               <a:ea typeface="D2Coding" panose="020B0609020101020101" pitchFamily="49" charset="-127"/>
@@ -24925,7 +24897,7 @@
             <a:r>
               <a:rPr lang="ko-Kore-KR" sz="1600" dirty="0">
                 <a:solidFill>
-                  <a:schemeClr val="tx1"/>
+                  <a:srgbClr val="FF0000"/>
                 </a:solidFill>
                 <a:latin typeface="D2Coding" panose="020B0609020101020101" pitchFamily="49" charset="-127"/>
                 <a:ea typeface="D2Coding" panose="020B0609020101020101" pitchFamily="49" charset="-127"/>
@@ -25416,6 +25388,219 @@
           </a:fontRef>
         </p:style>
       </p:cxnSp>
+      <p:grpSp>
+        <p:nvGrpSpPr>
+          <p:cNvPr id="80" name="그룹 79">
+            <a:extLst>
+              <a:ext uri="{FF2B5EF4-FFF2-40B4-BE49-F238E27FC236}">
+                <a16:creationId xmlns:a16="http://schemas.microsoft.com/office/drawing/2014/main" id="{9E44D38C-FF51-0641-8B3A-EC0B9E35ECEF}"/>
+              </a:ext>
+            </a:extLst>
+          </p:cNvPr>
+          <p:cNvGrpSpPr/>
+          <p:nvPr/>
+        </p:nvGrpSpPr>
+        <p:grpSpPr>
+          <a:xfrm>
+            <a:off x="1545281" y="4625490"/>
+            <a:ext cx="1160595" cy="680276"/>
+            <a:chOff x="7373805" y="2925186"/>
+            <a:chExt cx="1160595" cy="680276"/>
+          </a:xfrm>
+        </p:grpSpPr>
+        <p:sp>
+          <p:nvSpPr>
+            <p:cNvPr id="81" name="직사각형 80">
+              <a:extLst>
+                <a:ext uri="{FF2B5EF4-FFF2-40B4-BE49-F238E27FC236}">
+                  <a16:creationId xmlns:a16="http://schemas.microsoft.com/office/drawing/2014/main" id="{7EC5C59D-1734-C443-93B7-53017B0E2388}"/>
+                </a:ext>
+              </a:extLst>
+            </p:cNvPr>
+            <p:cNvSpPr/>
+            <p:nvPr/>
+          </p:nvSpPr>
+          <p:spPr>
+            <a:xfrm>
+              <a:off x="7384794" y="2925580"/>
+              <a:ext cx="1149606" cy="679882"/>
+            </a:xfrm>
+            <a:prstGeom prst="rect">
+              <a:avLst/>
+            </a:prstGeom>
+            <a:noFill/>
+            <a:ln w="12700">
+              <a:solidFill>
+                <a:schemeClr val="tx1"/>
+              </a:solidFill>
+            </a:ln>
+          </p:spPr>
+          <p:style>
+            <a:lnRef idx="2">
+              <a:schemeClr val="accent1">
+                <a:shade val="50000"/>
+              </a:schemeClr>
+            </a:lnRef>
+            <a:fillRef idx="1">
+              <a:schemeClr val="accent1"/>
+            </a:fillRef>
+            <a:effectRef idx="0">
+              <a:schemeClr val="accent1"/>
+            </a:effectRef>
+            <a:fontRef idx="minor">
+              <a:schemeClr val="lt1"/>
+            </a:fontRef>
+          </p:style>
+          <p:txBody>
+            <a:bodyPr rtlCol="0" anchor="ctr"/>
+            <a:lstStyle/>
+            <a:p>
+              <a:pPr algn="ctr"/>
+              <a:r>
+                <a:rPr lang="ko-Kore-KR" sz="1600" dirty="0">
+                  <a:solidFill>
+                    <a:srgbClr val="FF0000"/>
+                  </a:solidFill>
+                  <a:latin typeface="D2Coding" panose="020B0609020101020101" pitchFamily="49" charset="-127"/>
+                  <a:ea typeface="D2Coding" panose="020B0609020101020101" pitchFamily="49" charset="-127"/>
+                </a:rPr>
+                <a:t>HashMap</a:t>
+              </a:r>
+            </a:p>
+          </p:txBody>
+        </p:sp>
+        <p:sp>
+          <p:nvSpPr>
+            <p:cNvPr id="82" name="TextBox 81">
+              <a:extLst>
+                <a:ext uri="{FF2B5EF4-FFF2-40B4-BE49-F238E27FC236}">
+                  <a16:creationId xmlns:a16="http://schemas.microsoft.com/office/drawing/2014/main" id="{1FA66925-8317-1A41-ABBF-FB38D1A08F3E}"/>
+                </a:ext>
+              </a:extLst>
+            </p:cNvPr>
+            <p:cNvSpPr txBox="1"/>
+            <p:nvPr/>
+          </p:nvSpPr>
+          <p:spPr>
+            <a:xfrm>
+              <a:off x="7373805" y="2925186"/>
+              <a:ext cx="1160595" cy="276999"/>
+            </a:xfrm>
+            <a:prstGeom prst="rect">
+              <a:avLst/>
+            </a:prstGeom>
+            <a:noFill/>
+            <a:ln w="12700">
+              <a:noFill/>
+            </a:ln>
+          </p:spPr>
+          <p:txBody>
+            <a:bodyPr wrap="square" rtlCol="0">
+              <a:spAutoFit/>
+            </a:bodyPr>
+            <a:lstStyle/>
+            <a:p>
+              <a:pPr algn="ctr"/>
+              <a:r>
+                <a:rPr lang="en-US" sz="1200" dirty="0">
+                  <a:latin typeface="D2Coding" panose="020B0609020101020101" pitchFamily="49" charset="-127"/>
+                  <a:ea typeface="D2Coding" panose="020B0609020101020101" pitchFamily="49" charset="-127"/>
+                </a:rPr>
+                <a:t>j</a:t>
+              </a:r>
+              <a:r>
+                <a:rPr lang="ko-Kore-KR" sz="1200" dirty="0">
+                  <a:latin typeface="D2Coding" panose="020B0609020101020101" pitchFamily="49" charset="-127"/>
+                  <a:ea typeface="D2Coding" panose="020B0609020101020101" pitchFamily="49" charset="-127"/>
+                </a:rPr>
+                <a:t>ava.util</a:t>
+              </a:r>
+            </a:p>
+          </p:txBody>
+        </p:sp>
+      </p:grpSp>
+      <p:cxnSp>
+        <p:nvCxnSpPr>
+          <p:cNvPr id="83" name="직선 화살표 연결선 82">
+            <a:extLst>
+              <a:ext uri="{FF2B5EF4-FFF2-40B4-BE49-F238E27FC236}">
+                <a16:creationId xmlns:a16="http://schemas.microsoft.com/office/drawing/2014/main" id="{4E62F438-27D4-9E41-84F2-BB91218907FA}"/>
+              </a:ext>
+            </a:extLst>
+          </p:cNvPr>
+          <p:cNvCxnSpPr>
+            <a:cxnSpLocks/>
+            <a:stCxn id="4" idx="2"/>
+            <a:endCxn id="82" idx="0"/>
+          </p:cNvCxnSpPr>
+          <p:nvPr/>
+        </p:nvCxnSpPr>
+        <p:spPr>
+          <a:xfrm>
+            <a:off x="2125579" y="3605463"/>
+            <a:ext cx="0" cy="1020027"/>
+          </a:xfrm>
+          <a:prstGeom prst="straightConnector1">
+            <a:avLst/>
+          </a:prstGeom>
+          <a:ln w="12700">
+            <a:solidFill>
+              <a:schemeClr val="tx1"/>
+            </a:solidFill>
+            <a:headEnd type="none" w="lg" len="lg"/>
+            <a:tailEnd type="arrow" w="lg" len="lg"/>
+          </a:ln>
+        </p:spPr>
+        <p:style>
+          <a:lnRef idx="1">
+            <a:schemeClr val="accent1"/>
+          </a:lnRef>
+          <a:fillRef idx="0">
+            <a:schemeClr val="accent1"/>
+          </a:fillRef>
+          <a:effectRef idx="0">
+            <a:schemeClr val="accent1"/>
+          </a:effectRef>
+          <a:fontRef idx="minor">
+            <a:schemeClr val="tx1"/>
+          </a:fontRef>
+        </p:style>
+      </p:cxnSp>
+      <p:sp>
+        <p:nvSpPr>
+          <p:cNvPr id="86" name="TextBox 85">
+            <a:extLst>
+              <a:ext uri="{FF2B5EF4-FFF2-40B4-BE49-F238E27FC236}">
+                <a16:creationId xmlns:a16="http://schemas.microsoft.com/office/drawing/2014/main" id="{AED28073-4989-DA49-A47B-B491CE517E3A}"/>
+              </a:ext>
+            </a:extLst>
+          </p:cNvPr>
+          <p:cNvSpPr txBox="1"/>
+          <p:nvPr/>
+        </p:nvSpPr>
+        <p:spPr>
+          <a:xfrm>
+            <a:off x="634397" y="3652957"/>
+            <a:ext cx="1554913" cy="369332"/>
+          </a:xfrm>
+          <a:prstGeom prst="rect">
+            <a:avLst/>
+          </a:prstGeom>
+          <a:noFill/>
+        </p:spPr>
+        <p:txBody>
+          <a:bodyPr wrap="none" rtlCol="0">
+            <a:spAutoFit/>
+          </a:bodyPr>
+          <a:lstStyle/>
+          <a:p>
+            <a:r>
+              <a:rPr lang="ko-Kore-KR" dirty="0"/>
+              <a:t>commandMap</a:t>
+            </a:r>
+          </a:p>
+        </p:txBody>
+      </p:sp>
     </p:spTree>
     <p:extLst>
       <p:ext uri="{BB962C8B-B14F-4D97-AF65-F5344CB8AC3E}">

--- a/ClassDiagram.pptx
+++ b/ClassDiagram.pptx
@@ -27,6 +27,7 @@
     <p:sldId id="275" r:id="rId21"/>
     <p:sldId id="276" r:id="rId22"/>
     <p:sldId id="277" r:id="rId23"/>
+    <p:sldId id="278" r:id="rId24"/>
   </p:sldIdLst>
   <p:sldSz cx="12192000" cy="6858000"/>
   <p:notesSz cx="6858000" cy="9144000"/>
@@ -282,7 +283,7 @@
           <a:p>
             <a:fld id="{A0655B3F-BFCA-5241-8475-9978727BD7EA}" type="datetimeFigureOut">
               <a:rPr lang="ko-Kore-KR" smtClean="0"/>
-              <a:t>2020. 1. 21.</a:t>
+              <a:t>2020. 1. 23.</a:t>
             </a:fld>
             <a:endParaRPr lang="ko-Kore-KR"/>
           </a:p>
@@ -482,7 +483,7 @@
           <a:p>
             <a:fld id="{A0655B3F-BFCA-5241-8475-9978727BD7EA}" type="datetimeFigureOut">
               <a:rPr lang="ko-Kore-KR" smtClean="0"/>
-              <a:t>2020. 1. 21.</a:t>
+              <a:t>2020. 1. 23.</a:t>
             </a:fld>
             <a:endParaRPr lang="ko-Kore-KR"/>
           </a:p>
@@ -692,7 +693,7 @@
           <a:p>
             <a:fld id="{A0655B3F-BFCA-5241-8475-9978727BD7EA}" type="datetimeFigureOut">
               <a:rPr lang="ko-Kore-KR" smtClean="0"/>
-              <a:t>2020. 1. 21.</a:t>
+              <a:t>2020. 1. 23.</a:t>
             </a:fld>
             <a:endParaRPr lang="ko-Kore-KR"/>
           </a:p>
@@ -892,7 +893,7 @@
           <a:p>
             <a:fld id="{A0655B3F-BFCA-5241-8475-9978727BD7EA}" type="datetimeFigureOut">
               <a:rPr lang="ko-Kore-KR" smtClean="0"/>
-              <a:t>2020. 1. 21.</a:t>
+              <a:t>2020. 1. 23.</a:t>
             </a:fld>
             <a:endParaRPr lang="ko-Kore-KR"/>
           </a:p>
@@ -1168,7 +1169,7 @@
           <a:p>
             <a:fld id="{A0655B3F-BFCA-5241-8475-9978727BD7EA}" type="datetimeFigureOut">
               <a:rPr lang="ko-Kore-KR" smtClean="0"/>
-              <a:t>2020. 1. 21.</a:t>
+              <a:t>2020. 1. 23.</a:t>
             </a:fld>
             <a:endParaRPr lang="ko-Kore-KR"/>
           </a:p>
@@ -1436,7 +1437,7 @@
           <a:p>
             <a:fld id="{A0655B3F-BFCA-5241-8475-9978727BD7EA}" type="datetimeFigureOut">
               <a:rPr lang="ko-Kore-KR" smtClean="0"/>
-              <a:t>2020. 1. 21.</a:t>
+              <a:t>2020. 1. 23.</a:t>
             </a:fld>
             <a:endParaRPr lang="ko-Kore-KR"/>
           </a:p>
@@ -1851,7 +1852,7 @@
           <a:p>
             <a:fld id="{A0655B3F-BFCA-5241-8475-9978727BD7EA}" type="datetimeFigureOut">
               <a:rPr lang="ko-Kore-KR" smtClean="0"/>
-              <a:t>2020. 1. 21.</a:t>
+              <a:t>2020. 1. 23.</a:t>
             </a:fld>
             <a:endParaRPr lang="ko-Kore-KR"/>
           </a:p>
@@ -1993,7 +1994,7 @@
           <a:p>
             <a:fld id="{A0655B3F-BFCA-5241-8475-9978727BD7EA}" type="datetimeFigureOut">
               <a:rPr lang="ko-Kore-KR" smtClean="0"/>
-              <a:t>2020. 1. 21.</a:t>
+              <a:t>2020. 1. 23.</a:t>
             </a:fld>
             <a:endParaRPr lang="ko-Kore-KR"/>
           </a:p>
@@ -2106,7 +2107,7 @@
           <a:p>
             <a:fld id="{A0655B3F-BFCA-5241-8475-9978727BD7EA}" type="datetimeFigureOut">
               <a:rPr lang="ko-Kore-KR" smtClean="0"/>
-              <a:t>2020. 1. 21.</a:t>
+              <a:t>2020. 1. 23.</a:t>
             </a:fld>
             <a:endParaRPr lang="ko-Kore-KR"/>
           </a:p>
@@ -2419,7 +2420,7 @@
           <a:p>
             <a:fld id="{A0655B3F-BFCA-5241-8475-9978727BD7EA}" type="datetimeFigureOut">
               <a:rPr lang="ko-Kore-KR" smtClean="0"/>
-              <a:t>2020. 1. 21.</a:t>
+              <a:t>2020. 1. 23.</a:t>
             </a:fld>
             <a:endParaRPr lang="ko-Kore-KR"/>
           </a:p>
@@ -2708,7 +2709,7 @@
           <a:p>
             <a:fld id="{A0655B3F-BFCA-5241-8475-9978727BD7EA}" type="datetimeFigureOut">
               <a:rPr lang="ko-Kore-KR" smtClean="0"/>
-              <a:t>2020. 1. 21.</a:t>
+              <a:t>2020. 1. 23.</a:t>
             </a:fld>
             <a:endParaRPr lang="ko-Kore-KR"/>
           </a:p>
@@ -2951,7 +2952,7 @@
           <a:p>
             <a:fld id="{A0655B3F-BFCA-5241-8475-9978727BD7EA}" type="datetimeFigureOut">
               <a:rPr lang="ko-Kore-KR" smtClean="0"/>
-              <a:t>2020. 1. 21.</a:t>
+              <a:t>2020. 1. 23.</a:t>
             </a:fld>
             <a:endParaRPr lang="ko-Kore-KR"/>
           </a:p>
@@ -25614,6 +25615,2332 @@
 </p:sld>
 </file>
 
+<file path=ppt/slides/slide23.xml><?xml version="1.0" encoding="utf-8"?>
+<p:sld xmlns:a="http://schemas.openxmlformats.org/drawingml/2006/main" xmlns:r="http://schemas.openxmlformats.org/officeDocument/2006/relationships" xmlns:p="http://schemas.openxmlformats.org/presentationml/2006/main">
+  <p:cSld>
+    <p:spTree>
+      <p:nvGrpSpPr>
+        <p:cNvPr id="1" name=""/>
+        <p:cNvGrpSpPr/>
+        <p:nvPr/>
+      </p:nvGrpSpPr>
+      <p:grpSpPr>
+        <a:xfrm>
+          <a:off x="0" y="0"/>
+          <a:ext cx="0" cy="0"/>
+          <a:chOff x="0" y="0"/>
+          <a:chExt cx="0" cy="0"/>
+        </a:xfrm>
+      </p:grpSpPr>
+      <p:sp>
+        <p:nvSpPr>
+          <p:cNvPr id="4" name="직사각형 3">
+            <a:extLst>
+              <a:ext uri="{FF2B5EF4-FFF2-40B4-BE49-F238E27FC236}">
+                <a16:creationId xmlns:a16="http://schemas.microsoft.com/office/drawing/2014/main" id="{F954BBEA-7028-1B43-871A-F28FC3EC4616}"/>
+              </a:ext>
+            </a:extLst>
+          </p:cNvPr>
+          <p:cNvSpPr/>
+          <p:nvPr/>
+        </p:nvSpPr>
+        <p:spPr>
+          <a:xfrm>
+            <a:off x="1308615" y="2925581"/>
+            <a:ext cx="1633928" cy="679882"/>
+          </a:xfrm>
+          <a:prstGeom prst="rect">
+            <a:avLst/>
+          </a:prstGeom>
+          <a:noFill/>
+          <a:ln w="12700">
+            <a:solidFill>
+              <a:schemeClr val="tx1"/>
+            </a:solidFill>
+          </a:ln>
+        </p:spPr>
+        <p:style>
+          <a:lnRef idx="2">
+            <a:schemeClr val="accent1">
+              <a:shade val="50000"/>
+            </a:schemeClr>
+          </a:lnRef>
+          <a:fillRef idx="1">
+            <a:schemeClr val="accent1"/>
+          </a:fillRef>
+          <a:effectRef idx="0">
+            <a:schemeClr val="accent1"/>
+          </a:effectRef>
+          <a:fontRef idx="minor">
+            <a:schemeClr val="lt1"/>
+          </a:fontRef>
+        </p:style>
+        <p:txBody>
+          <a:bodyPr rtlCol="0" anchor="ctr"/>
+          <a:lstStyle/>
+          <a:p>
+            <a:pPr algn="ctr"/>
+            <a:r>
+              <a:rPr lang="ko-Kore-KR" sz="1600" dirty="0">
+                <a:solidFill>
+                  <a:schemeClr val="tx1"/>
+                </a:solidFill>
+                <a:latin typeface="D2Coding" panose="020B0609020101020101" pitchFamily="49" charset="-127"/>
+                <a:ea typeface="D2Coding" panose="020B0609020101020101" pitchFamily="49" charset="-127"/>
+              </a:rPr>
+              <a:t>App</a:t>
+            </a:r>
+          </a:p>
+        </p:txBody>
+      </p:sp>
+      <p:sp>
+        <p:nvSpPr>
+          <p:cNvPr id="5" name="TextBox 4">
+            <a:extLst>
+              <a:ext uri="{FF2B5EF4-FFF2-40B4-BE49-F238E27FC236}">
+                <a16:creationId xmlns:a16="http://schemas.microsoft.com/office/drawing/2014/main" id="{8C6B9D41-3D15-6247-84C1-FE25EF4EFC3A}"/>
+              </a:ext>
+            </a:extLst>
+          </p:cNvPr>
+          <p:cNvSpPr txBox="1"/>
+          <p:nvPr/>
+        </p:nvSpPr>
+        <p:spPr>
+          <a:xfrm>
+            <a:off x="344773" y="389745"/>
+            <a:ext cx="1415772" cy="461665"/>
+          </a:xfrm>
+          <a:prstGeom prst="rect">
+            <a:avLst/>
+          </a:prstGeom>
+          <a:noFill/>
+        </p:spPr>
+        <p:txBody>
+          <a:bodyPr wrap="none" rtlCol="0">
+            <a:spAutoFit/>
+          </a:bodyPr>
+          <a:lstStyle/>
+          <a:p>
+            <a:r>
+              <a:rPr lang="ko-KR" altLang="en-US" sz="2400" dirty="0">
+                <a:latin typeface="D2Coding" panose="020B0609020101020101" pitchFamily="49" charset="-127"/>
+                <a:ea typeface="D2Coding" panose="020B0609020101020101" pitchFamily="49" charset="-127"/>
+              </a:rPr>
+              <a:t>단계</a:t>
+            </a:r>
+            <a:r>
+              <a:rPr lang="en-US" altLang="ko-KR" sz="2400" dirty="0">
+                <a:latin typeface="D2Coding" panose="020B0609020101020101" pitchFamily="49" charset="-127"/>
+                <a:ea typeface="D2Coding" panose="020B0609020101020101" pitchFamily="49" charset="-127"/>
+              </a:rPr>
+              <a:t>:</a:t>
+            </a:r>
+            <a:r>
+              <a:rPr lang="ko-KR" altLang="en-US" sz="2400" dirty="0">
+                <a:latin typeface="D2Coding" panose="020B0609020101020101" pitchFamily="49" charset="-127"/>
+                <a:ea typeface="D2Coding" panose="020B0609020101020101" pitchFamily="49" charset="-127"/>
+              </a:rPr>
+              <a:t> </a:t>
+            </a:r>
+            <a:r>
+              <a:rPr lang="en-US" altLang="ko-KR" sz="2400" dirty="0">
+                <a:latin typeface="D2Coding" panose="020B0609020101020101" pitchFamily="49" charset="-127"/>
+                <a:ea typeface="D2Coding" panose="020B0609020101020101" pitchFamily="49" charset="-127"/>
+              </a:rPr>
+              <a:t>27</a:t>
+            </a:r>
+            <a:endParaRPr lang="ko-Kore-KR" sz="2400" dirty="0">
+              <a:latin typeface="D2Coding" panose="020B0609020101020101" pitchFamily="49" charset="-127"/>
+              <a:ea typeface="D2Coding" panose="020B0609020101020101" pitchFamily="49" charset="-127"/>
+            </a:endParaRPr>
+          </a:p>
+        </p:txBody>
+      </p:sp>
+      <p:cxnSp>
+        <p:nvCxnSpPr>
+          <p:cNvPr id="11" name="직선 화살표 연결선 10">
+            <a:extLst>
+              <a:ext uri="{FF2B5EF4-FFF2-40B4-BE49-F238E27FC236}">
+                <a16:creationId xmlns:a16="http://schemas.microsoft.com/office/drawing/2014/main" id="{BF5B527A-0543-A149-A80B-D8B34F60FDF0}"/>
+              </a:ext>
+            </a:extLst>
+          </p:cNvPr>
+          <p:cNvCxnSpPr>
+            <a:cxnSpLocks/>
+            <a:stCxn id="4" idx="3"/>
+            <a:endCxn id="45" idx="1"/>
+          </p:cNvCxnSpPr>
+          <p:nvPr/>
+        </p:nvCxnSpPr>
+        <p:spPr>
+          <a:xfrm flipV="1">
+            <a:off x="2942543" y="3262359"/>
+            <a:ext cx="647600" cy="3163"/>
+          </a:xfrm>
+          <a:prstGeom prst="straightConnector1">
+            <a:avLst/>
+          </a:prstGeom>
+          <a:ln w="12700">
+            <a:solidFill>
+              <a:schemeClr val="tx1"/>
+            </a:solidFill>
+            <a:headEnd type="none" w="lg" len="lg"/>
+            <a:tailEnd type="arrow" w="lg" len="lg"/>
+          </a:ln>
+        </p:spPr>
+        <p:style>
+          <a:lnRef idx="1">
+            <a:schemeClr val="accent1"/>
+          </a:lnRef>
+          <a:fillRef idx="0">
+            <a:schemeClr val="accent1"/>
+          </a:fillRef>
+          <a:effectRef idx="0">
+            <a:schemeClr val="accent1"/>
+          </a:effectRef>
+          <a:fontRef idx="minor">
+            <a:schemeClr val="tx1"/>
+          </a:fontRef>
+        </p:style>
+      </p:cxnSp>
+      <p:sp>
+        <p:nvSpPr>
+          <p:cNvPr id="40" name="직사각형 39">
+            <a:extLst>
+              <a:ext uri="{FF2B5EF4-FFF2-40B4-BE49-F238E27FC236}">
+                <a16:creationId xmlns:a16="http://schemas.microsoft.com/office/drawing/2014/main" id="{BC66F44A-1380-464C-9B73-6A7E40289FB3}"/>
+              </a:ext>
+            </a:extLst>
+          </p:cNvPr>
+          <p:cNvSpPr/>
+          <p:nvPr/>
+        </p:nvSpPr>
+        <p:spPr>
+          <a:xfrm>
+            <a:off x="10455458" y="5087192"/>
+            <a:ext cx="1633928" cy="437148"/>
+          </a:xfrm>
+          <a:prstGeom prst="rect">
+            <a:avLst/>
+          </a:prstGeom>
+          <a:noFill/>
+          <a:ln w="12700">
+            <a:solidFill>
+              <a:schemeClr val="tx1"/>
+            </a:solidFill>
+          </a:ln>
+        </p:spPr>
+        <p:style>
+          <a:lnRef idx="2">
+            <a:schemeClr val="accent1">
+              <a:shade val="50000"/>
+            </a:schemeClr>
+          </a:lnRef>
+          <a:fillRef idx="1">
+            <a:schemeClr val="accent1"/>
+          </a:fillRef>
+          <a:effectRef idx="0">
+            <a:schemeClr val="accent1"/>
+          </a:effectRef>
+          <a:fontRef idx="minor">
+            <a:schemeClr val="lt1"/>
+          </a:fontRef>
+        </p:style>
+        <p:txBody>
+          <a:bodyPr rtlCol="0" anchor="ctr"/>
+          <a:lstStyle/>
+          <a:p>
+            <a:pPr algn="ctr"/>
+            <a:r>
+              <a:rPr lang="ko-Kore-KR" sz="1600" dirty="0">
+                <a:solidFill>
+                  <a:schemeClr val="tx1"/>
+                </a:solidFill>
+                <a:latin typeface="D2Coding" panose="020B0609020101020101" pitchFamily="49" charset="-127"/>
+                <a:ea typeface="D2Coding" panose="020B0609020101020101" pitchFamily="49" charset="-127"/>
+              </a:rPr>
+              <a:t>Member</a:t>
+            </a:r>
+          </a:p>
+        </p:txBody>
+      </p:sp>
+      <p:grpSp>
+        <p:nvGrpSpPr>
+          <p:cNvPr id="2" name="그룹 1">
+            <a:extLst>
+              <a:ext uri="{FF2B5EF4-FFF2-40B4-BE49-F238E27FC236}">
+                <a16:creationId xmlns:a16="http://schemas.microsoft.com/office/drawing/2014/main" id="{E1EA6C84-1A92-014C-A4BC-5A2858C48EC4}"/>
+              </a:ext>
+            </a:extLst>
+          </p:cNvPr>
+          <p:cNvGrpSpPr/>
+          <p:nvPr/>
+        </p:nvGrpSpPr>
+        <p:grpSpPr>
+          <a:xfrm>
+            <a:off x="10686630" y="2912614"/>
+            <a:ext cx="1160595" cy="680276"/>
+            <a:chOff x="7373805" y="2925186"/>
+            <a:chExt cx="1160595" cy="680276"/>
+          </a:xfrm>
+        </p:grpSpPr>
+        <p:sp>
+          <p:nvSpPr>
+            <p:cNvPr id="20" name="직사각형 19">
+              <a:extLst>
+                <a:ext uri="{FF2B5EF4-FFF2-40B4-BE49-F238E27FC236}">
+                  <a16:creationId xmlns:a16="http://schemas.microsoft.com/office/drawing/2014/main" id="{BD10BC95-09D9-F34B-9741-4EBB004D197D}"/>
+                </a:ext>
+              </a:extLst>
+            </p:cNvPr>
+            <p:cNvSpPr/>
+            <p:nvPr/>
+          </p:nvSpPr>
+          <p:spPr>
+            <a:xfrm>
+              <a:off x="7384794" y="2925580"/>
+              <a:ext cx="1149606" cy="679882"/>
+            </a:xfrm>
+            <a:prstGeom prst="rect">
+              <a:avLst/>
+            </a:prstGeom>
+            <a:noFill/>
+            <a:ln w="12700">
+              <a:solidFill>
+                <a:schemeClr val="tx1"/>
+              </a:solidFill>
+            </a:ln>
+          </p:spPr>
+          <p:style>
+            <a:lnRef idx="2">
+              <a:schemeClr val="accent1">
+                <a:shade val="50000"/>
+              </a:schemeClr>
+            </a:lnRef>
+            <a:fillRef idx="1">
+              <a:schemeClr val="accent1"/>
+            </a:fillRef>
+            <a:effectRef idx="0">
+              <a:schemeClr val="accent1"/>
+            </a:effectRef>
+            <a:fontRef idx="minor">
+              <a:schemeClr val="lt1"/>
+            </a:fontRef>
+          </p:style>
+          <p:txBody>
+            <a:bodyPr rtlCol="0" anchor="ctr"/>
+            <a:lstStyle/>
+            <a:p>
+              <a:pPr algn="ctr"/>
+              <a:r>
+                <a:rPr lang="ko-Kore-KR" sz="1600" dirty="0">
+                  <a:solidFill>
+                    <a:schemeClr val="tx1"/>
+                  </a:solidFill>
+                  <a:latin typeface="D2Coding" panose="020B0609020101020101" pitchFamily="49" charset="-127"/>
+                  <a:ea typeface="D2Coding" panose="020B0609020101020101" pitchFamily="49" charset="-127"/>
+                </a:rPr>
+                <a:t>List</a:t>
+              </a:r>
+            </a:p>
+          </p:txBody>
+        </p:sp>
+        <p:sp>
+          <p:nvSpPr>
+            <p:cNvPr id="35" name="TextBox 34">
+              <a:extLst>
+                <a:ext uri="{FF2B5EF4-FFF2-40B4-BE49-F238E27FC236}">
+                  <a16:creationId xmlns:a16="http://schemas.microsoft.com/office/drawing/2014/main" id="{B6A3C4DF-7C5D-C049-96A1-952A3742ACCA}"/>
+                </a:ext>
+              </a:extLst>
+            </p:cNvPr>
+            <p:cNvSpPr txBox="1"/>
+            <p:nvPr/>
+          </p:nvSpPr>
+          <p:spPr>
+            <a:xfrm>
+              <a:off x="7373805" y="2925186"/>
+              <a:ext cx="1160595" cy="276999"/>
+            </a:xfrm>
+            <a:prstGeom prst="rect">
+              <a:avLst/>
+            </a:prstGeom>
+            <a:noFill/>
+            <a:ln w="12700">
+              <a:noFill/>
+            </a:ln>
+          </p:spPr>
+          <p:txBody>
+            <a:bodyPr wrap="square" rtlCol="0">
+              <a:spAutoFit/>
+            </a:bodyPr>
+            <a:lstStyle/>
+            <a:p>
+              <a:pPr algn="ctr"/>
+              <a:r>
+                <a:rPr lang="en-US" sz="1200" dirty="0">
+                  <a:latin typeface="D2Coding" panose="020B0609020101020101" pitchFamily="49" charset="-127"/>
+                  <a:ea typeface="D2Coding" panose="020B0609020101020101" pitchFamily="49" charset="-127"/>
+                </a:rPr>
+                <a:t>j</a:t>
+              </a:r>
+              <a:r>
+                <a:rPr lang="ko-Kore-KR" sz="1200" dirty="0">
+                  <a:latin typeface="D2Coding" panose="020B0609020101020101" pitchFamily="49" charset="-127"/>
+                  <a:ea typeface="D2Coding" panose="020B0609020101020101" pitchFamily="49" charset="-127"/>
+                </a:rPr>
+                <a:t>ava.util</a:t>
+              </a:r>
+            </a:p>
+          </p:txBody>
+        </p:sp>
+      </p:grpSp>
+      <p:grpSp>
+        <p:nvGrpSpPr>
+          <p:cNvPr id="33" name="그룹 32">
+            <a:extLst>
+              <a:ext uri="{FF2B5EF4-FFF2-40B4-BE49-F238E27FC236}">
+                <a16:creationId xmlns:a16="http://schemas.microsoft.com/office/drawing/2014/main" id="{B4A3C381-43C5-F14F-A140-C17782D6A634}"/>
+              </a:ext>
+            </a:extLst>
+          </p:cNvPr>
+          <p:cNvGrpSpPr/>
+          <p:nvPr/>
+        </p:nvGrpSpPr>
+        <p:grpSpPr>
+          <a:xfrm>
+            <a:off x="10686631" y="1447539"/>
+            <a:ext cx="1160595" cy="680276"/>
+            <a:chOff x="7373805" y="2925186"/>
+            <a:chExt cx="1160595" cy="680276"/>
+          </a:xfrm>
+        </p:grpSpPr>
+        <p:sp>
+          <p:nvSpPr>
+            <p:cNvPr id="37" name="직사각형 36">
+              <a:extLst>
+                <a:ext uri="{FF2B5EF4-FFF2-40B4-BE49-F238E27FC236}">
+                  <a16:creationId xmlns:a16="http://schemas.microsoft.com/office/drawing/2014/main" id="{70823330-B321-494A-A935-1559453A9EFD}"/>
+                </a:ext>
+              </a:extLst>
+            </p:cNvPr>
+            <p:cNvSpPr/>
+            <p:nvPr/>
+          </p:nvSpPr>
+          <p:spPr>
+            <a:xfrm>
+              <a:off x="7384794" y="2925580"/>
+              <a:ext cx="1149606" cy="679882"/>
+            </a:xfrm>
+            <a:prstGeom prst="rect">
+              <a:avLst/>
+            </a:prstGeom>
+            <a:noFill/>
+            <a:ln w="12700">
+              <a:solidFill>
+                <a:schemeClr val="tx1"/>
+              </a:solidFill>
+            </a:ln>
+          </p:spPr>
+          <p:style>
+            <a:lnRef idx="2">
+              <a:schemeClr val="accent1">
+                <a:shade val="50000"/>
+              </a:schemeClr>
+            </a:lnRef>
+            <a:fillRef idx="1">
+              <a:schemeClr val="accent1"/>
+            </a:fillRef>
+            <a:effectRef idx="0">
+              <a:schemeClr val="accent1"/>
+            </a:effectRef>
+            <a:fontRef idx="minor">
+              <a:schemeClr val="lt1"/>
+            </a:fontRef>
+          </p:style>
+          <p:txBody>
+            <a:bodyPr rtlCol="0" anchor="ctr"/>
+            <a:lstStyle/>
+            <a:p>
+              <a:pPr algn="ctr"/>
+              <a:r>
+                <a:rPr lang="ko-Kore-KR" sz="1600" dirty="0">
+                  <a:solidFill>
+                    <a:schemeClr val="tx1"/>
+                  </a:solidFill>
+                  <a:latin typeface="D2Coding" panose="020B0609020101020101" pitchFamily="49" charset="-127"/>
+                  <a:ea typeface="D2Coding" panose="020B0609020101020101" pitchFamily="49" charset="-127"/>
+                </a:rPr>
+                <a:t>Iterator</a:t>
+              </a:r>
+            </a:p>
+          </p:txBody>
+        </p:sp>
+        <p:sp>
+          <p:nvSpPr>
+            <p:cNvPr id="38" name="TextBox 37">
+              <a:extLst>
+                <a:ext uri="{FF2B5EF4-FFF2-40B4-BE49-F238E27FC236}">
+                  <a16:creationId xmlns:a16="http://schemas.microsoft.com/office/drawing/2014/main" id="{AC23A6C4-50D8-2447-917B-93E235EA69BB}"/>
+                </a:ext>
+              </a:extLst>
+            </p:cNvPr>
+            <p:cNvSpPr txBox="1"/>
+            <p:nvPr/>
+          </p:nvSpPr>
+          <p:spPr>
+            <a:xfrm>
+              <a:off x="7373805" y="2925186"/>
+              <a:ext cx="1160595" cy="276999"/>
+            </a:xfrm>
+            <a:prstGeom prst="rect">
+              <a:avLst/>
+            </a:prstGeom>
+            <a:noFill/>
+            <a:ln w="12700">
+              <a:noFill/>
+            </a:ln>
+          </p:spPr>
+          <p:txBody>
+            <a:bodyPr wrap="square" rtlCol="0">
+              <a:spAutoFit/>
+            </a:bodyPr>
+            <a:lstStyle/>
+            <a:p>
+              <a:pPr algn="ctr"/>
+              <a:r>
+                <a:rPr lang="en-US" sz="1200" dirty="0">
+                  <a:latin typeface="D2Coding" panose="020B0609020101020101" pitchFamily="49" charset="-127"/>
+                  <a:ea typeface="D2Coding" panose="020B0609020101020101" pitchFamily="49" charset="-127"/>
+                </a:rPr>
+                <a:t>j</a:t>
+              </a:r>
+              <a:r>
+                <a:rPr lang="ko-Kore-KR" sz="1200" dirty="0">
+                  <a:latin typeface="D2Coding" panose="020B0609020101020101" pitchFamily="49" charset="-127"/>
+                  <a:ea typeface="D2Coding" panose="020B0609020101020101" pitchFamily="49" charset="-127"/>
+                </a:rPr>
+                <a:t>ava.util</a:t>
+              </a:r>
+            </a:p>
+          </p:txBody>
+        </p:sp>
+      </p:grpSp>
+      <p:cxnSp>
+        <p:nvCxnSpPr>
+          <p:cNvPr id="39" name="직선 화살표 연결선 38">
+            <a:extLst>
+              <a:ext uri="{FF2B5EF4-FFF2-40B4-BE49-F238E27FC236}">
+                <a16:creationId xmlns:a16="http://schemas.microsoft.com/office/drawing/2014/main" id="{E8A45E67-6ACE-0A44-ACB9-85FA3B1AA2A6}"/>
+              </a:ext>
+            </a:extLst>
+          </p:cNvPr>
+          <p:cNvCxnSpPr>
+            <a:cxnSpLocks/>
+            <a:stCxn id="35" idx="0"/>
+            <a:endCxn id="37" idx="2"/>
+          </p:cNvCxnSpPr>
+          <p:nvPr/>
+        </p:nvCxnSpPr>
+        <p:spPr>
+          <a:xfrm flipV="1">
+            <a:off x="11266928" y="2127815"/>
+            <a:ext cx="5495" cy="784799"/>
+          </a:xfrm>
+          <a:prstGeom prst="straightConnector1">
+            <a:avLst/>
+          </a:prstGeom>
+          <a:ln w="12700">
+            <a:solidFill>
+              <a:schemeClr val="tx1"/>
+            </a:solidFill>
+            <a:headEnd type="none" w="lg" len="lg"/>
+            <a:tailEnd type="arrow" w="lg" len="lg"/>
+          </a:ln>
+        </p:spPr>
+        <p:style>
+          <a:lnRef idx="1">
+            <a:schemeClr val="accent1"/>
+          </a:lnRef>
+          <a:fillRef idx="0">
+            <a:schemeClr val="accent1"/>
+          </a:fillRef>
+          <a:effectRef idx="0">
+            <a:schemeClr val="accent1"/>
+          </a:effectRef>
+          <a:fontRef idx="minor">
+            <a:schemeClr val="tx1"/>
+          </a:fontRef>
+        </p:style>
+      </p:cxnSp>
+      <p:sp>
+        <p:nvSpPr>
+          <p:cNvPr id="30" name="직사각형 29">
+            <a:extLst>
+              <a:ext uri="{FF2B5EF4-FFF2-40B4-BE49-F238E27FC236}">
+                <a16:creationId xmlns:a16="http://schemas.microsoft.com/office/drawing/2014/main" id="{32C7E6F2-9CA5-B149-8E98-EEC238E4B484}"/>
+              </a:ext>
+            </a:extLst>
+          </p:cNvPr>
+          <p:cNvSpPr/>
+          <p:nvPr/>
+        </p:nvSpPr>
+        <p:spPr>
+          <a:xfrm>
+            <a:off x="7217995" y="1059646"/>
+            <a:ext cx="2505857" cy="679882"/>
+          </a:xfrm>
+          <a:prstGeom prst="rect">
+            <a:avLst/>
+          </a:prstGeom>
+          <a:noFill/>
+          <a:ln w="12700">
+            <a:solidFill>
+              <a:schemeClr val="tx1"/>
+            </a:solidFill>
+          </a:ln>
+        </p:spPr>
+        <p:style>
+          <a:lnRef idx="2">
+            <a:schemeClr val="accent1">
+              <a:shade val="50000"/>
+            </a:schemeClr>
+          </a:lnRef>
+          <a:fillRef idx="1">
+            <a:schemeClr val="accent1"/>
+          </a:fillRef>
+          <a:effectRef idx="0">
+            <a:schemeClr val="accent1"/>
+          </a:effectRef>
+          <a:fontRef idx="minor">
+            <a:schemeClr val="lt1"/>
+          </a:fontRef>
+        </p:style>
+        <p:txBody>
+          <a:bodyPr rtlCol="0" anchor="ctr"/>
+          <a:lstStyle/>
+          <a:p>
+            <a:pPr algn="ctr"/>
+            <a:r>
+              <a:rPr lang="ko-Kore-KR" sz="1400" dirty="0">
+                <a:solidFill>
+                  <a:schemeClr val="tx1"/>
+                </a:solidFill>
+                <a:latin typeface="D2Coding" panose="020B0609020101020101" pitchFamily="49" charset="-127"/>
+                <a:ea typeface="D2Coding" panose="020B0609020101020101" pitchFamily="49" charset="-127"/>
+              </a:rPr>
+              <a:t>&lt;&lt;/member/add&gt;&gt;</a:t>
+            </a:r>
+          </a:p>
+          <a:p>
+            <a:pPr algn="ctr"/>
+            <a:r>
+              <a:rPr lang="ko-Kore-KR" sz="1600" dirty="0">
+                <a:solidFill>
+                  <a:schemeClr val="tx1"/>
+                </a:solidFill>
+                <a:latin typeface="D2Coding" panose="020B0609020101020101" pitchFamily="49" charset="-127"/>
+                <a:ea typeface="D2Coding" panose="020B0609020101020101" pitchFamily="49" charset="-127"/>
+              </a:rPr>
+              <a:t>Member</a:t>
+            </a:r>
+            <a:r>
+              <a:rPr lang="en-US" sz="1600" dirty="0" err="1">
+                <a:solidFill>
+                  <a:schemeClr val="tx1"/>
+                </a:solidFill>
+                <a:latin typeface="D2Coding" panose="020B0609020101020101" pitchFamily="49" charset="-127"/>
+                <a:ea typeface="D2Coding" panose="020B0609020101020101" pitchFamily="49" charset="-127"/>
+              </a:rPr>
+              <a:t>AddCommand</a:t>
+            </a:r>
+            <a:endParaRPr lang="ko-Kore-KR" sz="1600" dirty="0">
+              <a:solidFill>
+                <a:schemeClr val="tx1"/>
+              </a:solidFill>
+              <a:latin typeface="D2Coding" panose="020B0609020101020101" pitchFamily="49" charset="-127"/>
+              <a:ea typeface="D2Coding" panose="020B0609020101020101" pitchFamily="49" charset="-127"/>
+            </a:endParaRPr>
+          </a:p>
+        </p:txBody>
+      </p:sp>
+      <p:sp>
+        <p:nvSpPr>
+          <p:cNvPr id="31" name="직사각형 30">
+            <a:extLst>
+              <a:ext uri="{FF2B5EF4-FFF2-40B4-BE49-F238E27FC236}">
+                <a16:creationId xmlns:a16="http://schemas.microsoft.com/office/drawing/2014/main" id="{805F9996-7DCB-0747-A74A-19F84F0777C7}"/>
+              </a:ext>
+            </a:extLst>
+          </p:cNvPr>
+          <p:cNvSpPr/>
+          <p:nvPr/>
+        </p:nvSpPr>
+        <p:spPr>
+          <a:xfrm>
+            <a:off x="7217995" y="1986399"/>
+            <a:ext cx="2505857" cy="679882"/>
+          </a:xfrm>
+          <a:prstGeom prst="rect">
+            <a:avLst/>
+          </a:prstGeom>
+          <a:noFill/>
+          <a:ln w="12700">
+            <a:solidFill>
+              <a:schemeClr val="tx1"/>
+            </a:solidFill>
+          </a:ln>
+        </p:spPr>
+        <p:style>
+          <a:lnRef idx="2">
+            <a:schemeClr val="accent1">
+              <a:shade val="50000"/>
+            </a:schemeClr>
+          </a:lnRef>
+          <a:fillRef idx="1">
+            <a:schemeClr val="accent1"/>
+          </a:fillRef>
+          <a:effectRef idx="0">
+            <a:schemeClr val="accent1"/>
+          </a:effectRef>
+          <a:fontRef idx="minor">
+            <a:schemeClr val="lt1"/>
+          </a:fontRef>
+        </p:style>
+        <p:txBody>
+          <a:bodyPr rtlCol="0" anchor="ctr"/>
+          <a:lstStyle/>
+          <a:p>
+            <a:pPr algn="ctr"/>
+            <a:r>
+              <a:rPr lang="ko-Kore-KR" sz="1400" dirty="0">
+                <a:solidFill>
+                  <a:schemeClr val="tx1"/>
+                </a:solidFill>
+                <a:latin typeface="D2Coding" panose="020B0609020101020101" pitchFamily="49" charset="-127"/>
+                <a:ea typeface="D2Coding" panose="020B0609020101020101" pitchFamily="49" charset="-127"/>
+              </a:rPr>
+              <a:t>&lt;&lt;/member/list&gt;&gt;</a:t>
+            </a:r>
+          </a:p>
+          <a:p>
+            <a:pPr algn="ctr"/>
+            <a:r>
+              <a:rPr lang="ko-Kore-KR" sz="1600" dirty="0">
+                <a:solidFill>
+                  <a:schemeClr val="tx1"/>
+                </a:solidFill>
+                <a:latin typeface="D2Coding" panose="020B0609020101020101" pitchFamily="49" charset="-127"/>
+                <a:ea typeface="D2Coding" panose="020B0609020101020101" pitchFamily="49" charset="-127"/>
+              </a:rPr>
+              <a:t>Member</a:t>
+            </a:r>
+            <a:r>
+              <a:rPr lang="en-US" sz="1600" dirty="0" err="1">
+                <a:solidFill>
+                  <a:schemeClr val="tx1"/>
+                </a:solidFill>
+                <a:latin typeface="D2Coding" panose="020B0609020101020101" pitchFamily="49" charset="-127"/>
+                <a:ea typeface="D2Coding" panose="020B0609020101020101" pitchFamily="49" charset="-127"/>
+              </a:rPr>
+              <a:t>ListCommand</a:t>
+            </a:r>
+            <a:endParaRPr lang="ko-Kore-KR" sz="1600" dirty="0">
+              <a:solidFill>
+                <a:schemeClr val="tx1"/>
+              </a:solidFill>
+              <a:latin typeface="D2Coding" panose="020B0609020101020101" pitchFamily="49" charset="-127"/>
+              <a:ea typeface="D2Coding" panose="020B0609020101020101" pitchFamily="49" charset="-127"/>
+            </a:endParaRPr>
+          </a:p>
+        </p:txBody>
+      </p:sp>
+      <p:sp>
+        <p:nvSpPr>
+          <p:cNvPr id="32" name="직사각형 31">
+            <a:extLst>
+              <a:ext uri="{FF2B5EF4-FFF2-40B4-BE49-F238E27FC236}">
+                <a16:creationId xmlns:a16="http://schemas.microsoft.com/office/drawing/2014/main" id="{B354C786-CAE2-7741-8432-7929966C5568}"/>
+              </a:ext>
+            </a:extLst>
+          </p:cNvPr>
+          <p:cNvSpPr/>
+          <p:nvPr/>
+        </p:nvSpPr>
+        <p:spPr>
+          <a:xfrm>
+            <a:off x="7217995" y="2913008"/>
+            <a:ext cx="2505857" cy="679882"/>
+          </a:xfrm>
+          <a:prstGeom prst="rect">
+            <a:avLst/>
+          </a:prstGeom>
+          <a:noFill/>
+          <a:ln w="12700">
+            <a:solidFill>
+              <a:schemeClr val="tx1"/>
+            </a:solidFill>
+          </a:ln>
+        </p:spPr>
+        <p:style>
+          <a:lnRef idx="2">
+            <a:schemeClr val="accent1">
+              <a:shade val="50000"/>
+            </a:schemeClr>
+          </a:lnRef>
+          <a:fillRef idx="1">
+            <a:schemeClr val="accent1"/>
+          </a:fillRef>
+          <a:effectRef idx="0">
+            <a:schemeClr val="accent1"/>
+          </a:effectRef>
+          <a:fontRef idx="minor">
+            <a:schemeClr val="lt1"/>
+          </a:fontRef>
+        </p:style>
+        <p:txBody>
+          <a:bodyPr rtlCol="0" anchor="ctr"/>
+          <a:lstStyle/>
+          <a:p>
+            <a:pPr algn="ctr"/>
+            <a:r>
+              <a:rPr lang="ko-Kore-KR" sz="1400" dirty="0">
+                <a:solidFill>
+                  <a:schemeClr val="tx1"/>
+                </a:solidFill>
+                <a:latin typeface="D2Coding" panose="020B0609020101020101" pitchFamily="49" charset="-127"/>
+                <a:ea typeface="D2Coding" panose="020B0609020101020101" pitchFamily="49" charset="-127"/>
+              </a:rPr>
+              <a:t>&lt;&lt;/member/detail&gt;&gt;</a:t>
+            </a:r>
+          </a:p>
+          <a:p>
+            <a:pPr algn="ctr"/>
+            <a:r>
+              <a:rPr lang="ko-Kore-KR" sz="1600" dirty="0">
+                <a:solidFill>
+                  <a:schemeClr val="tx1"/>
+                </a:solidFill>
+                <a:latin typeface="D2Coding" panose="020B0609020101020101" pitchFamily="49" charset="-127"/>
+                <a:ea typeface="D2Coding" panose="020B0609020101020101" pitchFamily="49" charset="-127"/>
+              </a:rPr>
+              <a:t>Member</a:t>
+            </a:r>
+            <a:r>
+              <a:rPr lang="en-US" sz="1600" dirty="0" err="1">
+                <a:solidFill>
+                  <a:schemeClr val="tx1"/>
+                </a:solidFill>
+                <a:latin typeface="D2Coding" panose="020B0609020101020101" pitchFamily="49" charset="-127"/>
+                <a:ea typeface="D2Coding" panose="020B0609020101020101" pitchFamily="49" charset="-127"/>
+              </a:rPr>
+              <a:t>DetailCommand</a:t>
+            </a:r>
+            <a:endParaRPr lang="ko-Kore-KR" sz="1600" dirty="0">
+              <a:solidFill>
+                <a:schemeClr val="tx1"/>
+              </a:solidFill>
+              <a:latin typeface="D2Coding" panose="020B0609020101020101" pitchFamily="49" charset="-127"/>
+              <a:ea typeface="D2Coding" panose="020B0609020101020101" pitchFamily="49" charset="-127"/>
+            </a:endParaRPr>
+          </a:p>
+        </p:txBody>
+      </p:sp>
+      <p:sp>
+        <p:nvSpPr>
+          <p:cNvPr id="34" name="직사각형 33">
+            <a:extLst>
+              <a:ext uri="{FF2B5EF4-FFF2-40B4-BE49-F238E27FC236}">
+                <a16:creationId xmlns:a16="http://schemas.microsoft.com/office/drawing/2014/main" id="{FED05302-503E-3446-A6A7-EB0248480438}"/>
+              </a:ext>
+            </a:extLst>
+          </p:cNvPr>
+          <p:cNvSpPr/>
+          <p:nvPr/>
+        </p:nvSpPr>
+        <p:spPr>
+          <a:xfrm>
+            <a:off x="7217995" y="3839617"/>
+            <a:ext cx="2505857" cy="679882"/>
+          </a:xfrm>
+          <a:prstGeom prst="rect">
+            <a:avLst/>
+          </a:prstGeom>
+          <a:noFill/>
+          <a:ln w="12700">
+            <a:solidFill>
+              <a:schemeClr val="tx1"/>
+            </a:solidFill>
+          </a:ln>
+        </p:spPr>
+        <p:style>
+          <a:lnRef idx="2">
+            <a:schemeClr val="accent1">
+              <a:shade val="50000"/>
+            </a:schemeClr>
+          </a:lnRef>
+          <a:fillRef idx="1">
+            <a:schemeClr val="accent1"/>
+          </a:fillRef>
+          <a:effectRef idx="0">
+            <a:schemeClr val="accent1"/>
+          </a:effectRef>
+          <a:fontRef idx="minor">
+            <a:schemeClr val="lt1"/>
+          </a:fontRef>
+        </p:style>
+        <p:txBody>
+          <a:bodyPr rtlCol="0" anchor="ctr"/>
+          <a:lstStyle/>
+          <a:p>
+            <a:pPr algn="ctr"/>
+            <a:r>
+              <a:rPr lang="ko-Kore-KR" sz="1400" dirty="0">
+                <a:solidFill>
+                  <a:schemeClr val="tx1"/>
+                </a:solidFill>
+                <a:latin typeface="D2Coding" panose="020B0609020101020101" pitchFamily="49" charset="-127"/>
+                <a:ea typeface="D2Coding" panose="020B0609020101020101" pitchFamily="49" charset="-127"/>
+              </a:rPr>
+              <a:t>&lt;&lt;/member/update&gt;&gt;</a:t>
+            </a:r>
+          </a:p>
+          <a:p>
+            <a:pPr algn="ctr"/>
+            <a:r>
+              <a:rPr lang="ko-Kore-KR" sz="1600" dirty="0">
+                <a:solidFill>
+                  <a:schemeClr val="tx1"/>
+                </a:solidFill>
+                <a:latin typeface="D2Coding" panose="020B0609020101020101" pitchFamily="49" charset="-127"/>
+                <a:ea typeface="D2Coding" panose="020B0609020101020101" pitchFamily="49" charset="-127"/>
+              </a:rPr>
+              <a:t>Member</a:t>
+            </a:r>
+            <a:r>
+              <a:rPr lang="en-US" sz="1600" dirty="0" err="1">
+                <a:solidFill>
+                  <a:schemeClr val="tx1"/>
+                </a:solidFill>
+                <a:latin typeface="D2Coding" panose="020B0609020101020101" pitchFamily="49" charset="-127"/>
+                <a:ea typeface="D2Coding" panose="020B0609020101020101" pitchFamily="49" charset="-127"/>
+              </a:rPr>
+              <a:t>UpdateCommand</a:t>
+            </a:r>
+            <a:endParaRPr lang="ko-Kore-KR" sz="1600" dirty="0">
+              <a:solidFill>
+                <a:schemeClr val="tx1"/>
+              </a:solidFill>
+              <a:latin typeface="D2Coding" panose="020B0609020101020101" pitchFamily="49" charset="-127"/>
+              <a:ea typeface="D2Coding" panose="020B0609020101020101" pitchFamily="49" charset="-127"/>
+            </a:endParaRPr>
+          </a:p>
+        </p:txBody>
+      </p:sp>
+      <p:sp>
+        <p:nvSpPr>
+          <p:cNvPr id="36" name="직사각형 35">
+            <a:extLst>
+              <a:ext uri="{FF2B5EF4-FFF2-40B4-BE49-F238E27FC236}">
+                <a16:creationId xmlns:a16="http://schemas.microsoft.com/office/drawing/2014/main" id="{CBB49ADD-34E1-E345-97ED-D024C445456C}"/>
+              </a:ext>
+            </a:extLst>
+          </p:cNvPr>
+          <p:cNvSpPr/>
+          <p:nvPr/>
+        </p:nvSpPr>
+        <p:spPr>
+          <a:xfrm>
+            <a:off x="7217995" y="4766226"/>
+            <a:ext cx="2505857" cy="679882"/>
+          </a:xfrm>
+          <a:prstGeom prst="rect">
+            <a:avLst/>
+          </a:prstGeom>
+          <a:noFill/>
+          <a:ln w="12700">
+            <a:solidFill>
+              <a:schemeClr val="tx1"/>
+            </a:solidFill>
+          </a:ln>
+        </p:spPr>
+        <p:style>
+          <a:lnRef idx="2">
+            <a:schemeClr val="accent1">
+              <a:shade val="50000"/>
+            </a:schemeClr>
+          </a:lnRef>
+          <a:fillRef idx="1">
+            <a:schemeClr val="accent1"/>
+          </a:fillRef>
+          <a:effectRef idx="0">
+            <a:schemeClr val="accent1"/>
+          </a:effectRef>
+          <a:fontRef idx="minor">
+            <a:schemeClr val="lt1"/>
+          </a:fontRef>
+        </p:style>
+        <p:txBody>
+          <a:bodyPr rtlCol="0" anchor="ctr"/>
+          <a:lstStyle/>
+          <a:p>
+            <a:pPr algn="ctr"/>
+            <a:r>
+              <a:rPr lang="ko-Kore-KR" sz="1400" dirty="0">
+                <a:solidFill>
+                  <a:schemeClr val="tx1"/>
+                </a:solidFill>
+                <a:latin typeface="D2Coding" panose="020B0609020101020101" pitchFamily="49" charset="-127"/>
+                <a:ea typeface="D2Coding" panose="020B0609020101020101" pitchFamily="49" charset="-127"/>
+              </a:rPr>
+              <a:t>&lt;&lt;/member/delete&gt;&gt;</a:t>
+            </a:r>
+          </a:p>
+          <a:p>
+            <a:pPr algn="ctr"/>
+            <a:r>
+              <a:rPr lang="ko-Kore-KR" sz="1600" dirty="0">
+                <a:solidFill>
+                  <a:schemeClr val="tx1"/>
+                </a:solidFill>
+                <a:latin typeface="D2Coding" panose="020B0609020101020101" pitchFamily="49" charset="-127"/>
+                <a:ea typeface="D2Coding" panose="020B0609020101020101" pitchFamily="49" charset="-127"/>
+              </a:rPr>
+              <a:t>Member</a:t>
+            </a:r>
+            <a:r>
+              <a:rPr lang="en-US" sz="1600" dirty="0" err="1">
+                <a:solidFill>
+                  <a:schemeClr val="tx1"/>
+                </a:solidFill>
+                <a:latin typeface="D2Coding" panose="020B0609020101020101" pitchFamily="49" charset="-127"/>
+                <a:ea typeface="D2Coding" panose="020B0609020101020101" pitchFamily="49" charset="-127"/>
+              </a:rPr>
+              <a:t>DeleteCommand</a:t>
+            </a:r>
+            <a:endParaRPr lang="ko-Kore-KR" sz="1600" dirty="0">
+              <a:solidFill>
+                <a:schemeClr val="tx1"/>
+              </a:solidFill>
+              <a:latin typeface="D2Coding" panose="020B0609020101020101" pitchFamily="49" charset="-127"/>
+              <a:ea typeface="D2Coding" panose="020B0609020101020101" pitchFamily="49" charset="-127"/>
+            </a:endParaRPr>
+          </a:p>
+        </p:txBody>
+      </p:sp>
+      <p:sp>
+        <p:nvSpPr>
+          <p:cNvPr id="45" name="직사각형 44">
+            <a:extLst>
+              <a:ext uri="{FF2B5EF4-FFF2-40B4-BE49-F238E27FC236}">
+                <a16:creationId xmlns:a16="http://schemas.microsoft.com/office/drawing/2014/main" id="{28107A20-226E-AD4D-A18F-578279F0B51B}"/>
+              </a:ext>
+            </a:extLst>
+          </p:cNvPr>
+          <p:cNvSpPr/>
+          <p:nvPr/>
+        </p:nvSpPr>
+        <p:spPr>
+          <a:xfrm>
+            <a:off x="3590143" y="2922418"/>
+            <a:ext cx="2505857" cy="679882"/>
+          </a:xfrm>
+          <a:prstGeom prst="rect">
+            <a:avLst/>
+          </a:prstGeom>
+          <a:noFill/>
+          <a:ln w="12700">
+            <a:solidFill>
+              <a:schemeClr val="tx1"/>
+            </a:solidFill>
+          </a:ln>
+        </p:spPr>
+        <p:style>
+          <a:lnRef idx="2">
+            <a:schemeClr val="accent1">
+              <a:shade val="50000"/>
+            </a:schemeClr>
+          </a:lnRef>
+          <a:fillRef idx="1">
+            <a:schemeClr val="accent1"/>
+          </a:fillRef>
+          <a:effectRef idx="0">
+            <a:schemeClr val="accent1"/>
+          </a:effectRef>
+          <a:fontRef idx="minor">
+            <a:schemeClr val="lt1"/>
+          </a:fontRef>
+        </p:style>
+        <p:txBody>
+          <a:bodyPr rtlCol="0" anchor="ctr"/>
+          <a:lstStyle/>
+          <a:p>
+            <a:pPr algn="ctr"/>
+            <a:r>
+              <a:rPr lang="ko-Kore-KR" sz="1200" dirty="0">
+                <a:solidFill>
+                  <a:schemeClr val="tx1"/>
+                </a:solidFill>
+                <a:latin typeface="D2Coding" panose="020B0609020101020101" pitchFamily="49" charset="-127"/>
+                <a:ea typeface="D2Coding" panose="020B0609020101020101" pitchFamily="49" charset="-127"/>
+              </a:rPr>
+              <a:t>&lt;&lt;interface&gt;&gt;</a:t>
+            </a:r>
+          </a:p>
+          <a:p>
+            <a:pPr algn="ctr"/>
+            <a:r>
+              <a:rPr lang="ko-Kore-KR" sz="1600" dirty="0">
+                <a:solidFill>
+                  <a:schemeClr val="tx1"/>
+                </a:solidFill>
+                <a:latin typeface="D2Coding" panose="020B0609020101020101" pitchFamily="49" charset="-127"/>
+                <a:ea typeface="D2Coding" panose="020B0609020101020101" pitchFamily="49" charset="-127"/>
+              </a:rPr>
+              <a:t>Command</a:t>
+            </a:r>
+          </a:p>
+        </p:txBody>
+      </p:sp>
+      <p:cxnSp>
+        <p:nvCxnSpPr>
+          <p:cNvPr id="26" name="꺾인 연결선[E] 25">
+            <a:extLst>
+              <a:ext uri="{FF2B5EF4-FFF2-40B4-BE49-F238E27FC236}">
+                <a16:creationId xmlns:a16="http://schemas.microsoft.com/office/drawing/2014/main" id="{17E5F67B-E787-9448-AE00-61B506151F52}"/>
+              </a:ext>
+            </a:extLst>
+          </p:cNvPr>
+          <p:cNvCxnSpPr>
+            <a:stCxn id="45" idx="3"/>
+            <a:endCxn id="30" idx="1"/>
+          </p:cNvCxnSpPr>
+          <p:nvPr/>
+        </p:nvCxnSpPr>
+        <p:spPr>
+          <a:xfrm flipV="1">
+            <a:off x="6096000" y="1399587"/>
+            <a:ext cx="1121995" cy="1862772"/>
+          </a:xfrm>
+          <a:prstGeom prst="bentConnector3">
+            <a:avLst/>
+          </a:prstGeom>
+          <a:ln w="12700">
+            <a:solidFill>
+              <a:schemeClr val="tx1"/>
+            </a:solidFill>
+            <a:prstDash val="sysDash"/>
+            <a:headEnd type="triangle" w="lg" len="lg"/>
+            <a:tailEnd type="none"/>
+          </a:ln>
+        </p:spPr>
+        <p:style>
+          <a:lnRef idx="1">
+            <a:schemeClr val="accent1"/>
+          </a:lnRef>
+          <a:fillRef idx="0">
+            <a:schemeClr val="accent1"/>
+          </a:fillRef>
+          <a:effectRef idx="0">
+            <a:schemeClr val="accent1"/>
+          </a:effectRef>
+          <a:fontRef idx="minor">
+            <a:schemeClr val="tx1"/>
+          </a:fontRef>
+        </p:style>
+      </p:cxnSp>
+      <p:cxnSp>
+        <p:nvCxnSpPr>
+          <p:cNvPr id="51" name="꺾인 연결선[E] 50">
+            <a:extLst>
+              <a:ext uri="{FF2B5EF4-FFF2-40B4-BE49-F238E27FC236}">
+                <a16:creationId xmlns:a16="http://schemas.microsoft.com/office/drawing/2014/main" id="{4F9C7641-95BF-C542-ACA8-41AD49405B90}"/>
+              </a:ext>
+            </a:extLst>
+          </p:cNvPr>
+          <p:cNvCxnSpPr>
+            <a:cxnSpLocks/>
+            <a:stCxn id="45" idx="3"/>
+            <a:endCxn id="31" idx="1"/>
+          </p:cNvCxnSpPr>
+          <p:nvPr/>
+        </p:nvCxnSpPr>
+        <p:spPr>
+          <a:xfrm flipV="1">
+            <a:off x="6096000" y="2326340"/>
+            <a:ext cx="1121995" cy="936019"/>
+          </a:xfrm>
+          <a:prstGeom prst="bentConnector3">
+            <a:avLst>
+              <a:gd name="adj1" fmla="val 50000"/>
+            </a:avLst>
+          </a:prstGeom>
+          <a:ln w="12700">
+            <a:solidFill>
+              <a:schemeClr val="tx1"/>
+            </a:solidFill>
+            <a:prstDash val="sysDash"/>
+            <a:headEnd type="triangle" w="lg" len="lg"/>
+            <a:tailEnd type="none"/>
+          </a:ln>
+        </p:spPr>
+        <p:style>
+          <a:lnRef idx="1">
+            <a:schemeClr val="accent1"/>
+          </a:lnRef>
+          <a:fillRef idx="0">
+            <a:schemeClr val="accent1"/>
+          </a:fillRef>
+          <a:effectRef idx="0">
+            <a:schemeClr val="accent1"/>
+          </a:effectRef>
+          <a:fontRef idx="minor">
+            <a:schemeClr val="tx1"/>
+          </a:fontRef>
+        </p:style>
+      </p:cxnSp>
+      <p:cxnSp>
+        <p:nvCxnSpPr>
+          <p:cNvPr id="56" name="꺾인 연결선[E] 55">
+            <a:extLst>
+              <a:ext uri="{FF2B5EF4-FFF2-40B4-BE49-F238E27FC236}">
+                <a16:creationId xmlns:a16="http://schemas.microsoft.com/office/drawing/2014/main" id="{D28EC8A1-ECC5-F54B-83E5-EADFB8929A9B}"/>
+              </a:ext>
+            </a:extLst>
+          </p:cNvPr>
+          <p:cNvCxnSpPr>
+            <a:cxnSpLocks/>
+            <a:stCxn id="45" idx="3"/>
+            <a:endCxn id="32" idx="1"/>
+          </p:cNvCxnSpPr>
+          <p:nvPr/>
+        </p:nvCxnSpPr>
+        <p:spPr>
+          <a:xfrm flipV="1">
+            <a:off x="6096000" y="3252949"/>
+            <a:ext cx="1121995" cy="9410"/>
+          </a:xfrm>
+          <a:prstGeom prst="bentConnector3">
+            <a:avLst>
+              <a:gd name="adj1" fmla="val 50000"/>
+            </a:avLst>
+          </a:prstGeom>
+          <a:ln w="12700">
+            <a:solidFill>
+              <a:schemeClr val="tx1"/>
+            </a:solidFill>
+            <a:prstDash val="sysDash"/>
+            <a:headEnd type="triangle" w="lg" len="lg"/>
+            <a:tailEnd type="none"/>
+          </a:ln>
+        </p:spPr>
+        <p:style>
+          <a:lnRef idx="1">
+            <a:schemeClr val="accent1"/>
+          </a:lnRef>
+          <a:fillRef idx="0">
+            <a:schemeClr val="accent1"/>
+          </a:fillRef>
+          <a:effectRef idx="0">
+            <a:schemeClr val="accent1"/>
+          </a:effectRef>
+          <a:fontRef idx="minor">
+            <a:schemeClr val="tx1"/>
+          </a:fontRef>
+        </p:style>
+      </p:cxnSp>
+      <p:cxnSp>
+        <p:nvCxnSpPr>
+          <p:cNvPr id="57" name="꺾인 연결선[E] 56">
+            <a:extLst>
+              <a:ext uri="{FF2B5EF4-FFF2-40B4-BE49-F238E27FC236}">
+                <a16:creationId xmlns:a16="http://schemas.microsoft.com/office/drawing/2014/main" id="{F9120F55-1909-0347-BB10-B2108F13D146}"/>
+              </a:ext>
+            </a:extLst>
+          </p:cNvPr>
+          <p:cNvCxnSpPr>
+            <a:cxnSpLocks/>
+            <a:stCxn id="45" idx="3"/>
+            <a:endCxn id="34" idx="1"/>
+          </p:cNvCxnSpPr>
+          <p:nvPr/>
+        </p:nvCxnSpPr>
+        <p:spPr>
+          <a:xfrm>
+            <a:off x="6096000" y="3262359"/>
+            <a:ext cx="1121995" cy="917199"/>
+          </a:xfrm>
+          <a:prstGeom prst="bentConnector3">
+            <a:avLst>
+              <a:gd name="adj1" fmla="val 50000"/>
+            </a:avLst>
+          </a:prstGeom>
+          <a:ln w="12700">
+            <a:solidFill>
+              <a:schemeClr val="tx1"/>
+            </a:solidFill>
+            <a:prstDash val="sysDash"/>
+            <a:headEnd type="triangle" w="lg" len="lg"/>
+            <a:tailEnd type="none"/>
+          </a:ln>
+        </p:spPr>
+        <p:style>
+          <a:lnRef idx="1">
+            <a:schemeClr val="accent1"/>
+          </a:lnRef>
+          <a:fillRef idx="0">
+            <a:schemeClr val="accent1"/>
+          </a:fillRef>
+          <a:effectRef idx="0">
+            <a:schemeClr val="accent1"/>
+          </a:effectRef>
+          <a:fontRef idx="minor">
+            <a:schemeClr val="tx1"/>
+          </a:fontRef>
+        </p:style>
+      </p:cxnSp>
+      <p:cxnSp>
+        <p:nvCxnSpPr>
+          <p:cNvPr id="60" name="꺾인 연결선[E] 59">
+            <a:extLst>
+              <a:ext uri="{FF2B5EF4-FFF2-40B4-BE49-F238E27FC236}">
+                <a16:creationId xmlns:a16="http://schemas.microsoft.com/office/drawing/2014/main" id="{DFDBF4E0-C2E3-8F4F-AC04-B35600087502}"/>
+              </a:ext>
+            </a:extLst>
+          </p:cNvPr>
+          <p:cNvCxnSpPr>
+            <a:cxnSpLocks/>
+            <a:stCxn id="45" idx="3"/>
+            <a:endCxn id="36" idx="1"/>
+          </p:cNvCxnSpPr>
+          <p:nvPr/>
+        </p:nvCxnSpPr>
+        <p:spPr>
+          <a:xfrm>
+            <a:off x="6096000" y="3262359"/>
+            <a:ext cx="1121995" cy="1843808"/>
+          </a:xfrm>
+          <a:prstGeom prst="bentConnector3">
+            <a:avLst>
+              <a:gd name="adj1" fmla="val 50000"/>
+            </a:avLst>
+          </a:prstGeom>
+          <a:ln w="12700">
+            <a:solidFill>
+              <a:schemeClr val="tx1"/>
+            </a:solidFill>
+            <a:prstDash val="sysDash"/>
+            <a:headEnd type="triangle" w="lg" len="lg"/>
+            <a:tailEnd type="none"/>
+          </a:ln>
+        </p:spPr>
+        <p:style>
+          <a:lnRef idx="1">
+            <a:schemeClr val="accent1"/>
+          </a:lnRef>
+          <a:fillRef idx="0">
+            <a:schemeClr val="accent1"/>
+          </a:fillRef>
+          <a:effectRef idx="0">
+            <a:schemeClr val="accent1"/>
+          </a:effectRef>
+          <a:fontRef idx="minor">
+            <a:schemeClr val="tx1"/>
+          </a:fontRef>
+        </p:style>
+      </p:cxnSp>
+      <p:cxnSp>
+        <p:nvCxnSpPr>
+          <p:cNvPr id="63" name="직선 화살표 연결선 62">
+            <a:extLst>
+              <a:ext uri="{FF2B5EF4-FFF2-40B4-BE49-F238E27FC236}">
+                <a16:creationId xmlns:a16="http://schemas.microsoft.com/office/drawing/2014/main" id="{D6D4FDB7-8249-1E4D-AB23-2837B627605D}"/>
+              </a:ext>
+            </a:extLst>
+          </p:cNvPr>
+          <p:cNvCxnSpPr>
+            <a:cxnSpLocks/>
+            <a:stCxn id="30" idx="3"/>
+          </p:cNvCxnSpPr>
+          <p:nvPr/>
+        </p:nvCxnSpPr>
+        <p:spPr>
+          <a:xfrm>
+            <a:off x="9723852" y="1399587"/>
+            <a:ext cx="962779" cy="1862772"/>
+          </a:xfrm>
+          <a:prstGeom prst="straightConnector1">
+            <a:avLst/>
+          </a:prstGeom>
+          <a:ln w="12700">
+            <a:solidFill>
+              <a:schemeClr val="tx1"/>
+            </a:solidFill>
+            <a:headEnd type="none" w="lg" len="lg"/>
+            <a:tailEnd type="arrow" w="lg" len="lg"/>
+          </a:ln>
+        </p:spPr>
+        <p:style>
+          <a:lnRef idx="1">
+            <a:schemeClr val="accent1"/>
+          </a:lnRef>
+          <a:fillRef idx="0">
+            <a:schemeClr val="accent1"/>
+          </a:fillRef>
+          <a:effectRef idx="0">
+            <a:schemeClr val="accent1"/>
+          </a:effectRef>
+          <a:fontRef idx="minor">
+            <a:schemeClr val="tx1"/>
+          </a:fontRef>
+        </p:style>
+      </p:cxnSp>
+      <p:cxnSp>
+        <p:nvCxnSpPr>
+          <p:cNvPr id="66" name="직선 화살표 연결선 65">
+            <a:extLst>
+              <a:ext uri="{FF2B5EF4-FFF2-40B4-BE49-F238E27FC236}">
+                <a16:creationId xmlns:a16="http://schemas.microsoft.com/office/drawing/2014/main" id="{BA5E2C29-3A2D-1048-907E-0A25221F956F}"/>
+              </a:ext>
+            </a:extLst>
+          </p:cNvPr>
+          <p:cNvCxnSpPr>
+            <a:cxnSpLocks/>
+            <a:stCxn id="31" idx="3"/>
+            <a:endCxn id="20" idx="1"/>
+          </p:cNvCxnSpPr>
+          <p:nvPr/>
+        </p:nvCxnSpPr>
+        <p:spPr>
+          <a:xfrm>
+            <a:off x="9723852" y="2326340"/>
+            <a:ext cx="973767" cy="926609"/>
+          </a:xfrm>
+          <a:prstGeom prst="straightConnector1">
+            <a:avLst/>
+          </a:prstGeom>
+          <a:ln w="12700">
+            <a:solidFill>
+              <a:schemeClr val="tx1"/>
+            </a:solidFill>
+            <a:headEnd type="none" w="lg" len="lg"/>
+            <a:tailEnd type="arrow" w="lg" len="lg"/>
+          </a:ln>
+        </p:spPr>
+        <p:style>
+          <a:lnRef idx="1">
+            <a:schemeClr val="accent1"/>
+          </a:lnRef>
+          <a:fillRef idx="0">
+            <a:schemeClr val="accent1"/>
+          </a:fillRef>
+          <a:effectRef idx="0">
+            <a:schemeClr val="accent1"/>
+          </a:effectRef>
+          <a:fontRef idx="minor">
+            <a:schemeClr val="tx1"/>
+          </a:fontRef>
+        </p:style>
+      </p:cxnSp>
+      <p:cxnSp>
+        <p:nvCxnSpPr>
+          <p:cNvPr id="69" name="직선 화살표 연결선 68">
+            <a:extLst>
+              <a:ext uri="{FF2B5EF4-FFF2-40B4-BE49-F238E27FC236}">
+                <a16:creationId xmlns:a16="http://schemas.microsoft.com/office/drawing/2014/main" id="{32EEE308-818C-0440-A30E-B10664B6DBF3}"/>
+              </a:ext>
+            </a:extLst>
+          </p:cNvPr>
+          <p:cNvCxnSpPr>
+            <a:cxnSpLocks/>
+            <a:stCxn id="32" idx="3"/>
+            <a:endCxn id="20" idx="1"/>
+          </p:cNvCxnSpPr>
+          <p:nvPr/>
+        </p:nvCxnSpPr>
+        <p:spPr>
+          <a:xfrm>
+            <a:off x="9723852" y="3252949"/>
+            <a:ext cx="973767" cy="0"/>
+          </a:xfrm>
+          <a:prstGeom prst="straightConnector1">
+            <a:avLst/>
+          </a:prstGeom>
+          <a:ln w="12700">
+            <a:solidFill>
+              <a:schemeClr val="tx1"/>
+            </a:solidFill>
+            <a:headEnd type="none" w="lg" len="lg"/>
+            <a:tailEnd type="arrow" w="lg" len="lg"/>
+          </a:ln>
+        </p:spPr>
+        <p:style>
+          <a:lnRef idx="1">
+            <a:schemeClr val="accent1"/>
+          </a:lnRef>
+          <a:fillRef idx="0">
+            <a:schemeClr val="accent1"/>
+          </a:fillRef>
+          <a:effectRef idx="0">
+            <a:schemeClr val="accent1"/>
+          </a:effectRef>
+          <a:fontRef idx="minor">
+            <a:schemeClr val="tx1"/>
+          </a:fontRef>
+        </p:style>
+      </p:cxnSp>
+      <p:cxnSp>
+        <p:nvCxnSpPr>
+          <p:cNvPr id="72" name="직선 화살표 연결선 71">
+            <a:extLst>
+              <a:ext uri="{FF2B5EF4-FFF2-40B4-BE49-F238E27FC236}">
+                <a16:creationId xmlns:a16="http://schemas.microsoft.com/office/drawing/2014/main" id="{E9FFE200-8F5F-404E-A63D-0A399C39D149}"/>
+              </a:ext>
+            </a:extLst>
+          </p:cNvPr>
+          <p:cNvCxnSpPr>
+            <a:cxnSpLocks/>
+            <a:stCxn id="34" idx="3"/>
+            <a:endCxn id="20" idx="1"/>
+          </p:cNvCxnSpPr>
+          <p:nvPr/>
+        </p:nvCxnSpPr>
+        <p:spPr>
+          <a:xfrm flipV="1">
+            <a:off x="9723852" y="3252949"/>
+            <a:ext cx="973767" cy="926609"/>
+          </a:xfrm>
+          <a:prstGeom prst="straightConnector1">
+            <a:avLst/>
+          </a:prstGeom>
+          <a:ln w="12700">
+            <a:solidFill>
+              <a:schemeClr val="tx1"/>
+            </a:solidFill>
+            <a:headEnd type="none" w="lg" len="lg"/>
+            <a:tailEnd type="arrow" w="lg" len="lg"/>
+          </a:ln>
+        </p:spPr>
+        <p:style>
+          <a:lnRef idx="1">
+            <a:schemeClr val="accent1"/>
+          </a:lnRef>
+          <a:fillRef idx="0">
+            <a:schemeClr val="accent1"/>
+          </a:fillRef>
+          <a:effectRef idx="0">
+            <a:schemeClr val="accent1"/>
+          </a:effectRef>
+          <a:fontRef idx="minor">
+            <a:schemeClr val="tx1"/>
+          </a:fontRef>
+        </p:style>
+      </p:cxnSp>
+      <p:cxnSp>
+        <p:nvCxnSpPr>
+          <p:cNvPr id="75" name="직선 화살표 연결선 74">
+            <a:extLst>
+              <a:ext uri="{FF2B5EF4-FFF2-40B4-BE49-F238E27FC236}">
+                <a16:creationId xmlns:a16="http://schemas.microsoft.com/office/drawing/2014/main" id="{8738FA21-687C-CE41-8A88-93E8D8758AF7}"/>
+              </a:ext>
+            </a:extLst>
+          </p:cNvPr>
+          <p:cNvCxnSpPr>
+            <a:cxnSpLocks/>
+            <a:stCxn id="36" idx="3"/>
+            <a:endCxn id="20" idx="1"/>
+          </p:cNvCxnSpPr>
+          <p:nvPr/>
+        </p:nvCxnSpPr>
+        <p:spPr>
+          <a:xfrm flipV="1">
+            <a:off x="9723852" y="3252949"/>
+            <a:ext cx="973767" cy="1853218"/>
+          </a:xfrm>
+          <a:prstGeom prst="straightConnector1">
+            <a:avLst/>
+          </a:prstGeom>
+          <a:ln w="12700">
+            <a:solidFill>
+              <a:schemeClr val="tx1"/>
+            </a:solidFill>
+            <a:headEnd type="none" w="lg" len="lg"/>
+            <a:tailEnd type="arrow" w="lg" len="lg"/>
+          </a:ln>
+        </p:spPr>
+        <p:style>
+          <a:lnRef idx="1">
+            <a:schemeClr val="accent1"/>
+          </a:lnRef>
+          <a:fillRef idx="0">
+            <a:schemeClr val="accent1"/>
+          </a:fillRef>
+          <a:effectRef idx="0">
+            <a:schemeClr val="accent1"/>
+          </a:effectRef>
+          <a:fontRef idx="minor">
+            <a:schemeClr val="tx1"/>
+          </a:fontRef>
+        </p:style>
+      </p:cxnSp>
+      <p:grpSp>
+        <p:nvGrpSpPr>
+          <p:cNvPr id="80" name="그룹 79">
+            <a:extLst>
+              <a:ext uri="{FF2B5EF4-FFF2-40B4-BE49-F238E27FC236}">
+                <a16:creationId xmlns:a16="http://schemas.microsoft.com/office/drawing/2014/main" id="{9E44D38C-FF51-0641-8B3A-EC0B9E35ECEF}"/>
+              </a:ext>
+            </a:extLst>
+          </p:cNvPr>
+          <p:cNvGrpSpPr/>
+          <p:nvPr/>
+        </p:nvGrpSpPr>
+        <p:grpSpPr>
+          <a:xfrm>
+            <a:off x="1545281" y="4625490"/>
+            <a:ext cx="1160595" cy="680276"/>
+            <a:chOff x="7373805" y="2925186"/>
+            <a:chExt cx="1160595" cy="680276"/>
+          </a:xfrm>
+        </p:grpSpPr>
+        <p:sp>
+          <p:nvSpPr>
+            <p:cNvPr id="81" name="직사각형 80">
+              <a:extLst>
+                <a:ext uri="{FF2B5EF4-FFF2-40B4-BE49-F238E27FC236}">
+                  <a16:creationId xmlns:a16="http://schemas.microsoft.com/office/drawing/2014/main" id="{7EC5C59D-1734-C443-93B7-53017B0E2388}"/>
+                </a:ext>
+              </a:extLst>
+            </p:cNvPr>
+            <p:cNvSpPr/>
+            <p:nvPr/>
+          </p:nvSpPr>
+          <p:spPr>
+            <a:xfrm>
+              <a:off x="7384794" y="2925580"/>
+              <a:ext cx="1149606" cy="679882"/>
+            </a:xfrm>
+            <a:prstGeom prst="rect">
+              <a:avLst/>
+            </a:prstGeom>
+            <a:noFill/>
+            <a:ln w="12700">
+              <a:solidFill>
+                <a:schemeClr val="tx1"/>
+              </a:solidFill>
+            </a:ln>
+          </p:spPr>
+          <p:style>
+            <a:lnRef idx="2">
+              <a:schemeClr val="accent1">
+                <a:shade val="50000"/>
+              </a:schemeClr>
+            </a:lnRef>
+            <a:fillRef idx="1">
+              <a:schemeClr val="accent1"/>
+            </a:fillRef>
+            <a:effectRef idx="0">
+              <a:schemeClr val="accent1"/>
+            </a:effectRef>
+            <a:fontRef idx="minor">
+              <a:schemeClr val="lt1"/>
+            </a:fontRef>
+          </p:style>
+          <p:txBody>
+            <a:bodyPr rtlCol="0" anchor="ctr"/>
+            <a:lstStyle/>
+            <a:p>
+              <a:pPr algn="ctr"/>
+              <a:r>
+                <a:rPr lang="ko-Kore-KR" sz="1600" dirty="0">
+                  <a:solidFill>
+                    <a:schemeClr val="tx1"/>
+                  </a:solidFill>
+                  <a:latin typeface="D2Coding" panose="020B0609020101020101" pitchFamily="49" charset="-127"/>
+                  <a:ea typeface="D2Coding" panose="020B0609020101020101" pitchFamily="49" charset="-127"/>
+                </a:rPr>
+                <a:t>HashMap</a:t>
+              </a:r>
+            </a:p>
+          </p:txBody>
+        </p:sp>
+        <p:sp>
+          <p:nvSpPr>
+            <p:cNvPr id="82" name="TextBox 81">
+              <a:extLst>
+                <a:ext uri="{FF2B5EF4-FFF2-40B4-BE49-F238E27FC236}">
+                  <a16:creationId xmlns:a16="http://schemas.microsoft.com/office/drawing/2014/main" id="{1FA66925-8317-1A41-ABBF-FB38D1A08F3E}"/>
+                </a:ext>
+              </a:extLst>
+            </p:cNvPr>
+            <p:cNvSpPr txBox="1"/>
+            <p:nvPr/>
+          </p:nvSpPr>
+          <p:spPr>
+            <a:xfrm>
+              <a:off x="7373805" y="2925186"/>
+              <a:ext cx="1160595" cy="276999"/>
+            </a:xfrm>
+            <a:prstGeom prst="rect">
+              <a:avLst/>
+            </a:prstGeom>
+            <a:noFill/>
+            <a:ln w="12700">
+              <a:noFill/>
+            </a:ln>
+          </p:spPr>
+          <p:txBody>
+            <a:bodyPr wrap="square" rtlCol="0">
+              <a:spAutoFit/>
+            </a:bodyPr>
+            <a:lstStyle/>
+            <a:p>
+              <a:pPr algn="ctr"/>
+              <a:r>
+                <a:rPr lang="en-US" sz="1200" dirty="0">
+                  <a:latin typeface="D2Coding" panose="020B0609020101020101" pitchFamily="49" charset="-127"/>
+                  <a:ea typeface="D2Coding" panose="020B0609020101020101" pitchFamily="49" charset="-127"/>
+                </a:rPr>
+                <a:t>j</a:t>
+              </a:r>
+              <a:r>
+                <a:rPr lang="ko-Kore-KR" sz="1200" dirty="0">
+                  <a:latin typeface="D2Coding" panose="020B0609020101020101" pitchFamily="49" charset="-127"/>
+                  <a:ea typeface="D2Coding" panose="020B0609020101020101" pitchFamily="49" charset="-127"/>
+                </a:rPr>
+                <a:t>ava.util</a:t>
+              </a:r>
+            </a:p>
+          </p:txBody>
+        </p:sp>
+      </p:grpSp>
+      <p:cxnSp>
+        <p:nvCxnSpPr>
+          <p:cNvPr id="83" name="직선 화살표 연결선 82">
+            <a:extLst>
+              <a:ext uri="{FF2B5EF4-FFF2-40B4-BE49-F238E27FC236}">
+                <a16:creationId xmlns:a16="http://schemas.microsoft.com/office/drawing/2014/main" id="{4E62F438-27D4-9E41-84F2-BB91218907FA}"/>
+              </a:ext>
+            </a:extLst>
+          </p:cNvPr>
+          <p:cNvCxnSpPr>
+            <a:cxnSpLocks/>
+            <a:stCxn id="4" idx="2"/>
+            <a:endCxn id="82" idx="0"/>
+          </p:cNvCxnSpPr>
+          <p:nvPr/>
+        </p:nvCxnSpPr>
+        <p:spPr>
+          <a:xfrm>
+            <a:off x="2125579" y="3605463"/>
+            <a:ext cx="0" cy="1020027"/>
+          </a:xfrm>
+          <a:prstGeom prst="straightConnector1">
+            <a:avLst/>
+          </a:prstGeom>
+          <a:ln w="12700">
+            <a:solidFill>
+              <a:schemeClr val="tx1"/>
+            </a:solidFill>
+            <a:headEnd type="none" w="lg" len="lg"/>
+            <a:tailEnd type="arrow" w="lg" len="lg"/>
+          </a:ln>
+        </p:spPr>
+        <p:style>
+          <a:lnRef idx="1">
+            <a:schemeClr val="accent1"/>
+          </a:lnRef>
+          <a:fillRef idx="0">
+            <a:schemeClr val="accent1"/>
+          </a:fillRef>
+          <a:effectRef idx="0">
+            <a:schemeClr val="accent1"/>
+          </a:effectRef>
+          <a:fontRef idx="minor">
+            <a:schemeClr val="tx1"/>
+          </a:fontRef>
+        </p:style>
+      </p:cxnSp>
+      <p:sp>
+        <p:nvSpPr>
+          <p:cNvPr id="86" name="TextBox 85">
+            <a:extLst>
+              <a:ext uri="{FF2B5EF4-FFF2-40B4-BE49-F238E27FC236}">
+                <a16:creationId xmlns:a16="http://schemas.microsoft.com/office/drawing/2014/main" id="{AED28073-4989-DA49-A47B-B491CE517E3A}"/>
+              </a:ext>
+            </a:extLst>
+          </p:cNvPr>
+          <p:cNvSpPr txBox="1"/>
+          <p:nvPr/>
+        </p:nvSpPr>
+        <p:spPr>
+          <a:xfrm>
+            <a:off x="634397" y="3652957"/>
+            <a:ext cx="1554913" cy="369332"/>
+          </a:xfrm>
+          <a:prstGeom prst="rect">
+            <a:avLst/>
+          </a:prstGeom>
+          <a:noFill/>
+        </p:spPr>
+        <p:txBody>
+          <a:bodyPr wrap="none" rtlCol="0">
+            <a:spAutoFit/>
+          </a:bodyPr>
+          <a:lstStyle/>
+          <a:p>
+            <a:r>
+              <a:rPr lang="ko-Kore-KR" dirty="0"/>
+              <a:t>commandMap</a:t>
+            </a:r>
+          </a:p>
+        </p:txBody>
+      </p:sp>
+      <p:grpSp>
+        <p:nvGrpSpPr>
+          <p:cNvPr id="41" name="그룹 40">
+            <a:extLst>
+              <a:ext uri="{FF2B5EF4-FFF2-40B4-BE49-F238E27FC236}">
+                <a16:creationId xmlns:a16="http://schemas.microsoft.com/office/drawing/2014/main" id="{3992E6C9-1646-6448-9635-CB6C03BF6E61}"/>
+              </a:ext>
+            </a:extLst>
+          </p:cNvPr>
+          <p:cNvGrpSpPr/>
+          <p:nvPr/>
+        </p:nvGrpSpPr>
+        <p:grpSpPr>
+          <a:xfrm>
+            <a:off x="534803" y="1447736"/>
+            <a:ext cx="1160595" cy="680276"/>
+            <a:chOff x="7373805" y="2925186"/>
+            <a:chExt cx="1160595" cy="680276"/>
+          </a:xfrm>
+        </p:grpSpPr>
+        <p:sp>
+          <p:nvSpPr>
+            <p:cNvPr id="42" name="직사각형 41">
+              <a:extLst>
+                <a:ext uri="{FF2B5EF4-FFF2-40B4-BE49-F238E27FC236}">
+                  <a16:creationId xmlns:a16="http://schemas.microsoft.com/office/drawing/2014/main" id="{4D9C0630-4F25-1447-8145-50A3E1E418F6}"/>
+                </a:ext>
+              </a:extLst>
+            </p:cNvPr>
+            <p:cNvSpPr/>
+            <p:nvPr/>
+          </p:nvSpPr>
+          <p:spPr>
+            <a:xfrm>
+              <a:off x="7384794" y="2925580"/>
+              <a:ext cx="1149606" cy="679882"/>
+            </a:xfrm>
+            <a:prstGeom prst="rect">
+              <a:avLst/>
+            </a:prstGeom>
+            <a:noFill/>
+            <a:ln w="12700">
+              <a:solidFill>
+                <a:schemeClr val="tx1"/>
+              </a:solidFill>
+            </a:ln>
+          </p:spPr>
+          <p:style>
+            <a:lnRef idx="2">
+              <a:schemeClr val="accent1">
+                <a:shade val="50000"/>
+              </a:schemeClr>
+            </a:lnRef>
+            <a:fillRef idx="1">
+              <a:schemeClr val="accent1"/>
+            </a:fillRef>
+            <a:effectRef idx="0">
+              <a:schemeClr val="accent1"/>
+            </a:effectRef>
+            <a:fontRef idx="minor">
+              <a:schemeClr val="lt1"/>
+            </a:fontRef>
+          </p:style>
+          <p:txBody>
+            <a:bodyPr rtlCol="0" anchor="ctr"/>
+            <a:lstStyle/>
+            <a:p>
+              <a:pPr algn="ctr"/>
+              <a:r>
+                <a:rPr lang="ko-Kore-KR" sz="1600" dirty="0">
+                  <a:solidFill>
+                    <a:srgbClr val="FF0000"/>
+                  </a:solidFill>
+                  <a:latin typeface="D2Coding" panose="020B0609020101020101" pitchFamily="49" charset="-127"/>
+                  <a:ea typeface="D2Coding" panose="020B0609020101020101" pitchFamily="49" charset="-127"/>
+                </a:rPr>
+                <a:t>File</a:t>
+              </a:r>
+            </a:p>
+          </p:txBody>
+        </p:sp>
+        <p:sp>
+          <p:nvSpPr>
+            <p:cNvPr id="43" name="TextBox 42">
+              <a:extLst>
+                <a:ext uri="{FF2B5EF4-FFF2-40B4-BE49-F238E27FC236}">
+                  <a16:creationId xmlns:a16="http://schemas.microsoft.com/office/drawing/2014/main" id="{CC7BD257-C69C-8A4B-8A52-CFCA9580D72D}"/>
+                </a:ext>
+              </a:extLst>
+            </p:cNvPr>
+            <p:cNvSpPr txBox="1"/>
+            <p:nvPr/>
+          </p:nvSpPr>
+          <p:spPr>
+            <a:xfrm>
+              <a:off x="7373805" y="2925186"/>
+              <a:ext cx="1160595" cy="276999"/>
+            </a:xfrm>
+            <a:prstGeom prst="rect">
+              <a:avLst/>
+            </a:prstGeom>
+            <a:noFill/>
+            <a:ln w="12700">
+              <a:noFill/>
+            </a:ln>
+          </p:spPr>
+          <p:txBody>
+            <a:bodyPr wrap="square" rtlCol="0">
+              <a:spAutoFit/>
+            </a:bodyPr>
+            <a:lstStyle/>
+            <a:p>
+              <a:pPr algn="ctr"/>
+              <a:r>
+                <a:rPr lang="en-US" sz="1200" dirty="0">
+                  <a:latin typeface="D2Coding" panose="020B0609020101020101" pitchFamily="49" charset="-127"/>
+                  <a:ea typeface="D2Coding" panose="020B0609020101020101" pitchFamily="49" charset="-127"/>
+                </a:rPr>
+                <a:t>j</a:t>
+              </a:r>
+              <a:r>
+                <a:rPr lang="ko-Kore-KR" sz="1200" dirty="0">
+                  <a:latin typeface="D2Coding" panose="020B0609020101020101" pitchFamily="49" charset="-127"/>
+                  <a:ea typeface="D2Coding" panose="020B0609020101020101" pitchFamily="49" charset="-127"/>
+                </a:rPr>
+                <a:t>ava.io</a:t>
+              </a:r>
+            </a:p>
+          </p:txBody>
+        </p:sp>
+      </p:grpSp>
+      <p:grpSp>
+        <p:nvGrpSpPr>
+          <p:cNvPr id="46" name="그룹 45">
+            <a:extLst>
+              <a:ext uri="{FF2B5EF4-FFF2-40B4-BE49-F238E27FC236}">
+                <a16:creationId xmlns:a16="http://schemas.microsoft.com/office/drawing/2014/main" id="{7D59564E-43BB-DC4F-8354-BFC187FDB506}"/>
+              </a:ext>
+            </a:extLst>
+          </p:cNvPr>
+          <p:cNvGrpSpPr/>
+          <p:nvPr/>
+        </p:nvGrpSpPr>
+        <p:grpSpPr>
+          <a:xfrm>
+            <a:off x="2508387" y="711896"/>
+            <a:ext cx="1633928" cy="680276"/>
+            <a:chOff x="7373805" y="2925186"/>
+            <a:chExt cx="1160595" cy="680276"/>
+          </a:xfrm>
+        </p:grpSpPr>
+        <p:sp>
+          <p:nvSpPr>
+            <p:cNvPr id="47" name="직사각형 46">
+              <a:extLst>
+                <a:ext uri="{FF2B5EF4-FFF2-40B4-BE49-F238E27FC236}">
+                  <a16:creationId xmlns:a16="http://schemas.microsoft.com/office/drawing/2014/main" id="{B188B599-CE1E-4540-BA85-232FFF5CF2D6}"/>
+                </a:ext>
+              </a:extLst>
+            </p:cNvPr>
+            <p:cNvSpPr/>
+            <p:nvPr/>
+          </p:nvSpPr>
+          <p:spPr>
+            <a:xfrm>
+              <a:off x="7384794" y="2925580"/>
+              <a:ext cx="1149606" cy="679882"/>
+            </a:xfrm>
+            <a:prstGeom prst="rect">
+              <a:avLst/>
+            </a:prstGeom>
+            <a:noFill/>
+            <a:ln w="12700">
+              <a:solidFill>
+                <a:schemeClr val="tx1"/>
+              </a:solidFill>
+            </a:ln>
+          </p:spPr>
+          <p:style>
+            <a:lnRef idx="2">
+              <a:schemeClr val="accent1">
+                <a:shade val="50000"/>
+              </a:schemeClr>
+            </a:lnRef>
+            <a:fillRef idx="1">
+              <a:schemeClr val="accent1"/>
+            </a:fillRef>
+            <a:effectRef idx="0">
+              <a:schemeClr val="accent1"/>
+            </a:effectRef>
+            <a:fontRef idx="minor">
+              <a:schemeClr val="lt1"/>
+            </a:fontRef>
+          </p:style>
+          <p:txBody>
+            <a:bodyPr rtlCol="0" anchor="ctr"/>
+            <a:lstStyle/>
+            <a:p>
+              <a:pPr algn="ctr"/>
+              <a:r>
+                <a:rPr lang="ko-Kore-KR" sz="1600" dirty="0">
+                  <a:solidFill>
+                    <a:srgbClr val="FF0000"/>
+                  </a:solidFill>
+                  <a:latin typeface="D2Coding" panose="020B0609020101020101" pitchFamily="49" charset="-127"/>
+                  <a:ea typeface="D2Coding" panose="020B0609020101020101" pitchFamily="49" charset="-127"/>
+                </a:rPr>
+                <a:t>FileReader</a:t>
+              </a:r>
+            </a:p>
+          </p:txBody>
+        </p:sp>
+        <p:sp>
+          <p:nvSpPr>
+            <p:cNvPr id="48" name="TextBox 47">
+              <a:extLst>
+                <a:ext uri="{FF2B5EF4-FFF2-40B4-BE49-F238E27FC236}">
+                  <a16:creationId xmlns:a16="http://schemas.microsoft.com/office/drawing/2014/main" id="{9F842521-9011-C44C-9AAA-BEFAF2DA760F}"/>
+                </a:ext>
+              </a:extLst>
+            </p:cNvPr>
+            <p:cNvSpPr txBox="1"/>
+            <p:nvPr/>
+          </p:nvSpPr>
+          <p:spPr>
+            <a:xfrm>
+              <a:off x="7373805" y="2925186"/>
+              <a:ext cx="1160595" cy="276999"/>
+            </a:xfrm>
+            <a:prstGeom prst="rect">
+              <a:avLst/>
+            </a:prstGeom>
+            <a:noFill/>
+            <a:ln w="12700">
+              <a:noFill/>
+            </a:ln>
+          </p:spPr>
+          <p:txBody>
+            <a:bodyPr wrap="square" rtlCol="0">
+              <a:spAutoFit/>
+            </a:bodyPr>
+            <a:lstStyle/>
+            <a:p>
+              <a:pPr algn="ctr"/>
+              <a:r>
+                <a:rPr lang="en-US" sz="1200" dirty="0">
+                  <a:latin typeface="D2Coding" panose="020B0609020101020101" pitchFamily="49" charset="-127"/>
+                  <a:ea typeface="D2Coding" panose="020B0609020101020101" pitchFamily="49" charset="-127"/>
+                </a:rPr>
+                <a:t>j</a:t>
+              </a:r>
+              <a:r>
+                <a:rPr lang="ko-Kore-KR" sz="1200" dirty="0">
+                  <a:latin typeface="D2Coding" panose="020B0609020101020101" pitchFamily="49" charset="-127"/>
+                  <a:ea typeface="D2Coding" panose="020B0609020101020101" pitchFamily="49" charset="-127"/>
+                </a:rPr>
+                <a:t>ava.io</a:t>
+              </a:r>
+            </a:p>
+          </p:txBody>
+        </p:sp>
+      </p:grpSp>
+      <p:grpSp>
+        <p:nvGrpSpPr>
+          <p:cNvPr id="53" name="그룹 52">
+            <a:extLst>
+              <a:ext uri="{FF2B5EF4-FFF2-40B4-BE49-F238E27FC236}">
+                <a16:creationId xmlns:a16="http://schemas.microsoft.com/office/drawing/2014/main" id="{2A54C940-1CC3-2B48-9677-1EF895F39940}"/>
+              </a:ext>
+            </a:extLst>
+          </p:cNvPr>
+          <p:cNvGrpSpPr/>
+          <p:nvPr/>
+        </p:nvGrpSpPr>
+        <p:grpSpPr>
+          <a:xfrm>
+            <a:off x="2502293" y="1679086"/>
+            <a:ext cx="1633928" cy="680276"/>
+            <a:chOff x="7373805" y="2925186"/>
+            <a:chExt cx="1160595" cy="680276"/>
+          </a:xfrm>
+        </p:grpSpPr>
+        <p:sp>
+          <p:nvSpPr>
+            <p:cNvPr id="54" name="직사각형 53">
+              <a:extLst>
+                <a:ext uri="{FF2B5EF4-FFF2-40B4-BE49-F238E27FC236}">
+                  <a16:creationId xmlns:a16="http://schemas.microsoft.com/office/drawing/2014/main" id="{64B10644-1BEF-D24C-8ECA-CC2AD7BC3FF2}"/>
+                </a:ext>
+              </a:extLst>
+            </p:cNvPr>
+            <p:cNvSpPr/>
+            <p:nvPr/>
+          </p:nvSpPr>
+          <p:spPr>
+            <a:xfrm>
+              <a:off x="7384794" y="2925580"/>
+              <a:ext cx="1149606" cy="679882"/>
+            </a:xfrm>
+            <a:prstGeom prst="rect">
+              <a:avLst/>
+            </a:prstGeom>
+            <a:noFill/>
+            <a:ln w="12700">
+              <a:solidFill>
+                <a:schemeClr val="tx1"/>
+              </a:solidFill>
+            </a:ln>
+          </p:spPr>
+          <p:style>
+            <a:lnRef idx="2">
+              <a:schemeClr val="accent1">
+                <a:shade val="50000"/>
+              </a:schemeClr>
+            </a:lnRef>
+            <a:fillRef idx="1">
+              <a:schemeClr val="accent1"/>
+            </a:fillRef>
+            <a:effectRef idx="0">
+              <a:schemeClr val="accent1"/>
+            </a:effectRef>
+            <a:fontRef idx="minor">
+              <a:schemeClr val="lt1"/>
+            </a:fontRef>
+          </p:style>
+          <p:txBody>
+            <a:bodyPr rtlCol="0" anchor="ctr"/>
+            <a:lstStyle/>
+            <a:p>
+              <a:pPr algn="ctr"/>
+              <a:r>
+                <a:rPr lang="ko-Kore-KR" sz="1600" dirty="0">
+                  <a:solidFill>
+                    <a:srgbClr val="FF0000"/>
+                  </a:solidFill>
+                  <a:latin typeface="D2Coding" panose="020B0609020101020101" pitchFamily="49" charset="-127"/>
+                  <a:ea typeface="D2Coding" panose="020B0609020101020101" pitchFamily="49" charset="-127"/>
+                </a:rPr>
+                <a:t>FileWriter</a:t>
+              </a:r>
+            </a:p>
+          </p:txBody>
+        </p:sp>
+        <p:sp>
+          <p:nvSpPr>
+            <p:cNvPr id="55" name="TextBox 54">
+              <a:extLst>
+                <a:ext uri="{FF2B5EF4-FFF2-40B4-BE49-F238E27FC236}">
+                  <a16:creationId xmlns:a16="http://schemas.microsoft.com/office/drawing/2014/main" id="{6CCA0402-E6CC-DF45-B513-47C988EA9EAB}"/>
+                </a:ext>
+              </a:extLst>
+            </p:cNvPr>
+            <p:cNvSpPr txBox="1"/>
+            <p:nvPr/>
+          </p:nvSpPr>
+          <p:spPr>
+            <a:xfrm>
+              <a:off x="7373805" y="2925186"/>
+              <a:ext cx="1160595" cy="276999"/>
+            </a:xfrm>
+            <a:prstGeom prst="rect">
+              <a:avLst/>
+            </a:prstGeom>
+            <a:noFill/>
+            <a:ln w="12700">
+              <a:noFill/>
+            </a:ln>
+          </p:spPr>
+          <p:txBody>
+            <a:bodyPr wrap="square" rtlCol="0">
+              <a:spAutoFit/>
+            </a:bodyPr>
+            <a:lstStyle/>
+            <a:p>
+              <a:pPr algn="ctr"/>
+              <a:r>
+                <a:rPr lang="en-US" sz="1200" dirty="0">
+                  <a:latin typeface="D2Coding" panose="020B0609020101020101" pitchFamily="49" charset="-127"/>
+                  <a:ea typeface="D2Coding" panose="020B0609020101020101" pitchFamily="49" charset="-127"/>
+                </a:rPr>
+                <a:t>j</a:t>
+              </a:r>
+              <a:r>
+                <a:rPr lang="ko-Kore-KR" sz="1200" dirty="0">
+                  <a:latin typeface="D2Coding" panose="020B0609020101020101" pitchFamily="49" charset="-127"/>
+                  <a:ea typeface="D2Coding" panose="020B0609020101020101" pitchFamily="49" charset="-127"/>
+                </a:rPr>
+                <a:t>ava.io</a:t>
+              </a:r>
+            </a:p>
+          </p:txBody>
+        </p:sp>
+      </p:grpSp>
+      <p:cxnSp>
+        <p:nvCxnSpPr>
+          <p:cNvPr id="8" name="꺾인 연결선[E] 7">
+            <a:extLst>
+              <a:ext uri="{FF2B5EF4-FFF2-40B4-BE49-F238E27FC236}">
+                <a16:creationId xmlns:a16="http://schemas.microsoft.com/office/drawing/2014/main" id="{9B01ACD3-EF3F-644B-99CF-0EDC2BB1AC67}"/>
+              </a:ext>
+            </a:extLst>
+          </p:cNvPr>
+          <p:cNvCxnSpPr>
+            <a:stCxn id="4" idx="0"/>
+            <a:endCxn id="54" idx="1"/>
+          </p:cNvCxnSpPr>
+          <p:nvPr/>
+        </p:nvCxnSpPr>
+        <p:spPr>
+          <a:xfrm rot="5400000" flipH="1" flipV="1">
+            <a:off x="1868591" y="2276409"/>
+            <a:ext cx="906160" cy="392185"/>
+          </a:xfrm>
+          <a:prstGeom prst="bentConnector2">
+            <a:avLst/>
+          </a:prstGeom>
+          <a:ln w="12700">
+            <a:solidFill>
+              <a:schemeClr val="tx1"/>
+            </a:solidFill>
+            <a:tailEnd type="arrow" w="lg" len="lg"/>
+          </a:ln>
+        </p:spPr>
+        <p:style>
+          <a:lnRef idx="1">
+            <a:schemeClr val="accent1"/>
+          </a:lnRef>
+          <a:fillRef idx="0">
+            <a:schemeClr val="accent1"/>
+          </a:fillRef>
+          <a:effectRef idx="0">
+            <a:schemeClr val="accent1"/>
+          </a:effectRef>
+          <a:fontRef idx="minor">
+            <a:schemeClr val="tx1"/>
+          </a:fontRef>
+        </p:style>
+      </p:cxnSp>
+      <p:cxnSp>
+        <p:nvCxnSpPr>
+          <p:cNvPr id="58" name="꺾인 연결선[E] 57">
+            <a:extLst>
+              <a:ext uri="{FF2B5EF4-FFF2-40B4-BE49-F238E27FC236}">
+                <a16:creationId xmlns:a16="http://schemas.microsoft.com/office/drawing/2014/main" id="{56F61056-66AC-474E-91BF-17E742E4E63D}"/>
+              </a:ext>
+            </a:extLst>
+          </p:cNvPr>
+          <p:cNvCxnSpPr>
+            <a:cxnSpLocks/>
+            <a:stCxn id="4" idx="0"/>
+            <a:endCxn id="47" idx="1"/>
+          </p:cNvCxnSpPr>
+          <p:nvPr/>
+        </p:nvCxnSpPr>
+        <p:spPr>
+          <a:xfrm rot="5400000" flipH="1" flipV="1">
+            <a:off x="1388043" y="1789767"/>
+            <a:ext cx="1873350" cy="398279"/>
+          </a:xfrm>
+          <a:prstGeom prst="bentConnector2">
+            <a:avLst/>
+          </a:prstGeom>
+          <a:ln w="12700">
+            <a:solidFill>
+              <a:schemeClr val="tx1"/>
+            </a:solidFill>
+            <a:tailEnd type="arrow" w="lg" len="lg"/>
+          </a:ln>
+        </p:spPr>
+        <p:style>
+          <a:lnRef idx="1">
+            <a:schemeClr val="accent1"/>
+          </a:lnRef>
+          <a:fillRef idx="0">
+            <a:schemeClr val="accent1"/>
+          </a:fillRef>
+          <a:effectRef idx="0">
+            <a:schemeClr val="accent1"/>
+          </a:effectRef>
+          <a:fontRef idx="minor">
+            <a:schemeClr val="tx1"/>
+          </a:fontRef>
+        </p:style>
+      </p:cxnSp>
+      <p:cxnSp>
+        <p:nvCxnSpPr>
+          <p:cNvPr id="59" name="꺾인 연결선[E] 58">
+            <a:extLst>
+              <a:ext uri="{FF2B5EF4-FFF2-40B4-BE49-F238E27FC236}">
+                <a16:creationId xmlns:a16="http://schemas.microsoft.com/office/drawing/2014/main" id="{3E939170-A7E7-7C4D-89C1-D790A92704FB}"/>
+              </a:ext>
+            </a:extLst>
+          </p:cNvPr>
+          <p:cNvCxnSpPr>
+            <a:cxnSpLocks/>
+            <a:stCxn id="4" idx="0"/>
+            <a:endCxn id="42" idx="2"/>
+          </p:cNvCxnSpPr>
+          <p:nvPr/>
+        </p:nvCxnSpPr>
+        <p:spPr>
+          <a:xfrm rot="16200000" flipV="1">
+            <a:off x="1224303" y="2024305"/>
+            <a:ext cx="797569" cy="1004984"/>
+          </a:xfrm>
+          <a:prstGeom prst="bentConnector3">
+            <a:avLst>
+              <a:gd name="adj1" fmla="val 50000"/>
+            </a:avLst>
+          </a:prstGeom>
+          <a:ln w="12700">
+            <a:solidFill>
+              <a:schemeClr val="tx1"/>
+            </a:solidFill>
+            <a:tailEnd type="arrow" w="lg" len="lg"/>
+          </a:ln>
+        </p:spPr>
+        <p:style>
+          <a:lnRef idx="1">
+            <a:schemeClr val="accent1"/>
+          </a:lnRef>
+          <a:fillRef idx="0">
+            <a:schemeClr val="accent1"/>
+          </a:fillRef>
+          <a:effectRef idx="0">
+            <a:schemeClr val="accent1"/>
+          </a:effectRef>
+          <a:fontRef idx="minor">
+            <a:schemeClr val="tx1"/>
+          </a:fontRef>
+        </p:style>
+      </p:cxnSp>
+    </p:spTree>
+    <p:extLst>
+      <p:ext uri="{BB962C8B-B14F-4D97-AF65-F5344CB8AC3E}">
+        <p14:creationId xmlns:p14="http://schemas.microsoft.com/office/powerpoint/2010/main" val="3889407204"/>
+      </p:ext>
+    </p:extLst>
+  </p:cSld>
+  <p:clrMapOvr>
+    <a:masterClrMapping/>
+  </p:clrMapOvr>
+</p:sld>
+</file>
+
 <file path=ppt/slides/slide3.xml><?xml version="1.0" encoding="utf-8"?>
 <p:sld xmlns:a="http://schemas.openxmlformats.org/drawingml/2006/main" xmlns:r="http://schemas.openxmlformats.org/officeDocument/2006/relationships" xmlns:p="http://schemas.openxmlformats.org/presentationml/2006/main">
   <p:cSld>

--- a/ClassDiagram.pptx
+++ b/ClassDiagram.pptx
@@ -23914,7 +23914,7 @@
         <p:spPr>
           <a:xfrm>
             <a:off x="344773" y="389745"/>
-            <a:ext cx="1415772" cy="461665"/>
+            <a:ext cx="2185214" cy="461665"/>
           </a:xfrm>
           <a:prstGeom prst="rect">
             <a:avLst/>
@@ -23953,7 +23953,7 @@
                 <a:latin typeface="D2Coding" panose="020B0609020101020101" pitchFamily="49" charset="-127"/>
                 <a:ea typeface="D2Coding" panose="020B0609020101020101" pitchFamily="49" charset="-127"/>
               </a:rPr>
-              <a:t>26</a:t>
+              <a:t>26 ~ 27</a:t>
             </a:r>
             <a:endParaRPr lang="ko-Kore-KR" sz="2400" dirty="0">
               <a:latin typeface="D2Coding" panose="020B0609020101020101" pitchFamily="49" charset="-127"/>
@@ -25747,7 +25747,7 @@
                 <a:latin typeface="D2Coding" panose="020B0609020101020101" pitchFamily="49" charset="-127"/>
                 <a:ea typeface="D2Coding" panose="020B0609020101020101" pitchFamily="49" charset="-127"/>
               </a:rPr>
-              <a:t>27</a:t>
+              <a:t>28</a:t>
             </a:r>
             <a:endParaRPr lang="ko-Kore-KR" sz="2400" dirty="0">
               <a:latin typeface="D2Coding" panose="020B0609020101020101" pitchFamily="49" charset="-127"/>
